--- a/slides/Exodus_20171105.pptx
+++ b/slides/Exodus_20171105.pptx
@@ -3754,9 +3754,6 @@
                       </a14:backgroundRemoval>
                     </a14:imgEffect>
                     <a14:imgEffect>
-                      <a14:artisticCutout/>
-                    </a14:imgEffect>
-                    <a14:imgEffect>
                       <a14:sharpenSoften amount="50000"/>
                     </a14:imgEffect>
                     <a14:imgEffect>
@@ -4000,7 +3997,7 @@
           <a:lstStyle/>
           <a:p>
             <a:r>
-              <a:rPr lang="ko-KR" altLang="en-US" sz="3600" spc="600" dirty="0">
+              <a:rPr lang="en-US" altLang="ko-KR" sz="3600" spc="600" dirty="0">
                 <a:ln w="6350" cmpd="sng">
                   <a:solidFill>
                     <a:schemeClr val="bg1"/>
@@ -4008,7 +4005,7 @@
                   <a:prstDash val="solid"/>
                 </a:ln>
                 <a:solidFill>
-                  <a:schemeClr val="accent2"/>
+                  <a:srgbClr val="930B0B"/>
                 </a:solidFill>
                 <a:effectLst>
                   <a:glow rad="25400">
@@ -4025,7 +4022,35 @@
                 <a:latin typeface="HY목각파임B" panose="02030600000101010101" pitchFamily="18" charset="-127"/>
                 <a:ea typeface="HY목각파임B" panose="02030600000101010101" pitchFamily="18" charset="-127"/>
               </a:rPr>
-              <a:t>게임 기획 중간 </a:t>
+              <a:t>2</a:t>
+            </a:r>
+            <a:r>
+              <a:rPr lang="ko-KR" altLang="en-US" sz="3600" spc="600" dirty="0">
+                <a:ln w="6350" cmpd="sng">
+                  <a:solidFill>
+                    <a:schemeClr val="bg1"/>
+                  </a:solidFill>
+                  <a:prstDash val="solid"/>
+                </a:ln>
+                <a:solidFill>
+                  <a:srgbClr val="930B0B"/>
+                </a:solidFill>
+                <a:effectLst>
+                  <a:glow rad="25400">
+                    <a:schemeClr val="bg1">
+                      <a:alpha val="40000"/>
+                    </a:schemeClr>
+                  </a:glow>
+                  <a:outerShdw blurRad="38100" dist="38100" dir="2700000" algn="tl">
+                    <a:srgbClr val="000000">
+                      <a:alpha val="43137"/>
+                    </a:srgbClr>
+                  </a:outerShdw>
+                </a:effectLst>
+                <a:latin typeface="HY목각파임B" panose="02030600000101010101" pitchFamily="18" charset="-127"/>
+                <a:ea typeface="HY목각파임B" panose="02030600000101010101" pitchFamily="18" charset="-127"/>
+              </a:rPr>
+              <a:t>차 발표 </a:t>
             </a:r>
             <a:r>
               <a:rPr lang="en-US" altLang="ko-KR" sz="3600" spc="600" dirty="0">
@@ -4036,7 +4061,7 @@
                   <a:prstDash val="solid"/>
                 </a:ln>
                 <a:solidFill>
-                  <a:schemeClr val="accent2"/>
+                  <a:srgbClr val="930B0B"/>
                 </a:solidFill>
                 <a:effectLst>
                   <a:glow rad="25400">
@@ -4067,7 +4092,7 @@
                   <a:miter lim="800000"/>
                 </a:ln>
                 <a:solidFill>
-                  <a:schemeClr val="accent2"/>
+                  <a:srgbClr val="930B0B"/>
                 </a:solidFill>
                 <a:effectLst>
                   <a:outerShdw blurRad="38100" dist="38100" dir="2700000" algn="tl">
@@ -4091,7 +4116,7 @@
                   <a:miter lim="800000"/>
                 </a:ln>
                 <a:solidFill>
-                  <a:schemeClr val="accent2"/>
+                  <a:srgbClr val="930B0B"/>
                 </a:solidFill>
                 <a:effectLst>
                   <a:outerShdw blurRad="38100" dist="38100" dir="2700000" algn="tl">
@@ -4115,7 +4140,7 @@
                   <a:miter lim="800000"/>
                 </a:ln>
                 <a:solidFill>
-                  <a:schemeClr val="accent2"/>
+                  <a:srgbClr val="930B0B"/>
                 </a:solidFill>
                 <a:effectLst>
                   <a:outerShdw blurRad="38100" dist="38100" dir="2700000" algn="tl">
@@ -4138,7 +4163,7 @@
                 <a:miter lim="800000"/>
               </a:ln>
               <a:solidFill>
-                <a:schemeClr val="accent2"/>
+                <a:srgbClr val="930B0B"/>
               </a:solidFill>
               <a:effectLst>
                 <a:outerShdw blurRad="38100" dist="38100" dir="2700000" algn="tl">

--- a/slides/Exodus_20171105.pptx
+++ b/slides/Exodus_20171105.pptx
@@ -2,47 +2,61 @@
 <file path=ppt/presentation.xml><?xml version="1.0" encoding="utf-8"?>
 <p:presentation xmlns:a="http://schemas.openxmlformats.org/drawingml/2006/main" xmlns:r="http://schemas.openxmlformats.org/officeDocument/2006/relationships" xmlns:p="http://schemas.openxmlformats.org/presentationml/2006/main" showSpecialPlsOnTitleSld="0" embedTrueTypeFonts="1" saveSubsetFonts="1">
   <p:sldMasterIdLst>
-    <p:sldMasterId id="2147483660" r:id="rId1"/>
+    <p:sldMasterId id="2147483798" r:id="rId1"/>
   </p:sldMasterIdLst>
   <p:notesMasterIdLst>
-    <p:notesMasterId r:id="rId3"/>
+    <p:notesMasterId r:id="rId6"/>
   </p:notesMasterIdLst>
   <p:handoutMasterIdLst>
-    <p:handoutMasterId r:id="rId4"/>
+    <p:handoutMasterId r:id="rId7"/>
   </p:handoutMasterIdLst>
   <p:sldIdLst>
     <p:sldId id="256" r:id="rId2"/>
+    <p:sldId id="257" r:id="rId3"/>
+    <p:sldId id="258" r:id="rId4"/>
+    <p:sldId id="259" r:id="rId5"/>
   </p:sldIdLst>
   <p:sldSz cx="9144000" cy="6858000" type="screen4x3"/>
   <p:notesSz cx="6858000" cy="9144000"/>
   <p:embeddedFontLst>
     <p:embeddedFont>
+      <p:font typeface="-윤고딕310" panose="02030504000101010101" pitchFamily="18" charset="-127"/>
+      <p:regular r:id="rId8"/>
+    </p:embeddedFont>
+    <p:embeddedFont>
+      <p:font typeface="Corbel" panose="020B0503020204020204" pitchFamily="34" charset="0"/>
+      <p:regular r:id="rId9"/>
+      <p:bold r:id="rId10"/>
+      <p:italic r:id="rId11"/>
+      <p:boldItalic r:id="rId12"/>
+    </p:embeddedFont>
+    <p:embeddedFont>
+      <p:font typeface="Wingdings 2" panose="05020102010507070707" pitchFamily="18" charset="2"/>
+      <p:regular r:id="rId13"/>
+    </p:embeddedFont>
+    <p:embeddedFont>
+      <p:font typeface="나눔고딕 ExtraBold" panose="020D0904000000000000" pitchFamily="50" charset="-127"/>
+      <p:bold r:id="rId14"/>
+    </p:embeddedFont>
+    <p:embeddedFont>
       <p:font typeface="Jacinto Sans" panose="00000400000000000000" pitchFamily="2" charset="0"/>
-      <p:regular r:id="rId5"/>
+      <p:regular r:id="rId15"/>
     </p:embeddedFont>
     <p:embeddedFont>
       <p:font typeface="맑은 고딕" panose="020B0503020000020004" pitchFamily="50" charset="-127"/>
-      <p:regular r:id="rId6"/>
-      <p:bold r:id="rId7"/>
-    </p:embeddedFont>
-    <p:embeddedFont>
-      <p:font typeface="HY목각파임B" panose="02030600000101010101" pitchFamily="18" charset="-127"/>
-      <p:regular r:id="rId8"/>
-    </p:embeddedFont>
-    <p:embeddedFont>
-      <p:font typeface="-윤고딕310" panose="02030504000101010101" pitchFamily="18" charset="-127"/>
-      <p:regular r:id="rId9"/>
+      <p:regular r:id="rId16"/>
+      <p:bold r:id="rId17"/>
     </p:embeddedFont>
     <p:embeddedFont>
       <p:font typeface="-윤고딕320" panose="02030504000101010101" pitchFamily="18" charset="-127"/>
-      <p:regular r:id="rId10"/>
+      <p:regular r:id="rId18"/>
     </p:embeddedFont>
   </p:embeddedFontLst>
   <p:defaultTextStyle>
     <a:defPPr>
-      <a:defRPr lang="ko-KR"/>
+      <a:defRPr lang="en-US"/>
     </a:defPPr>
-    <a:lvl1pPr marL="0" algn="l" defTabSz="914400" rtl="0" eaLnBrk="1" latinLnBrk="1" hangingPunct="1">
+    <a:lvl1pPr marL="0" algn="l" defTabSz="914400" rtl="0" eaLnBrk="1" latinLnBrk="0" hangingPunct="1">
       <a:defRPr sz="1800" kern="1200">
         <a:solidFill>
           <a:schemeClr val="tx1"/>
@@ -52,7 +66,7 @@
         <a:cs typeface="+mn-cs"/>
       </a:defRPr>
     </a:lvl1pPr>
-    <a:lvl2pPr marL="457200" algn="l" defTabSz="914400" rtl="0" eaLnBrk="1" latinLnBrk="1" hangingPunct="1">
+    <a:lvl2pPr marL="457200" algn="l" defTabSz="914400" rtl="0" eaLnBrk="1" latinLnBrk="0" hangingPunct="1">
       <a:defRPr sz="1800" kern="1200">
         <a:solidFill>
           <a:schemeClr val="tx1"/>
@@ -62,7 +76,7 @@
         <a:cs typeface="+mn-cs"/>
       </a:defRPr>
     </a:lvl2pPr>
-    <a:lvl3pPr marL="914400" algn="l" defTabSz="914400" rtl="0" eaLnBrk="1" latinLnBrk="1" hangingPunct="1">
+    <a:lvl3pPr marL="914400" algn="l" defTabSz="914400" rtl="0" eaLnBrk="1" latinLnBrk="0" hangingPunct="1">
       <a:defRPr sz="1800" kern="1200">
         <a:solidFill>
           <a:schemeClr val="tx1"/>
@@ -72,7 +86,7 @@
         <a:cs typeface="+mn-cs"/>
       </a:defRPr>
     </a:lvl3pPr>
-    <a:lvl4pPr marL="1371600" algn="l" defTabSz="914400" rtl="0" eaLnBrk="1" latinLnBrk="1" hangingPunct="1">
+    <a:lvl4pPr marL="1371600" algn="l" defTabSz="914400" rtl="0" eaLnBrk="1" latinLnBrk="0" hangingPunct="1">
       <a:defRPr sz="1800" kern="1200">
         <a:solidFill>
           <a:schemeClr val="tx1"/>
@@ -82,7 +96,7 @@
         <a:cs typeface="+mn-cs"/>
       </a:defRPr>
     </a:lvl4pPr>
-    <a:lvl5pPr marL="1828800" algn="l" defTabSz="914400" rtl="0" eaLnBrk="1" latinLnBrk="1" hangingPunct="1">
+    <a:lvl5pPr marL="1828800" algn="l" defTabSz="914400" rtl="0" eaLnBrk="1" latinLnBrk="0" hangingPunct="1">
       <a:defRPr sz="1800" kern="1200">
         <a:solidFill>
           <a:schemeClr val="tx1"/>
@@ -92,7 +106,7 @@
         <a:cs typeface="+mn-cs"/>
       </a:defRPr>
     </a:lvl5pPr>
-    <a:lvl6pPr marL="2286000" algn="l" defTabSz="914400" rtl="0" eaLnBrk="1" latinLnBrk="1" hangingPunct="1">
+    <a:lvl6pPr marL="2286000" algn="l" defTabSz="914400" rtl="0" eaLnBrk="1" latinLnBrk="0" hangingPunct="1">
       <a:defRPr sz="1800" kern="1200">
         <a:solidFill>
           <a:schemeClr val="tx1"/>
@@ -102,7 +116,7 @@
         <a:cs typeface="+mn-cs"/>
       </a:defRPr>
     </a:lvl6pPr>
-    <a:lvl7pPr marL="2743200" algn="l" defTabSz="914400" rtl="0" eaLnBrk="1" latinLnBrk="1" hangingPunct="1">
+    <a:lvl7pPr marL="2743200" algn="l" defTabSz="914400" rtl="0" eaLnBrk="1" latinLnBrk="0" hangingPunct="1">
       <a:defRPr sz="1800" kern="1200">
         <a:solidFill>
           <a:schemeClr val="tx1"/>
@@ -112,7 +126,7 @@
         <a:cs typeface="+mn-cs"/>
       </a:defRPr>
     </a:lvl7pPr>
-    <a:lvl8pPr marL="3200400" algn="l" defTabSz="914400" rtl="0" eaLnBrk="1" latinLnBrk="1" hangingPunct="1">
+    <a:lvl8pPr marL="3200400" algn="l" defTabSz="914400" rtl="0" eaLnBrk="1" latinLnBrk="0" hangingPunct="1">
       <a:defRPr sz="1800" kern="1200">
         <a:solidFill>
           <a:schemeClr val="tx1"/>
@@ -122,7 +136,7 @@
         <a:cs typeface="+mn-cs"/>
       </a:defRPr>
     </a:lvl8pPr>
-    <a:lvl9pPr marL="3657600" algn="l" defTabSz="914400" rtl="0" eaLnBrk="1" latinLnBrk="1" hangingPunct="1">
+    <a:lvl9pPr marL="3657600" algn="l" defTabSz="914400" rtl="0" eaLnBrk="1" latinLnBrk="0" hangingPunct="1">
       <a:defRPr sz="1800" kern="1200">
         <a:solidFill>
           <a:schemeClr val="tx1"/>
@@ -238,7 +252,7 @@
           <a:p>
             <a:fld id="{1132C5E1-A435-4934-A809-98B064A56FAB}" type="datetimeFigureOut">
               <a:rPr lang="ko-KR" altLang="en-US" smtClean="0"/>
-              <a:t>2017-11-18</a:t>
+              <a:t>2017-11-19</a:t>
             </a:fld>
             <a:endParaRPr lang="ko-KR" altLang="en-US"/>
           </a:p>
@@ -403,7 +417,7 @@
           <a:p>
             <a:fld id="{88516352-DFDA-4994-AF78-AD4E10DDDF59}" type="datetimeFigureOut">
               <a:rPr lang="ko-KR" altLang="en-US" smtClean="0"/>
-              <a:t>2017-11-18</a:t>
+              <a:t>2017-11-19</a:t>
             </a:fld>
             <a:endParaRPr lang="ko-KR" altLang="en-US"/>
           </a:p>
@@ -773,34 +787,92 @@
       </p:grpSpPr>
       <p:sp>
         <p:nvSpPr>
-          <p:cNvPr id="2" name="제목 1"/>
-          <p:cNvSpPr>
-            <a:spLocks noGrp="1"/>
-          </p:cNvSpPr>
-          <p:nvPr>
-            <p:ph type="ctrTitle"/>
-          </p:nvPr>
+          <p:cNvPr id="36" name="Rectangle 35"/>
+          <p:cNvSpPr/>
+          <p:nvPr/>
         </p:nvSpPr>
-        <p:spPr>
+        <p:spPr bwMode="gray">
           <a:xfrm>
-            <a:off x="685800" y="2130425"/>
-            <a:ext cx="7772400" cy="1470025"/>
+            <a:off x="0" y="1929384"/>
+            <a:ext cx="9144000" cy="4928616"/>
           </a:xfrm>
+          <a:prstGeom prst="rect">
+            <a:avLst/>
+          </a:prstGeom>
+          <a:solidFill>
+            <a:schemeClr val="bg2">
+              <a:lumMod val="90000"/>
+            </a:schemeClr>
+          </a:solidFill>
+          <a:ln>
+            <a:noFill/>
+          </a:ln>
         </p:spPr>
+        <p:style>
+          <a:lnRef idx="2">
+            <a:schemeClr val="accent1">
+              <a:shade val="50000"/>
+            </a:schemeClr>
+          </a:lnRef>
+          <a:fillRef idx="1">
+            <a:schemeClr val="accent1"/>
+          </a:fillRef>
+          <a:effectRef idx="0">
+            <a:schemeClr val="accent1"/>
+          </a:effectRef>
+          <a:fontRef idx="minor">
+            <a:schemeClr val="lt1"/>
+          </a:fontRef>
+        </p:style>
         <p:txBody>
-          <a:bodyPr/>
+          <a:bodyPr rtlCol="0" anchor="ctr"/>
           <a:lstStyle/>
           <a:p>
-            <a:r>
-              <a:rPr lang="ko-KR" altLang="en-US"/>
-              <a:t>마스터 제목 스타일 편집</a:t>
-            </a:r>
+            <a:pPr algn="ctr"/>
+            <a:endParaRPr lang="en-US"/>
           </a:p>
         </p:txBody>
       </p:sp>
+      <p:pic>
+        <p:nvPicPr>
+          <p:cNvPr id="38" name="Picture 46" descr="2.png"/>
+          <p:cNvPicPr>
+            <a:picLocks noChangeAspect="1"/>
+          </p:cNvPicPr>
+          <p:nvPr/>
+        </p:nvPicPr>
+        <p:blipFill>
+          <a:blip r:embed="rId2">
+            <a:duotone>
+              <a:schemeClr val="bg2">
+                <a:shade val="45000"/>
+                <a:satMod val="135000"/>
+              </a:schemeClr>
+              <a:prstClr val="white"/>
+            </a:duotone>
+          </a:blip>
+          <a:srcRect r="165" b="15496"/>
+          <a:stretch>
+            <a:fillRect/>
+          </a:stretch>
+        </p:blipFill>
+        <p:spPr bwMode="gray">
+          <a:xfrm>
+            <a:off x="5072066" y="3571876"/>
+            <a:ext cx="3717091" cy="3286124"/>
+          </a:xfrm>
+          <a:prstGeom prst="rect">
+            <a:avLst/>
+          </a:prstGeom>
+          <a:noFill/>
+          <a:ln>
+            <a:noFill/>
+          </a:ln>
+        </p:spPr>
+      </p:pic>
       <p:sp>
         <p:nvSpPr>
-          <p:cNvPr id="3" name="부제목 2"/>
+          <p:cNvPr id="3" name="Subtitle 2"/>
           <p:cNvSpPr>
             <a:spLocks noGrp="1"/>
           </p:cNvSpPr>
@@ -808,22 +880,22 @@
             <p:ph type="subTitle" idx="1"/>
           </p:nvPr>
         </p:nvSpPr>
-        <p:spPr>
+        <p:spPr bwMode="black">
           <a:xfrm>
-            <a:off x="1371600" y="3886200"/>
-            <a:ext cx="6400800" cy="1752600"/>
+            <a:off x="758952" y="786384"/>
+            <a:ext cx="6400800" cy="841248"/>
           </a:xfrm>
         </p:spPr>
         <p:txBody>
-          <a:bodyPr/>
+          <a:bodyPr anchor="ctr">
+            <a:normAutofit/>
+          </a:bodyPr>
           <a:lstStyle>
-            <a:lvl1pPr marL="0" indent="0" algn="ctr">
+            <a:lvl1pPr marL="0" indent="0" algn="r">
               <a:buNone/>
-              <a:defRPr>
+              <a:defRPr sz="2000">
                 <a:solidFill>
-                  <a:schemeClr val="tx1">
-                    <a:tint val="75000"/>
-                  </a:schemeClr>
+                  <a:schemeClr val="tx1"/>
                 </a:solidFill>
               </a:defRPr>
             </a:lvl1pPr>
@@ -911,14 +983,15 @@
           <a:p>
             <a:r>
               <a:rPr lang="ko-KR" altLang="en-US"/>
-              <a:t>마스터 부제목 스타일 편집</a:t>
+              <a:t>클릭하여 마스터 부제목 스타일 편집</a:t>
             </a:r>
+            <a:endParaRPr lang="en-US"/>
           </a:p>
         </p:txBody>
       </p:sp>
       <p:sp>
         <p:nvSpPr>
-          <p:cNvPr id="4" name="날짜 개체 틀 3"/>
+          <p:cNvPr id="4" name="Date Placeholder 3"/>
           <p:cNvSpPr>
             <a:spLocks noGrp="1"/>
           </p:cNvSpPr>
@@ -933,7 +1006,7 @@
           <a:p>
             <a:fld id="{21FE6AF9-BCE9-4DFB-A515-A45A90F94332}" type="datetime1">
               <a:rPr lang="ko-KR" altLang="en-US" smtClean="0"/>
-              <a:t>2017-11-18</a:t>
+              <a:t>2017-11-19</a:t>
             </a:fld>
             <a:endParaRPr lang="ko-KR" altLang="en-US"/>
           </a:p>
@@ -941,7 +1014,7 @@
       </p:sp>
       <p:sp>
         <p:nvSpPr>
-          <p:cNvPr id="5" name="바닥글 개체 틀 4"/>
+          <p:cNvPr id="5" name="Footer Placeholder 4"/>
           <p:cNvSpPr>
             <a:spLocks noGrp="1"/>
           </p:cNvSpPr>
@@ -960,7 +1033,7 @@
       </p:sp>
       <p:sp>
         <p:nvSpPr>
-          <p:cNvPr id="6" name="슬라이드 번호 개체 틀 5"/>
+          <p:cNvPr id="6" name="Slide Number Placeholder 5"/>
           <p:cNvSpPr>
             <a:spLocks noGrp="1"/>
           </p:cNvSpPr>
@@ -981,10 +1054,860 @@
           </a:p>
         </p:txBody>
       </p:sp>
+      <p:grpSp>
+        <p:nvGrpSpPr>
+          <p:cNvPr id="7" name="Group 20"/>
+          <p:cNvGrpSpPr/>
+          <p:nvPr/>
+        </p:nvGrpSpPr>
+        <p:grpSpPr bwMode="gray">
+          <a:xfrm>
+            <a:off x="7342632" y="740664"/>
+            <a:ext cx="738052" cy="1640146"/>
+            <a:chOff x="6869341" y="609600"/>
+            <a:chExt cx="738052" cy="1640146"/>
+          </a:xfrm>
+        </p:grpSpPr>
+        <p:sp>
+          <p:nvSpPr>
+            <p:cNvPr id="20" name="Rectangle 19"/>
+            <p:cNvSpPr/>
+            <p:nvPr userDrawn="1"/>
+          </p:nvSpPr>
+          <p:spPr bwMode="gray">
+            <a:xfrm rot="360000">
+              <a:off x="7397081" y="748488"/>
+              <a:ext cx="210312" cy="1444752"/>
+            </a:xfrm>
+            <a:prstGeom prst="rect">
+              <a:avLst/>
+            </a:prstGeom>
+            <a:gradFill>
+              <a:gsLst>
+                <a:gs pos="0">
+                  <a:schemeClr val="bg1">
+                    <a:lumMod val="50000"/>
+                  </a:schemeClr>
+                </a:gs>
+                <a:gs pos="35000">
+                  <a:schemeClr val="bg1">
+                    <a:lumMod val="50000"/>
+                    <a:alpha val="0"/>
+                  </a:schemeClr>
+                </a:gs>
+              </a:gsLst>
+              <a:lin ang="2700000" scaled="1"/>
+            </a:gradFill>
+            <a:ln>
+              <a:noFill/>
+            </a:ln>
+          </p:spPr>
+          <p:style>
+            <a:lnRef idx="2">
+              <a:schemeClr val="accent1">
+                <a:shade val="50000"/>
+              </a:schemeClr>
+            </a:lnRef>
+            <a:fillRef idx="1">
+              <a:schemeClr val="accent1"/>
+            </a:fillRef>
+            <a:effectRef idx="0">
+              <a:schemeClr val="accent1"/>
+            </a:effectRef>
+            <a:fontRef idx="minor">
+              <a:schemeClr val="lt1"/>
+            </a:fontRef>
+          </p:style>
+          <p:txBody>
+            <a:bodyPr rtlCol="0" anchor="ctr"/>
+            <a:lstStyle/>
+            <a:p>
+              <a:pPr algn="ctr"/>
+              <a:endParaRPr lang="en-US"/>
+            </a:p>
+          </p:txBody>
+        </p:sp>
+        <p:grpSp>
+          <p:nvGrpSpPr>
+            <p:cNvPr id="8" name="Group 18"/>
+            <p:cNvGrpSpPr/>
+            <p:nvPr userDrawn="1"/>
+          </p:nvGrpSpPr>
+          <p:grpSpPr bwMode="gray">
+            <a:xfrm>
+              <a:off x="6869341" y="609600"/>
+              <a:ext cx="586829" cy="1640146"/>
+              <a:chOff x="6850291" y="609600"/>
+              <a:chExt cx="586829" cy="1640146"/>
+            </a:xfrm>
+          </p:grpSpPr>
+          <p:sp>
+            <p:nvSpPr>
+              <p:cNvPr id="17" name="Rectangle 16"/>
+              <p:cNvSpPr/>
+              <p:nvPr userDrawn="1"/>
+            </p:nvSpPr>
+            <p:spPr bwMode="gray">
+              <a:xfrm rot="360000">
+                <a:off x="6934200" y="609600"/>
+                <a:ext cx="502920" cy="576072"/>
+              </a:xfrm>
+              <a:prstGeom prst="rect">
+                <a:avLst/>
+              </a:prstGeom>
+              <a:ln>
+                <a:noFill/>
+              </a:ln>
+            </p:spPr>
+            <p:style>
+              <a:lnRef idx="2">
+                <a:schemeClr val="accent1">
+                  <a:shade val="50000"/>
+                </a:schemeClr>
+              </a:lnRef>
+              <a:fillRef idx="1">
+                <a:schemeClr val="accent1"/>
+              </a:fillRef>
+              <a:effectRef idx="0">
+                <a:schemeClr val="accent1"/>
+              </a:effectRef>
+              <a:fontRef idx="minor">
+                <a:schemeClr val="lt1"/>
+              </a:fontRef>
+            </p:style>
+            <p:txBody>
+              <a:bodyPr rtlCol="0" anchor="ctr"/>
+              <a:lstStyle/>
+              <a:p>
+                <a:pPr algn="ctr"/>
+                <a:endParaRPr lang="en-US"/>
+              </a:p>
+            </p:txBody>
+          </p:sp>
+          <p:sp>
+            <p:nvSpPr>
+              <p:cNvPr id="18" name="Rectangle 17"/>
+              <p:cNvSpPr/>
+              <p:nvPr userDrawn="1"/>
+            </p:nvSpPr>
+            <p:spPr bwMode="gray">
+              <a:xfrm rot="360000">
+                <a:off x="6850291" y="1179898"/>
+                <a:ext cx="502920" cy="1069848"/>
+              </a:xfrm>
+              <a:prstGeom prst="rect">
+                <a:avLst/>
+              </a:prstGeom>
+              <a:solidFill>
+                <a:schemeClr val="accent1">
+                  <a:lumMod val="20000"/>
+                  <a:lumOff val="80000"/>
+                  <a:alpha val="40000"/>
+                </a:schemeClr>
+              </a:solidFill>
+              <a:ln>
+                <a:noFill/>
+              </a:ln>
+            </p:spPr>
+            <p:style>
+              <a:lnRef idx="2">
+                <a:schemeClr val="accent1">
+                  <a:shade val="50000"/>
+                </a:schemeClr>
+              </a:lnRef>
+              <a:fillRef idx="1">
+                <a:schemeClr val="accent1"/>
+              </a:fillRef>
+              <a:effectRef idx="0">
+                <a:schemeClr val="accent1"/>
+              </a:effectRef>
+              <a:fontRef idx="minor">
+                <a:schemeClr val="lt1"/>
+              </a:fontRef>
+            </p:style>
+            <p:txBody>
+              <a:bodyPr rtlCol="0" anchor="ctr"/>
+              <a:lstStyle/>
+              <a:p>
+                <a:pPr algn="ctr"/>
+                <a:endParaRPr lang="en-US"/>
+              </a:p>
+            </p:txBody>
+          </p:sp>
+        </p:grpSp>
+      </p:grpSp>
+      <p:grpSp>
+        <p:nvGrpSpPr>
+          <p:cNvPr id="9" name="Group 26"/>
+          <p:cNvGrpSpPr/>
+          <p:nvPr/>
+        </p:nvGrpSpPr>
+        <p:grpSpPr bwMode="gray">
+          <a:xfrm>
+            <a:off x="7946136" y="1106424"/>
+            <a:ext cx="753801" cy="1637570"/>
+            <a:chOff x="7946136" y="1106424"/>
+            <a:chExt cx="753801" cy="1637570"/>
+          </a:xfrm>
+        </p:grpSpPr>
+        <p:sp>
+          <p:nvSpPr>
+            <p:cNvPr id="23" name="Rectangle 22"/>
+            <p:cNvSpPr/>
+            <p:nvPr userDrawn="1"/>
+          </p:nvSpPr>
+          <p:spPr bwMode="gray">
+            <a:xfrm rot="600000">
+              <a:off x="8489625" y="1245312"/>
+              <a:ext cx="210312" cy="1444752"/>
+            </a:xfrm>
+            <a:prstGeom prst="rect">
+              <a:avLst/>
+            </a:prstGeom>
+            <a:gradFill>
+              <a:gsLst>
+                <a:gs pos="0">
+                  <a:schemeClr val="bg1">
+                    <a:lumMod val="50000"/>
+                  </a:schemeClr>
+                </a:gs>
+                <a:gs pos="35000">
+                  <a:schemeClr val="bg1">
+                    <a:lumMod val="50000"/>
+                    <a:alpha val="0"/>
+                  </a:schemeClr>
+                </a:gs>
+              </a:gsLst>
+              <a:lin ang="2700000" scaled="1"/>
+            </a:gradFill>
+            <a:ln>
+              <a:noFill/>
+            </a:ln>
+          </p:spPr>
+          <p:style>
+            <a:lnRef idx="2">
+              <a:schemeClr val="accent1">
+                <a:shade val="50000"/>
+              </a:schemeClr>
+            </a:lnRef>
+            <a:fillRef idx="1">
+              <a:schemeClr val="accent1"/>
+            </a:fillRef>
+            <a:effectRef idx="0">
+              <a:schemeClr val="accent1"/>
+            </a:effectRef>
+            <a:fontRef idx="minor">
+              <a:schemeClr val="lt1"/>
+            </a:fontRef>
+          </p:style>
+          <p:txBody>
+            <a:bodyPr rtlCol="0" anchor="ctr"/>
+            <a:lstStyle/>
+            <a:p>
+              <a:pPr algn="ctr"/>
+              <a:endParaRPr lang="en-US"/>
+            </a:p>
+          </p:txBody>
+        </p:sp>
+        <p:sp>
+          <p:nvSpPr>
+            <p:cNvPr id="25" name="Rectangle 24"/>
+            <p:cNvSpPr/>
+            <p:nvPr userDrawn="1"/>
+          </p:nvSpPr>
+          <p:spPr bwMode="gray">
+            <a:xfrm rot="600000">
+              <a:off x="8083296" y="1106424"/>
+              <a:ext cx="502920" cy="576072"/>
+            </a:xfrm>
+            <a:prstGeom prst="rect">
+              <a:avLst/>
+            </a:prstGeom>
+            <a:solidFill>
+              <a:schemeClr val="accent2"/>
+            </a:solidFill>
+            <a:ln>
+              <a:noFill/>
+            </a:ln>
+          </p:spPr>
+          <p:style>
+            <a:lnRef idx="2">
+              <a:schemeClr val="accent1">
+                <a:shade val="50000"/>
+              </a:schemeClr>
+            </a:lnRef>
+            <a:fillRef idx="1">
+              <a:schemeClr val="accent1"/>
+            </a:fillRef>
+            <a:effectRef idx="0">
+              <a:schemeClr val="accent1"/>
+            </a:effectRef>
+            <a:fontRef idx="minor">
+              <a:schemeClr val="lt1"/>
+            </a:fontRef>
+          </p:style>
+          <p:txBody>
+            <a:bodyPr rtlCol="0" anchor="ctr"/>
+            <a:lstStyle/>
+            <a:p>
+              <a:pPr algn="ctr"/>
+              <a:endParaRPr lang="en-US"/>
+            </a:p>
+          </p:txBody>
+        </p:sp>
+        <p:sp>
+          <p:nvSpPr>
+            <p:cNvPr id="26" name="Rectangle 25"/>
+            <p:cNvSpPr/>
+            <p:nvPr userDrawn="1"/>
+          </p:nvSpPr>
+          <p:spPr bwMode="gray">
+            <a:xfrm rot="600000">
+              <a:off x="7946136" y="1674146"/>
+              <a:ext cx="502920" cy="1069848"/>
+            </a:xfrm>
+            <a:prstGeom prst="rect">
+              <a:avLst/>
+            </a:prstGeom>
+            <a:solidFill>
+              <a:schemeClr val="accent2">
+                <a:lumMod val="20000"/>
+                <a:lumOff val="80000"/>
+                <a:alpha val="40000"/>
+              </a:schemeClr>
+            </a:solidFill>
+            <a:ln>
+              <a:noFill/>
+            </a:ln>
+          </p:spPr>
+          <p:style>
+            <a:lnRef idx="2">
+              <a:schemeClr val="accent1">
+                <a:shade val="50000"/>
+              </a:schemeClr>
+            </a:lnRef>
+            <a:fillRef idx="1">
+              <a:schemeClr val="accent1"/>
+            </a:fillRef>
+            <a:effectRef idx="0">
+              <a:schemeClr val="accent1"/>
+            </a:effectRef>
+            <a:fontRef idx="minor">
+              <a:schemeClr val="lt1"/>
+            </a:fontRef>
+          </p:style>
+          <p:txBody>
+            <a:bodyPr rtlCol="0" anchor="ctr"/>
+            <a:lstStyle/>
+            <a:p>
+              <a:pPr algn="ctr"/>
+              <a:endParaRPr lang="en-US"/>
+            </a:p>
+          </p:txBody>
+        </p:sp>
+      </p:grpSp>
+      <p:grpSp>
+        <p:nvGrpSpPr>
+          <p:cNvPr id="10" name="Group 41"/>
+          <p:cNvGrpSpPr/>
+          <p:nvPr/>
+        </p:nvGrpSpPr>
+        <p:grpSpPr bwMode="gray">
+          <a:xfrm>
+            <a:off x="0" y="1810512"/>
+            <a:ext cx="9144000" cy="120460"/>
+            <a:chOff x="0" y="1810512"/>
+            <a:chExt cx="9144000" cy="120460"/>
+          </a:xfrm>
+        </p:grpSpPr>
+        <p:cxnSp>
+          <p:nvCxnSpPr>
+            <p:cNvPr id="32" name="Straight Connector 31"/>
+            <p:cNvCxnSpPr/>
+            <p:nvPr userDrawn="1"/>
+          </p:nvCxnSpPr>
+          <p:spPr bwMode="gray">
+            <a:xfrm>
+              <a:off x="0" y="1810512"/>
+              <a:ext cx="9144000" cy="1588"/>
+            </a:xfrm>
+            <a:prstGeom prst="line">
+              <a:avLst/>
+            </a:prstGeom>
+            <a:ln w="9525">
+              <a:solidFill>
+                <a:schemeClr val="bg2">
+                  <a:lumMod val="75000"/>
+                </a:schemeClr>
+              </a:solidFill>
+            </a:ln>
+            <a:effectLst>
+              <a:outerShdw dist="25400" dir="5400000" algn="ctr" rotWithShape="0">
+                <a:srgbClr val="000000">
+                  <a:alpha val="22000"/>
+                </a:srgbClr>
+              </a:outerShdw>
+            </a:effectLst>
+          </p:spPr>
+          <p:style>
+            <a:lnRef idx="1">
+              <a:schemeClr val="accent1"/>
+            </a:lnRef>
+            <a:fillRef idx="0">
+              <a:schemeClr val="accent1"/>
+            </a:fillRef>
+            <a:effectRef idx="0">
+              <a:schemeClr val="accent1"/>
+            </a:effectRef>
+            <a:fontRef idx="minor">
+              <a:schemeClr val="tx1"/>
+            </a:fontRef>
+          </p:style>
+        </p:cxnSp>
+        <p:cxnSp>
+          <p:nvCxnSpPr>
+            <p:cNvPr id="34" name="Straight Connector 33"/>
+            <p:cNvCxnSpPr/>
+            <p:nvPr userDrawn="1"/>
+          </p:nvCxnSpPr>
+          <p:spPr bwMode="gray">
+            <a:xfrm>
+              <a:off x="0" y="1865376"/>
+              <a:ext cx="9144000" cy="1588"/>
+            </a:xfrm>
+            <a:prstGeom prst="line">
+              <a:avLst/>
+            </a:prstGeom>
+            <a:ln w="9525">
+              <a:solidFill>
+                <a:schemeClr val="bg2">
+                  <a:lumMod val="75000"/>
+                </a:schemeClr>
+              </a:solidFill>
+            </a:ln>
+            <a:effectLst>
+              <a:outerShdw dist="25400" dir="5400000" algn="ctr" rotWithShape="0">
+                <a:srgbClr val="000000">
+                  <a:alpha val="22000"/>
+                </a:srgbClr>
+              </a:outerShdw>
+            </a:effectLst>
+          </p:spPr>
+          <p:style>
+            <a:lnRef idx="1">
+              <a:schemeClr val="accent1"/>
+            </a:lnRef>
+            <a:fillRef idx="0">
+              <a:schemeClr val="accent1"/>
+            </a:fillRef>
+            <a:effectRef idx="0">
+              <a:schemeClr val="accent1"/>
+            </a:effectRef>
+            <a:fontRef idx="minor">
+              <a:schemeClr val="tx1"/>
+            </a:fontRef>
+          </p:style>
+        </p:cxnSp>
+        <p:cxnSp>
+          <p:nvCxnSpPr>
+            <p:cNvPr id="35" name="Straight Connector 34"/>
+            <p:cNvCxnSpPr/>
+            <p:nvPr userDrawn="1"/>
+          </p:nvCxnSpPr>
+          <p:spPr bwMode="gray">
+            <a:xfrm>
+              <a:off x="0" y="1929384"/>
+              <a:ext cx="9144000" cy="1588"/>
+            </a:xfrm>
+            <a:prstGeom prst="line">
+              <a:avLst/>
+            </a:prstGeom>
+            <a:ln w="9525">
+              <a:solidFill>
+                <a:schemeClr val="bg2">
+                  <a:lumMod val="75000"/>
+                </a:schemeClr>
+              </a:solidFill>
+            </a:ln>
+            <a:effectLst>
+              <a:outerShdw dist="25400" dir="5400000" algn="ctr" rotWithShape="0">
+                <a:srgbClr val="000000">
+                  <a:alpha val="22000"/>
+                </a:srgbClr>
+              </a:outerShdw>
+            </a:effectLst>
+          </p:spPr>
+          <p:style>
+            <a:lnRef idx="1">
+              <a:schemeClr val="accent1"/>
+            </a:lnRef>
+            <a:fillRef idx="0">
+              <a:schemeClr val="accent1"/>
+            </a:fillRef>
+            <a:effectRef idx="0">
+              <a:schemeClr val="accent1"/>
+            </a:effectRef>
+            <a:fontRef idx="minor">
+              <a:schemeClr val="tx1"/>
+            </a:fontRef>
+          </p:style>
+        </p:cxnSp>
+      </p:grpSp>
+      <p:grpSp>
+        <p:nvGrpSpPr>
+          <p:cNvPr id="11" name="Group 277"/>
+          <p:cNvGrpSpPr>
+            <a:grpSpLocks/>
+          </p:cNvGrpSpPr>
+          <p:nvPr/>
+        </p:nvGrpSpPr>
+        <p:grpSpPr bwMode="gray">
+          <a:xfrm rot="5400000">
+            <a:off x="396513" y="2337123"/>
+            <a:ext cx="1500199" cy="1416985"/>
+            <a:chOff x="42" y="4085"/>
+            <a:chExt cx="224" cy="224"/>
+          </a:xfrm>
+          <a:solidFill>
+            <a:srgbClr val="F8F7F3">
+              <a:alpha val="30196"/>
+            </a:srgbClr>
+          </a:solidFill>
+        </p:grpSpPr>
+        <p:sp>
+          <p:nvSpPr>
+            <p:cNvPr id="40" name="Freeform 278"/>
+            <p:cNvSpPr>
+              <a:spLocks/>
+            </p:cNvSpPr>
+            <p:nvPr userDrawn="1"/>
+          </p:nvSpPr>
+          <p:spPr bwMode="gray">
+            <a:xfrm>
+              <a:off x="89" y="4127"/>
+              <a:ext cx="136" cy="142"/>
+            </a:xfrm>
+            <a:custGeom>
+              <a:avLst/>
+              <a:gdLst/>
+              <a:ahLst/>
+              <a:cxnLst>
+                <a:cxn ang="0">
+                  <a:pos x="226" y="24"/>
+                </a:cxn>
+                <a:cxn ang="0">
+                  <a:pos x="7" y="311"/>
+                </a:cxn>
+                <a:cxn ang="0">
+                  <a:pos x="30" y="389"/>
+                </a:cxn>
+                <a:cxn ang="0">
+                  <a:pos x="124" y="402"/>
+                </a:cxn>
+                <a:cxn ang="0">
+                  <a:pos x="193" y="317"/>
+                </a:cxn>
+                <a:cxn ang="0">
+                  <a:pos x="193" y="524"/>
+                </a:cxn>
+                <a:cxn ang="0">
+                  <a:pos x="276" y="585"/>
+                </a:cxn>
+                <a:cxn ang="0">
+                  <a:pos x="363" y="522"/>
+                </a:cxn>
+                <a:cxn ang="0">
+                  <a:pos x="363" y="305"/>
+                </a:cxn>
+                <a:cxn ang="0">
+                  <a:pos x="447" y="405"/>
+                </a:cxn>
+                <a:cxn ang="0">
+                  <a:pos x="534" y="398"/>
+                </a:cxn>
+                <a:cxn ang="0">
+                  <a:pos x="562" y="320"/>
+                </a:cxn>
+                <a:cxn ang="0">
+                  <a:pos x="331" y="17"/>
+                </a:cxn>
+                <a:cxn ang="0">
+                  <a:pos x="280" y="2"/>
+                </a:cxn>
+                <a:cxn ang="0">
+                  <a:pos x="226" y="24"/>
+                </a:cxn>
+              </a:cxnLst>
+              <a:rect l="0" t="0" r="r" b="b"/>
+              <a:pathLst>
+                <a:path w="562" h="587">
+                  <a:moveTo>
+                    <a:pt x="226" y="24"/>
+                  </a:moveTo>
+                  <a:cubicBezTo>
+                    <a:pt x="181" y="76"/>
+                    <a:pt x="40" y="250"/>
+                    <a:pt x="7" y="311"/>
+                  </a:cubicBezTo>
+                  <a:cubicBezTo>
+                    <a:pt x="0" y="350"/>
+                    <a:pt x="11" y="361"/>
+                    <a:pt x="30" y="389"/>
+                  </a:cubicBezTo>
+                  <a:cubicBezTo>
+                    <a:pt x="49" y="417"/>
+                    <a:pt x="87" y="422"/>
+                    <a:pt x="124" y="402"/>
+                  </a:cubicBezTo>
+                  <a:lnTo>
+                    <a:pt x="193" y="317"/>
+                  </a:lnTo>
+                  <a:lnTo>
+                    <a:pt x="193" y="524"/>
+                  </a:lnTo>
+                  <a:cubicBezTo>
+                    <a:pt x="207" y="569"/>
+                    <a:pt x="248" y="585"/>
+                    <a:pt x="276" y="585"/>
+                  </a:cubicBezTo>
+                  <a:cubicBezTo>
+                    <a:pt x="315" y="587"/>
+                    <a:pt x="350" y="568"/>
+                    <a:pt x="363" y="522"/>
+                  </a:cubicBezTo>
+                  <a:lnTo>
+                    <a:pt x="363" y="305"/>
+                  </a:lnTo>
+                  <a:lnTo>
+                    <a:pt x="447" y="405"/>
+                  </a:lnTo>
+                  <a:cubicBezTo>
+                    <a:pt x="475" y="420"/>
+                    <a:pt x="515" y="412"/>
+                    <a:pt x="534" y="398"/>
+                  </a:cubicBezTo>
+                  <a:cubicBezTo>
+                    <a:pt x="553" y="384"/>
+                    <a:pt x="562" y="357"/>
+                    <a:pt x="562" y="320"/>
+                  </a:cubicBezTo>
+                  <a:cubicBezTo>
+                    <a:pt x="446" y="168"/>
+                    <a:pt x="331" y="17"/>
+                    <a:pt x="331" y="17"/>
+                  </a:cubicBezTo>
+                  <a:cubicBezTo>
+                    <a:pt x="303" y="0"/>
+                    <a:pt x="296" y="2"/>
+                    <a:pt x="280" y="2"/>
+                  </a:cubicBezTo>
+                  <a:cubicBezTo>
+                    <a:pt x="264" y="2"/>
+                    <a:pt x="247" y="6"/>
+                    <a:pt x="226" y="24"/>
+                  </a:cubicBezTo>
+                  <a:close/>
+                </a:path>
+              </a:pathLst>
+            </a:custGeom>
+            <a:grpFill/>
+            <a:ln w="9525" cap="flat" cmpd="sng">
+              <a:noFill/>
+              <a:prstDash val="solid"/>
+              <a:round/>
+              <a:headEnd/>
+              <a:tailEnd/>
+            </a:ln>
+            <a:effectLst/>
+          </p:spPr>
+          <p:txBody>
+            <a:bodyPr/>
+            <a:lstStyle/>
+            <a:p>
+              <a:endParaRPr lang="en-US"/>
+            </a:p>
+          </p:txBody>
+        </p:sp>
+        <p:sp>
+          <p:nvSpPr>
+            <p:cNvPr id="41" name="AutoShape 279"/>
+            <p:cNvSpPr>
+              <a:spLocks noChangeArrowheads="1"/>
+            </p:cNvSpPr>
+            <p:nvPr userDrawn="1"/>
+          </p:nvSpPr>
+          <p:spPr bwMode="gray">
+            <a:xfrm>
+              <a:off x="42" y="4085"/>
+              <a:ext cx="224" cy="224"/>
+            </a:xfrm>
+            <a:custGeom>
+              <a:avLst/>
+              <a:gdLst>
+                <a:gd name="G0" fmla="+- 2121 0 0"/>
+                <a:gd name="G1" fmla="+- 21600 0 2121"/>
+                <a:gd name="G2" fmla="+- 21600 0 2121"/>
+                <a:gd name="G3" fmla="*/ G0 2929 10000"/>
+                <a:gd name="G4" fmla="+- 21600 0 G3"/>
+                <a:gd name="G5" fmla="+- 21600 0 G3"/>
+                <a:gd name="T0" fmla="*/ 10800 w 21600"/>
+                <a:gd name="T1" fmla="*/ 0 h 21600"/>
+                <a:gd name="T2" fmla="*/ 3163 w 21600"/>
+                <a:gd name="T3" fmla="*/ 3163 h 21600"/>
+                <a:gd name="T4" fmla="*/ 0 w 21600"/>
+                <a:gd name="T5" fmla="*/ 10800 h 21600"/>
+                <a:gd name="T6" fmla="*/ 3163 w 21600"/>
+                <a:gd name="T7" fmla="*/ 18437 h 21600"/>
+                <a:gd name="T8" fmla="*/ 10800 w 21600"/>
+                <a:gd name="T9" fmla="*/ 21600 h 21600"/>
+                <a:gd name="T10" fmla="*/ 18437 w 21600"/>
+                <a:gd name="T11" fmla="*/ 18437 h 21600"/>
+                <a:gd name="T12" fmla="*/ 21600 w 21600"/>
+                <a:gd name="T13" fmla="*/ 10800 h 21600"/>
+                <a:gd name="T14" fmla="*/ 18437 w 21600"/>
+                <a:gd name="T15" fmla="*/ 3163 h 21600"/>
+                <a:gd name="T16" fmla="*/ 3163 w 21600"/>
+                <a:gd name="T17" fmla="*/ 3163 h 21600"/>
+                <a:gd name="T18" fmla="*/ 18437 w 21600"/>
+                <a:gd name="T19" fmla="*/ 18437 h 21600"/>
+              </a:gdLst>
+              <a:ahLst/>
+              <a:cxnLst>
+                <a:cxn ang="0">
+                  <a:pos x="T0" y="T1"/>
+                </a:cxn>
+                <a:cxn ang="0">
+                  <a:pos x="T2" y="T3"/>
+                </a:cxn>
+                <a:cxn ang="0">
+                  <a:pos x="T4" y="T5"/>
+                </a:cxn>
+                <a:cxn ang="0">
+                  <a:pos x="T6" y="T7"/>
+                </a:cxn>
+                <a:cxn ang="0">
+                  <a:pos x="T8" y="T9"/>
+                </a:cxn>
+                <a:cxn ang="0">
+                  <a:pos x="T10" y="T11"/>
+                </a:cxn>
+                <a:cxn ang="0">
+                  <a:pos x="T12" y="T13"/>
+                </a:cxn>
+                <a:cxn ang="0">
+                  <a:pos x="T14" y="T15"/>
+                </a:cxn>
+              </a:cxnLst>
+              <a:rect l="T16" t="T17" r="T18" b="T19"/>
+              <a:pathLst>
+                <a:path w="21600" h="21600">
+                  <a:moveTo>
+                    <a:pt x="0" y="10800"/>
+                  </a:moveTo>
+                  <a:cubicBezTo>
+                    <a:pt x="0" y="4835"/>
+                    <a:pt x="4835" y="0"/>
+                    <a:pt x="10800" y="0"/>
+                  </a:cubicBezTo>
+                  <a:cubicBezTo>
+                    <a:pt x="16765" y="0"/>
+                    <a:pt x="21600" y="4835"/>
+                    <a:pt x="21600" y="10800"/>
+                  </a:cubicBezTo>
+                  <a:cubicBezTo>
+                    <a:pt x="21600" y="16765"/>
+                    <a:pt x="16765" y="21600"/>
+                    <a:pt x="10800" y="21600"/>
+                  </a:cubicBezTo>
+                  <a:cubicBezTo>
+                    <a:pt x="4835" y="21600"/>
+                    <a:pt x="0" y="16765"/>
+                    <a:pt x="0" y="10800"/>
+                  </a:cubicBezTo>
+                  <a:close/>
+                  <a:moveTo>
+                    <a:pt x="2121" y="10800"/>
+                  </a:moveTo>
+                  <a:cubicBezTo>
+                    <a:pt x="2121" y="15593"/>
+                    <a:pt x="6007" y="19479"/>
+                    <a:pt x="10800" y="19479"/>
+                  </a:cubicBezTo>
+                  <a:cubicBezTo>
+                    <a:pt x="15593" y="19479"/>
+                    <a:pt x="19479" y="15593"/>
+                    <a:pt x="19479" y="10800"/>
+                  </a:cubicBezTo>
+                  <a:cubicBezTo>
+                    <a:pt x="19479" y="6007"/>
+                    <a:pt x="15593" y="2121"/>
+                    <a:pt x="10800" y="2121"/>
+                  </a:cubicBezTo>
+                  <a:cubicBezTo>
+                    <a:pt x="6007" y="2121"/>
+                    <a:pt x="2121" y="6007"/>
+                    <a:pt x="2121" y="10800"/>
+                  </a:cubicBezTo>
+                  <a:close/>
+                </a:path>
+              </a:pathLst>
+            </a:custGeom>
+            <a:grpFill/>
+            <a:ln w="9525" algn="ctr">
+              <a:noFill/>
+              <a:round/>
+              <a:headEnd/>
+              <a:tailEnd/>
+            </a:ln>
+            <a:effectLst/>
+          </p:spPr>
+          <p:txBody>
+            <a:bodyPr wrap="none" anchor="ctr"/>
+            <a:lstStyle/>
+            <a:p>
+              <a:endParaRPr lang="en-US"/>
+            </a:p>
+          </p:txBody>
+        </p:sp>
+      </p:grpSp>
+      <p:sp>
+        <p:nvSpPr>
+          <p:cNvPr id="2" name="Title 1"/>
+          <p:cNvSpPr>
+            <a:spLocks noGrp="1"/>
+          </p:cNvSpPr>
+          <p:nvPr>
+            <p:ph type="ctrTitle"/>
+          </p:nvPr>
+        </p:nvSpPr>
+        <p:spPr>
+          <a:xfrm>
+            <a:off x="685800" y="3273552"/>
+            <a:ext cx="7772400" cy="1470025"/>
+          </a:xfrm>
+        </p:spPr>
+        <p:txBody>
+          <a:bodyPr>
+            <a:normAutofit/>
+          </a:bodyPr>
+          <a:lstStyle>
+            <a:lvl1pPr>
+              <a:defRPr sz="4400"/>
+            </a:lvl1pPr>
+          </a:lstStyle>
+          <a:p>
+            <a:r>
+              <a:rPr lang="ko-KR" altLang="en-US"/>
+              <a:t>마스터 제목 스타일 편집</a:t>
+            </a:r>
+            <a:endParaRPr lang="en-US"/>
+          </a:p>
+        </p:txBody>
+      </p:sp>
     </p:spTree>
     <p:extLst>
       <p:ext uri="{BB962C8B-B14F-4D97-AF65-F5344CB8AC3E}">
-        <p14:creationId xmlns:p14="http://schemas.microsoft.com/office/powerpoint/2010/main" val="3995474293"/>
+        <p14:creationId xmlns:p14="http://schemas.microsoft.com/office/powerpoint/2010/main" val="1576472389"/>
       </p:ext>
     </p:extLst>
   </p:cSld>
@@ -995,7 +1918,7 @@
 </file>
 
 <file path=ppt/slideLayouts/slideLayout10.xml><?xml version="1.0" encoding="utf-8"?>
-<p:sldLayout xmlns:a="http://schemas.openxmlformats.org/drawingml/2006/main" xmlns:r="http://schemas.openxmlformats.org/officeDocument/2006/relationships" xmlns:p="http://schemas.openxmlformats.org/presentationml/2006/main" type="vertTx" preserve="1">
+<p:sldLayout xmlns:a="http://schemas.openxmlformats.org/drawingml/2006/main" xmlns:r="http://schemas.openxmlformats.org/officeDocument/2006/relationships" xmlns:p="http://schemas.openxmlformats.org/presentationml/2006/main" preserve="1">
   <p:cSld name="제목 및 세로 텍스트">
     <p:spTree>
       <p:nvGrpSpPr>
@@ -1013,80 +1936,202 @@
       </p:grpSpPr>
       <p:sp>
         <p:nvSpPr>
-          <p:cNvPr id="2" name="제목 1"/>
-          <p:cNvSpPr>
-            <a:spLocks noGrp="1"/>
-          </p:cNvSpPr>
-          <p:nvPr>
-            <p:ph type="title"/>
-          </p:nvPr>
+          <p:cNvPr id="7" name="Rectangle 6"/>
+          <p:cNvSpPr/>
+          <p:nvPr/>
         </p:nvSpPr>
-        <p:spPr/>
+        <p:spPr bwMode="gray">
+          <a:xfrm>
+            <a:off x="0" y="0"/>
+            <a:ext cx="9144000" cy="1389888"/>
+          </a:xfrm>
+          <a:prstGeom prst="rect">
+            <a:avLst/>
+          </a:prstGeom>
+          <a:solidFill>
+            <a:schemeClr val="bg2">
+              <a:lumMod val="90000"/>
+            </a:schemeClr>
+          </a:solidFill>
+          <a:ln>
+            <a:noFill/>
+          </a:ln>
+        </p:spPr>
+        <p:style>
+          <a:lnRef idx="2">
+            <a:schemeClr val="accent1">
+              <a:shade val="50000"/>
+            </a:schemeClr>
+          </a:lnRef>
+          <a:fillRef idx="1">
+            <a:schemeClr val="accent1"/>
+          </a:fillRef>
+          <a:effectRef idx="0">
+            <a:schemeClr val="accent1"/>
+          </a:effectRef>
+          <a:fontRef idx="minor">
+            <a:schemeClr val="lt1"/>
+          </a:fontRef>
+        </p:style>
         <p:txBody>
-          <a:bodyPr/>
+          <a:bodyPr rtlCol="0" anchor="ctr"/>
           <a:lstStyle/>
           <a:p>
-            <a:r>
-              <a:rPr lang="ko-KR" altLang="en-US"/>
-              <a:t>마스터 제목 스타일 편집</a:t>
-            </a:r>
+            <a:pPr algn="ctr"/>
+            <a:endParaRPr lang="en-US"/>
           </a:p>
         </p:txBody>
       </p:sp>
+      <p:grpSp>
+        <p:nvGrpSpPr>
+          <p:cNvPr id="2" name="Group 7"/>
+          <p:cNvGrpSpPr/>
+          <p:nvPr/>
+        </p:nvGrpSpPr>
+        <p:grpSpPr bwMode="gray">
+          <a:xfrm>
+            <a:off x="0" y="1380744"/>
+            <a:ext cx="9144000" cy="120460"/>
+            <a:chOff x="0" y="1810512"/>
+            <a:chExt cx="9144000" cy="120460"/>
+          </a:xfrm>
+        </p:grpSpPr>
+        <p:cxnSp>
+          <p:nvCxnSpPr>
+            <p:cNvPr id="9" name="Straight Connector 8"/>
+            <p:cNvCxnSpPr/>
+            <p:nvPr userDrawn="1"/>
+          </p:nvCxnSpPr>
+          <p:spPr bwMode="gray">
+            <a:xfrm>
+              <a:off x="0" y="1810512"/>
+              <a:ext cx="9144000" cy="1588"/>
+            </a:xfrm>
+            <a:prstGeom prst="line">
+              <a:avLst/>
+            </a:prstGeom>
+            <a:ln w="9525">
+              <a:solidFill>
+                <a:schemeClr val="bg2">
+                  <a:lumMod val="75000"/>
+                </a:schemeClr>
+              </a:solidFill>
+            </a:ln>
+            <a:effectLst>
+              <a:outerShdw dist="25400" dir="5400000" algn="ctr" rotWithShape="0">
+                <a:srgbClr val="000000">
+                  <a:alpha val="22000"/>
+                </a:srgbClr>
+              </a:outerShdw>
+            </a:effectLst>
+          </p:spPr>
+          <p:style>
+            <a:lnRef idx="1">
+              <a:schemeClr val="accent1"/>
+            </a:lnRef>
+            <a:fillRef idx="0">
+              <a:schemeClr val="accent1"/>
+            </a:fillRef>
+            <a:effectRef idx="0">
+              <a:schemeClr val="accent1"/>
+            </a:effectRef>
+            <a:fontRef idx="minor">
+              <a:schemeClr val="tx1"/>
+            </a:fontRef>
+          </p:style>
+        </p:cxnSp>
+        <p:cxnSp>
+          <p:nvCxnSpPr>
+            <p:cNvPr id="10" name="Straight Connector 9"/>
+            <p:cNvCxnSpPr/>
+            <p:nvPr userDrawn="1"/>
+          </p:nvCxnSpPr>
+          <p:spPr bwMode="gray">
+            <a:xfrm>
+              <a:off x="0" y="1865376"/>
+              <a:ext cx="9144000" cy="1588"/>
+            </a:xfrm>
+            <a:prstGeom prst="line">
+              <a:avLst/>
+            </a:prstGeom>
+            <a:ln w="9525">
+              <a:solidFill>
+                <a:schemeClr val="bg2">
+                  <a:lumMod val="75000"/>
+                </a:schemeClr>
+              </a:solidFill>
+            </a:ln>
+            <a:effectLst>
+              <a:outerShdw dist="25400" dir="5400000" algn="ctr" rotWithShape="0">
+                <a:srgbClr val="000000">
+                  <a:alpha val="22000"/>
+                </a:srgbClr>
+              </a:outerShdw>
+            </a:effectLst>
+          </p:spPr>
+          <p:style>
+            <a:lnRef idx="1">
+              <a:schemeClr val="accent1"/>
+            </a:lnRef>
+            <a:fillRef idx="0">
+              <a:schemeClr val="accent1"/>
+            </a:fillRef>
+            <a:effectRef idx="0">
+              <a:schemeClr val="accent1"/>
+            </a:effectRef>
+            <a:fontRef idx="minor">
+              <a:schemeClr val="tx1"/>
+            </a:fontRef>
+          </p:style>
+        </p:cxnSp>
+        <p:cxnSp>
+          <p:nvCxnSpPr>
+            <p:cNvPr id="11" name="Straight Connector 10"/>
+            <p:cNvCxnSpPr/>
+            <p:nvPr userDrawn="1"/>
+          </p:nvCxnSpPr>
+          <p:spPr bwMode="gray">
+            <a:xfrm>
+              <a:off x="0" y="1929384"/>
+              <a:ext cx="9144000" cy="1588"/>
+            </a:xfrm>
+            <a:prstGeom prst="line">
+              <a:avLst/>
+            </a:prstGeom>
+            <a:ln w="9525">
+              <a:solidFill>
+                <a:schemeClr val="bg2">
+                  <a:lumMod val="75000"/>
+                </a:schemeClr>
+              </a:solidFill>
+            </a:ln>
+            <a:effectLst>
+              <a:outerShdw dist="25400" dir="5400000" algn="ctr" rotWithShape="0">
+                <a:srgbClr val="000000">
+                  <a:alpha val="22000"/>
+                </a:srgbClr>
+              </a:outerShdw>
+            </a:effectLst>
+          </p:spPr>
+          <p:style>
+            <a:lnRef idx="1">
+              <a:schemeClr val="accent1"/>
+            </a:lnRef>
+            <a:fillRef idx="0">
+              <a:schemeClr val="accent1"/>
+            </a:fillRef>
+            <a:effectRef idx="0">
+              <a:schemeClr val="accent1"/>
+            </a:effectRef>
+            <a:fontRef idx="minor">
+              <a:schemeClr val="tx1"/>
+            </a:fontRef>
+          </p:style>
+        </p:cxnSp>
+      </p:grpSp>
       <p:sp>
         <p:nvSpPr>
-          <p:cNvPr id="3" name="세로 텍스트 개체 틀 2"/>
-          <p:cNvSpPr>
-            <a:spLocks noGrp="1"/>
-          </p:cNvSpPr>
-          <p:nvPr>
-            <p:ph type="body" orient="vert" idx="1"/>
-          </p:nvPr>
-        </p:nvSpPr>
-        <p:spPr/>
-        <p:txBody>
-          <a:bodyPr vert="eaVert"/>
-          <a:lstStyle/>
-          <a:p>
-            <a:pPr lvl="0"/>
-            <a:r>
-              <a:rPr lang="ko-KR" altLang="en-US"/>
-              <a:t>마스터 텍스트 스타일을 편집합니다</a:t>
-            </a:r>
-          </a:p>
-          <a:p>
-            <a:pPr lvl="1"/>
-            <a:r>
-              <a:rPr lang="ko-KR" altLang="en-US"/>
-              <a:t>둘째 수준</a:t>
-            </a:r>
-          </a:p>
-          <a:p>
-            <a:pPr lvl="2"/>
-            <a:r>
-              <a:rPr lang="ko-KR" altLang="en-US"/>
-              <a:t>셋째 수준</a:t>
-            </a:r>
-          </a:p>
-          <a:p>
-            <a:pPr lvl="3"/>
-            <a:r>
-              <a:rPr lang="ko-KR" altLang="en-US"/>
-              <a:t>넷째 수준</a:t>
-            </a:r>
-          </a:p>
-          <a:p>
-            <a:pPr lvl="4"/>
-            <a:r>
-              <a:rPr lang="ko-KR" altLang="en-US"/>
-              <a:t>다섯째 수준</a:t>
-            </a:r>
-          </a:p>
-        </p:txBody>
-      </p:sp>
-      <p:sp>
-        <p:nvSpPr>
-          <p:cNvPr id="4" name="날짜 개체 틀 3"/>
+          <p:cNvPr id="4" name="Date Placeholder 3"/>
           <p:cNvSpPr>
             <a:spLocks noGrp="1"/>
           </p:cNvSpPr>
@@ -1101,7 +2146,7 @@
           <a:p>
             <a:fld id="{3D82E0CA-4FAC-41B1-B7F0-0E34D3C7741F}" type="datetime1">
               <a:rPr lang="ko-KR" altLang="en-US" smtClean="0"/>
-              <a:t>2017-11-18</a:t>
+              <a:t>2017-11-19</a:t>
             </a:fld>
             <a:endParaRPr lang="ko-KR" altLang="en-US"/>
           </a:p>
@@ -1109,7 +2154,7 @@
       </p:sp>
       <p:sp>
         <p:nvSpPr>
-          <p:cNvPr id="5" name="바닥글 개체 틀 4"/>
+          <p:cNvPr id="5" name="Footer Placeholder 4"/>
           <p:cNvSpPr>
             <a:spLocks noGrp="1"/>
           </p:cNvSpPr>
@@ -1128,7 +2173,7 @@
       </p:sp>
       <p:sp>
         <p:nvSpPr>
-          <p:cNvPr id="6" name="슬라이드 번호 개체 틀 5"/>
+          <p:cNvPr id="6" name="Slide Number Placeholder 5"/>
           <p:cNvSpPr>
             <a:spLocks noGrp="1"/>
           </p:cNvSpPr>
@@ -1149,10 +2194,95 @@
           </a:p>
         </p:txBody>
       </p:sp>
+      <p:sp>
+        <p:nvSpPr>
+          <p:cNvPr id="15" name="Vertical Text Placeholder 14"/>
+          <p:cNvSpPr>
+            <a:spLocks noGrp="1"/>
+          </p:cNvSpPr>
+          <p:nvPr>
+            <p:ph type="body" orient="vert" sz="quarter" idx="13"/>
+          </p:nvPr>
+        </p:nvSpPr>
+        <p:spPr>
+          <a:xfrm>
+            <a:off x="457200" y="1719072"/>
+            <a:ext cx="8229600" cy="4526280"/>
+          </a:xfrm>
+        </p:spPr>
+        <p:txBody>
+          <a:bodyPr vert="eaVert"/>
+          <a:lstStyle/>
+          <a:p>
+            <a:pPr lvl="0"/>
+            <a:r>
+              <a:rPr lang="ko-KR" altLang="en-US"/>
+              <a:t>마스터 텍스트 스타일 편집</a:t>
+            </a:r>
+          </a:p>
+          <a:p>
+            <a:pPr lvl="1"/>
+            <a:r>
+              <a:rPr lang="ko-KR" altLang="en-US"/>
+              <a:t>둘째 수준</a:t>
+            </a:r>
+          </a:p>
+          <a:p>
+            <a:pPr lvl="2"/>
+            <a:r>
+              <a:rPr lang="ko-KR" altLang="en-US"/>
+              <a:t>셋째 수준</a:t>
+            </a:r>
+          </a:p>
+          <a:p>
+            <a:pPr lvl="3"/>
+            <a:r>
+              <a:rPr lang="ko-KR" altLang="en-US"/>
+              <a:t>넷째 수준</a:t>
+            </a:r>
+          </a:p>
+          <a:p>
+            <a:pPr lvl="4"/>
+            <a:r>
+              <a:rPr lang="ko-KR" altLang="en-US"/>
+              <a:t>다섯째 수준</a:t>
+            </a:r>
+            <a:endParaRPr lang="en-US"/>
+          </a:p>
+        </p:txBody>
+      </p:sp>
+      <p:sp>
+        <p:nvSpPr>
+          <p:cNvPr id="12" name="Title 11"/>
+          <p:cNvSpPr>
+            <a:spLocks noGrp="1"/>
+          </p:cNvSpPr>
+          <p:nvPr>
+            <p:ph type="title"/>
+          </p:nvPr>
+        </p:nvSpPr>
+        <p:spPr>
+          <a:xfrm>
+            <a:off x="457200" y="228600"/>
+            <a:ext cx="8229600" cy="1143000"/>
+          </a:xfrm>
+        </p:spPr>
+        <p:txBody>
+          <a:bodyPr/>
+          <a:lstStyle/>
+          <a:p>
+            <a:r>
+              <a:rPr lang="ko-KR" altLang="en-US"/>
+              <a:t>마스터 제목 스타일 편집</a:t>
+            </a:r>
+            <a:endParaRPr lang="en-US"/>
+          </a:p>
+        </p:txBody>
+      </p:sp>
     </p:spTree>
     <p:extLst>
       <p:ext uri="{BB962C8B-B14F-4D97-AF65-F5344CB8AC3E}">
-        <p14:creationId xmlns:p14="http://schemas.microsoft.com/office/powerpoint/2010/main" val="3903248013"/>
+        <p14:creationId xmlns:p14="http://schemas.microsoft.com/office/powerpoint/2010/main" val="3213034356"/>
       </p:ext>
     </p:extLst>
   </p:cSld>
@@ -1163,8 +2293,13 @@
 </file>
 
 <file path=ppt/slideLayouts/slideLayout11.xml><?xml version="1.0" encoding="utf-8"?>
-<p:sldLayout xmlns:a="http://schemas.openxmlformats.org/drawingml/2006/main" xmlns:r="http://schemas.openxmlformats.org/officeDocument/2006/relationships" xmlns:p="http://schemas.openxmlformats.org/presentationml/2006/main" type="vertTitleAndTx" preserve="1">
+<p:sldLayout xmlns:a="http://schemas.openxmlformats.org/drawingml/2006/main" xmlns:r="http://schemas.openxmlformats.org/officeDocument/2006/relationships" xmlns:p="http://schemas.openxmlformats.org/presentationml/2006/main" preserve="1">
   <p:cSld name="세로 제목 및 텍스트">
+    <p:bg>
+      <p:bgRef idx="1001">
+        <a:schemeClr val="bg2"/>
+      </p:bgRef>
+    </p:bg>
     <p:spTree>
       <p:nvGrpSpPr>
         <p:cNvPr id="1" name=""/>
@@ -1181,7 +2316,429 @@
       </p:grpSpPr>
       <p:sp>
         <p:nvSpPr>
-          <p:cNvPr id="2" name="세로 제목 1"/>
+          <p:cNvPr id="7" name="Rectangle 6"/>
+          <p:cNvSpPr/>
+          <p:nvPr/>
+        </p:nvSpPr>
+        <p:spPr bwMode="gray">
+          <a:xfrm>
+            <a:off x="8604504" y="0"/>
+            <a:ext cx="539496" cy="6858000"/>
+          </a:xfrm>
+          <a:prstGeom prst="rect">
+            <a:avLst/>
+          </a:prstGeom>
+          <a:solidFill>
+            <a:schemeClr val="bg2">
+              <a:lumMod val="75000"/>
+            </a:schemeClr>
+          </a:solidFill>
+          <a:ln>
+            <a:noFill/>
+          </a:ln>
+        </p:spPr>
+        <p:style>
+          <a:lnRef idx="2">
+            <a:schemeClr val="accent1">
+              <a:shade val="50000"/>
+            </a:schemeClr>
+          </a:lnRef>
+          <a:fillRef idx="1">
+            <a:schemeClr val="accent1"/>
+          </a:fillRef>
+          <a:effectRef idx="0">
+            <a:schemeClr val="accent1"/>
+          </a:effectRef>
+          <a:fontRef idx="minor">
+            <a:schemeClr val="lt1"/>
+          </a:fontRef>
+        </p:style>
+        <p:txBody>
+          <a:bodyPr rtlCol="0" anchor="ctr"/>
+          <a:lstStyle/>
+          <a:p>
+            <a:pPr algn="ctr"/>
+            <a:endParaRPr lang="en-US"/>
+          </a:p>
+        </p:txBody>
+      </p:sp>
+      <p:sp>
+        <p:nvSpPr>
+          <p:cNvPr id="8" name="Rectangle 7"/>
+          <p:cNvSpPr/>
+          <p:nvPr/>
+        </p:nvSpPr>
+        <p:spPr bwMode="gray">
+          <a:xfrm>
+            <a:off x="8595360" y="0"/>
+            <a:ext cx="393192" cy="6858000"/>
+          </a:xfrm>
+          <a:prstGeom prst="rect">
+            <a:avLst/>
+          </a:prstGeom>
+          <a:solidFill>
+            <a:schemeClr val="bg2">
+              <a:lumMod val="90000"/>
+            </a:schemeClr>
+          </a:solidFill>
+          <a:ln>
+            <a:noFill/>
+          </a:ln>
+        </p:spPr>
+        <p:style>
+          <a:lnRef idx="2">
+            <a:schemeClr val="accent1">
+              <a:shade val="50000"/>
+            </a:schemeClr>
+          </a:lnRef>
+          <a:fillRef idx="1">
+            <a:schemeClr val="accent1"/>
+          </a:fillRef>
+          <a:effectRef idx="0">
+            <a:schemeClr val="accent1"/>
+          </a:effectRef>
+          <a:fontRef idx="minor">
+            <a:schemeClr val="lt1"/>
+          </a:fontRef>
+        </p:style>
+        <p:txBody>
+          <a:bodyPr rtlCol="0" anchor="ctr"/>
+          <a:lstStyle/>
+          <a:p>
+            <a:pPr algn="ctr"/>
+            <a:endParaRPr lang="en-US"/>
+          </a:p>
+        </p:txBody>
+      </p:sp>
+      <p:grpSp>
+        <p:nvGrpSpPr>
+          <p:cNvPr id="3" name="Group 8"/>
+          <p:cNvGrpSpPr/>
+          <p:nvPr/>
+        </p:nvGrpSpPr>
+        <p:grpSpPr bwMode="gray">
+          <a:xfrm>
+            <a:off x="8019288" y="246888"/>
+            <a:ext cx="1069848" cy="490035"/>
+            <a:chOff x="8019288" y="246888"/>
+            <a:chExt cx="1069848" cy="490035"/>
+          </a:xfrm>
+        </p:grpSpPr>
+        <p:sp>
+          <p:nvSpPr>
+            <p:cNvPr id="10" name="Freeform 9"/>
+            <p:cNvSpPr/>
+            <p:nvPr userDrawn="1"/>
+          </p:nvSpPr>
+          <p:spPr bwMode="gray">
+            <a:xfrm rot="4680000">
+              <a:off x="8513063" y="174567"/>
+              <a:ext cx="137160" cy="987552"/>
+            </a:xfrm>
+            <a:custGeom>
+              <a:avLst/>
+              <a:gdLst>
+                <a:gd name="connsiteX0" fmla="*/ 0 w 210312"/>
+                <a:gd name="connsiteY0" fmla="*/ 0 h 4233101"/>
+                <a:gd name="connsiteX1" fmla="*/ 210312 w 210312"/>
+                <a:gd name="connsiteY1" fmla="*/ 0 h 4233101"/>
+                <a:gd name="connsiteX2" fmla="*/ 210312 w 210312"/>
+                <a:gd name="connsiteY2" fmla="*/ 4233101 h 4233101"/>
+                <a:gd name="connsiteX3" fmla="*/ 0 w 210312"/>
+                <a:gd name="connsiteY3" fmla="*/ 4233101 h 4233101"/>
+                <a:gd name="connsiteX4" fmla="*/ 0 w 210312"/>
+                <a:gd name="connsiteY4" fmla="*/ 0 h 4233101"/>
+                <a:gd name="connsiteX0" fmla="*/ 0 w 210312"/>
+                <a:gd name="connsiteY0" fmla="*/ 0 h 4233101"/>
+                <a:gd name="connsiteX1" fmla="*/ 210312 w 210312"/>
+                <a:gd name="connsiteY1" fmla="*/ 0 h 4233101"/>
+                <a:gd name="connsiteX2" fmla="*/ 0 w 210312"/>
+                <a:gd name="connsiteY2" fmla="*/ 4233101 h 4233101"/>
+                <a:gd name="connsiteX3" fmla="*/ 0 w 210312"/>
+                <a:gd name="connsiteY3" fmla="*/ 0 h 4233101"/>
+                <a:gd name="connsiteX0" fmla="*/ 0 w 91050"/>
+                <a:gd name="connsiteY0" fmla="*/ 27578 h 4260679"/>
+                <a:gd name="connsiteX1" fmla="*/ 91050 w 91050"/>
+                <a:gd name="connsiteY1" fmla="*/ 0 h 4260679"/>
+                <a:gd name="connsiteX2" fmla="*/ 0 w 91050"/>
+                <a:gd name="connsiteY2" fmla="*/ 4260679 h 4260679"/>
+                <a:gd name="connsiteX3" fmla="*/ 0 w 91050"/>
+                <a:gd name="connsiteY3" fmla="*/ 27578 h 4260679"/>
+                <a:gd name="connsiteX0" fmla="*/ 0 w 91050"/>
+                <a:gd name="connsiteY0" fmla="*/ 27578 h 4260679"/>
+                <a:gd name="connsiteX1" fmla="*/ 91050 w 91050"/>
+                <a:gd name="connsiteY1" fmla="*/ 0 h 4260679"/>
+                <a:gd name="connsiteX2" fmla="*/ 0 w 91050"/>
+                <a:gd name="connsiteY2" fmla="*/ 4260679 h 4260679"/>
+                <a:gd name="connsiteX3" fmla="*/ 0 w 91050"/>
+                <a:gd name="connsiteY3" fmla="*/ 27578 h 4260679"/>
+                <a:gd name="connsiteX0" fmla="*/ 6703 w 97753"/>
+                <a:gd name="connsiteY0" fmla="*/ 27578 h 4260679"/>
+                <a:gd name="connsiteX1" fmla="*/ 97753 w 97753"/>
+                <a:gd name="connsiteY1" fmla="*/ 0 h 4260679"/>
+                <a:gd name="connsiteX2" fmla="*/ 6703 w 97753"/>
+                <a:gd name="connsiteY2" fmla="*/ 4260679 h 4260679"/>
+                <a:gd name="connsiteX3" fmla="*/ 6703 w 97753"/>
+                <a:gd name="connsiteY3" fmla="*/ 27578 h 4260679"/>
+                <a:gd name="connsiteX0" fmla="*/ 6703 w 97753"/>
+                <a:gd name="connsiteY0" fmla="*/ 27578 h 4260679"/>
+                <a:gd name="connsiteX1" fmla="*/ 97753 w 97753"/>
+                <a:gd name="connsiteY1" fmla="*/ 0 h 4260679"/>
+                <a:gd name="connsiteX2" fmla="*/ 6703 w 97753"/>
+                <a:gd name="connsiteY2" fmla="*/ 4260679 h 4260679"/>
+                <a:gd name="connsiteX3" fmla="*/ 6703 w 97753"/>
+                <a:gd name="connsiteY3" fmla="*/ 27578 h 4260679"/>
+                <a:gd name="connsiteX0" fmla="*/ 6703 w 97753"/>
+                <a:gd name="connsiteY0" fmla="*/ 27578 h 4260679"/>
+                <a:gd name="connsiteX1" fmla="*/ 97753 w 97753"/>
+                <a:gd name="connsiteY1" fmla="*/ 0 h 4260679"/>
+                <a:gd name="connsiteX2" fmla="*/ 6703 w 97753"/>
+                <a:gd name="connsiteY2" fmla="*/ 4260679 h 4260679"/>
+                <a:gd name="connsiteX3" fmla="*/ 6703 w 97753"/>
+                <a:gd name="connsiteY3" fmla="*/ 27578 h 4260679"/>
+                <a:gd name="connsiteX0" fmla="*/ 25745 w 97753"/>
+                <a:gd name="connsiteY0" fmla="*/ 1 h 4233102"/>
+                <a:gd name="connsiteX1" fmla="*/ 97753 w 97753"/>
+                <a:gd name="connsiteY1" fmla="*/ 61420 h 4233102"/>
+                <a:gd name="connsiteX2" fmla="*/ 25745 w 97753"/>
+                <a:gd name="connsiteY2" fmla="*/ 4233102 h 4233102"/>
+                <a:gd name="connsiteX3" fmla="*/ 25745 w 97753"/>
+                <a:gd name="connsiteY3" fmla="*/ 1 h 4233102"/>
+                <a:gd name="connsiteX0" fmla="*/ 24478 w 97753"/>
+                <a:gd name="connsiteY0" fmla="*/ 8201 h 4241302"/>
+                <a:gd name="connsiteX1" fmla="*/ 97753 w 97753"/>
+                <a:gd name="connsiteY1" fmla="*/ 0 h 4241302"/>
+                <a:gd name="connsiteX2" fmla="*/ 24478 w 97753"/>
+                <a:gd name="connsiteY2" fmla="*/ 4241302 h 4241302"/>
+                <a:gd name="connsiteX3" fmla="*/ 24478 w 97753"/>
+                <a:gd name="connsiteY3" fmla="*/ 8201 h 4241302"/>
+                <a:gd name="connsiteX0" fmla="*/ 24478 w 97753"/>
+                <a:gd name="connsiteY0" fmla="*/ 8201 h 4241302"/>
+                <a:gd name="connsiteX1" fmla="*/ 97753 w 97753"/>
+                <a:gd name="connsiteY1" fmla="*/ 0 h 4241302"/>
+                <a:gd name="connsiteX2" fmla="*/ 24478 w 97753"/>
+                <a:gd name="connsiteY2" fmla="*/ 4241302 h 4241302"/>
+                <a:gd name="connsiteX3" fmla="*/ 24478 w 97753"/>
+                <a:gd name="connsiteY3" fmla="*/ 8201 h 4241302"/>
+                <a:gd name="connsiteX0" fmla="*/ 14176 w 87451"/>
+                <a:gd name="connsiteY0" fmla="*/ 8201 h 4241302"/>
+                <a:gd name="connsiteX1" fmla="*/ 87451 w 87451"/>
+                <a:gd name="connsiteY1" fmla="*/ 0 h 4241302"/>
+                <a:gd name="connsiteX2" fmla="*/ 14176 w 87451"/>
+                <a:gd name="connsiteY2" fmla="*/ 4241302 h 4241302"/>
+                <a:gd name="connsiteX3" fmla="*/ 14176 w 87451"/>
+                <a:gd name="connsiteY3" fmla="*/ 8201 h 4241302"/>
+                <a:gd name="connsiteX0" fmla="*/ 14176 w 87451"/>
+                <a:gd name="connsiteY0" fmla="*/ 8201 h 4001504"/>
+                <a:gd name="connsiteX1" fmla="*/ 87451 w 87451"/>
+                <a:gd name="connsiteY1" fmla="*/ 0 h 4001504"/>
+                <a:gd name="connsiteX2" fmla="*/ 18941 w 87451"/>
+                <a:gd name="connsiteY2" fmla="*/ 4001504 h 4001504"/>
+                <a:gd name="connsiteX3" fmla="*/ 14176 w 87451"/>
+                <a:gd name="connsiteY3" fmla="*/ 8201 h 4001504"/>
+                <a:gd name="connsiteX0" fmla="*/ 14176 w 87451"/>
+                <a:gd name="connsiteY0" fmla="*/ 8201 h 3875955"/>
+                <a:gd name="connsiteX1" fmla="*/ 87451 w 87451"/>
+                <a:gd name="connsiteY1" fmla="*/ 0 h 3875955"/>
+                <a:gd name="connsiteX2" fmla="*/ 7278 w 87451"/>
+                <a:gd name="connsiteY2" fmla="*/ 3875955 h 3875955"/>
+                <a:gd name="connsiteX3" fmla="*/ 14176 w 87451"/>
+                <a:gd name="connsiteY3" fmla="*/ 8201 h 3875955"/>
+                <a:gd name="connsiteX0" fmla="*/ 14176 w 87451"/>
+                <a:gd name="connsiteY0" fmla="*/ 8201 h 3961135"/>
+                <a:gd name="connsiteX1" fmla="*/ 87451 w 87451"/>
+                <a:gd name="connsiteY1" fmla="*/ 0 h 3961135"/>
+                <a:gd name="connsiteX2" fmla="*/ 16239 w 87451"/>
+                <a:gd name="connsiteY2" fmla="*/ 3961135 h 3961135"/>
+                <a:gd name="connsiteX3" fmla="*/ 14176 w 87451"/>
+                <a:gd name="connsiteY3" fmla="*/ 8201 h 3961135"/>
+              </a:gdLst>
+              <a:ahLst/>
+              <a:cxnLst>
+                <a:cxn ang="0">
+                  <a:pos x="connsiteX0" y="connsiteY0"/>
+                </a:cxn>
+                <a:cxn ang="0">
+                  <a:pos x="connsiteX1" y="connsiteY1"/>
+                </a:cxn>
+                <a:cxn ang="0">
+                  <a:pos x="connsiteX2" y="connsiteY2"/>
+                </a:cxn>
+                <a:cxn ang="0">
+                  <a:pos x="connsiteX3" y="connsiteY3"/>
+                </a:cxn>
+              </a:cxnLst>
+              <a:rect l="l" t="t" r="r" b="b"/>
+              <a:pathLst>
+                <a:path w="87451" h="3961135">
+                  <a:moveTo>
+                    <a:pt x="14176" y="8201"/>
+                  </a:moveTo>
+                  <a:lnTo>
+                    <a:pt x="87451" y="0"/>
+                  </a:lnTo>
+                  <a:cubicBezTo>
+                    <a:pt x="0" y="2301293"/>
+                    <a:pt x="31791" y="2848354"/>
+                    <a:pt x="16239" y="3961135"/>
+                  </a:cubicBezTo>
+                  <a:cubicBezTo>
+                    <a:pt x="14651" y="2630034"/>
+                    <a:pt x="15764" y="1339302"/>
+                    <a:pt x="14176" y="8201"/>
+                  </a:cubicBezTo>
+                  <a:close/>
+                </a:path>
+              </a:pathLst>
+            </a:custGeom>
+            <a:gradFill flip="none" rotWithShape="1">
+              <a:gsLst>
+                <a:gs pos="0">
+                  <a:schemeClr val="bg1">
+                    <a:lumMod val="50000"/>
+                  </a:schemeClr>
+                </a:gs>
+                <a:gs pos="100000">
+                  <a:schemeClr val="bg1">
+                    <a:lumMod val="50000"/>
+                    <a:alpha val="56000"/>
+                  </a:schemeClr>
+                </a:gs>
+              </a:gsLst>
+              <a:path path="circle">
+                <a:fillToRect l="100000" t="100000"/>
+              </a:path>
+              <a:tileRect r="-100000" b="-100000"/>
+            </a:gradFill>
+            <a:ln>
+              <a:noFill/>
+            </a:ln>
+          </p:spPr>
+          <p:style>
+            <a:lnRef idx="2">
+              <a:schemeClr val="accent1">
+                <a:shade val="50000"/>
+              </a:schemeClr>
+            </a:lnRef>
+            <a:fillRef idx="1">
+              <a:schemeClr val="accent1"/>
+            </a:fillRef>
+            <a:effectRef idx="0">
+              <a:schemeClr val="accent1"/>
+            </a:effectRef>
+            <a:fontRef idx="minor">
+              <a:schemeClr val="lt1"/>
+            </a:fontRef>
+          </p:style>
+          <p:txBody>
+            <a:bodyPr rtlCol="0" anchor="ctr"/>
+            <a:lstStyle/>
+            <a:p>
+              <a:pPr algn="ctr"/>
+              <a:endParaRPr lang="en-US"/>
+            </a:p>
+          </p:txBody>
+        </p:sp>
+        <p:sp>
+          <p:nvSpPr>
+            <p:cNvPr id="11" name="Rectangle 10"/>
+            <p:cNvSpPr/>
+            <p:nvPr userDrawn="1"/>
+          </p:nvSpPr>
+          <p:spPr bwMode="gray">
+            <a:xfrm rot="4680000">
+              <a:off x="8750808" y="210312"/>
+              <a:ext cx="301752" cy="374904"/>
+            </a:xfrm>
+            <a:prstGeom prst="rect">
+              <a:avLst/>
+            </a:prstGeom>
+            <a:solidFill>
+              <a:schemeClr val="accent2">
+                <a:alpha val="90000"/>
+              </a:schemeClr>
+            </a:solidFill>
+            <a:ln>
+              <a:noFill/>
+            </a:ln>
+          </p:spPr>
+          <p:style>
+            <a:lnRef idx="2">
+              <a:schemeClr val="accent1">
+                <a:shade val="50000"/>
+              </a:schemeClr>
+            </a:lnRef>
+            <a:fillRef idx="1">
+              <a:schemeClr val="accent1"/>
+            </a:fillRef>
+            <a:effectRef idx="0">
+              <a:schemeClr val="accent1"/>
+            </a:effectRef>
+            <a:fontRef idx="minor">
+              <a:schemeClr val="lt1"/>
+            </a:fontRef>
+          </p:style>
+          <p:txBody>
+            <a:bodyPr rtlCol="0" anchor="ctr"/>
+            <a:lstStyle/>
+            <a:p>
+              <a:pPr algn="ctr"/>
+              <a:endParaRPr lang="en-US"/>
+            </a:p>
+          </p:txBody>
+        </p:sp>
+        <p:sp>
+          <p:nvSpPr>
+            <p:cNvPr id="12" name="Rectangle 11"/>
+            <p:cNvSpPr/>
+            <p:nvPr userDrawn="1"/>
+          </p:nvSpPr>
+          <p:spPr bwMode="gray">
+            <a:xfrm rot="4680000">
+              <a:off x="8220456" y="155448"/>
+              <a:ext cx="301752" cy="704088"/>
+            </a:xfrm>
+            <a:prstGeom prst="rect">
+              <a:avLst/>
+            </a:prstGeom>
+            <a:solidFill>
+              <a:srgbClr val="FFFFFF">
+                <a:alpha val="50196"/>
+              </a:srgbClr>
+            </a:solidFill>
+            <a:ln>
+              <a:noFill/>
+            </a:ln>
+          </p:spPr>
+          <p:style>
+            <a:lnRef idx="2">
+              <a:schemeClr val="accent1">
+                <a:shade val="50000"/>
+              </a:schemeClr>
+            </a:lnRef>
+            <a:fillRef idx="1">
+              <a:schemeClr val="accent1"/>
+            </a:fillRef>
+            <a:effectRef idx="0">
+              <a:schemeClr val="accent1"/>
+            </a:effectRef>
+            <a:fontRef idx="minor">
+              <a:schemeClr val="lt1"/>
+            </a:fontRef>
+          </p:style>
+          <p:txBody>
+            <a:bodyPr rtlCol="0" anchor="ctr"/>
+            <a:lstStyle/>
+            <a:p>
+              <a:pPr algn="ctr"/>
+              <a:endParaRPr lang="en-US"/>
+            </a:p>
+          </p:txBody>
+        </p:sp>
+      </p:grpSp>
+      <p:sp>
+        <p:nvSpPr>
+          <p:cNvPr id="2" name="Vertical Title 1"/>
           <p:cNvSpPr>
             <a:spLocks noGrp="1"/>
           </p:cNvSpPr>
@@ -1189,10 +2746,10 @@
             <p:ph type="title" orient="vert"/>
           </p:nvPr>
         </p:nvSpPr>
-        <p:spPr>
+        <p:spPr bwMode="gray">
           <a:xfrm>
-            <a:off x="6629400" y="274638"/>
-            <a:ext cx="2057400" cy="5851525"/>
+            <a:off x="7004304" y="429768"/>
+            <a:ext cx="1499616" cy="5824728"/>
           </a:xfrm>
         </p:spPr>
         <p:txBody>
@@ -1203,68 +2760,13 @@
               <a:rPr lang="ko-KR" altLang="en-US"/>
               <a:t>마스터 제목 스타일 편집</a:t>
             </a:r>
+            <a:endParaRPr lang="en-US"/>
           </a:p>
         </p:txBody>
       </p:sp>
       <p:sp>
         <p:nvSpPr>
-          <p:cNvPr id="3" name="세로 텍스트 개체 틀 2"/>
-          <p:cNvSpPr>
-            <a:spLocks noGrp="1"/>
-          </p:cNvSpPr>
-          <p:nvPr>
-            <p:ph type="body" orient="vert" idx="1"/>
-          </p:nvPr>
-        </p:nvSpPr>
-        <p:spPr>
-          <a:xfrm>
-            <a:off x="457200" y="274638"/>
-            <a:ext cx="6019800" cy="5851525"/>
-          </a:xfrm>
-        </p:spPr>
-        <p:txBody>
-          <a:bodyPr vert="eaVert"/>
-          <a:lstStyle/>
-          <a:p>
-            <a:pPr lvl="0"/>
-            <a:r>
-              <a:rPr lang="ko-KR" altLang="en-US"/>
-              <a:t>마스터 텍스트 스타일을 편집합니다</a:t>
-            </a:r>
-          </a:p>
-          <a:p>
-            <a:pPr lvl="1"/>
-            <a:r>
-              <a:rPr lang="ko-KR" altLang="en-US"/>
-              <a:t>둘째 수준</a:t>
-            </a:r>
-          </a:p>
-          <a:p>
-            <a:pPr lvl="2"/>
-            <a:r>
-              <a:rPr lang="ko-KR" altLang="en-US"/>
-              <a:t>셋째 수준</a:t>
-            </a:r>
-          </a:p>
-          <a:p>
-            <a:pPr lvl="3"/>
-            <a:r>
-              <a:rPr lang="ko-KR" altLang="en-US"/>
-              <a:t>넷째 수준</a:t>
-            </a:r>
-          </a:p>
-          <a:p>
-            <a:pPr lvl="4"/>
-            <a:r>
-              <a:rPr lang="ko-KR" altLang="en-US"/>
-              <a:t>다섯째 수준</a:t>
-            </a:r>
-          </a:p>
-        </p:txBody>
-      </p:sp>
-      <p:sp>
-        <p:nvSpPr>
-          <p:cNvPr id="4" name="날짜 개체 틀 3"/>
+          <p:cNvPr id="4" name="Date Placeholder 3"/>
           <p:cNvSpPr>
             <a:spLocks noGrp="1"/>
           </p:cNvSpPr>
@@ -1272,14 +2774,14 @@
             <p:ph type="dt" sz="half" idx="10"/>
           </p:nvPr>
         </p:nvSpPr>
-        <p:spPr/>
+        <p:spPr bwMode="gray"/>
         <p:txBody>
           <a:bodyPr/>
           <a:lstStyle/>
           <a:p>
             <a:fld id="{6EC6C849-637F-4B6D-A21B-C699CE14E402}" type="datetime1">
               <a:rPr lang="ko-KR" altLang="en-US" smtClean="0"/>
-              <a:t>2017-11-18</a:t>
+              <a:t>2017-11-19</a:t>
             </a:fld>
             <a:endParaRPr lang="ko-KR" altLang="en-US"/>
           </a:p>
@@ -1287,7 +2789,7 @@
       </p:sp>
       <p:sp>
         <p:nvSpPr>
-          <p:cNvPr id="5" name="바닥글 개체 틀 4"/>
+          <p:cNvPr id="5" name="Footer Placeholder 4"/>
           <p:cNvSpPr>
             <a:spLocks noGrp="1"/>
           </p:cNvSpPr>
@@ -1295,7 +2797,7 @@
             <p:ph type="ftr" sz="quarter" idx="11"/>
           </p:nvPr>
         </p:nvSpPr>
-        <p:spPr/>
+        <p:spPr bwMode="gray"/>
         <p:txBody>
           <a:bodyPr/>
           <a:lstStyle/>
@@ -1306,7 +2808,7 @@
       </p:sp>
       <p:sp>
         <p:nvSpPr>
-          <p:cNvPr id="6" name="슬라이드 번호 개체 틀 5"/>
+          <p:cNvPr id="6" name="Slide Number Placeholder 5"/>
           <p:cNvSpPr>
             <a:spLocks noGrp="1"/>
           </p:cNvSpPr>
@@ -1314,7 +2816,7 @@
             <p:ph type="sldNum" sz="quarter" idx="12"/>
           </p:nvPr>
         </p:nvSpPr>
-        <p:spPr/>
+        <p:spPr bwMode="gray"/>
         <p:txBody>
           <a:bodyPr/>
           <a:lstStyle/>
@@ -1327,10 +2829,67 @@
           </a:p>
         </p:txBody>
       </p:sp>
+      <p:sp>
+        <p:nvSpPr>
+          <p:cNvPr id="14" name="Vertical Text Placeholder 13"/>
+          <p:cNvSpPr>
+            <a:spLocks noGrp="1"/>
+          </p:cNvSpPr>
+          <p:nvPr>
+            <p:ph type="body" orient="vert" sz="quarter" idx="13"/>
+          </p:nvPr>
+        </p:nvSpPr>
+        <p:spPr bwMode="gray">
+          <a:xfrm>
+            <a:off x="457200" y="429768"/>
+            <a:ext cx="6400800" cy="5824728"/>
+          </a:xfrm>
+        </p:spPr>
+        <p:txBody>
+          <a:bodyPr vert="eaVert"/>
+          <a:lstStyle/>
+          <a:p>
+            <a:pPr lvl="0"/>
+            <a:r>
+              <a:rPr lang="ko-KR" altLang="en-US"/>
+              <a:t>마스터 텍스트 스타일 편집</a:t>
+            </a:r>
+          </a:p>
+          <a:p>
+            <a:pPr lvl="1"/>
+            <a:r>
+              <a:rPr lang="ko-KR" altLang="en-US"/>
+              <a:t>둘째 수준</a:t>
+            </a:r>
+          </a:p>
+          <a:p>
+            <a:pPr lvl="2"/>
+            <a:r>
+              <a:rPr lang="ko-KR" altLang="en-US"/>
+              <a:t>셋째 수준</a:t>
+            </a:r>
+          </a:p>
+          <a:p>
+            <a:pPr lvl="3"/>
+            <a:r>
+              <a:rPr lang="ko-KR" altLang="en-US"/>
+              <a:t>넷째 수준</a:t>
+            </a:r>
+          </a:p>
+          <a:p>
+            <a:pPr lvl="4"/>
+            <a:r>
+              <a:rPr lang="ko-KR" altLang="en-US"/>
+              <a:t>다섯째 수준</a:t>
+            </a:r>
+            <a:endParaRPr lang="en-US"/>
+          </a:p>
+        </p:txBody>
+      </p:sp>
     </p:spTree>
     <p:extLst>
       <p:ext uri="{BB962C8B-B14F-4D97-AF65-F5344CB8AC3E}">
-        <p14:creationId xmlns:p14="http://schemas.microsoft.com/office/powerpoint/2010/main" val="2053908480"/>
+        <p14:creationId xmlns:p14="http://schemas.microsoft.com/office/powerpoint/2010/main" val="2969360286"/>
       </p:ext>
     </p:extLst>
   </p:cSld>
@@ -1341,7 +2900,7 @@
 </file>
 
 <file path=ppt/slideLayouts/slideLayout2.xml><?xml version="1.0" encoding="utf-8"?>
-<p:sldLayout xmlns:a="http://schemas.openxmlformats.org/drawingml/2006/main" xmlns:r="http://schemas.openxmlformats.org/officeDocument/2006/relationships" xmlns:p="http://schemas.openxmlformats.org/presentationml/2006/main" type="obj" preserve="1">
+<p:sldLayout xmlns:a="http://schemas.openxmlformats.org/drawingml/2006/main" xmlns:r="http://schemas.openxmlformats.org/officeDocument/2006/relationships" xmlns:p="http://schemas.openxmlformats.org/presentationml/2006/main" preserve="1">
   <p:cSld name="제목 및 내용">
     <p:spTree>
       <p:nvGrpSpPr>
@@ -1359,80 +2918,7 @@
       </p:grpSpPr>
       <p:sp>
         <p:nvSpPr>
-          <p:cNvPr id="2" name="제목 1"/>
-          <p:cNvSpPr>
-            <a:spLocks noGrp="1"/>
-          </p:cNvSpPr>
-          <p:nvPr>
-            <p:ph type="title"/>
-          </p:nvPr>
-        </p:nvSpPr>
-        <p:spPr/>
-        <p:txBody>
-          <a:bodyPr/>
-          <a:lstStyle/>
-          <a:p>
-            <a:r>
-              <a:rPr lang="ko-KR" altLang="en-US"/>
-              <a:t>마스터 제목 스타일 편집</a:t>
-            </a:r>
-          </a:p>
-        </p:txBody>
-      </p:sp>
-      <p:sp>
-        <p:nvSpPr>
-          <p:cNvPr id="3" name="내용 개체 틀 2"/>
-          <p:cNvSpPr>
-            <a:spLocks noGrp="1"/>
-          </p:cNvSpPr>
-          <p:nvPr>
-            <p:ph idx="1"/>
-          </p:nvPr>
-        </p:nvSpPr>
-        <p:spPr/>
-        <p:txBody>
-          <a:bodyPr/>
-          <a:lstStyle/>
-          <a:p>
-            <a:pPr lvl="0"/>
-            <a:r>
-              <a:rPr lang="ko-KR" altLang="en-US"/>
-              <a:t>마스터 텍스트 스타일을 편집합니다</a:t>
-            </a:r>
-          </a:p>
-          <a:p>
-            <a:pPr lvl="1"/>
-            <a:r>
-              <a:rPr lang="ko-KR" altLang="en-US"/>
-              <a:t>둘째 수준</a:t>
-            </a:r>
-          </a:p>
-          <a:p>
-            <a:pPr lvl="2"/>
-            <a:r>
-              <a:rPr lang="ko-KR" altLang="en-US"/>
-              <a:t>셋째 수준</a:t>
-            </a:r>
-          </a:p>
-          <a:p>
-            <a:pPr lvl="3"/>
-            <a:r>
-              <a:rPr lang="ko-KR" altLang="en-US"/>
-              <a:t>넷째 수준</a:t>
-            </a:r>
-          </a:p>
-          <a:p>
-            <a:pPr lvl="4"/>
-            <a:r>
-              <a:rPr lang="ko-KR" altLang="en-US"/>
-              <a:t>다섯째 수준</a:t>
-            </a:r>
-          </a:p>
-        </p:txBody>
-      </p:sp>
-      <p:sp>
-        <p:nvSpPr>
-          <p:cNvPr id="4" name="날짜 개체 틀 3"/>
+          <p:cNvPr id="4" name="Date Placeholder 3"/>
           <p:cNvSpPr>
             <a:spLocks noGrp="1"/>
           </p:cNvSpPr>
@@ -1447,7 +2933,7 @@
           <a:p>
             <a:fld id="{F72C1AF0-4C21-4958-A87D-912BF4804D9E}" type="datetime1">
               <a:rPr lang="ko-KR" altLang="en-US" smtClean="0"/>
-              <a:t>2017-11-18</a:t>
+              <a:t>2017-11-19</a:t>
             </a:fld>
             <a:endParaRPr lang="ko-KR" altLang="en-US"/>
           </a:p>
@@ -1455,7 +2941,7 @@
       </p:sp>
       <p:sp>
         <p:nvSpPr>
-          <p:cNvPr id="5" name="바닥글 개체 틀 4"/>
+          <p:cNvPr id="5" name="Footer Placeholder 4"/>
           <p:cNvSpPr>
             <a:spLocks noGrp="1"/>
           </p:cNvSpPr>
@@ -1472,9 +2958,793 @@
           </a:p>
         </p:txBody>
       </p:sp>
+      <p:cxnSp>
+        <p:nvCxnSpPr>
+          <p:cNvPr id="7" name="Straight Connector 6"/>
+          <p:cNvCxnSpPr/>
+          <p:nvPr/>
+        </p:nvCxnSpPr>
+        <p:spPr bwMode="gray">
+          <a:xfrm>
+            <a:off x="0" y="1316736"/>
+            <a:ext cx="8577072" cy="1588"/>
+          </a:xfrm>
+          <a:prstGeom prst="line">
+            <a:avLst/>
+          </a:prstGeom>
+          <a:ln w="9525">
+            <a:solidFill>
+              <a:schemeClr val="bg2">
+                <a:lumMod val="75000"/>
+              </a:schemeClr>
+            </a:solidFill>
+          </a:ln>
+          <a:effectLst>
+            <a:outerShdw dist="25400" dir="5400000" algn="ctr" rotWithShape="0">
+              <a:srgbClr val="000000">
+                <a:alpha val="22000"/>
+              </a:srgbClr>
+            </a:outerShdw>
+          </a:effectLst>
+        </p:spPr>
+        <p:style>
+          <a:lnRef idx="1">
+            <a:schemeClr val="accent1"/>
+          </a:lnRef>
+          <a:fillRef idx="0">
+            <a:schemeClr val="accent1"/>
+          </a:fillRef>
+          <a:effectRef idx="0">
+            <a:schemeClr val="accent1"/>
+          </a:effectRef>
+          <a:fontRef idx="minor">
+            <a:schemeClr val="tx1"/>
+          </a:fontRef>
+        </p:style>
+      </p:cxnSp>
+      <p:grpSp>
+        <p:nvGrpSpPr>
+          <p:cNvPr id="2" name="Group 277"/>
+          <p:cNvGrpSpPr>
+            <a:grpSpLocks/>
+          </p:cNvGrpSpPr>
+          <p:nvPr/>
+        </p:nvGrpSpPr>
+        <p:grpSpPr bwMode="gray">
+          <a:xfrm rot="5400000">
+            <a:off x="301752" y="228600"/>
+            <a:ext cx="996696" cy="969264"/>
+            <a:chOff x="42" y="4085"/>
+            <a:chExt cx="224" cy="224"/>
+          </a:xfrm>
+          <a:solidFill>
+            <a:schemeClr val="bg2">
+              <a:lumMod val="75000"/>
+              <a:alpha val="30196"/>
+            </a:schemeClr>
+          </a:solidFill>
+        </p:grpSpPr>
+        <p:sp>
+          <p:nvSpPr>
+            <p:cNvPr id="10" name="Freeform 278"/>
+            <p:cNvSpPr>
+              <a:spLocks/>
+            </p:cNvSpPr>
+            <p:nvPr userDrawn="1"/>
+          </p:nvSpPr>
+          <p:spPr bwMode="gray">
+            <a:xfrm>
+              <a:off x="89" y="4127"/>
+              <a:ext cx="136" cy="142"/>
+            </a:xfrm>
+            <a:custGeom>
+              <a:avLst/>
+              <a:gdLst/>
+              <a:ahLst/>
+              <a:cxnLst>
+                <a:cxn ang="0">
+                  <a:pos x="226" y="24"/>
+                </a:cxn>
+                <a:cxn ang="0">
+                  <a:pos x="7" y="311"/>
+                </a:cxn>
+                <a:cxn ang="0">
+                  <a:pos x="30" y="389"/>
+                </a:cxn>
+                <a:cxn ang="0">
+                  <a:pos x="124" y="402"/>
+                </a:cxn>
+                <a:cxn ang="0">
+                  <a:pos x="193" y="317"/>
+                </a:cxn>
+                <a:cxn ang="0">
+                  <a:pos x="193" y="524"/>
+                </a:cxn>
+                <a:cxn ang="0">
+                  <a:pos x="276" y="585"/>
+                </a:cxn>
+                <a:cxn ang="0">
+                  <a:pos x="363" y="522"/>
+                </a:cxn>
+                <a:cxn ang="0">
+                  <a:pos x="363" y="305"/>
+                </a:cxn>
+                <a:cxn ang="0">
+                  <a:pos x="447" y="405"/>
+                </a:cxn>
+                <a:cxn ang="0">
+                  <a:pos x="534" y="398"/>
+                </a:cxn>
+                <a:cxn ang="0">
+                  <a:pos x="562" y="320"/>
+                </a:cxn>
+                <a:cxn ang="0">
+                  <a:pos x="331" y="17"/>
+                </a:cxn>
+                <a:cxn ang="0">
+                  <a:pos x="280" y="2"/>
+                </a:cxn>
+                <a:cxn ang="0">
+                  <a:pos x="226" y="24"/>
+                </a:cxn>
+              </a:cxnLst>
+              <a:rect l="0" t="0" r="r" b="b"/>
+              <a:pathLst>
+                <a:path w="562" h="587">
+                  <a:moveTo>
+                    <a:pt x="226" y="24"/>
+                  </a:moveTo>
+                  <a:cubicBezTo>
+                    <a:pt x="181" y="76"/>
+                    <a:pt x="40" y="250"/>
+                    <a:pt x="7" y="311"/>
+                  </a:cubicBezTo>
+                  <a:cubicBezTo>
+                    <a:pt x="0" y="350"/>
+                    <a:pt x="11" y="361"/>
+                    <a:pt x="30" y="389"/>
+                  </a:cubicBezTo>
+                  <a:cubicBezTo>
+                    <a:pt x="49" y="417"/>
+                    <a:pt x="87" y="422"/>
+                    <a:pt x="124" y="402"/>
+                  </a:cubicBezTo>
+                  <a:lnTo>
+                    <a:pt x="193" y="317"/>
+                  </a:lnTo>
+                  <a:lnTo>
+                    <a:pt x="193" y="524"/>
+                  </a:lnTo>
+                  <a:cubicBezTo>
+                    <a:pt x="207" y="569"/>
+                    <a:pt x="248" y="585"/>
+                    <a:pt x="276" y="585"/>
+                  </a:cubicBezTo>
+                  <a:cubicBezTo>
+                    <a:pt x="315" y="587"/>
+                    <a:pt x="350" y="568"/>
+                    <a:pt x="363" y="522"/>
+                  </a:cubicBezTo>
+                  <a:lnTo>
+                    <a:pt x="363" y="305"/>
+                  </a:lnTo>
+                  <a:lnTo>
+                    <a:pt x="447" y="405"/>
+                  </a:lnTo>
+                  <a:cubicBezTo>
+                    <a:pt x="475" y="420"/>
+                    <a:pt x="515" y="412"/>
+                    <a:pt x="534" y="398"/>
+                  </a:cubicBezTo>
+                  <a:cubicBezTo>
+                    <a:pt x="553" y="384"/>
+                    <a:pt x="562" y="357"/>
+                    <a:pt x="562" y="320"/>
+                  </a:cubicBezTo>
+                  <a:cubicBezTo>
+                    <a:pt x="446" y="168"/>
+                    <a:pt x="331" y="17"/>
+                    <a:pt x="331" y="17"/>
+                  </a:cubicBezTo>
+                  <a:cubicBezTo>
+                    <a:pt x="303" y="0"/>
+                    <a:pt x="296" y="2"/>
+                    <a:pt x="280" y="2"/>
+                  </a:cubicBezTo>
+                  <a:cubicBezTo>
+                    <a:pt x="264" y="2"/>
+                    <a:pt x="247" y="6"/>
+                    <a:pt x="226" y="24"/>
+                  </a:cubicBezTo>
+                  <a:close/>
+                </a:path>
+              </a:pathLst>
+            </a:custGeom>
+            <a:grpFill/>
+            <a:ln w="9525" cap="flat" cmpd="sng">
+              <a:noFill/>
+              <a:prstDash val="solid"/>
+              <a:round/>
+              <a:headEnd/>
+              <a:tailEnd/>
+            </a:ln>
+            <a:effectLst/>
+          </p:spPr>
+          <p:txBody>
+            <a:bodyPr/>
+            <a:lstStyle/>
+            <a:p>
+              <a:endParaRPr lang="en-US"/>
+            </a:p>
+          </p:txBody>
+        </p:sp>
+        <p:sp>
+          <p:nvSpPr>
+            <p:cNvPr id="11" name="AutoShape 279"/>
+            <p:cNvSpPr>
+              <a:spLocks noChangeArrowheads="1"/>
+            </p:cNvSpPr>
+            <p:nvPr userDrawn="1"/>
+          </p:nvSpPr>
+          <p:spPr bwMode="gray">
+            <a:xfrm>
+              <a:off x="42" y="4085"/>
+              <a:ext cx="224" cy="224"/>
+            </a:xfrm>
+            <a:custGeom>
+              <a:avLst/>
+              <a:gdLst>
+                <a:gd name="G0" fmla="+- 2121 0 0"/>
+                <a:gd name="G1" fmla="+- 21600 0 2121"/>
+                <a:gd name="G2" fmla="+- 21600 0 2121"/>
+                <a:gd name="G3" fmla="*/ G0 2929 10000"/>
+                <a:gd name="G4" fmla="+- 21600 0 G3"/>
+                <a:gd name="G5" fmla="+- 21600 0 G3"/>
+                <a:gd name="T0" fmla="*/ 10800 w 21600"/>
+                <a:gd name="T1" fmla="*/ 0 h 21600"/>
+                <a:gd name="T2" fmla="*/ 3163 w 21600"/>
+                <a:gd name="T3" fmla="*/ 3163 h 21600"/>
+                <a:gd name="T4" fmla="*/ 0 w 21600"/>
+                <a:gd name="T5" fmla="*/ 10800 h 21600"/>
+                <a:gd name="T6" fmla="*/ 3163 w 21600"/>
+                <a:gd name="T7" fmla="*/ 18437 h 21600"/>
+                <a:gd name="T8" fmla="*/ 10800 w 21600"/>
+                <a:gd name="T9" fmla="*/ 21600 h 21600"/>
+                <a:gd name="T10" fmla="*/ 18437 w 21600"/>
+                <a:gd name="T11" fmla="*/ 18437 h 21600"/>
+                <a:gd name="T12" fmla="*/ 21600 w 21600"/>
+                <a:gd name="T13" fmla="*/ 10800 h 21600"/>
+                <a:gd name="T14" fmla="*/ 18437 w 21600"/>
+                <a:gd name="T15" fmla="*/ 3163 h 21600"/>
+                <a:gd name="T16" fmla="*/ 3163 w 21600"/>
+                <a:gd name="T17" fmla="*/ 3163 h 21600"/>
+                <a:gd name="T18" fmla="*/ 18437 w 21600"/>
+                <a:gd name="T19" fmla="*/ 18437 h 21600"/>
+              </a:gdLst>
+              <a:ahLst/>
+              <a:cxnLst>
+                <a:cxn ang="0">
+                  <a:pos x="T0" y="T1"/>
+                </a:cxn>
+                <a:cxn ang="0">
+                  <a:pos x="T2" y="T3"/>
+                </a:cxn>
+                <a:cxn ang="0">
+                  <a:pos x="T4" y="T5"/>
+                </a:cxn>
+                <a:cxn ang="0">
+                  <a:pos x="T6" y="T7"/>
+                </a:cxn>
+                <a:cxn ang="0">
+                  <a:pos x="T8" y="T9"/>
+                </a:cxn>
+                <a:cxn ang="0">
+                  <a:pos x="T10" y="T11"/>
+                </a:cxn>
+                <a:cxn ang="0">
+                  <a:pos x="T12" y="T13"/>
+                </a:cxn>
+                <a:cxn ang="0">
+                  <a:pos x="T14" y="T15"/>
+                </a:cxn>
+              </a:cxnLst>
+              <a:rect l="T16" t="T17" r="T18" b="T19"/>
+              <a:pathLst>
+                <a:path w="21600" h="21600">
+                  <a:moveTo>
+                    <a:pt x="0" y="10800"/>
+                  </a:moveTo>
+                  <a:cubicBezTo>
+                    <a:pt x="0" y="4835"/>
+                    <a:pt x="4835" y="0"/>
+                    <a:pt x="10800" y="0"/>
+                  </a:cubicBezTo>
+                  <a:cubicBezTo>
+                    <a:pt x="16765" y="0"/>
+                    <a:pt x="21600" y="4835"/>
+                    <a:pt x="21600" y="10800"/>
+                  </a:cubicBezTo>
+                  <a:cubicBezTo>
+                    <a:pt x="21600" y="16765"/>
+                    <a:pt x="16765" y="21600"/>
+                    <a:pt x="10800" y="21600"/>
+                  </a:cubicBezTo>
+                  <a:cubicBezTo>
+                    <a:pt x="4835" y="21600"/>
+                    <a:pt x="0" y="16765"/>
+                    <a:pt x="0" y="10800"/>
+                  </a:cubicBezTo>
+                  <a:close/>
+                  <a:moveTo>
+                    <a:pt x="2121" y="10800"/>
+                  </a:moveTo>
+                  <a:cubicBezTo>
+                    <a:pt x="2121" y="15593"/>
+                    <a:pt x="6007" y="19479"/>
+                    <a:pt x="10800" y="19479"/>
+                  </a:cubicBezTo>
+                  <a:cubicBezTo>
+                    <a:pt x="15593" y="19479"/>
+                    <a:pt x="19479" y="15593"/>
+                    <a:pt x="19479" y="10800"/>
+                  </a:cubicBezTo>
+                  <a:cubicBezTo>
+                    <a:pt x="19479" y="6007"/>
+                    <a:pt x="15593" y="2121"/>
+                    <a:pt x="10800" y="2121"/>
+                  </a:cubicBezTo>
+                  <a:cubicBezTo>
+                    <a:pt x="6007" y="2121"/>
+                    <a:pt x="2121" y="6007"/>
+                    <a:pt x="2121" y="10800"/>
+                  </a:cubicBezTo>
+                  <a:close/>
+                </a:path>
+              </a:pathLst>
+            </a:custGeom>
+            <a:grpFill/>
+            <a:ln w="9525" algn="ctr">
+              <a:noFill/>
+              <a:round/>
+              <a:headEnd/>
+              <a:tailEnd/>
+            </a:ln>
+            <a:effectLst/>
+          </p:spPr>
+          <p:txBody>
+            <a:bodyPr wrap="none" anchor="ctr"/>
+            <a:lstStyle/>
+            <a:p>
+              <a:endParaRPr lang="en-US"/>
+            </a:p>
+          </p:txBody>
+        </p:sp>
+      </p:grpSp>
       <p:sp>
         <p:nvSpPr>
-          <p:cNvPr id="6" name="슬라이드 번호 개체 틀 5"/>
+          <p:cNvPr id="12" name="Rectangle 11"/>
+          <p:cNvSpPr/>
+          <p:nvPr/>
+        </p:nvSpPr>
+        <p:spPr bwMode="gray">
+          <a:xfrm>
+            <a:off x="8604504" y="0"/>
+            <a:ext cx="539496" cy="6858000"/>
+          </a:xfrm>
+          <a:prstGeom prst="rect">
+            <a:avLst/>
+          </a:prstGeom>
+          <a:solidFill>
+            <a:schemeClr val="bg2">
+              <a:lumMod val="75000"/>
+            </a:schemeClr>
+          </a:solidFill>
+          <a:ln>
+            <a:noFill/>
+          </a:ln>
+        </p:spPr>
+        <p:style>
+          <a:lnRef idx="2">
+            <a:schemeClr val="accent1">
+              <a:shade val="50000"/>
+            </a:schemeClr>
+          </a:lnRef>
+          <a:fillRef idx="1">
+            <a:schemeClr val="accent1"/>
+          </a:fillRef>
+          <a:effectRef idx="0">
+            <a:schemeClr val="accent1"/>
+          </a:effectRef>
+          <a:fontRef idx="minor">
+            <a:schemeClr val="lt1"/>
+          </a:fontRef>
+        </p:style>
+        <p:txBody>
+          <a:bodyPr rtlCol="0" anchor="ctr"/>
+          <a:lstStyle/>
+          <a:p>
+            <a:pPr algn="ctr"/>
+            <a:endParaRPr lang="en-US"/>
+          </a:p>
+        </p:txBody>
+      </p:sp>
+      <p:sp>
+        <p:nvSpPr>
+          <p:cNvPr id="13" name="Rectangle 12"/>
+          <p:cNvSpPr/>
+          <p:nvPr/>
+        </p:nvSpPr>
+        <p:spPr bwMode="gray">
+          <a:xfrm>
+            <a:off x="8595360" y="0"/>
+            <a:ext cx="393192" cy="6858000"/>
+          </a:xfrm>
+          <a:prstGeom prst="rect">
+            <a:avLst/>
+          </a:prstGeom>
+          <a:solidFill>
+            <a:schemeClr val="bg2">
+              <a:lumMod val="90000"/>
+            </a:schemeClr>
+          </a:solidFill>
+          <a:ln>
+            <a:noFill/>
+          </a:ln>
+        </p:spPr>
+        <p:style>
+          <a:lnRef idx="2">
+            <a:schemeClr val="accent1">
+              <a:shade val="50000"/>
+            </a:schemeClr>
+          </a:lnRef>
+          <a:fillRef idx="1">
+            <a:schemeClr val="accent1"/>
+          </a:fillRef>
+          <a:effectRef idx="0">
+            <a:schemeClr val="accent1"/>
+          </a:effectRef>
+          <a:fontRef idx="minor">
+            <a:schemeClr val="lt1"/>
+          </a:fontRef>
+        </p:style>
+        <p:txBody>
+          <a:bodyPr rtlCol="0" anchor="ctr"/>
+          <a:lstStyle/>
+          <a:p>
+            <a:pPr algn="ctr"/>
+            <a:endParaRPr lang="en-US"/>
+          </a:p>
+        </p:txBody>
+      </p:sp>
+      <p:grpSp>
+        <p:nvGrpSpPr>
+          <p:cNvPr id="8" name="Group 18"/>
+          <p:cNvGrpSpPr/>
+          <p:nvPr/>
+        </p:nvGrpSpPr>
+        <p:grpSpPr bwMode="gray">
+          <a:xfrm>
+            <a:off x="8019288" y="246888"/>
+            <a:ext cx="1069848" cy="490035"/>
+            <a:chOff x="8019288" y="246888"/>
+            <a:chExt cx="1069848" cy="490035"/>
+          </a:xfrm>
+        </p:grpSpPr>
+        <p:sp>
+          <p:nvSpPr>
+            <p:cNvPr id="15" name="Freeform 14"/>
+            <p:cNvSpPr/>
+            <p:nvPr userDrawn="1"/>
+          </p:nvSpPr>
+          <p:spPr bwMode="gray">
+            <a:xfrm rot="4680000">
+              <a:off x="8513063" y="174567"/>
+              <a:ext cx="137160" cy="987552"/>
+            </a:xfrm>
+            <a:custGeom>
+              <a:avLst/>
+              <a:gdLst>
+                <a:gd name="connsiteX0" fmla="*/ 0 w 210312"/>
+                <a:gd name="connsiteY0" fmla="*/ 0 h 4233101"/>
+                <a:gd name="connsiteX1" fmla="*/ 210312 w 210312"/>
+                <a:gd name="connsiteY1" fmla="*/ 0 h 4233101"/>
+                <a:gd name="connsiteX2" fmla="*/ 210312 w 210312"/>
+                <a:gd name="connsiteY2" fmla="*/ 4233101 h 4233101"/>
+                <a:gd name="connsiteX3" fmla="*/ 0 w 210312"/>
+                <a:gd name="connsiteY3" fmla="*/ 4233101 h 4233101"/>
+                <a:gd name="connsiteX4" fmla="*/ 0 w 210312"/>
+                <a:gd name="connsiteY4" fmla="*/ 0 h 4233101"/>
+                <a:gd name="connsiteX0" fmla="*/ 0 w 210312"/>
+                <a:gd name="connsiteY0" fmla="*/ 0 h 4233101"/>
+                <a:gd name="connsiteX1" fmla="*/ 210312 w 210312"/>
+                <a:gd name="connsiteY1" fmla="*/ 0 h 4233101"/>
+                <a:gd name="connsiteX2" fmla="*/ 0 w 210312"/>
+                <a:gd name="connsiteY2" fmla="*/ 4233101 h 4233101"/>
+                <a:gd name="connsiteX3" fmla="*/ 0 w 210312"/>
+                <a:gd name="connsiteY3" fmla="*/ 0 h 4233101"/>
+                <a:gd name="connsiteX0" fmla="*/ 0 w 91050"/>
+                <a:gd name="connsiteY0" fmla="*/ 27578 h 4260679"/>
+                <a:gd name="connsiteX1" fmla="*/ 91050 w 91050"/>
+                <a:gd name="connsiteY1" fmla="*/ 0 h 4260679"/>
+                <a:gd name="connsiteX2" fmla="*/ 0 w 91050"/>
+                <a:gd name="connsiteY2" fmla="*/ 4260679 h 4260679"/>
+                <a:gd name="connsiteX3" fmla="*/ 0 w 91050"/>
+                <a:gd name="connsiteY3" fmla="*/ 27578 h 4260679"/>
+                <a:gd name="connsiteX0" fmla="*/ 0 w 91050"/>
+                <a:gd name="connsiteY0" fmla="*/ 27578 h 4260679"/>
+                <a:gd name="connsiteX1" fmla="*/ 91050 w 91050"/>
+                <a:gd name="connsiteY1" fmla="*/ 0 h 4260679"/>
+                <a:gd name="connsiteX2" fmla="*/ 0 w 91050"/>
+                <a:gd name="connsiteY2" fmla="*/ 4260679 h 4260679"/>
+                <a:gd name="connsiteX3" fmla="*/ 0 w 91050"/>
+                <a:gd name="connsiteY3" fmla="*/ 27578 h 4260679"/>
+                <a:gd name="connsiteX0" fmla="*/ 6703 w 97753"/>
+                <a:gd name="connsiteY0" fmla="*/ 27578 h 4260679"/>
+                <a:gd name="connsiteX1" fmla="*/ 97753 w 97753"/>
+                <a:gd name="connsiteY1" fmla="*/ 0 h 4260679"/>
+                <a:gd name="connsiteX2" fmla="*/ 6703 w 97753"/>
+                <a:gd name="connsiteY2" fmla="*/ 4260679 h 4260679"/>
+                <a:gd name="connsiteX3" fmla="*/ 6703 w 97753"/>
+                <a:gd name="connsiteY3" fmla="*/ 27578 h 4260679"/>
+                <a:gd name="connsiteX0" fmla="*/ 6703 w 97753"/>
+                <a:gd name="connsiteY0" fmla="*/ 27578 h 4260679"/>
+                <a:gd name="connsiteX1" fmla="*/ 97753 w 97753"/>
+                <a:gd name="connsiteY1" fmla="*/ 0 h 4260679"/>
+                <a:gd name="connsiteX2" fmla="*/ 6703 w 97753"/>
+                <a:gd name="connsiteY2" fmla="*/ 4260679 h 4260679"/>
+                <a:gd name="connsiteX3" fmla="*/ 6703 w 97753"/>
+                <a:gd name="connsiteY3" fmla="*/ 27578 h 4260679"/>
+                <a:gd name="connsiteX0" fmla="*/ 6703 w 97753"/>
+                <a:gd name="connsiteY0" fmla="*/ 27578 h 4260679"/>
+                <a:gd name="connsiteX1" fmla="*/ 97753 w 97753"/>
+                <a:gd name="connsiteY1" fmla="*/ 0 h 4260679"/>
+                <a:gd name="connsiteX2" fmla="*/ 6703 w 97753"/>
+                <a:gd name="connsiteY2" fmla="*/ 4260679 h 4260679"/>
+                <a:gd name="connsiteX3" fmla="*/ 6703 w 97753"/>
+                <a:gd name="connsiteY3" fmla="*/ 27578 h 4260679"/>
+                <a:gd name="connsiteX0" fmla="*/ 25745 w 97753"/>
+                <a:gd name="connsiteY0" fmla="*/ 1 h 4233102"/>
+                <a:gd name="connsiteX1" fmla="*/ 97753 w 97753"/>
+                <a:gd name="connsiteY1" fmla="*/ 61420 h 4233102"/>
+                <a:gd name="connsiteX2" fmla="*/ 25745 w 97753"/>
+                <a:gd name="connsiteY2" fmla="*/ 4233102 h 4233102"/>
+                <a:gd name="connsiteX3" fmla="*/ 25745 w 97753"/>
+                <a:gd name="connsiteY3" fmla="*/ 1 h 4233102"/>
+                <a:gd name="connsiteX0" fmla="*/ 24478 w 97753"/>
+                <a:gd name="connsiteY0" fmla="*/ 8201 h 4241302"/>
+                <a:gd name="connsiteX1" fmla="*/ 97753 w 97753"/>
+                <a:gd name="connsiteY1" fmla="*/ 0 h 4241302"/>
+                <a:gd name="connsiteX2" fmla="*/ 24478 w 97753"/>
+                <a:gd name="connsiteY2" fmla="*/ 4241302 h 4241302"/>
+                <a:gd name="connsiteX3" fmla="*/ 24478 w 97753"/>
+                <a:gd name="connsiteY3" fmla="*/ 8201 h 4241302"/>
+                <a:gd name="connsiteX0" fmla="*/ 24478 w 97753"/>
+                <a:gd name="connsiteY0" fmla="*/ 8201 h 4241302"/>
+                <a:gd name="connsiteX1" fmla="*/ 97753 w 97753"/>
+                <a:gd name="connsiteY1" fmla="*/ 0 h 4241302"/>
+                <a:gd name="connsiteX2" fmla="*/ 24478 w 97753"/>
+                <a:gd name="connsiteY2" fmla="*/ 4241302 h 4241302"/>
+                <a:gd name="connsiteX3" fmla="*/ 24478 w 97753"/>
+                <a:gd name="connsiteY3" fmla="*/ 8201 h 4241302"/>
+                <a:gd name="connsiteX0" fmla="*/ 14176 w 87451"/>
+                <a:gd name="connsiteY0" fmla="*/ 8201 h 4241302"/>
+                <a:gd name="connsiteX1" fmla="*/ 87451 w 87451"/>
+                <a:gd name="connsiteY1" fmla="*/ 0 h 4241302"/>
+                <a:gd name="connsiteX2" fmla="*/ 14176 w 87451"/>
+                <a:gd name="connsiteY2" fmla="*/ 4241302 h 4241302"/>
+                <a:gd name="connsiteX3" fmla="*/ 14176 w 87451"/>
+                <a:gd name="connsiteY3" fmla="*/ 8201 h 4241302"/>
+                <a:gd name="connsiteX0" fmla="*/ 14176 w 87451"/>
+                <a:gd name="connsiteY0" fmla="*/ 8201 h 4001504"/>
+                <a:gd name="connsiteX1" fmla="*/ 87451 w 87451"/>
+                <a:gd name="connsiteY1" fmla="*/ 0 h 4001504"/>
+                <a:gd name="connsiteX2" fmla="*/ 18941 w 87451"/>
+                <a:gd name="connsiteY2" fmla="*/ 4001504 h 4001504"/>
+                <a:gd name="connsiteX3" fmla="*/ 14176 w 87451"/>
+                <a:gd name="connsiteY3" fmla="*/ 8201 h 4001504"/>
+                <a:gd name="connsiteX0" fmla="*/ 14176 w 87451"/>
+                <a:gd name="connsiteY0" fmla="*/ 8201 h 3875955"/>
+                <a:gd name="connsiteX1" fmla="*/ 87451 w 87451"/>
+                <a:gd name="connsiteY1" fmla="*/ 0 h 3875955"/>
+                <a:gd name="connsiteX2" fmla="*/ 7278 w 87451"/>
+                <a:gd name="connsiteY2" fmla="*/ 3875955 h 3875955"/>
+                <a:gd name="connsiteX3" fmla="*/ 14176 w 87451"/>
+                <a:gd name="connsiteY3" fmla="*/ 8201 h 3875955"/>
+                <a:gd name="connsiteX0" fmla="*/ 14176 w 87451"/>
+                <a:gd name="connsiteY0" fmla="*/ 8201 h 3961135"/>
+                <a:gd name="connsiteX1" fmla="*/ 87451 w 87451"/>
+                <a:gd name="connsiteY1" fmla="*/ 0 h 3961135"/>
+                <a:gd name="connsiteX2" fmla="*/ 16239 w 87451"/>
+                <a:gd name="connsiteY2" fmla="*/ 3961135 h 3961135"/>
+                <a:gd name="connsiteX3" fmla="*/ 14176 w 87451"/>
+                <a:gd name="connsiteY3" fmla="*/ 8201 h 3961135"/>
+              </a:gdLst>
+              <a:ahLst/>
+              <a:cxnLst>
+                <a:cxn ang="0">
+                  <a:pos x="connsiteX0" y="connsiteY0"/>
+                </a:cxn>
+                <a:cxn ang="0">
+                  <a:pos x="connsiteX1" y="connsiteY1"/>
+                </a:cxn>
+                <a:cxn ang="0">
+                  <a:pos x="connsiteX2" y="connsiteY2"/>
+                </a:cxn>
+                <a:cxn ang="0">
+                  <a:pos x="connsiteX3" y="connsiteY3"/>
+                </a:cxn>
+              </a:cxnLst>
+              <a:rect l="l" t="t" r="r" b="b"/>
+              <a:pathLst>
+                <a:path w="87451" h="3961135">
+                  <a:moveTo>
+                    <a:pt x="14176" y="8201"/>
+                  </a:moveTo>
+                  <a:lnTo>
+                    <a:pt x="87451" y="0"/>
+                  </a:lnTo>
+                  <a:cubicBezTo>
+                    <a:pt x="0" y="2301293"/>
+                    <a:pt x="31791" y="2848354"/>
+                    <a:pt x="16239" y="3961135"/>
+                  </a:cubicBezTo>
+                  <a:cubicBezTo>
+                    <a:pt x="14651" y="2630034"/>
+                    <a:pt x="15764" y="1339302"/>
+                    <a:pt x="14176" y="8201"/>
+                  </a:cubicBezTo>
+                  <a:close/>
+                </a:path>
+              </a:pathLst>
+            </a:custGeom>
+            <a:gradFill flip="none" rotWithShape="1">
+              <a:gsLst>
+                <a:gs pos="0">
+                  <a:schemeClr val="bg1">
+                    <a:lumMod val="50000"/>
+                  </a:schemeClr>
+                </a:gs>
+                <a:gs pos="100000">
+                  <a:schemeClr val="bg1">
+                    <a:lumMod val="50000"/>
+                    <a:alpha val="56000"/>
+                  </a:schemeClr>
+                </a:gs>
+              </a:gsLst>
+              <a:path path="circle">
+                <a:fillToRect l="100000" t="100000"/>
+              </a:path>
+              <a:tileRect r="-100000" b="-100000"/>
+            </a:gradFill>
+            <a:ln>
+              <a:noFill/>
+            </a:ln>
+          </p:spPr>
+          <p:style>
+            <a:lnRef idx="2">
+              <a:schemeClr val="accent1">
+                <a:shade val="50000"/>
+              </a:schemeClr>
+            </a:lnRef>
+            <a:fillRef idx="1">
+              <a:schemeClr val="accent1"/>
+            </a:fillRef>
+            <a:effectRef idx="0">
+              <a:schemeClr val="accent1"/>
+            </a:effectRef>
+            <a:fontRef idx="minor">
+              <a:schemeClr val="lt1"/>
+            </a:fontRef>
+          </p:style>
+          <p:txBody>
+            <a:bodyPr rtlCol="0" anchor="ctr"/>
+            <a:lstStyle/>
+            <a:p>
+              <a:pPr algn="ctr"/>
+              <a:endParaRPr lang="en-US"/>
+            </a:p>
+          </p:txBody>
+        </p:sp>
+        <p:sp>
+          <p:nvSpPr>
+            <p:cNvPr id="17" name="Rectangle 16"/>
+            <p:cNvSpPr/>
+            <p:nvPr userDrawn="1"/>
+          </p:nvSpPr>
+          <p:spPr bwMode="gray">
+            <a:xfrm rot="4680000">
+              <a:off x="8750808" y="210312"/>
+              <a:ext cx="301752" cy="374904"/>
+            </a:xfrm>
+            <a:prstGeom prst="rect">
+              <a:avLst/>
+            </a:prstGeom>
+            <a:solidFill>
+              <a:schemeClr val="accent1">
+                <a:alpha val="90000"/>
+              </a:schemeClr>
+            </a:solidFill>
+            <a:ln>
+              <a:noFill/>
+            </a:ln>
+          </p:spPr>
+          <p:style>
+            <a:lnRef idx="2">
+              <a:schemeClr val="accent1">
+                <a:shade val="50000"/>
+              </a:schemeClr>
+            </a:lnRef>
+            <a:fillRef idx="1">
+              <a:schemeClr val="accent1"/>
+            </a:fillRef>
+            <a:effectRef idx="0">
+              <a:schemeClr val="accent1"/>
+            </a:effectRef>
+            <a:fontRef idx="minor">
+              <a:schemeClr val="lt1"/>
+            </a:fontRef>
+          </p:style>
+          <p:txBody>
+            <a:bodyPr rtlCol="0" anchor="ctr"/>
+            <a:lstStyle/>
+            <a:p>
+              <a:pPr algn="ctr"/>
+              <a:endParaRPr lang="en-US"/>
+            </a:p>
+          </p:txBody>
+        </p:sp>
+        <p:sp>
+          <p:nvSpPr>
+            <p:cNvPr id="18" name="Rectangle 17"/>
+            <p:cNvSpPr/>
+            <p:nvPr userDrawn="1"/>
+          </p:nvSpPr>
+          <p:spPr bwMode="gray">
+            <a:xfrm rot="4680000">
+              <a:off x="8220456" y="155448"/>
+              <a:ext cx="301752" cy="704088"/>
+            </a:xfrm>
+            <a:prstGeom prst="rect">
+              <a:avLst/>
+            </a:prstGeom>
+            <a:solidFill>
+              <a:srgbClr val="FFFFFF">
+                <a:alpha val="50196"/>
+              </a:srgbClr>
+            </a:solidFill>
+            <a:ln>
+              <a:noFill/>
+            </a:ln>
+          </p:spPr>
+          <p:style>
+            <a:lnRef idx="2">
+              <a:schemeClr val="accent1">
+                <a:shade val="50000"/>
+              </a:schemeClr>
+            </a:lnRef>
+            <a:fillRef idx="1">
+              <a:schemeClr val="accent1"/>
+            </a:fillRef>
+            <a:effectRef idx="0">
+              <a:schemeClr val="accent1"/>
+            </a:effectRef>
+            <a:fontRef idx="minor">
+              <a:schemeClr val="lt1"/>
+            </a:fontRef>
+          </p:style>
+          <p:txBody>
+            <a:bodyPr rtlCol="0" anchor="ctr"/>
+            <a:lstStyle/>
+            <a:p>
+              <a:pPr algn="ctr"/>
+              <a:endParaRPr lang="en-US"/>
+            </a:p>
+          </p:txBody>
+        </p:sp>
+      </p:grpSp>
+      <p:sp>
+        <p:nvSpPr>
+          <p:cNvPr id="6" name="Slide Number Placeholder 5"/>
           <p:cNvSpPr>
             <a:spLocks noGrp="1"/>
           </p:cNvSpPr>
@@ -1495,10 +3765,95 @@
           </a:p>
         </p:txBody>
       </p:sp>
+      <p:sp>
+        <p:nvSpPr>
+          <p:cNvPr id="3" name="Content Placeholder 2"/>
+          <p:cNvSpPr>
+            <a:spLocks noGrp="1"/>
+          </p:cNvSpPr>
+          <p:nvPr>
+            <p:ph idx="1"/>
+          </p:nvPr>
+        </p:nvSpPr>
+        <p:spPr>
+          <a:xfrm>
+            <a:off x="457200" y="1600200"/>
+            <a:ext cx="8109857" cy="4525963"/>
+          </a:xfrm>
+        </p:spPr>
+        <p:txBody>
+          <a:bodyPr/>
+          <a:lstStyle/>
+          <a:p>
+            <a:pPr lvl="0"/>
+            <a:r>
+              <a:rPr lang="ko-KR" altLang="en-US"/>
+              <a:t>마스터 텍스트 스타일 편집</a:t>
+            </a:r>
+          </a:p>
+          <a:p>
+            <a:pPr lvl="1"/>
+            <a:r>
+              <a:rPr lang="ko-KR" altLang="en-US"/>
+              <a:t>둘째 수준</a:t>
+            </a:r>
+          </a:p>
+          <a:p>
+            <a:pPr lvl="2"/>
+            <a:r>
+              <a:rPr lang="ko-KR" altLang="en-US"/>
+              <a:t>셋째 수준</a:t>
+            </a:r>
+          </a:p>
+          <a:p>
+            <a:pPr lvl="3"/>
+            <a:r>
+              <a:rPr lang="ko-KR" altLang="en-US"/>
+              <a:t>넷째 수준</a:t>
+            </a:r>
+          </a:p>
+          <a:p>
+            <a:pPr lvl="4"/>
+            <a:r>
+              <a:rPr lang="ko-KR" altLang="en-US"/>
+              <a:t>다섯째 수준</a:t>
+            </a:r>
+            <a:endParaRPr lang="en-US"/>
+          </a:p>
+        </p:txBody>
+      </p:sp>
+      <p:sp>
+        <p:nvSpPr>
+          <p:cNvPr id="19" name="Title 18"/>
+          <p:cNvSpPr>
+            <a:spLocks noGrp="1"/>
+          </p:cNvSpPr>
+          <p:nvPr>
+            <p:ph type="title"/>
+          </p:nvPr>
+        </p:nvSpPr>
+        <p:spPr>
+          <a:xfrm>
+            <a:off x="457200" y="152400"/>
+            <a:ext cx="8229600" cy="1143000"/>
+          </a:xfrm>
+        </p:spPr>
+        <p:txBody>
+          <a:bodyPr/>
+          <a:lstStyle/>
+          <a:p>
+            <a:r>
+              <a:rPr lang="ko-KR" altLang="en-US"/>
+              <a:t>마스터 제목 스타일 편집</a:t>
+            </a:r>
+            <a:endParaRPr lang="en-US"/>
+          </a:p>
+        </p:txBody>
+      </p:sp>
     </p:spTree>
     <p:extLst>
       <p:ext uri="{BB962C8B-B14F-4D97-AF65-F5344CB8AC3E}">
-        <p14:creationId xmlns:p14="http://schemas.microsoft.com/office/powerpoint/2010/main" val="2708246399"/>
+        <p14:creationId xmlns:p14="http://schemas.microsoft.com/office/powerpoint/2010/main" val="1055131861"/>
       </p:ext>
     </p:extLst>
   </p:cSld>
@@ -1527,38 +3882,55 @@
       </p:grpSpPr>
       <p:sp>
         <p:nvSpPr>
-          <p:cNvPr id="2" name="제목 1"/>
-          <p:cNvSpPr>
-            <a:spLocks noGrp="1"/>
-          </p:cNvSpPr>
-          <p:nvPr>
-            <p:ph type="title"/>
-          </p:nvPr>
+          <p:cNvPr id="19" name="Rectangle 18"/>
+          <p:cNvSpPr/>
+          <p:nvPr/>
         </p:nvSpPr>
-        <p:spPr>
+        <p:spPr bwMode="gray">
           <a:xfrm>
-            <a:off x="722313" y="4406900"/>
-            <a:ext cx="7772400" cy="1362075"/>
+            <a:off x="0" y="4718304"/>
+            <a:ext cx="9144000" cy="1728216"/>
           </a:xfrm>
+          <a:prstGeom prst="rect">
+            <a:avLst/>
+          </a:prstGeom>
+          <a:solidFill>
+            <a:schemeClr val="bg2">
+              <a:lumMod val="90000"/>
+            </a:schemeClr>
+          </a:solidFill>
+          <a:ln>
+            <a:noFill/>
+          </a:ln>
         </p:spPr>
+        <p:style>
+          <a:lnRef idx="2">
+            <a:schemeClr val="accent1">
+              <a:shade val="50000"/>
+            </a:schemeClr>
+          </a:lnRef>
+          <a:fillRef idx="1">
+            <a:schemeClr val="accent1"/>
+          </a:fillRef>
+          <a:effectRef idx="0">
+            <a:schemeClr val="accent1"/>
+          </a:effectRef>
+          <a:fontRef idx="minor">
+            <a:schemeClr val="lt1"/>
+          </a:fontRef>
+        </p:style>
         <p:txBody>
-          <a:bodyPr anchor="t"/>
-          <a:lstStyle>
-            <a:lvl1pPr algn="l">
-              <a:defRPr sz="4000" b="1" cap="all"/>
-            </a:lvl1pPr>
-          </a:lstStyle>
-          <a:p>
-            <a:r>
-              <a:rPr lang="ko-KR" altLang="en-US"/>
-              <a:t>마스터 제목 스타일 편집</a:t>
-            </a:r>
+          <a:bodyPr rtlCol="0" anchor="ctr"/>
+          <a:lstStyle/>
+          <a:p>
+            <a:pPr algn="ctr"/>
+            <a:endParaRPr lang="en-US"/>
           </a:p>
         </p:txBody>
       </p:sp>
       <p:sp>
         <p:nvSpPr>
-          <p:cNvPr id="3" name="텍스트 개체 틀 2"/>
+          <p:cNvPr id="3" name="Text Placeholder 2"/>
           <p:cNvSpPr>
             <a:spLocks noGrp="1"/>
           </p:cNvSpPr>
@@ -1568,8 +3940,8 @@
         </p:nvSpPr>
         <p:spPr>
           <a:xfrm>
-            <a:off x="722313" y="2906713"/>
-            <a:ext cx="7772400" cy="1500187"/>
+            <a:off x="457200" y="2999232"/>
+            <a:ext cx="6291072" cy="1499616"/>
           </a:xfrm>
         </p:spPr>
         <p:txBody>
@@ -1579,9 +3951,7 @@
               <a:buNone/>
               <a:defRPr sz="2000">
                 <a:solidFill>
-                  <a:schemeClr val="tx1">
-                    <a:tint val="75000"/>
-                  </a:schemeClr>
+                  <a:schemeClr val="tx1"/>
                 </a:solidFill>
               </a:defRPr>
             </a:lvl1pPr>
@@ -1670,14 +4040,14 @@
             <a:pPr lvl="0"/>
             <a:r>
               <a:rPr lang="ko-KR" altLang="en-US"/>
-              <a:t>마스터 텍스트 스타일을 편집합니다</a:t>
+              <a:t>마스터 텍스트 스타일 편집</a:t>
             </a:r>
           </a:p>
         </p:txBody>
       </p:sp>
       <p:sp>
         <p:nvSpPr>
-          <p:cNvPr id="4" name="날짜 개체 틀 3"/>
+          <p:cNvPr id="4" name="Date Placeholder 3"/>
           <p:cNvSpPr>
             <a:spLocks noGrp="1"/>
           </p:cNvSpPr>
@@ -1692,7 +4062,7 @@
           <a:p>
             <a:fld id="{78A2EFD0-E54C-41DE-8AB6-09D30F283784}" type="datetime1">
               <a:rPr lang="ko-KR" altLang="en-US" smtClean="0"/>
-              <a:t>2017-11-18</a:t>
+              <a:t>2017-11-19</a:t>
             </a:fld>
             <a:endParaRPr lang="ko-KR" altLang="en-US"/>
           </a:p>
@@ -1700,7 +4070,7 @@
       </p:sp>
       <p:sp>
         <p:nvSpPr>
-          <p:cNvPr id="5" name="바닥글 개체 틀 4"/>
+          <p:cNvPr id="5" name="Footer Placeholder 4"/>
           <p:cNvSpPr>
             <a:spLocks noGrp="1"/>
           </p:cNvSpPr>
@@ -1719,7 +4089,7 @@
       </p:sp>
       <p:sp>
         <p:nvSpPr>
-          <p:cNvPr id="6" name="슬라이드 번호 개체 틀 5"/>
+          <p:cNvPr id="6" name="Slide Number Placeholder 5"/>
           <p:cNvSpPr>
             <a:spLocks noGrp="1"/>
           </p:cNvSpPr>
@@ -1740,10 +4110,858 @@
           </a:p>
         </p:txBody>
       </p:sp>
+      <p:grpSp>
+        <p:nvGrpSpPr>
+          <p:cNvPr id="7" name="Group 6"/>
+          <p:cNvGrpSpPr/>
+          <p:nvPr/>
+        </p:nvGrpSpPr>
+        <p:grpSpPr bwMode="gray">
+          <a:xfrm>
+            <a:off x="7086600" y="3465576"/>
+            <a:ext cx="738052" cy="1640146"/>
+            <a:chOff x="6869341" y="609600"/>
+            <a:chExt cx="738052" cy="1640146"/>
+          </a:xfrm>
+        </p:grpSpPr>
+        <p:sp>
+          <p:nvSpPr>
+            <p:cNvPr id="8" name="Rectangle 7"/>
+            <p:cNvSpPr/>
+            <p:nvPr userDrawn="1"/>
+          </p:nvSpPr>
+          <p:spPr bwMode="gray">
+            <a:xfrm rot="360000">
+              <a:off x="7397081" y="748488"/>
+              <a:ext cx="210312" cy="1444752"/>
+            </a:xfrm>
+            <a:prstGeom prst="rect">
+              <a:avLst/>
+            </a:prstGeom>
+            <a:gradFill>
+              <a:gsLst>
+                <a:gs pos="0">
+                  <a:schemeClr val="bg1">
+                    <a:lumMod val="50000"/>
+                  </a:schemeClr>
+                </a:gs>
+                <a:gs pos="35000">
+                  <a:schemeClr val="bg1">
+                    <a:lumMod val="50000"/>
+                    <a:alpha val="0"/>
+                  </a:schemeClr>
+                </a:gs>
+              </a:gsLst>
+              <a:lin ang="2700000" scaled="1"/>
+            </a:gradFill>
+            <a:ln>
+              <a:noFill/>
+            </a:ln>
+          </p:spPr>
+          <p:style>
+            <a:lnRef idx="2">
+              <a:schemeClr val="accent1">
+                <a:shade val="50000"/>
+              </a:schemeClr>
+            </a:lnRef>
+            <a:fillRef idx="1">
+              <a:schemeClr val="accent1"/>
+            </a:fillRef>
+            <a:effectRef idx="0">
+              <a:schemeClr val="accent1"/>
+            </a:effectRef>
+            <a:fontRef idx="minor">
+              <a:schemeClr val="lt1"/>
+            </a:fontRef>
+          </p:style>
+          <p:txBody>
+            <a:bodyPr rtlCol="0" anchor="ctr"/>
+            <a:lstStyle/>
+            <a:p>
+              <a:pPr algn="ctr"/>
+              <a:endParaRPr lang="en-US"/>
+            </a:p>
+          </p:txBody>
+        </p:sp>
+        <p:grpSp>
+          <p:nvGrpSpPr>
+            <p:cNvPr id="9" name="Group 18"/>
+            <p:cNvGrpSpPr/>
+            <p:nvPr userDrawn="1"/>
+          </p:nvGrpSpPr>
+          <p:grpSpPr bwMode="gray">
+            <a:xfrm>
+              <a:off x="6869341" y="609600"/>
+              <a:ext cx="586829" cy="1640146"/>
+              <a:chOff x="6850291" y="609600"/>
+              <a:chExt cx="586829" cy="1640146"/>
+            </a:xfrm>
+          </p:grpSpPr>
+          <p:sp>
+            <p:nvSpPr>
+              <p:cNvPr id="10" name="Rectangle 9"/>
+              <p:cNvSpPr/>
+              <p:nvPr userDrawn="1"/>
+            </p:nvSpPr>
+            <p:spPr bwMode="gray">
+              <a:xfrm rot="360000">
+                <a:off x="6934200" y="609600"/>
+                <a:ext cx="502920" cy="576072"/>
+              </a:xfrm>
+              <a:prstGeom prst="rect">
+                <a:avLst/>
+              </a:prstGeom>
+              <a:ln>
+                <a:noFill/>
+              </a:ln>
+            </p:spPr>
+            <p:style>
+              <a:lnRef idx="2">
+                <a:schemeClr val="accent1">
+                  <a:shade val="50000"/>
+                </a:schemeClr>
+              </a:lnRef>
+              <a:fillRef idx="1">
+                <a:schemeClr val="accent1"/>
+              </a:fillRef>
+              <a:effectRef idx="0">
+                <a:schemeClr val="accent1"/>
+              </a:effectRef>
+              <a:fontRef idx="minor">
+                <a:schemeClr val="lt1"/>
+              </a:fontRef>
+            </p:style>
+            <p:txBody>
+              <a:bodyPr rtlCol="0" anchor="ctr"/>
+              <a:lstStyle/>
+              <a:p>
+                <a:pPr algn="ctr"/>
+                <a:endParaRPr lang="en-US"/>
+              </a:p>
+            </p:txBody>
+          </p:sp>
+          <p:sp>
+            <p:nvSpPr>
+              <p:cNvPr id="11" name="Rectangle 10"/>
+              <p:cNvSpPr/>
+              <p:nvPr userDrawn="1"/>
+            </p:nvSpPr>
+            <p:spPr bwMode="gray">
+              <a:xfrm rot="360000">
+                <a:off x="6850291" y="1179898"/>
+                <a:ext cx="502920" cy="1069848"/>
+              </a:xfrm>
+              <a:prstGeom prst="rect">
+                <a:avLst/>
+              </a:prstGeom>
+              <a:solidFill>
+                <a:schemeClr val="accent1">
+                  <a:lumMod val="20000"/>
+                  <a:lumOff val="80000"/>
+                  <a:alpha val="40000"/>
+                </a:schemeClr>
+              </a:solidFill>
+              <a:ln>
+                <a:noFill/>
+              </a:ln>
+            </p:spPr>
+            <p:style>
+              <a:lnRef idx="2">
+                <a:schemeClr val="accent1">
+                  <a:shade val="50000"/>
+                </a:schemeClr>
+              </a:lnRef>
+              <a:fillRef idx="1">
+                <a:schemeClr val="accent1"/>
+              </a:fillRef>
+              <a:effectRef idx="0">
+                <a:schemeClr val="accent1"/>
+              </a:effectRef>
+              <a:fontRef idx="minor">
+                <a:schemeClr val="lt1"/>
+              </a:fontRef>
+            </p:style>
+            <p:txBody>
+              <a:bodyPr rtlCol="0" anchor="ctr"/>
+              <a:lstStyle/>
+              <a:p>
+                <a:pPr algn="ctr"/>
+                <a:endParaRPr lang="en-US"/>
+              </a:p>
+            </p:txBody>
+          </p:sp>
+        </p:grpSp>
+      </p:grpSp>
+      <p:grpSp>
+        <p:nvGrpSpPr>
+          <p:cNvPr id="12" name="Group 11"/>
+          <p:cNvGrpSpPr/>
+          <p:nvPr/>
+        </p:nvGrpSpPr>
+        <p:grpSpPr bwMode="gray">
+          <a:xfrm>
+            <a:off x="7708392" y="3831336"/>
+            <a:ext cx="753801" cy="1637570"/>
+            <a:chOff x="7946136" y="1106424"/>
+            <a:chExt cx="753801" cy="1637570"/>
+          </a:xfrm>
+        </p:grpSpPr>
+        <p:sp>
+          <p:nvSpPr>
+            <p:cNvPr id="13" name="Rectangle 12"/>
+            <p:cNvSpPr/>
+            <p:nvPr userDrawn="1"/>
+          </p:nvSpPr>
+          <p:spPr bwMode="gray">
+            <a:xfrm rot="600000">
+              <a:off x="8489625" y="1245312"/>
+              <a:ext cx="210312" cy="1444752"/>
+            </a:xfrm>
+            <a:prstGeom prst="rect">
+              <a:avLst/>
+            </a:prstGeom>
+            <a:gradFill>
+              <a:gsLst>
+                <a:gs pos="0">
+                  <a:schemeClr val="bg1">
+                    <a:lumMod val="50000"/>
+                  </a:schemeClr>
+                </a:gs>
+                <a:gs pos="35000">
+                  <a:schemeClr val="bg1">
+                    <a:lumMod val="50000"/>
+                    <a:alpha val="0"/>
+                  </a:schemeClr>
+                </a:gs>
+              </a:gsLst>
+              <a:lin ang="2700000" scaled="1"/>
+            </a:gradFill>
+            <a:ln>
+              <a:noFill/>
+            </a:ln>
+          </p:spPr>
+          <p:style>
+            <a:lnRef idx="2">
+              <a:schemeClr val="accent1">
+                <a:shade val="50000"/>
+              </a:schemeClr>
+            </a:lnRef>
+            <a:fillRef idx="1">
+              <a:schemeClr val="accent1"/>
+            </a:fillRef>
+            <a:effectRef idx="0">
+              <a:schemeClr val="accent1"/>
+            </a:effectRef>
+            <a:fontRef idx="minor">
+              <a:schemeClr val="lt1"/>
+            </a:fontRef>
+          </p:style>
+          <p:txBody>
+            <a:bodyPr rtlCol="0" anchor="ctr"/>
+            <a:lstStyle/>
+            <a:p>
+              <a:pPr algn="ctr"/>
+              <a:endParaRPr lang="en-US"/>
+            </a:p>
+          </p:txBody>
+        </p:sp>
+        <p:sp>
+          <p:nvSpPr>
+            <p:cNvPr id="14" name="Rectangle 13"/>
+            <p:cNvSpPr/>
+            <p:nvPr userDrawn="1"/>
+          </p:nvSpPr>
+          <p:spPr bwMode="gray">
+            <a:xfrm rot="600000">
+              <a:off x="8083296" y="1106424"/>
+              <a:ext cx="502920" cy="576072"/>
+            </a:xfrm>
+            <a:prstGeom prst="rect">
+              <a:avLst/>
+            </a:prstGeom>
+            <a:solidFill>
+              <a:schemeClr val="accent2"/>
+            </a:solidFill>
+            <a:ln>
+              <a:noFill/>
+            </a:ln>
+          </p:spPr>
+          <p:style>
+            <a:lnRef idx="2">
+              <a:schemeClr val="accent1">
+                <a:shade val="50000"/>
+              </a:schemeClr>
+            </a:lnRef>
+            <a:fillRef idx="1">
+              <a:schemeClr val="accent1"/>
+            </a:fillRef>
+            <a:effectRef idx="0">
+              <a:schemeClr val="accent1"/>
+            </a:effectRef>
+            <a:fontRef idx="minor">
+              <a:schemeClr val="lt1"/>
+            </a:fontRef>
+          </p:style>
+          <p:txBody>
+            <a:bodyPr rtlCol="0" anchor="ctr"/>
+            <a:lstStyle/>
+            <a:p>
+              <a:pPr algn="ctr"/>
+              <a:endParaRPr lang="en-US"/>
+            </a:p>
+          </p:txBody>
+        </p:sp>
+        <p:sp>
+          <p:nvSpPr>
+            <p:cNvPr id="15" name="Rectangle 14"/>
+            <p:cNvSpPr/>
+            <p:nvPr userDrawn="1"/>
+          </p:nvSpPr>
+          <p:spPr bwMode="gray">
+            <a:xfrm rot="600000">
+              <a:off x="7946136" y="1674146"/>
+              <a:ext cx="502920" cy="1069848"/>
+            </a:xfrm>
+            <a:prstGeom prst="rect">
+              <a:avLst/>
+            </a:prstGeom>
+            <a:solidFill>
+              <a:schemeClr val="accent2">
+                <a:lumMod val="20000"/>
+                <a:lumOff val="80000"/>
+                <a:alpha val="40000"/>
+              </a:schemeClr>
+            </a:solidFill>
+            <a:ln>
+              <a:noFill/>
+            </a:ln>
+          </p:spPr>
+          <p:style>
+            <a:lnRef idx="2">
+              <a:schemeClr val="accent1">
+                <a:shade val="50000"/>
+              </a:schemeClr>
+            </a:lnRef>
+            <a:fillRef idx="1">
+              <a:schemeClr val="accent1"/>
+            </a:fillRef>
+            <a:effectRef idx="0">
+              <a:schemeClr val="accent1"/>
+            </a:effectRef>
+            <a:fontRef idx="minor">
+              <a:schemeClr val="lt1"/>
+            </a:fontRef>
+          </p:style>
+          <p:txBody>
+            <a:bodyPr rtlCol="0" anchor="ctr"/>
+            <a:lstStyle/>
+            <a:p>
+              <a:pPr algn="ctr"/>
+              <a:endParaRPr lang="en-US"/>
+            </a:p>
+          </p:txBody>
+        </p:sp>
+      </p:grpSp>
+      <p:grpSp>
+        <p:nvGrpSpPr>
+          <p:cNvPr id="20" name="Group 19"/>
+          <p:cNvGrpSpPr/>
+          <p:nvPr/>
+        </p:nvGrpSpPr>
+        <p:grpSpPr bwMode="gray">
+          <a:xfrm>
+            <a:off x="0" y="4575048"/>
+            <a:ext cx="9144000" cy="120460"/>
+            <a:chOff x="0" y="1810512"/>
+            <a:chExt cx="9144000" cy="120460"/>
+          </a:xfrm>
+        </p:grpSpPr>
+        <p:cxnSp>
+          <p:nvCxnSpPr>
+            <p:cNvPr id="16" name="Straight Connector 15"/>
+            <p:cNvCxnSpPr/>
+            <p:nvPr userDrawn="1"/>
+          </p:nvCxnSpPr>
+          <p:spPr bwMode="gray">
+            <a:xfrm>
+              <a:off x="0" y="1810512"/>
+              <a:ext cx="9144000" cy="1588"/>
+            </a:xfrm>
+            <a:prstGeom prst="line">
+              <a:avLst/>
+            </a:prstGeom>
+            <a:ln w="9525">
+              <a:solidFill>
+                <a:schemeClr val="bg2">
+                  <a:lumMod val="75000"/>
+                </a:schemeClr>
+              </a:solidFill>
+            </a:ln>
+            <a:effectLst>
+              <a:outerShdw dist="25400" dir="5400000" algn="ctr" rotWithShape="0">
+                <a:srgbClr val="000000">
+                  <a:alpha val="22000"/>
+                </a:srgbClr>
+              </a:outerShdw>
+            </a:effectLst>
+          </p:spPr>
+          <p:style>
+            <a:lnRef idx="1">
+              <a:schemeClr val="accent1"/>
+            </a:lnRef>
+            <a:fillRef idx="0">
+              <a:schemeClr val="accent1"/>
+            </a:fillRef>
+            <a:effectRef idx="0">
+              <a:schemeClr val="accent1"/>
+            </a:effectRef>
+            <a:fontRef idx="minor">
+              <a:schemeClr val="tx1"/>
+            </a:fontRef>
+          </p:style>
+        </p:cxnSp>
+        <p:cxnSp>
+          <p:nvCxnSpPr>
+            <p:cNvPr id="17" name="Straight Connector 16"/>
+            <p:cNvCxnSpPr/>
+            <p:nvPr userDrawn="1"/>
+          </p:nvCxnSpPr>
+          <p:spPr bwMode="gray">
+            <a:xfrm>
+              <a:off x="0" y="1865376"/>
+              <a:ext cx="9144000" cy="1588"/>
+            </a:xfrm>
+            <a:prstGeom prst="line">
+              <a:avLst/>
+            </a:prstGeom>
+            <a:ln w="9525">
+              <a:solidFill>
+                <a:schemeClr val="bg2">
+                  <a:lumMod val="75000"/>
+                </a:schemeClr>
+              </a:solidFill>
+            </a:ln>
+            <a:effectLst>
+              <a:outerShdw dist="25400" dir="5400000" algn="ctr" rotWithShape="0">
+                <a:srgbClr val="000000">
+                  <a:alpha val="22000"/>
+                </a:srgbClr>
+              </a:outerShdw>
+            </a:effectLst>
+          </p:spPr>
+          <p:style>
+            <a:lnRef idx="1">
+              <a:schemeClr val="accent1"/>
+            </a:lnRef>
+            <a:fillRef idx="0">
+              <a:schemeClr val="accent1"/>
+            </a:fillRef>
+            <a:effectRef idx="0">
+              <a:schemeClr val="accent1"/>
+            </a:effectRef>
+            <a:fontRef idx="minor">
+              <a:schemeClr val="tx1"/>
+            </a:fontRef>
+          </p:style>
+        </p:cxnSp>
+        <p:cxnSp>
+          <p:nvCxnSpPr>
+            <p:cNvPr id="18" name="Straight Connector 17"/>
+            <p:cNvCxnSpPr/>
+            <p:nvPr userDrawn="1"/>
+          </p:nvCxnSpPr>
+          <p:spPr bwMode="gray">
+            <a:xfrm>
+              <a:off x="0" y="1929384"/>
+              <a:ext cx="9144000" cy="1588"/>
+            </a:xfrm>
+            <a:prstGeom prst="line">
+              <a:avLst/>
+            </a:prstGeom>
+            <a:ln w="9525">
+              <a:solidFill>
+                <a:schemeClr val="bg2">
+                  <a:lumMod val="75000"/>
+                </a:schemeClr>
+              </a:solidFill>
+            </a:ln>
+            <a:effectLst>
+              <a:outerShdw dist="25400" dir="5400000" algn="ctr" rotWithShape="0">
+                <a:srgbClr val="000000">
+                  <a:alpha val="22000"/>
+                </a:srgbClr>
+              </a:outerShdw>
+            </a:effectLst>
+          </p:spPr>
+          <p:style>
+            <a:lnRef idx="1">
+              <a:schemeClr val="accent1"/>
+            </a:lnRef>
+            <a:fillRef idx="0">
+              <a:schemeClr val="accent1"/>
+            </a:fillRef>
+            <a:effectRef idx="0">
+              <a:schemeClr val="accent1"/>
+            </a:effectRef>
+            <a:fontRef idx="minor">
+              <a:schemeClr val="tx1"/>
+            </a:fontRef>
+          </p:style>
+        </p:cxnSp>
+      </p:grpSp>
+      <p:grpSp>
+        <p:nvGrpSpPr>
+          <p:cNvPr id="21" name="Group 277"/>
+          <p:cNvGrpSpPr>
+            <a:grpSpLocks/>
+          </p:cNvGrpSpPr>
+          <p:nvPr/>
+        </p:nvGrpSpPr>
+        <p:grpSpPr bwMode="gray">
+          <a:xfrm rot="5400000">
+            <a:off x="320040" y="5038344"/>
+            <a:ext cx="1069848" cy="996696"/>
+            <a:chOff x="42" y="4085"/>
+            <a:chExt cx="224" cy="224"/>
+          </a:xfrm>
+          <a:solidFill>
+            <a:schemeClr val="bg2">
+              <a:alpha val="70000"/>
+            </a:schemeClr>
+          </a:solidFill>
+        </p:grpSpPr>
+        <p:sp>
+          <p:nvSpPr>
+            <p:cNvPr id="22" name="Freeform 278"/>
+            <p:cNvSpPr>
+              <a:spLocks/>
+            </p:cNvSpPr>
+            <p:nvPr userDrawn="1"/>
+          </p:nvSpPr>
+          <p:spPr bwMode="gray">
+            <a:xfrm>
+              <a:off x="89" y="4127"/>
+              <a:ext cx="136" cy="142"/>
+            </a:xfrm>
+            <a:custGeom>
+              <a:avLst/>
+              <a:gdLst/>
+              <a:ahLst/>
+              <a:cxnLst>
+                <a:cxn ang="0">
+                  <a:pos x="226" y="24"/>
+                </a:cxn>
+                <a:cxn ang="0">
+                  <a:pos x="7" y="311"/>
+                </a:cxn>
+                <a:cxn ang="0">
+                  <a:pos x="30" y="389"/>
+                </a:cxn>
+                <a:cxn ang="0">
+                  <a:pos x="124" y="402"/>
+                </a:cxn>
+                <a:cxn ang="0">
+                  <a:pos x="193" y="317"/>
+                </a:cxn>
+                <a:cxn ang="0">
+                  <a:pos x="193" y="524"/>
+                </a:cxn>
+                <a:cxn ang="0">
+                  <a:pos x="276" y="585"/>
+                </a:cxn>
+                <a:cxn ang="0">
+                  <a:pos x="363" y="522"/>
+                </a:cxn>
+                <a:cxn ang="0">
+                  <a:pos x="363" y="305"/>
+                </a:cxn>
+                <a:cxn ang="0">
+                  <a:pos x="447" y="405"/>
+                </a:cxn>
+                <a:cxn ang="0">
+                  <a:pos x="534" y="398"/>
+                </a:cxn>
+                <a:cxn ang="0">
+                  <a:pos x="562" y="320"/>
+                </a:cxn>
+                <a:cxn ang="0">
+                  <a:pos x="331" y="17"/>
+                </a:cxn>
+                <a:cxn ang="0">
+                  <a:pos x="280" y="2"/>
+                </a:cxn>
+                <a:cxn ang="0">
+                  <a:pos x="226" y="24"/>
+                </a:cxn>
+              </a:cxnLst>
+              <a:rect l="0" t="0" r="r" b="b"/>
+              <a:pathLst>
+                <a:path w="562" h="587">
+                  <a:moveTo>
+                    <a:pt x="226" y="24"/>
+                  </a:moveTo>
+                  <a:cubicBezTo>
+                    <a:pt x="181" y="76"/>
+                    <a:pt x="40" y="250"/>
+                    <a:pt x="7" y="311"/>
+                  </a:cubicBezTo>
+                  <a:cubicBezTo>
+                    <a:pt x="0" y="350"/>
+                    <a:pt x="11" y="361"/>
+                    <a:pt x="30" y="389"/>
+                  </a:cubicBezTo>
+                  <a:cubicBezTo>
+                    <a:pt x="49" y="417"/>
+                    <a:pt x="87" y="422"/>
+                    <a:pt x="124" y="402"/>
+                  </a:cubicBezTo>
+                  <a:lnTo>
+                    <a:pt x="193" y="317"/>
+                  </a:lnTo>
+                  <a:lnTo>
+                    <a:pt x="193" y="524"/>
+                  </a:lnTo>
+                  <a:cubicBezTo>
+                    <a:pt x="207" y="569"/>
+                    <a:pt x="248" y="585"/>
+                    <a:pt x="276" y="585"/>
+                  </a:cubicBezTo>
+                  <a:cubicBezTo>
+                    <a:pt x="315" y="587"/>
+                    <a:pt x="350" y="568"/>
+                    <a:pt x="363" y="522"/>
+                  </a:cubicBezTo>
+                  <a:lnTo>
+                    <a:pt x="363" y="305"/>
+                  </a:lnTo>
+                  <a:lnTo>
+                    <a:pt x="447" y="405"/>
+                  </a:lnTo>
+                  <a:cubicBezTo>
+                    <a:pt x="475" y="420"/>
+                    <a:pt x="515" y="412"/>
+                    <a:pt x="534" y="398"/>
+                  </a:cubicBezTo>
+                  <a:cubicBezTo>
+                    <a:pt x="553" y="384"/>
+                    <a:pt x="562" y="357"/>
+                    <a:pt x="562" y="320"/>
+                  </a:cubicBezTo>
+                  <a:cubicBezTo>
+                    <a:pt x="446" y="168"/>
+                    <a:pt x="331" y="17"/>
+                    <a:pt x="331" y="17"/>
+                  </a:cubicBezTo>
+                  <a:cubicBezTo>
+                    <a:pt x="303" y="0"/>
+                    <a:pt x="296" y="2"/>
+                    <a:pt x="280" y="2"/>
+                  </a:cubicBezTo>
+                  <a:cubicBezTo>
+                    <a:pt x="264" y="2"/>
+                    <a:pt x="247" y="6"/>
+                    <a:pt x="226" y="24"/>
+                  </a:cubicBezTo>
+                  <a:close/>
+                </a:path>
+              </a:pathLst>
+            </a:custGeom>
+            <a:grpFill/>
+            <a:ln w="9525" cap="flat" cmpd="sng">
+              <a:noFill/>
+              <a:prstDash val="solid"/>
+              <a:round/>
+              <a:headEnd/>
+              <a:tailEnd/>
+            </a:ln>
+            <a:effectLst/>
+          </p:spPr>
+          <p:txBody>
+            <a:bodyPr/>
+            <a:lstStyle/>
+            <a:p>
+              <a:endParaRPr lang="en-US"/>
+            </a:p>
+          </p:txBody>
+        </p:sp>
+        <p:sp>
+          <p:nvSpPr>
+            <p:cNvPr id="23" name="AutoShape 279"/>
+            <p:cNvSpPr>
+              <a:spLocks noChangeArrowheads="1"/>
+            </p:cNvSpPr>
+            <p:nvPr userDrawn="1"/>
+          </p:nvSpPr>
+          <p:spPr bwMode="gray">
+            <a:xfrm>
+              <a:off x="42" y="4085"/>
+              <a:ext cx="224" cy="224"/>
+            </a:xfrm>
+            <a:custGeom>
+              <a:avLst/>
+              <a:gdLst>
+                <a:gd name="G0" fmla="+- 2121 0 0"/>
+                <a:gd name="G1" fmla="+- 21600 0 2121"/>
+                <a:gd name="G2" fmla="+- 21600 0 2121"/>
+                <a:gd name="G3" fmla="*/ G0 2929 10000"/>
+                <a:gd name="G4" fmla="+- 21600 0 G3"/>
+                <a:gd name="G5" fmla="+- 21600 0 G3"/>
+                <a:gd name="T0" fmla="*/ 10800 w 21600"/>
+                <a:gd name="T1" fmla="*/ 0 h 21600"/>
+                <a:gd name="T2" fmla="*/ 3163 w 21600"/>
+                <a:gd name="T3" fmla="*/ 3163 h 21600"/>
+                <a:gd name="T4" fmla="*/ 0 w 21600"/>
+                <a:gd name="T5" fmla="*/ 10800 h 21600"/>
+                <a:gd name="T6" fmla="*/ 3163 w 21600"/>
+                <a:gd name="T7" fmla="*/ 18437 h 21600"/>
+                <a:gd name="T8" fmla="*/ 10800 w 21600"/>
+                <a:gd name="T9" fmla="*/ 21600 h 21600"/>
+                <a:gd name="T10" fmla="*/ 18437 w 21600"/>
+                <a:gd name="T11" fmla="*/ 18437 h 21600"/>
+                <a:gd name="T12" fmla="*/ 21600 w 21600"/>
+                <a:gd name="T13" fmla="*/ 10800 h 21600"/>
+                <a:gd name="T14" fmla="*/ 18437 w 21600"/>
+                <a:gd name="T15" fmla="*/ 3163 h 21600"/>
+                <a:gd name="T16" fmla="*/ 3163 w 21600"/>
+                <a:gd name="T17" fmla="*/ 3163 h 21600"/>
+                <a:gd name="T18" fmla="*/ 18437 w 21600"/>
+                <a:gd name="T19" fmla="*/ 18437 h 21600"/>
+              </a:gdLst>
+              <a:ahLst/>
+              <a:cxnLst>
+                <a:cxn ang="0">
+                  <a:pos x="T0" y="T1"/>
+                </a:cxn>
+                <a:cxn ang="0">
+                  <a:pos x="T2" y="T3"/>
+                </a:cxn>
+                <a:cxn ang="0">
+                  <a:pos x="T4" y="T5"/>
+                </a:cxn>
+                <a:cxn ang="0">
+                  <a:pos x="T6" y="T7"/>
+                </a:cxn>
+                <a:cxn ang="0">
+                  <a:pos x="T8" y="T9"/>
+                </a:cxn>
+                <a:cxn ang="0">
+                  <a:pos x="T10" y="T11"/>
+                </a:cxn>
+                <a:cxn ang="0">
+                  <a:pos x="T12" y="T13"/>
+                </a:cxn>
+                <a:cxn ang="0">
+                  <a:pos x="T14" y="T15"/>
+                </a:cxn>
+              </a:cxnLst>
+              <a:rect l="T16" t="T17" r="T18" b="T19"/>
+              <a:pathLst>
+                <a:path w="21600" h="21600">
+                  <a:moveTo>
+                    <a:pt x="0" y="10800"/>
+                  </a:moveTo>
+                  <a:cubicBezTo>
+                    <a:pt x="0" y="4835"/>
+                    <a:pt x="4835" y="0"/>
+                    <a:pt x="10800" y="0"/>
+                  </a:cubicBezTo>
+                  <a:cubicBezTo>
+                    <a:pt x="16765" y="0"/>
+                    <a:pt x="21600" y="4835"/>
+                    <a:pt x="21600" y="10800"/>
+                  </a:cubicBezTo>
+                  <a:cubicBezTo>
+                    <a:pt x="21600" y="16765"/>
+                    <a:pt x="16765" y="21600"/>
+                    <a:pt x="10800" y="21600"/>
+                  </a:cubicBezTo>
+                  <a:cubicBezTo>
+                    <a:pt x="4835" y="21600"/>
+                    <a:pt x="0" y="16765"/>
+                    <a:pt x="0" y="10800"/>
+                  </a:cubicBezTo>
+                  <a:close/>
+                  <a:moveTo>
+                    <a:pt x="2121" y="10800"/>
+                  </a:moveTo>
+                  <a:cubicBezTo>
+                    <a:pt x="2121" y="15593"/>
+                    <a:pt x="6007" y="19479"/>
+                    <a:pt x="10800" y="19479"/>
+                  </a:cubicBezTo>
+                  <a:cubicBezTo>
+                    <a:pt x="15593" y="19479"/>
+                    <a:pt x="19479" y="15593"/>
+                    <a:pt x="19479" y="10800"/>
+                  </a:cubicBezTo>
+                  <a:cubicBezTo>
+                    <a:pt x="19479" y="6007"/>
+                    <a:pt x="15593" y="2121"/>
+                    <a:pt x="10800" y="2121"/>
+                  </a:cubicBezTo>
+                  <a:cubicBezTo>
+                    <a:pt x="6007" y="2121"/>
+                    <a:pt x="2121" y="6007"/>
+                    <a:pt x="2121" y="10800"/>
+                  </a:cubicBezTo>
+                  <a:close/>
+                </a:path>
+              </a:pathLst>
+            </a:custGeom>
+            <a:grpFill/>
+            <a:ln w="9525" algn="ctr">
+              <a:noFill/>
+              <a:round/>
+              <a:headEnd/>
+              <a:tailEnd/>
+            </a:ln>
+            <a:effectLst/>
+          </p:spPr>
+          <p:txBody>
+            <a:bodyPr wrap="none" anchor="ctr"/>
+            <a:lstStyle/>
+            <a:p>
+              <a:endParaRPr lang="en-US"/>
+            </a:p>
+          </p:txBody>
+        </p:sp>
+      </p:grpSp>
+      <p:sp>
+        <p:nvSpPr>
+          <p:cNvPr id="2" name="Title 1"/>
+          <p:cNvSpPr>
+            <a:spLocks noGrp="1"/>
+          </p:cNvSpPr>
+          <p:nvPr>
+            <p:ph type="title"/>
+          </p:nvPr>
+        </p:nvSpPr>
+        <p:spPr>
+          <a:xfrm>
+            <a:off x="1499616" y="4855464"/>
+            <a:ext cx="6986016" cy="1362075"/>
+          </a:xfrm>
+        </p:spPr>
+        <p:txBody>
+          <a:bodyPr anchor="ctr"/>
+          <a:lstStyle>
+            <a:lvl1pPr algn="l">
+              <a:defRPr sz="4000" b="1" cap="all"/>
+            </a:lvl1pPr>
+          </a:lstStyle>
+          <a:p>
+            <a:r>
+              <a:rPr lang="ko-KR" altLang="en-US"/>
+              <a:t>마스터 제목 스타일 편집</a:t>
+            </a:r>
+            <a:endParaRPr lang="en-US"/>
+          </a:p>
+        </p:txBody>
+      </p:sp>
     </p:spTree>
     <p:extLst>
       <p:ext uri="{BB962C8B-B14F-4D97-AF65-F5344CB8AC3E}">
-        <p14:creationId xmlns:p14="http://schemas.microsoft.com/office/powerpoint/2010/main" val="2367559386"/>
+        <p14:creationId xmlns:p14="http://schemas.microsoft.com/office/powerpoint/2010/main" val="2180166454"/>
       </p:ext>
     </p:extLst>
   </p:cSld>
@@ -1754,7 +4972,7 @@
 </file>
 
 <file path=ppt/slideLayouts/slideLayout4.xml><?xml version="1.0" encoding="utf-8"?>
-<p:sldLayout xmlns:a="http://schemas.openxmlformats.org/drawingml/2006/main" xmlns:r="http://schemas.openxmlformats.org/officeDocument/2006/relationships" xmlns:p="http://schemas.openxmlformats.org/presentationml/2006/main" type="twoObj" preserve="1">
+<p:sldLayout xmlns:a="http://schemas.openxmlformats.org/drawingml/2006/main" xmlns:r="http://schemas.openxmlformats.org/officeDocument/2006/relationships" xmlns:p="http://schemas.openxmlformats.org/presentationml/2006/main" preserve="1">
   <p:cSld name="콘텐츠 2개">
     <p:spTree>
       <p:nvGrpSpPr>
@@ -1772,29 +4990,7 @@
       </p:grpSpPr>
       <p:sp>
         <p:nvSpPr>
-          <p:cNvPr id="2" name="제목 1"/>
-          <p:cNvSpPr>
-            <a:spLocks noGrp="1"/>
-          </p:cNvSpPr>
-          <p:nvPr>
-            <p:ph type="title"/>
-          </p:nvPr>
-        </p:nvSpPr>
-        <p:spPr/>
-        <p:txBody>
-          <a:bodyPr/>
-          <a:lstStyle/>
-          <a:p>
-            <a:r>
-              <a:rPr lang="ko-KR" altLang="en-US"/>
-              <a:t>마스터 제목 스타일 편집</a:t>
-            </a:r>
-          </a:p>
-        </p:txBody>
-      </p:sp>
-      <p:sp>
-        <p:nvSpPr>
-          <p:cNvPr id="3" name="내용 개체 틀 2"/>
+          <p:cNvPr id="3" name="Content Placeholder 2"/>
           <p:cNvSpPr>
             <a:spLocks noGrp="1"/>
           </p:cNvSpPr>
@@ -1804,8 +5000,8 @@
         </p:nvSpPr>
         <p:spPr>
           <a:xfrm>
-            <a:off x="457200" y="1600200"/>
-            <a:ext cx="4038600" cy="4525963"/>
+            <a:off x="502920" y="1600199"/>
+            <a:ext cx="3858768" cy="4526280"/>
           </a:xfrm>
         </p:spPr>
         <p:txBody>
@@ -1843,7 +5039,7 @@
             <a:pPr lvl="0"/>
             <a:r>
               <a:rPr lang="ko-KR" altLang="en-US"/>
-              <a:t>마스터 텍스트 스타일을 편집합니다</a:t>
+              <a:t>마스터 텍스트 스타일 편집</a:t>
             </a:r>
           </a:p>
           <a:p>
@@ -1873,12 +5069,13 @@
               <a:rPr lang="ko-KR" altLang="en-US"/>
               <a:t>다섯째 수준</a:t>
             </a:r>
+            <a:endParaRPr lang="en-US"/>
           </a:p>
         </p:txBody>
       </p:sp>
       <p:sp>
         <p:nvSpPr>
-          <p:cNvPr id="4" name="내용 개체 틀 3"/>
+          <p:cNvPr id="4" name="Content Placeholder 3"/>
           <p:cNvSpPr>
             <a:spLocks noGrp="1"/>
           </p:cNvSpPr>
@@ -1888,8 +5085,8 @@
         </p:nvSpPr>
         <p:spPr>
           <a:xfrm>
-            <a:off x="4648200" y="1600200"/>
-            <a:ext cx="4038600" cy="4525963"/>
+            <a:off x="4498848" y="1600199"/>
+            <a:ext cx="3858768" cy="4526280"/>
           </a:xfrm>
         </p:spPr>
         <p:txBody>
@@ -1927,7 +5124,7 @@
             <a:pPr lvl="0"/>
             <a:r>
               <a:rPr lang="ko-KR" altLang="en-US"/>
-              <a:t>마스터 텍스트 스타일을 편집합니다</a:t>
+              <a:t>마스터 텍스트 스타일 편집</a:t>
             </a:r>
           </a:p>
           <a:p>
@@ -1957,12 +5154,13 @@
               <a:rPr lang="ko-KR" altLang="en-US"/>
               <a:t>다섯째 수준</a:t>
             </a:r>
+            <a:endParaRPr lang="en-US"/>
           </a:p>
         </p:txBody>
       </p:sp>
       <p:sp>
         <p:nvSpPr>
-          <p:cNvPr id="5" name="날짜 개체 틀 4"/>
+          <p:cNvPr id="5" name="Date Placeholder 4"/>
           <p:cNvSpPr>
             <a:spLocks noGrp="1"/>
           </p:cNvSpPr>
@@ -1977,7 +5175,7 @@
           <a:p>
             <a:fld id="{665C8944-2BF1-4F3A-8837-55AAB2268332}" type="datetime1">
               <a:rPr lang="ko-KR" altLang="en-US" smtClean="0"/>
-              <a:t>2017-11-18</a:t>
+              <a:t>2017-11-19</a:t>
             </a:fld>
             <a:endParaRPr lang="ko-KR" altLang="en-US"/>
           </a:p>
@@ -1985,7 +5183,7 @@
       </p:sp>
       <p:sp>
         <p:nvSpPr>
-          <p:cNvPr id="6" name="바닥글 개체 틀 5"/>
+          <p:cNvPr id="6" name="Footer Placeholder 5"/>
           <p:cNvSpPr>
             <a:spLocks noGrp="1"/>
           </p:cNvSpPr>
@@ -2004,7 +5202,473 @@
       </p:sp>
       <p:sp>
         <p:nvSpPr>
-          <p:cNvPr id="7" name="슬라이드 번호 개체 틀 6"/>
+          <p:cNvPr id="8" name="Rectangle 7"/>
+          <p:cNvSpPr/>
+          <p:nvPr/>
+        </p:nvSpPr>
+        <p:spPr bwMode="gray">
+          <a:xfrm>
+            <a:off x="8604504" y="0"/>
+            <a:ext cx="539496" cy="6858000"/>
+          </a:xfrm>
+          <a:prstGeom prst="rect">
+            <a:avLst/>
+          </a:prstGeom>
+          <a:solidFill>
+            <a:schemeClr val="bg2">
+              <a:lumMod val="75000"/>
+            </a:schemeClr>
+          </a:solidFill>
+          <a:ln>
+            <a:noFill/>
+          </a:ln>
+        </p:spPr>
+        <p:style>
+          <a:lnRef idx="2">
+            <a:schemeClr val="accent1">
+              <a:shade val="50000"/>
+            </a:schemeClr>
+          </a:lnRef>
+          <a:fillRef idx="1">
+            <a:schemeClr val="accent1"/>
+          </a:fillRef>
+          <a:effectRef idx="0">
+            <a:schemeClr val="accent1"/>
+          </a:effectRef>
+          <a:fontRef idx="minor">
+            <a:schemeClr val="lt1"/>
+          </a:fontRef>
+        </p:style>
+        <p:txBody>
+          <a:bodyPr rtlCol="0" anchor="ctr"/>
+          <a:lstStyle/>
+          <a:p>
+            <a:pPr algn="ctr"/>
+            <a:endParaRPr lang="en-US"/>
+          </a:p>
+        </p:txBody>
+      </p:sp>
+      <p:sp>
+        <p:nvSpPr>
+          <p:cNvPr id="9" name="Rectangle 8"/>
+          <p:cNvSpPr/>
+          <p:nvPr/>
+        </p:nvSpPr>
+        <p:spPr bwMode="gray">
+          <a:xfrm>
+            <a:off x="8595360" y="0"/>
+            <a:ext cx="393192" cy="6858000"/>
+          </a:xfrm>
+          <a:prstGeom prst="rect">
+            <a:avLst/>
+          </a:prstGeom>
+          <a:solidFill>
+            <a:schemeClr val="bg2">
+              <a:lumMod val="90000"/>
+            </a:schemeClr>
+          </a:solidFill>
+          <a:ln>
+            <a:noFill/>
+          </a:ln>
+        </p:spPr>
+        <p:style>
+          <a:lnRef idx="2">
+            <a:schemeClr val="accent1">
+              <a:shade val="50000"/>
+            </a:schemeClr>
+          </a:lnRef>
+          <a:fillRef idx="1">
+            <a:schemeClr val="accent1"/>
+          </a:fillRef>
+          <a:effectRef idx="0">
+            <a:schemeClr val="accent1"/>
+          </a:effectRef>
+          <a:fontRef idx="minor">
+            <a:schemeClr val="lt1"/>
+          </a:fontRef>
+        </p:style>
+        <p:txBody>
+          <a:bodyPr rtlCol="0" anchor="ctr"/>
+          <a:lstStyle/>
+          <a:p>
+            <a:pPr algn="ctr"/>
+            <a:endParaRPr lang="en-US"/>
+          </a:p>
+        </p:txBody>
+      </p:sp>
+      <p:grpSp>
+        <p:nvGrpSpPr>
+          <p:cNvPr id="2" name="Group 9"/>
+          <p:cNvGrpSpPr/>
+          <p:nvPr/>
+        </p:nvGrpSpPr>
+        <p:grpSpPr bwMode="gray">
+          <a:xfrm>
+            <a:off x="8019288" y="246888"/>
+            <a:ext cx="1069848" cy="490035"/>
+            <a:chOff x="8019288" y="246888"/>
+            <a:chExt cx="1069848" cy="490035"/>
+          </a:xfrm>
+        </p:grpSpPr>
+        <p:sp>
+          <p:nvSpPr>
+            <p:cNvPr id="11" name="Freeform 10"/>
+            <p:cNvSpPr/>
+            <p:nvPr userDrawn="1"/>
+          </p:nvSpPr>
+          <p:spPr bwMode="gray">
+            <a:xfrm rot="4680000">
+              <a:off x="8513063" y="174567"/>
+              <a:ext cx="137160" cy="987552"/>
+            </a:xfrm>
+            <a:custGeom>
+              <a:avLst/>
+              <a:gdLst>
+                <a:gd name="connsiteX0" fmla="*/ 0 w 210312"/>
+                <a:gd name="connsiteY0" fmla="*/ 0 h 4233101"/>
+                <a:gd name="connsiteX1" fmla="*/ 210312 w 210312"/>
+                <a:gd name="connsiteY1" fmla="*/ 0 h 4233101"/>
+                <a:gd name="connsiteX2" fmla="*/ 210312 w 210312"/>
+                <a:gd name="connsiteY2" fmla="*/ 4233101 h 4233101"/>
+                <a:gd name="connsiteX3" fmla="*/ 0 w 210312"/>
+                <a:gd name="connsiteY3" fmla="*/ 4233101 h 4233101"/>
+                <a:gd name="connsiteX4" fmla="*/ 0 w 210312"/>
+                <a:gd name="connsiteY4" fmla="*/ 0 h 4233101"/>
+                <a:gd name="connsiteX0" fmla="*/ 0 w 210312"/>
+                <a:gd name="connsiteY0" fmla="*/ 0 h 4233101"/>
+                <a:gd name="connsiteX1" fmla="*/ 210312 w 210312"/>
+                <a:gd name="connsiteY1" fmla="*/ 0 h 4233101"/>
+                <a:gd name="connsiteX2" fmla="*/ 0 w 210312"/>
+                <a:gd name="connsiteY2" fmla="*/ 4233101 h 4233101"/>
+                <a:gd name="connsiteX3" fmla="*/ 0 w 210312"/>
+                <a:gd name="connsiteY3" fmla="*/ 0 h 4233101"/>
+                <a:gd name="connsiteX0" fmla="*/ 0 w 91050"/>
+                <a:gd name="connsiteY0" fmla="*/ 27578 h 4260679"/>
+                <a:gd name="connsiteX1" fmla="*/ 91050 w 91050"/>
+                <a:gd name="connsiteY1" fmla="*/ 0 h 4260679"/>
+                <a:gd name="connsiteX2" fmla="*/ 0 w 91050"/>
+                <a:gd name="connsiteY2" fmla="*/ 4260679 h 4260679"/>
+                <a:gd name="connsiteX3" fmla="*/ 0 w 91050"/>
+                <a:gd name="connsiteY3" fmla="*/ 27578 h 4260679"/>
+                <a:gd name="connsiteX0" fmla="*/ 0 w 91050"/>
+                <a:gd name="connsiteY0" fmla="*/ 27578 h 4260679"/>
+                <a:gd name="connsiteX1" fmla="*/ 91050 w 91050"/>
+                <a:gd name="connsiteY1" fmla="*/ 0 h 4260679"/>
+                <a:gd name="connsiteX2" fmla="*/ 0 w 91050"/>
+                <a:gd name="connsiteY2" fmla="*/ 4260679 h 4260679"/>
+                <a:gd name="connsiteX3" fmla="*/ 0 w 91050"/>
+                <a:gd name="connsiteY3" fmla="*/ 27578 h 4260679"/>
+                <a:gd name="connsiteX0" fmla="*/ 6703 w 97753"/>
+                <a:gd name="connsiteY0" fmla="*/ 27578 h 4260679"/>
+                <a:gd name="connsiteX1" fmla="*/ 97753 w 97753"/>
+                <a:gd name="connsiteY1" fmla="*/ 0 h 4260679"/>
+                <a:gd name="connsiteX2" fmla="*/ 6703 w 97753"/>
+                <a:gd name="connsiteY2" fmla="*/ 4260679 h 4260679"/>
+                <a:gd name="connsiteX3" fmla="*/ 6703 w 97753"/>
+                <a:gd name="connsiteY3" fmla="*/ 27578 h 4260679"/>
+                <a:gd name="connsiteX0" fmla="*/ 6703 w 97753"/>
+                <a:gd name="connsiteY0" fmla="*/ 27578 h 4260679"/>
+                <a:gd name="connsiteX1" fmla="*/ 97753 w 97753"/>
+                <a:gd name="connsiteY1" fmla="*/ 0 h 4260679"/>
+                <a:gd name="connsiteX2" fmla="*/ 6703 w 97753"/>
+                <a:gd name="connsiteY2" fmla="*/ 4260679 h 4260679"/>
+                <a:gd name="connsiteX3" fmla="*/ 6703 w 97753"/>
+                <a:gd name="connsiteY3" fmla="*/ 27578 h 4260679"/>
+                <a:gd name="connsiteX0" fmla="*/ 6703 w 97753"/>
+                <a:gd name="connsiteY0" fmla="*/ 27578 h 4260679"/>
+                <a:gd name="connsiteX1" fmla="*/ 97753 w 97753"/>
+                <a:gd name="connsiteY1" fmla="*/ 0 h 4260679"/>
+                <a:gd name="connsiteX2" fmla="*/ 6703 w 97753"/>
+                <a:gd name="connsiteY2" fmla="*/ 4260679 h 4260679"/>
+                <a:gd name="connsiteX3" fmla="*/ 6703 w 97753"/>
+                <a:gd name="connsiteY3" fmla="*/ 27578 h 4260679"/>
+                <a:gd name="connsiteX0" fmla="*/ 25745 w 97753"/>
+                <a:gd name="connsiteY0" fmla="*/ 1 h 4233102"/>
+                <a:gd name="connsiteX1" fmla="*/ 97753 w 97753"/>
+                <a:gd name="connsiteY1" fmla="*/ 61420 h 4233102"/>
+                <a:gd name="connsiteX2" fmla="*/ 25745 w 97753"/>
+                <a:gd name="connsiteY2" fmla="*/ 4233102 h 4233102"/>
+                <a:gd name="connsiteX3" fmla="*/ 25745 w 97753"/>
+                <a:gd name="connsiteY3" fmla="*/ 1 h 4233102"/>
+                <a:gd name="connsiteX0" fmla="*/ 24478 w 97753"/>
+                <a:gd name="connsiteY0" fmla="*/ 8201 h 4241302"/>
+                <a:gd name="connsiteX1" fmla="*/ 97753 w 97753"/>
+                <a:gd name="connsiteY1" fmla="*/ 0 h 4241302"/>
+                <a:gd name="connsiteX2" fmla="*/ 24478 w 97753"/>
+                <a:gd name="connsiteY2" fmla="*/ 4241302 h 4241302"/>
+                <a:gd name="connsiteX3" fmla="*/ 24478 w 97753"/>
+                <a:gd name="connsiteY3" fmla="*/ 8201 h 4241302"/>
+                <a:gd name="connsiteX0" fmla="*/ 24478 w 97753"/>
+                <a:gd name="connsiteY0" fmla="*/ 8201 h 4241302"/>
+                <a:gd name="connsiteX1" fmla="*/ 97753 w 97753"/>
+                <a:gd name="connsiteY1" fmla="*/ 0 h 4241302"/>
+                <a:gd name="connsiteX2" fmla="*/ 24478 w 97753"/>
+                <a:gd name="connsiteY2" fmla="*/ 4241302 h 4241302"/>
+                <a:gd name="connsiteX3" fmla="*/ 24478 w 97753"/>
+                <a:gd name="connsiteY3" fmla="*/ 8201 h 4241302"/>
+                <a:gd name="connsiteX0" fmla="*/ 14176 w 87451"/>
+                <a:gd name="connsiteY0" fmla="*/ 8201 h 4241302"/>
+                <a:gd name="connsiteX1" fmla="*/ 87451 w 87451"/>
+                <a:gd name="connsiteY1" fmla="*/ 0 h 4241302"/>
+                <a:gd name="connsiteX2" fmla="*/ 14176 w 87451"/>
+                <a:gd name="connsiteY2" fmla="*/ 4241302 h 4241302"/>
+                <a:gd name="connsiteX3" fmla="*/ 14176 w 87451"/>
+                <a:gd name="connsiteY3" fmla="*/ 8201 h 4241302"/>
+                <a:gd name="connsiteX0" fmla="*/ 14176 w 87451"/>
+                <a:gd name="connsiteY0" fmla="*/ 8201 h 4001504"/>
+                <a:gd name="connsiteX1" fmla="*/ 87451 w 87451"/>
+                <a:gd name="connsiteY1" fmla="*/ 0 h 4001504"/>
+                <a:gd name="connsiteX2" fmla="*/ 18941 w 87451"/>
+                <a:gd name="connsiteY2" fmla="*/ 4001504 h 4001504"/>
+                <a:gd name="connsiteX3" fmla="*/ 14176 w 87451"/>
+                <a:gd name="connsiteY3" fmla="*/ 8201 h 4001504"/>
+                <a:gd name="connsiteX0" fmla="*/ 14176 w 87451"/>
+                <a:gd name="connsiteY0" fmla="*/ 8201 h 3875955"/>
+                <a:gd name="connsiteX1" fmla="*/ 87451 w 87451"/>
+                <a:gd name="connsiteY1" fmla="*/ 0 h 3875955"/>
+                <a:gd name="connsiteX2" fmla="*/ 7278 w 87451"/>
+                <a:gd name="connsiteY2" fmla="*/ 3875955 h 3875955"/>
+                <a:gd name="connsiteX3" fmla="*/ 14176 w 87451"/>
+                <a:gd name="connsiteY3" fmla="*/ 8201 h 3875955"/>
+                <a:gd name="connsiteX0" fmla="*/ 14176 w 87451"/>
+                <a:gd name="connsiteY0" fmla="*/ 8201 h 3961135"/>
+                <a:gd name="connsiteX1" fmla="*/ 87451 w 87451"/>
+                <a:gd name="connsiteY1" fmla="*/ 0 h 3961135"/>
+                <a:gd name="connsiteX2" fmla="*/ 16239 w 87451"/>
+                <a:gd name="connsiteY2" fmla="*/ 3961135 h 3961135"/>
+                <a:gd name="connsiteX3" fmla="*/ 14176 w 87451"/>
+                <a:gd name="connsiteY3" fmla="*/ 8201 h 3961135"/>
+              </a:gdLst>
+              <a:ahLst/>
+              <a:cxnLst>
+                <a:cxn ang="0">
+                  <a:pos x="connsiteX0" y="connsiteY0"/>
+                </a:cxn>
+                <a:cxn ang="0">
+                  <a:pos x="connsiteX1" y="connsiteY1"/>
+                </a:cxn>
+                <a:cxn ang="0">
+                  <a:pos x="connsiteX2" y="connsiteY2"/>
+                </a:cxn>
+                <a:cxn ang="0">
+                  <a:pos x="connsiteX3" y="connsiteY3"/>
+                </a:cxn>
+              </a:cxnLst>
+              <a:rect l="l" t="t" r="r" b="b"/>
+              <a:pathLst>
+                <a:path w="87451" h="3961135">
+                  <a:moveTo>
+                    <a:pt x="14176" y="8201"/>
+                  </a:moveTo>
+                  <a:lnTo>
+                    <a:pt x="87451" y="0"/>
+                  </a:lnTo>
+                  <a:cubicBezTo>
+                    <a:pt x="0" y="2301293"/>
+                    <a:pt x="31791" y="2848354"/>
+                    <a:pt x="16239" y="3961135"/>
+                  </a:cubicBezTo>
+                  <a:cubicBezTo>
+                    <a:pt x="14651" y="2630034"/>
+                    <a:pt x="15764" y="1339302"/>
+                    <a:pt x="14176" y="8201"/>
+                  </a:cubicBezTo>
+                  <a:close/>
+                </a:path>
+              </a:pathLst>
+            </a:custGeom>
+            <a:gradFill flip="none" rotWithShape="1">
+              <a:gsLst>
+                <a:gs pos="0">
+                  <a:schemeClr val="bg1">
+                    <a:lumMod val="50000"/>
+                  </a:schemeClr>
+                </a:gs>
+                <a:gs pos="100000">
+                  <a:schemeClr val="bg1">
+                    <a:lumMod val="50000"/>
+                    <a:alpha val="56000"/>
+                  </a:schemeClr>
+                </a:gs>
+              </a:gsLst>
+              <a:path path="circle">
+                <a:fillToRect l="100000" t="100000"/>
+              </a:path>
+              <a:tileRect r="-100000" b="-100000"/>
+            </a:gradFill>
+            <a:ln>
+              <a:noFill/>
+            </a:ln>
+          </p:spPr>
+          <p:style>
+            <a:lnRef idx="2">
+              <a:schemeClr val="accent1">
+                <a:shade val="50000"/>
+              </a:schemeClr>
+            </a:lnRef>
+            <a:fillRef idx="1">
+              <a:schemeClr val="accent1"/>
+            </a:fillRef>
+            <a:effectRef idx="0">
+              <a:schemeClr val="accent1"/>
+            </a:effectRef>
+            <a:fontRef idx="minor">
+              <a:schemeClr val="lt1"/>
+            </a:fontRef>
+          </p:style>
+          <p:txBody>
+            <a:bodyPr rtlCol="0" anchor="ctr"/>
+            <a:lstStyle/>
+            <a:p>
+              <a:pPr algn="ctr"/>
+              <a:endParaRPr lang="en-US"/>
+            </a:p>
+          </p:txBody>
+        </p:sp>
+        <p:sp>
+          <p:nvSpPr>
+            <p:cNvPr id="12" name="Rectangle 11"/>
+            <p:cNvSpPr/>
+            <p:nvPr userDrawn="1"/>
+          </p:nvSpPr>
+          <p:spPr bwMode="gray">
+            <a:xfrm rot="4680000">
+              <a:off x="8750808" y="210312"/>
+              <a:ext cx="301752" cy="374904"/>
+            </a:xfrm>
+            <a:prstGeom prst="rect">
+              <a:avLst/>
+            </a:prstGeom>
+            <a:solidFill>
+              <a:schemeClr val="accent2">
+                <a:alpha val="90000"/>
+              </a:schemeClr>
+            </a:solidFill>
+            <a:ln>
+              <a:noFill/>
+            </a:ln>
+          </p:spPr>
+          <p:style>
+            <a:lnRef idx="2">
+              <a:schemeClr val="accent1">
+                <a:shade val="50000"/>
+              </a:schemeClr>
+            </a:lnRef>
+            <a:fillRef idx="1">
+              <a:schemeClr val="accent1"/>
+            </a:fillRef>
+            <a:effectRef idx="0">
+              <a:schemeClr val="accent1"/>
+            </a:effectRef>
+            <a:fontRef idx="minor">
+              <a:schemeClr val="lt1"/>
+            </a:fontRef>
+          </p:style>
+          <p:txBody>
+            <a:bodyPr rtlCol="0" anchor="ctr"/>
+            <a:lstStyle/>
+            <a:p>
+              <a:pPr algn="ctr"/>
+              <a:endParaRPr lang="en-US"/>
+            </a:p>
+          </p:txBody>
+        </p:sp>
+        <p:sp>
+          <p:nvSpPr>
+            <p:cNvPr id="13" name="Rectangle 12"/>
+            <p:cNvSpPr/>
+            <p:nvPr userDrawn="1"/>
+          </p:nvSpPr>
+          <p:spPr bwMode="gray">
+            <a:xfrm rot="4680000">
+              <a:off x="8220456" y="155448"/>
+              <a:ext cx="301752" cy="704088"/>
+            </a:xfrm>
+            <a:prstGeom prst="rect">
+              <a:avLst/>
+            </a:prstGeom>
+            <a:solidFill>
+              <a:srgbClr val="FFFFFF">
+                <a:alpha val="50196"/>
+              </a:srgbClr>
+            </a:solidFill>
+            <a:ln>
+              <a:noFill/>
+            </a:ln>
+          </p:spPr>
+          <p:style>
+            <a:lnRef idx="2">
+              <a:schemeClr val="accent1">
+                <a:shade val="50000"/>
+              </a:schemeClr>
+            </a:lnRef>
+            <a:fillRef idx="1">
+              <a:schemeClr val="accent1"/>
+            </a:fillRef>
+            <a:effectRef idx="0">
+              <a:schemeClr val="accent1"/>
+            </a:effectRef>
+            <a:fontRef idx="minor">
+              <a:schemeClr val="lt1"/>
+            </a:fontRef>
+          </p:style>
+          <p:txBody>
+            <a:bodyPr rtlCol="0" anchor="ctr"/>
+            <a:lstStyle/>
+            <a:p>
+              <a:pPr algn="ctr"/>
+              <a:endParaRPr lang="en-US"/>
+            </a:p>
+          </p:txBody>
+        </p:sp>
+      </p:grpSp>
+      <p:cxnSp>
+        <p:nvCxnSpPr>
+          <p:cNvPr id="14" name="Straight Connector 13"/>
+          <p:cNvCxnSpPr/>
+          <p:nvPr/>
+        </p:nvCxnSpPr>
+        <p:spPr bwMode="gray">
+          <a:xfrm>
+            <a:off x="0" y="1316736"/>
+            <a:ext cx="8577072" cy="1588"/>
+          </a:xfrm>
+          <a:prstGeom prst="line">
+            <a:avLst/>
+          </a:prstGeom>
+          <a:ln w="9525">
+            <a:solidFill>
+              <a:schemeClr val="bg2">
+                <a:lumMod val="75000"/>
+              </a:schemeClr>
+            </a:solidFill>
+          </a:ln>
+          <a:effectLst>
+            <a:outerShdw dist="25400" dir="5400000" algn="ctr" rotWithShape="0">
+              <a:srgbClr val="000000">
+                <a:alpha val="22000"/>
+              </a:srgbClr>
+            </a:outerShdw>
+          </a:effectLst>
+        </p:spPr>
+        <p:style>
+          <a:lnRef idx="1">
+            <a:schemeClr val="accent1"/>
+          </a:lnRef>
+          <a:fillRef idx="0">
+            <a:schemeClr val="accent1"/>
+          </a:fillRef>
+          <a:effectRef idx="0">
+            <a:schemeClr val="accent1"/>
+          </a:effectRef>
+          <a:fontRef idx="minor">
+            <a:schemeClr val="tx1"/>
+          </a:fontRef>
+        </p:style>
+      </p:cxnSp>
+      <p:sp>
+        <p:nvSpPr>
+          <p:cNvPr id="7" name="Slide Number Placeholder 6"/>
           <p:cNvSpPr>
             <a:spLocks noGrp="1"/>
           </p:cNvSpPr>
@@ -2025,10 +5689,38 @@
           </a:p>
         </p:txBody>
       </p:sp>
+      <p:sp>
+        <p:nvSpPr>
+          <p:cNvPr id="15" name="Title 14"/>
+          <p:cNvSpPr>
+            <a:spLocks noGrp="1"/>
+          </p:cNvSpPr>
+          <p:nvPr>
+            <p:ph type="title"/>
+          </p:nvPr>
+        </p:nvSpPr>
+        <p:spPr>
+          <a:xfrm>
+            <a:off x="457200" y="152400"/>
+            <a:ext cx="8229600" cy="1143000"/>
+          </a:xfrm>
+        </p:spPr>
+        <p:txBody>
+          <a:bodyPr/>
+          <a:lstStyle/>
+          <a:p>
+            <a:r>
+              <a:rPr lang="ko-KR" altLang="en-US"/>
+              <a:t>마스터 제목 스타일 편집</a:t>
+            </a:r>
+            <a:endParaRPr lang="en-US"/>
+          </a:p>
+        </p:txBody>
+      </p:sp>
     </p:spTree>
     <p:extLst>
       <p:ext uri="{BB962C8B-B14F-4D97-AF65-F5344CB8AC3E}">
-        <p14:creationId xmlns:p14="http://schemas.microsoft.com/office/powerpoint/2010/main" val="4161770305"/>
+        <p14:creationId xmlns:p14="http://schemas.microsoft.com/office/powerpoint/2010/main" val="3142732225"/>
       </p:ext>
     </p:extLst>
   </p:cSld>
@@ -2039,7 +5731,7 @@
 </file>
 
 <file path=ppt/slideLayouts/slideLayout5.xml><?xml version="1.0" encoding="utf-8"?>
-<p:sldLayout xmlns:a="http://schemas.openxmlformats.org/drawingml/2006/main" xmlns:r="http://schemas.openxmlformats.org/officeDocument/2006/relationships" xmlns:p="http://schemas.openxmlformats.org/presentationml/2006/main" type="twoTxTwoObj" preserve="1">
+<p:sldLayout xmlns:a="http://schemas.openxmlformats.org/drawingml/2006/main" xmlns:r="http://schemas.openxmlformats.org/officeDocument/2006/relationships" xmlns:p="http://schemas.openxmlformats.org/presentationml/2006/main" preserve="1">
   <p:cSld name="비교">
     <p:spTree>
       <p:nvGrpSpPr>
@@ -2057,33 +5749,55 @@
       </p:grpSpPr>
       <p:sp>
         <p:nvSpPr>
-          <p:cNvPr id="2" name="제목 1"/>
-          <p:cNvSpPr>
-            <a:spLocks noGrp="1"/>
-          </p:cNvSpPr>
-          <p:nvPr>
-            <p:ph type="title"/>
-          </p:nvPr>
+          <p:cNvPr id="10" name="Rectangle 9"/>
+          <p:cNvSpPr/>
+          <p:nvPr/>
         </p:nvSpPr>
-        <p:spPr/>
+        <p:spPr bwMode="gray">
+          <a:xfrm>
+            <a:off x="0" y="0"/>
+            <a:ext cx="9144000" cy="1143000"/>
+          </a:xfrm>
+          <a:prstGeom prst="rect">
+            <a:avLst/>
+          </a:prstGeom>
+          <a:solidFill>
+            <a:schemeClr val="bg2">
+              <a:lumMod val="90000"/>
+            </a:schemeClr>
+          </a:solidFill>
+          <a:ln>
+            <a:noFill/>
+          </a:ln>
+        </p:spPr>
+        <p:style>
+          <a:lnRef idx="2">
+            <a:schemeClr val="accent1">
+              <a:shade val="50000"/>
+            </a:schemeClr>
+          </a:lnRef>
+          <a:fillRef idx="1">
+            <a:schemeClr val="accent1"/>
+          </a:fillRef>
+          <a:effectRef idx="0">
+            <a:schemeClr val="accent1"/>
+          </a:effectRef>
+          <a:fontRef idx="minor">
+            <a:schemeClr val="lt1"/>
+          </a:fontRef>
+        </p:style>
         <p:txBody>
-          <a:bodyPr/>
-          <a:lstStyle>
-            <a:lvl1pPr>
-              <a:defRPr/>
-            </a:lvl1pPr>
-          </a:lstStyle>
-          <a:p>
-            <a:r>
-              <a:rPr lang="ko-KR" altLang="en-US"/>
-              <a:t>마스터 제목 스타일 편집</a:t>
-            </a:r>
+          <a:bodyPr rtlCol="0" anchor="ctr"/>
+          <a:lstStyle/>
+          <a:p>
+            <a:pPr algn="ctr"/>
+            <a:endParaRPr lang="en-US"/>
           </a:p>
         </p:txBody>
       </p:sp>
       <p:sp>
         <p:nvSpPr>
-          <p:cNvPr id="3" name="텍스트 개체 틀 2"/>
+          <p:cNvPr id="3" name="Text Placeholder 2"/>
           <p:cNvSpPr>
             <a:spLocks noGrp="1"/>
           </p:cNvSpPr>
@@ -2093,14 +5807,27 @@
         </p:nvSpPr>
         <p:spPr>
           <a:xfrm>
-            <a:off x="457200" y="1535113"/>
-            <a:ext cx="4040188" cy="639762"/>
+            <a:off x="429768" y="1535113"/>
+            <a:ext cx="3931920" cy="639762"/>
           </a:xfrm>
+          <a:solidFill>
+            <a:srgbClr val="77933C">
+              <a:alpha val="20000"/>
+            </a:srgbClr>
+          </a:solidFill>
+          <a:ln>
+            <a:solidFill>
+              <a:schemeClr val="accent3">
+                <a:lumMod val="60000"/>
+                <a:lumOff val="40000"/>
+              </a:schemeClr>
+            </a:solidFill>
+          </a:ln>
         </p:spPr>
         <p:txBody>
-          <a:bodyPr anchor="b"/>
+          <a:bodyPr anchor="ctr"/>
           <a:lstStyle>
-            <a:lvl1pPr marL="0" indent="0">
+            <a:lvl1pPr marL="0" indent="0" algn="ctr">
               <a:buNone/>
               <a:defRPr sz="2400" b="1"/>
             </a:lvl1pPr>
@@ -2141,14 +5868,14 @@
             <a:pPr lvl="0"/>
             <a:r>
               <a:rPr lang="ko-KR" altLang="en-US"/>
-              <a:t>마스터 텍스트 스타일을 편집합니다</a:t>
+              <a:t>마스터 텍스트 스타일 편집</a:t>
             </a:r>
           </a:p>
         </p:txBody>
       </p:sp>
       <p:sp>
         <p:nvSpPr>
-          <p:cNvPr id="4" name="내용 개체 틀 3"/>
+          <p:cNvPr id="4" name="Content Placeholder 3"/>
           <p:cNvSpPr>
             <a:spLocks noGrp="1"/>
           </p:cNvSpPr>
@@ -2158,8 +5885,8 @@
         </p:nvSpPr>
         <p:spPr>
           <a:xfrm>
-            <a:off x="457200" y="2174875"/>
-            <a:ext cx="4040188" cy="3951288"/>
+            <a:off x="429768" y="2267712"/>
+            <a:ext cx="3931920" cy="3951288"/>
           </a:xfrm>
         </p:spPr>
         <p:txBody>
@@ -2197,7 +5924,7 @@
             <a:pPr lvl="0"/>
             <a:r>
               <a:rPr lang="ko-KR" altLang="en-US"/>
-              <a:t>마스터 텍스트 스타일을 편집합니다</a:t>
+              <a:t>마스터 텍스트 스타일 편집</a:t>
             </a:r>
           </a:p>
           <a:p>
@@ -2227,12 +5954,13 @@
               <a:rPr lang="ko-KR" altLang="en-US"/>
               <a:t>다섯째 수준</a:t>
             </a:r>
+            <a:endParaRPr lang="en-US"/>
           </a:p>
         </p:txBody>
       </p:sp>
       <p:sp>
         <p:nvSpPr>
-          <p:cNvPr id="5" name="텍스트 개체 틀 4"/>
+          <p:cNvPr id="5" name="Text Placeholder 4"/>
           <p:cNvSpPr>
             <a:spLocks noGrp="1"/>
           </p:cNvSpPr>
@@ -2242,14 +5970,27 @@
         </p:nvSpPr>
         <p:spPr>
           <a:xfrm>
-            <a:off x="4645025" y="1535113"/>
-            <a:ext cx="4041775" cy="639762"/>
+            <a:off x="4782312" y="1535113"/>
+            <a:ext cx="3931920" cy="639762"/>
           </a:xfrm>
+          <a:solidFill>
+            <a:srgbClr val="E46C0A">
+              <a:alpha val="20000"/>
+            </a:srgbClr>
+          </a:solidFill>
+          <a:ln>
+            <a:solidFill>
+              <a:schemeClr val="accent6">
+                <a:lumMod val="60000"/>
+                <a:lumOff val="40000"/>
+              </a:schemeClr>
+            </a:solidFill>
+          </a:ln>
         </p:spPr>
         <p:txBody>
-          <a:bodyPr anchor="b"/>
+          <a:bodyPr anchor="ctr"/>
           <a:lstStyle>
-            <a:lvl1pPr marL="0" indent="0">
+            <a:lvl1pPr marL="0" indent="0" algn="ctr">
               <a:buNone/>
               <a:defRPr sz="2400" b="1"/>
             </a:lvl1pPr>
@@ -2290,14 +6031,14 @@
             <a:pPr lvl="0"/>
             <a:r>
               <a:rPr lang="ko-KR" altLang="en-US"/>
-              <a:t>마스터 텍스트 스타일을 편집합니다</a:t>
+              <a:t>마스터 텍스트 스타일 편집</a:t>
             </a:r>
           </a:p>
         </p:txBody>
       </p:sp>
       <p:sp>
         <p:nvSpPr>
-          <p:cNvPr id="6" name="내용 개체 틀 5"/>
+          <p:cNvPr id="6" name="Content Placeholder 5"/>
           <p:cNvSpPr>
             <a:spLocks noGrp="1"/>
           </p:cNvSpPr>
@@ -2307,8 +6048,8 @@
         </p:nvSpPr>
         <p:spPr>
           <a:xfrm>
-            <a:off x="4645025" y="2174875"/>
-            <a:ext cx="4041775" cy="3951288"/>
+            <a:off x="4782312" y="2267712"/>
+            <a:ext cx="3931920" cy="3951288"/>
           </a:xfrm>
         </p:spPr>
         <p:txBody>
@@ -2346,7 +6087,7 @@
             <a:pPr lvl="0"/>
             <a:r>
               <a:rPr lang="ko-KR" altLang="en-US"/>
-              <a:t>마스터 텍스트 스타일을 편집합니다</a:t>
+              <a:t>마스터 텍스트 스타일 편집</a:t>
             </a:r>
           </a:p>
           <a:p>
@@ -2376,12 +6117,13 @@
               <a:rPr lang="ko-KR" altLang="en-US"/>
               <a:t>다섯째 수준</a:t>
             </a:r>
+            <a:endParaRPr lang="en-US"/>
           </a:p>
         </p:txBody>
       </p:sp>
       <p:sp>
         <p:nvSpPr>
-          <p:cNvPr id="7" name="날짜 개체 틀 6"/>
+          <p:cNvPr id="7" name="Date Placeholder 6"/>
           <p:cNvSpPr>
             <a:spLocks noGrp="1"/>
           </p:cNvSpPr>
@@ -2396,7 +6138,7 @@
           <a:p>
             <a:fld id="{BCB4B30C-40CB-45DA-9E22-5D82D88354BA}" type="datetime1">
               <a:rPr lang="ko-KR" altLang="en-US" smtClean="0"/>
-              <a:t>2017-11-18</a:t>
+              <a:t>2017-11-19</a:t>
             </a:fld>
             <a:endParaRPr lang="ko-KR" altLang="en-US"/>
           </a:p>
@@ -2404,7 +6146,7 @@
       </p:sp>
       <p:sp>
         <p:nvSpPr>
-          <p:cNvPr id="8" name="바닥글 개체 틀 7"/>
+          <p:cNvPr id="8" name="Footer Placeholder 7"/>
           <p:cNvSpPr>
             <a:spLocks noGrp="1"/>
           </p:cNvSpPr>
@@ -2423,7 +6165,7 @@
       </p:sp>
       <p:sp>
         <p:nvSpPr>
-          <p:cNvPr id="9" name="슬라이드 번호 개체 틀 8"/>
+          <p:cNvPr id="9" name="Slide Number Placeholder 8"/>
           <p:cNvSpPr>
             <a:spLocks noGrp="1"/>
           </p:cNvSpPr>
@@ -2444,10 +6186,502 @@
           </a:p>
         </p:txBody>
       </p:sp>
+      <p:grpSp>
+        <p:nvGrpSpPr>
+          <p:cNvPr id="2" name="Group 10"/>
+          <p:cNvGrpSpPr/>
+          <p:nvPr/>
+        </p:nvGrpSpPr>
+        <p:grpSpPr bwMode="gray">
+          <a:xfrm>
+            <a:off x="0" y="1143000"/>
+            <a:ext cx="9144000" cy="120460"/>
+            <a:chOff x="0" y="1810512"/>
+            <a:chExt cx="9144000" cy="120460"/>
+          </a:xfrm>
+        </p:grpSpPr>
+        <p:cxnSp>
+          <p:nvCxnSpPr>
+            <p:cNvPr id="12" name="Straight Connector 11"/>
+            <p:cNvCxnSpPr/>
+            <p:nvPr userDrawn="1"/>
+          </p:nvCxnSpPr>
+          <p:spPr bwMode="gray">
+            <a:xfrm>
+              <a:off x="0" y="1810512"/>
+              <a:ext cx="9144000" cy="1588"/>
+            </a:xfrm>
+            <a:prstGeom prst="line">
+              <a:avLst/>
+            </a:prstGeom>
+            <a:ln w="9525">
+              <a:solidFill>
+                <a:schemeClr val="bg2">
+                  <a:lumMod val="75000"/>
+                </a:schemeClr>
+              </a:solidFill>
+            </a:ln>
+            <a:effectLst>
+              <a:outerShdw dist="25400" dir="5400000" algn="ctr" rotWithShape="0">
+                <a:srgbClr val="000000">
+                  <a:alpha val="22000"/>
+                </a:srgbClr>
+              </a:outerShdw>
+            </a:effectLst>
+          </p:spPr>
+          <p:style>
+            <a:lnRef idx="1">
+              <a:schemeClr val="accent1"/>
+            </a:lnRef>
+            <a:fillRef idx="0">
+              <a:schemeClr val="accent1"/>
+            </a:fillRef>
+            <a:effectRef idx="0">
+              <a:schemeClr val="accent1"/>
+            </a:effectRef>
+            <a:fontRef idx="minor">
+              <a:schemeClr val="tx1"/>
+            </a:fontRef>
+          </p:style>
+        </p:cxnSp>
+        <p:cxnSp>
+          <p:nvCxnSpPr>
+            <p:cNvPr id="13" name="Straight Connector 12"/>
+            <p:cNvCxnSpPr/>
+            <p:nvPr userDrawn="1"/>
+          </p:nvCxnSpPr>
+          <p:spPr bwMode="gray">
+            <a:xfrm>
+              <a:off x="0" y="1865376"/>
+              <a:ext cx="9144000" cy="1588"/>
+            </a:xfrm>
+            <a:prstGeom prst="line">
+              <a:avLst/>
+            </a:prstGeom>
+            <a:ln w="9525">
+              <a:solidFill>
+                <a:schemeClr val="bg2">
+                  <a:lumMod val="75000"/>
+                </a:schemeClr>
+              </a:solidFill>
+            </a:ln>
+            <a:effectLst>
+              <a:outerShdw dist="25400" dir="5400000" algn="ctr" rotWithShape="0">
+                <a:srgbClr val="000000">
+                  <a:alpha val="22000"/>
+                </a:srgbClr>
+              </a:outerShdw>
+            </a:effectLst>
+          </p:spPr>
+          <p:style>
+            <a:lnRef idx="1">
+              <a:schemeClr val="accent1"/>
+            </a:lnRef>
+            <a:fillRef idx="0">
+              <a:schemeClr val="accent1"/>
+            </a:fillRef>
+            <a:effectRef idx="0">
+              <a:schemeClr val="accent1"/>
+            </a:effectRef>
+            <a:fontRef idx="minor">
+              <a:schemeClr val="tx1"/>
+            </a:fontRef>
+          </p:style>
+        </p:cxnSp>
+        <p:cxnSp>
+          <p:nvCxnSpPr>
+            <p:cNvPr id="14" name="Straight Connector 13"/>
+            <p:cNvCxnSpPr/>
+            <p:nvPr userDrawn="1"/>
+          </p:nvCxnSpPr>
+          <p:spPr bwMode="gray">
+            <a:xfrm>
+              <a:off x="0" y="1929384"/>
+              <a:ext cx="9144000" cy="1588"/>
+            </a:xfrm>
+            <a:prstGeom prst="line">
+              <a:avLst/>
+            </a:prstGeom>
+            <a:ln w="9525">
+              <a:solidFill>
+                <a:schemeClr val="bg2">
+                  <a:lumMod val="75000"/>
+                </a:schemeClr>
+              </a:solidFill>
+            </a:ln>
+            <a:effectLst>
+              <a:outerShdw dist="25400" dir="5400000" algn="ctr" rotWithShape="0">
+                <a:srgbClr val="000000">
+                  <a:alpha val="22000"/>
+                </a:srgbClr>
+              </a:outerShdw>
+            </a:effectLst>
+          </p:spPr>
+          <p:style>
+            <a:lnRef idx="1">
+              <a:schemeClr val="accent1"/>
+            </a:lnRef>
+            <a:fillRef idx="0">
+              <a:schemeClr val="accent1"/>
+            </a:fillRef>
+            <a:effectRef idx="0">
+              <a:schemeClr val="accent1"/>
+            </a:effectRef>
+            <a:fontRef idx="minor">
+              <a:schemeClr val="tx1"/>
+            </a:fontRef>
+          </p:style>
+        </p:cxnSp>
+      </p:grpSp>
+      <p:grpSp>
+        <p:nvGrpSpPr>
+          <p:cNvPr id="11" name="Group 277"/>
+          <p:cNvGrpSpPr>
+            <a:grpSpLocks/>
+          </p:cNvGrpSpPr>
+          <p:nvPr/>
+        </p:nvGrpSpPr>
+        <p:grpSpPr bwMode="gray">
+          <a:xfrm rot="5400000">
+            <a:off x="246888" y="182880"/>
+            <a:ext cx="932688" cy="859536"/>
+            <a:chOff x="42" y="4085"/>
+            <a:chExt cx="224" cy="224"/>
+          </a:xfrm>
+          <a:solidFill>
+            <a:schemeClr val="bg2">
+              <a:alpha val="70000"/>
+            </a:schemeClr>
+          </a:solidFill>
+        </p:grpSpPr>
+        <p:sp>
+          <p:nvSpPr>
+            <p:cNvPr id="16" name="Freeform 278"/>
+            <p:cNvSpPr>
+              <a:spLocks/>
+            </p:cNvSpPr>
+            <p:nvPr userDrawn="1"/>
+          </p:nvSpPr>
+          <p:spPr bwMode="gray">
+            <a:xfrm>
+              <a:off x="89" y="4127"/>
+              <a:ext cx="136" cy="142"/>
+            </a:xfrm>
+            <a:custGeom>
+              <a:avLst/>
+              <a:gdLst/>
+              <a:ahLst/>
+              <a:cxnLst>
+                <a:cxn ang="0">
+                  <a:pos x="226" y="24"/>
+                </a:cxn>
+                <a:cxn ang="0">
+                  <a:pos x="7" y="311"/>
+                </a:cxn>
+                <a:cxn ang="0">
+                  <a:pos x="30" y="389"/>
+                </a:cxn>
+                <a:cxn ang="0">
+                  <a:pos x="124" y="402"/>
+                </a:cxn>
+                <a:cxn ang="0">
+                  <a:pos x="193" y="317"/>
+                </a:cxn>
+                <a:cxn ang="0">
+                  <a:pos x="193" y="524"/>
+                </a:cxn>
+                <a:cxn ang="0">
+                  <a:pos x="276" y="585"/>
+                </a:cxn>
+                <a:cxn ang="0">
+                  <a:pos x="363" y="522"/>
+                </a:cxn>
+                <a:cxn ang="0">
+                  <a:pos x="363" y="305"/>
+                </a:cxn>
+                <a:cxn ang="0">
+                  <a:pos x="447" y="405"/>
+                </a:cxn>
+                <a:cxn ang="0">
+                  <a:pos x="534" y="398"/>
+                </a:cxn>
+                <a:cxn ang="0">
+                  <a:pos x="562" y="320"/>
+                </a:cxn>
+                <a:cxn ang="0">
+                  <a:pos x="331" y="17"/>
+                </a:cxn>
+                <a:cxn ang="0">
+                  <a:pos x="280" y="2"/>
+                </a:cxn>
+                <a:cxn ang="0">
+                  <a:pos x="226" y="24"/>
+                </a:cxn>
+              </a:cxnLst>
+              <a:rect l="0" t="0" r="r" b="b"/>
+              <a:pathLst>
+                <a:path w="562" h="587">
+                  <a:moveTo>
+                    <a:pt x="226" y="24"/>
+                  </a:moveTo>
+                  <a:cubicBezTo>
+                    <a:pt x="181" y="76"/>
+                    <a:pt x="40" y="250"/>
+                    <a:pt x="7" y="311"/>
+                  </a:cubicBezTo>
+                  <a:cubicBezTo>
+                    <a:pt x="0" y="350"/>
+                    <a:pt x="11" y="361"/>
+                    <a:pt x="30" y="389"/>
+                  </a:cubicBezTo>
+                  <a:cubicBezTo>
+                    <a:pt x="49" y="417"/>
+                    <a:pt x="87" y="422"/>
+                    <a:pt x="124" y="402"/>
+                  </a:cubicBezTo>
+                  <a:lnTo>
+                    <a:pt x="193" y="317"/>
+                  </a:lnTo>
+                  <a:lnTo>
+                    <a:pt x="193" y="524"/>
+                  </a:lnTo>
+                  <a:cubicBezTo>
+                    <a:pt x="207" y="569"/>
+                    <a:pt x="248" y="585"/>
+                    <a:pt x="276" y="585"/>
+                  </a:cubicBezTo>
+                  <a:cubicBezTo>
+                    <a:pt x="315" y="587"/>
+                    <a:pt x="350" y="568"/>
+                    <a:pt x="363" y="522"/>
+                  </a:cubicBezTo>
+                  <a:lnTo>
+                    <a:pt x="363" y="305"/>
+                  </a:lnTo>
+                  <a:lnTo>
+                    <a:pt x="447" y="405"/>
+                  </a:lnTo>
+                  <a:cubicBezTo>
+                    <a:pt x="475" y="420"/>
+                    <a:pt x="515" y="412"/>
+                    <a:pt x="534" y="398"/>
+                  </a:cubicBezTo>
+                  <a:cubicBezTo>
+                    <a:pt x="553" y="384"/>
+                    <a:pt x="562" y="357"/>
+                    <a:pt x="562" y="320"/>
+                  </a:cubicBezTo>
+                  <a:cubicBezTo>
+                    <a:pt x="446" y="168"/>
+                    <a:pt x="331" y="17"/>
+                    <a:pt x="331" y="17"/>
+                  </a:cubicBezTo>
+                  <a:cubicBezTo>
+                    <a:pt x="303" y="0"/>
+                    <a:pt x="296" y="2"/>
+                    <a:pt x="280" y="2"/>
+                  </a:cubicBezTo>
+                  <a:cubicBezTo>
+                    <a:pt x="264" y="2"/>
+                    <a:pt x="247" y="6"/>
+                    <a:pt x="226" y="24"/>
+                  </a:cubicBezTo>
+                  <a:close/>
+                </a:path>
+              </a:pathLst>
+            </a:custGeom>
+            <a:grpFill/>
+            <a:ln w="9525" cap="flat" cmpd="sng">
+              <a:noFill/>
+              <a:prstDash val="solid"/>
+              <a:round/>
+              <a:headEnd/>
+              <a:tailEnd/>
+            </a:ln>
+            <a:effectLst/>
+          </p:spPr>
+          <p:txBody>
+            <a:bodyPr/>
+            <a:lstStyle/>
+            <a:p>
+              <a:endParaRPr lang="en-US"/>
+            </a:p>
+          </p:txBody>
+        </p:sp>
+        <p:sp>
+          <p:nvSpPr>
+            <p:cNvPr id="17" name="AutoShape 279"/>
+            <p:cNvSpPr>
+              <a:spLocks noChangeArrowheads="1"/>
+            </p:cNvSpPr>
+            <p:nvPr userDrawn="1"/>
+          </p:nvSpPr>
+          <p:spPr bwMode="gray">
+            <a:xfrm>
+              <a:off x="42" y="4085"/>
+              <a:ext cx="224" cy="224"/>
+            </a:xfrm>
+            <a:custGeom>
+              <a:avLst/>
+              <a:gdLst>
+                <a:gd name="G0" fmla="+- 2121 0 0"/>
+                <a:gd name="G1" fmla="+- 21600 0 2121"/>
+                <a:gd name="G2" fmla="+- 21600 0 2121"/>
+                <a:gd name="G3" fmla="*/ G0 2929 10000"/>
+                <a:gd name="G4" fmla="+- 21600 0 G3"/>
+                <a:gd name="G5" fmla="+- 21600 0 G3"/>
+                <a:gd name="T0" fmla="*/ 10800 w 21600"/>
+                <a:gd name="T1" fmla="*/ 0 h 21600"/>
+                <a:gd name="T2" fmla="*/ 3163 w 21600"/>
+                <a:gd name="T3" fmla="*/ 3163 h 21600"/>
+                <a:gd name="T4" fmla="*/ 0 w 21600"/>
+                <a:gd name="T5" fmla="*/ 10800 h 21600"/>
+                <a:gd name="T6" fmla="*/ 3163 w 21600"/>
+                <a:gd name="T7" fmla="*/ 18437 h 21600"/>
+                <a:gd name="T8" fmla="*/ 10800 w 21600"/>
+                <a:gd name="T9" fmla="*/ 21600 h 21600"/>
+                <a:gd name="T10" fmla="*/ 18437 w 21600"/>
+                <a:gd name="T11" fmla="*/ 18437 h 21600"/>
+                <a:gd name="T12" fmla="*/ 21600 w 21600"/>
+                <a:gd name="T13" fmla="*/ 10800 h 21600"/>
+                <a:gd name="T14" fmla="*/ 18437 w 21600"/>
+                <a:gd name="T15" fmla="*/ 3163 h 21600"/>
+                <a:gd name="T16" fmla="*/ 3163 w 21600"/>
+                <a:gd name="T17" fmla="*/ 3163 h 21600"/>
+                <a:gd name="T18" fmla="*/ 18437 w 21600"/>
+                <a:gd name="T19" fmla="*/ 18437 h 21600"/>
+              </a:gdLst>
+              <a:ahLst/>
+              <a:cxnLst>
+                <a:cxn ang="0">
+                  <a:pos x="T0" y="T1"/>
+                </a:cxn>
+                <a:cxn ang="0">
+                  <a:pos x="T2" y="T3"/>
+                </a:cxn>
+                <a:cxn ang="0">
+                  <a:pos x="T4" y="T5"/>
+                </a:cxn>
+                <a:cxn ang="0">
+                  <a:pos x="T6" y="T7"/>
+                </a:cxn>
+                <a:cxn ang="0">
+                  <a:pos x="T8" y="T9"/>
+                </a:cxn>
+                <a:cxn ang="0">
+                  <a:pos x="T10" y="T11"/>
+                </a:cxn>
+                <a:cxn ang="0">
+                  <a:pos x="T12" y="T13"/>
+                </a:cxn>
+                <a:cxn ang="0">
+                  <a:pos x="T14" y="T15"/>
+                </a:cxn>
+              </a:cxnLst>
+              <a:rect l="T16" t="T17" r="T18" b="T19"/>
+              <a:pathLst>
+                <a:path w="21600" h="21600">
+                  <a:moveTo>
+                    <a:pt x="0" y="10800"/>
+                  </a:moveTo>
+                  <a:cubicBezTo>
+                    <a:pt x="0" y="4835"/>
+                    <a:pt x="4835" y="0"/>
+                    <a:pt x="10800" y="0"/>
+                  </a:cubicBezTo>
+                  <a:cubicBezTo>
+                    <a:pt x="16765" y="0"/>
+                    <a:pt x="21600" y="4835"/>
+                    <a:pt x="21600" y="10800"/>
+                  </a:cubicBezTo>
+                  <a:cubicBezTo>
+                    <a:pt x="21600" y="16765"/>
+                    <a:pt x="16765" y="21600"/>
+                    <a:pt x="10800" y="21600"/>
+                  </a:cubicBezTo>
+                  <a:cubicBezTo>
+                    <a:pt x="4835" y="21600"/>
+                    <a:pt x="0" y="16765"/>
+                    <a:pt x="0" y="10800"/>
+                  </a:cubicBezTo>
+                  <a:close/>
+                  <a:moveTo>
+                    <a:pt x="2121" y="10800"/>
+                  </a:moveTo>
+                  <a:cubicBezTo>
+                    <a:pt x="2121" y="15593"/>
+                    <a:pt x="6007" y="19479"/>
+                    <a:pt x="10800" y="19479"/>
+                  </a:cubicBezTo>
+                  <a:cubicBezTo>
+                    <a:pt x="15593" y="19479"/>
+                    <a:pt x="19479" y="15593"/>
+                    <a:pt x="19479" y="10800"/>
+                  </a:cubicBezTo>
+                  <a:cubicBezTo>
+                    <a:pt x="19479" y="6007"/>
+                    <a:pt x="15593" y="2121"/>
+                    <a:pt x="10800" y="2121"/>
+                  </a:cubicBezTo>
+                  <a:cubicBezTo>
+                    <a:pt x="6007" y="2121"/>
+                    <a:pt x="2121" y="6007"/>
+                    <a:pt x="2121" y="10800"/>
+                  </a:cubicBezTo>
+                  <a:close/>
+                </a:path>
+              </a:pathLst>
+            </a:custGeom>
+            <a:grpFill/>
+            <a:ln w="9525" algn="ctr">
+              <a:noFill/>
+              <a:round/>
+              <a:headEnd/>
+              <a:tailEnd/>
+            </a:ln>
+            <a:effectLst/>
+          </p:spPr>
+          <p:txBody>
+            <a:bodyPr wrap="none" anchor="ctr"/>
+            <a:lstStyle/>
+            <a:p>
+              <a:endParaRPr lang="en-US"/>
+            </a:p>
+          </p:txBody>
+        </p:sp>
+      </p:grpSp>
+      <p:sp>
+        <p:nvSpPr>
+          <p:cNvPr id="18" name="Title 17"/>
+          <p:cNvSpPr>
+            <a:spLocks noGrp="1"/>
+          </p:cNvSpPr>
+          <p:nvPr>
+            <p:ph type="title"/>
+          </p:nvPr>
+        </p:nvSpPr>
+        <p:spPr>
+          <a:xfrm>
+            <a:off x="1069848" y="146304"/>
+            <a:ext cx="6931152" cy="996696"/>
+          </a:xfrm>
+        </p:spPr>
+        <p:txBody>
+          <a:bodyPr/>
+          <a:lstStyle/>
+          <a:p>
+            <a:r>
+              <a:rPr lang="ko-KR" altLang="en-US"/>
+              <a:t>마스터 제목 스타일 편집</a:t>
+            </a:r>
+            <a:endParaRPr lang="en-US"/>
+          </a:p>
+        </p:txBody>
+      </p:sp>
     </p:spTree>
     <p:extLst>
       <p:ext uri="{BB962C8B-B14F-4D97-AF65-F5344CB8AC3E}">
-        <p14:creationId xmlns:p14="http://schemas.microsoft.com/office/powerpoint/2010/main" val="2369157972"/>
+        <p14:creationId xmlns:p14="http://schemas.microsoft.com/office/powerpoint/2010/main" val="2094869225"/>
       </p:ext>
     </p:extLst>
   </p:cSld>
@@ -2476,7 +6710,7 @@
       </p:grpSpPr>
       <p:sp>
         <p:nvSpPr>
-          <p:cNvPr id="2" name="제목 1"/>
+          <p:cNvPr id="2" name="Title 1"/>
           <p:cNvSpPr>
             <a:spLocks noGrp="1"/>
           </p:cNvSpPr>
@@ -2493,12 +6727,13 @@
               <a:rPr lang="ko-KR" altLang="en-US"/>
               <a:t>마스터 제목 스타일 편집</a:t>
             </a:r>
+            <a:endParaRPr lang="en-US"/>
           </a:p>
         </p:txBody>
       </p:sp>
       <p:sp>
         <p:nvSpPr>
-          <p:cNvPr id="3" name="날짜 개체 틀 2"/>
+          <p:cNvPr id="3" name="Date Placeholder 2"/>
           <p:cNvSpPr>
             <a:spLocks noGrp="1"/>
           </p:cNvSpPr>
@@ -2513,7 +6748,7 @@
           <a:p>
             <a:fld id="{BFC526FF-E8A1-4438-BA3C-A0CD2B0032CF}" type="datetime1">
               <a:rPr lang="ko-KR" altLang="en-US" smtClean="0"/>
-              <a:t>2017-11-18</a:t>
+              <a:t>2017-11-19</a:t>
             </a:fld>
             <a:endParaRPr lang="ko-KR" altLang="en-US"/>
           </a:p>
@@ -2521,7 +6756,7 @@
       </p:sp>
       <p:sp>
         <p:nvSpPr>
-          <p:cNvPr id="4" name="바닥글 개체 틀 3"/>
+          <p:cNvPr id="4" name="Footer Placeholder 3"/>
           <p:cNvSpPr>
             <a:spLocks noGrp="1"/>
           </p:cNvSpPr>
@@ -2540,7 +6775,7 @@
       </p:sp>
       <p:sp>
         <p:nvSpPr>
-          <p:cNvPr id="5" name="슬라이드 번호 개체 틀 4"/>
+          <p:cNvPr id="5" name="Slide Number Placeholder 4"/>
           <p:cNvSpPr>
             <a:spLocks noGrp="1"/>
           </p:cNvSpPr>
@@ -2564,7 +6799,7 @@
     </p:spTree>
     <p:extLst>
       <p:ext uri="{BB962C8B-B14F-4D97-AF65-F5344CB8AC3E}">
-        <p14:creationId xmlns:p14="http://schemas.microsoft.com/office/powerpoint/2010/main" val="1205221588"/>
+        <p14:creationId xmlns:p14="http://schemas.microsoft.com/office/powerpoint/2010/main" val="1713877553"/>
       </p:ext>
     </p:extLst>
   </p:cSld>
@@ -2593,7 +6828,7 @@
       </p:grpSpPr>
       <p:sp>
         <p:nvSpPr>
-          <p:cNvPr id="2" name="날짜 개체 틀 1"/>
+          <p:cNvPr id="2" name="Date Placeholder 1"/>
           <p:cNvSpPr>
             <a:spLocks noGrp="1"/>
           </p:cNvSpPr>
@@ -2608,7 +6843,7 @@
           <a:p>
             <a:fld id="{06AD4A8C-FC3A-4348-A534-CABC37D89D68}" type="datetime1">
               <a:rPr lang="ko-KR" altLang="en-US" smtClean="0"/>
-              <a:t>2017-11-18</a:t>
+              <a:t>2017-11-19</a:t>
             </a:fld>
             <a:endParaRPr lang="ko-KR" altLang="en-US"/>
           </a:p>
@@ -2616,7 +6851,7 @@
       </p:sp>
       <p:sp>
         <p:nvSpPr>
-          <p:cNvPr id="3" name="바닥글 개체 틀 2"/>
+          <p:cNvPr id="3" name="Footer Placeholder 2"/>
           <p:cNvSpPr>
             <a:spLocks noGrp="1"/>
           </p:cNvSpPr>
@@ -2635,7 +6870,7 @@
       </p:sp>
       <p:sp>
         <p:nvSpPr>
-          <p:cNvPr id="4" name="슬라이드 번호 개체 틀 3"/>
+          <p:cNvPr id="4" name="Slide Number Placeholder 3"/>
           <p:cNvSpPr>
             <a:spLocks noGrp="1"/>
           </p:cNvSpPr>
@@ -2659,7 +6894,7 @@
     </p:spTree>
     <p:extLst>
       <p:ext uri="{BB962C8B-B14F-4D97-AF65-F5344CB8AC3E}">
-        <p14:creationId xmlns:p14="http://schemas.microsoft.com/office/powerpoint/2010/main" val="1357432890"/>
+        <p14:creationId xmlns:p14="http://schemas.microsoft.com/office/powerpoint/2010/main" val="780078703"/>
       </p:ext>
     </p:extLst>
   </p:cSld>
@@ -2688,7 +6923,7 @@
       </p:grpSpPr>
       <p:sp>
         <p:nvSpPr>
-          <p:cNvPr id="2" name="제목 1"/>
+          <p:cNvPr id="2" name="Title 1"/>
           <p:cNvSpPr>
             <a:spLocks noGrp="1"/>
           </p:cNvSpPr>
@@ -2698,8 +6933,8 @@
         </p:nvSpPr>
         <p:spPr>
           <a:xfrm>
-            <a:off x="457200" y="273050"/>
-            <a:ext cx="3008313" cy="1162050"/>
+            <a:off x="283464" y="356616"/>
+            <a:ext cx="8147304" cy="713232"/>
           </a:xfrm>
         </p:spPr>
         <p:txBody>
@@ -2714,12 +6949,13 @@
               <a:rPr lang="ko-KR" altLang="en-US"/>
               <a:t>마스터 제목 스타일 편집</a:t>
             </a:r>
+            <a:endParaRPr lang="en-US"/>
           </a:p>
         </p:txBody>
       </p:sp>
       <p:sp>
         <p:nvSpPr>
-          <p:cNvPr id="3" name="내용 개체 틀 2"/>
+          <p:cNvPr id="3" name="Content Placeholder 2"/>
           <p:cNvSpPr>
             <a:spLocks noGrp="1"/>
           </p:cNvSpPr>
@@ -2729,8 +6965,8 @@
         </p:nvSpPr>
         <p:spPr>
           <a:xfrm>
-            <a:off x="3575050" y="273050"/>
-            <a:ext cx="5111750" cy="5853113"/>
+            <a:off x="3401568" y="1216152"/>
+            <a:ext cx="5029200" cy="5074920"/>
           </a:xfrm>
         </p:spPr>
         <p:txBody>
@@ -2768,7 +7004,7 @@
             <a:pPr lvl="0"/>
             <a:r>
               <a:rPr lang="ko-KR" altLang="en-US"/>
-              <a:t>마스터 텍스트 스타일을 편집합니다</a:t>
+              <a:t>마스터 텍스트 스타일 편집</a:t>
             </a:r>
           </a:p>
           <a:p>
@@ -2798,12 +7034,13 @@
               <a:rPr lang="ko-KR" altLang="en-US"/>
               <a:t>다섯째 수준</a:t>
             </a:r>
+            <a:endParaRPr lang="en-US"/>
           </a:p>
         </p:txBody>
       </p:sp>
       <p:sp>
         <p:nvSpPr>
-          <p:cNvPr id="4" name="텍스트 개체 틀 3"/>
+          <p:cNvPr id="4" name="Text Placeholder 3"/>
           <p:cNvSpPr>
             <a:spLocks noGrp="1"/>
           </p:cNvSpPr>
@@ -2813,8 +7050,8 @@
         </p:nvSpPr>
         <p:spPr>
           <a:xfrm>
-            <a:off x="457200" y="1435100"/>
-            <a:ext cx="3008313" cy="4691063"/>
+            <a:off x="283464" y="1216152"/>
+            <a:ext cx="3008313" cy="5074920"/>
           </a:xfrm>
         </p:spPr>
         <p:txBody>
@@ -2861,14 +7098,14 @@
             <a:pPr lvl="0"/>
             <a:r>
               <a:rPr lang="ko-KR" altLang="en-US"/>
-              <a:t>마스터 텍스트 스타일을 편집합니다</a:t>
+              <a:t>마스터 텍스트 스타일 편집</a:t>
             </a:r>
           </a:p>
         </p:txBody>
       </p:sp>
       <p:sp>
         <p:nvSpPr>
-          <p:cNvPr id="5" name="날짜 개체 틀 4"/>
+          <p:cNvPr id="5" name="Date Placeholder 4"/>
           <p:cNvSpPr>
             <a:spLocks noGrp="1"/>
           </p:cNvSpPr>
@@ -2883,7 +7120,7 @@
           <a:p>
             <a:fld id="{C6FE3D4F-439A-4CD0-BF8B-7567093C85E2}" type="datetime1">
               <a:rPr lang="ko-KR" altLang="en-US" smtClean="0"/>
-              <a:t>2017-11-18</a:t>
+              <a:t>2017-11-19</a:t>
             </a:fld>
             <a:endParaRPr lang="ko-KR" altLang="en-US"/>
           </a:p>
@@ -2891,7 +7128,7 @@
       </p:sp>
       <p:sp>
         <p:nvSpPr>
-          <p:cNvPr id="6" name="바닥글 개체 틀 5"/>
+          <p:cNvPr id="6" name="Footer Placeholder 5"/>
           <p:cNvSpPr>
             <a:spLocks noGrp="1"/>
           </p:cNvSpPr>
@@ -2910,7 +7147,7 @@
       </p:sp>
       <p:sp>
         <p:nvSpPr>
-          <p:cNvPr id="7" name="슬라이드 번호 개체 틀 6"/>
+          <p:cNvPr id="7" name="Slide Number Placeholder 6"/>
           <p:cNvSpPr>
             <a:spLocks noGrp="1"/>
           </p:cNvSpPr>
@@ -2931,10 +7168,432 @@
           </a:p>
         </p:txBody>
       </p:sp>
+      <p:sp>
+        <p:nvSpPr>
+          <p:cNvPr id="8" name="Rectangle 7"/>
+          <p:cNvSpPr/>
+          <p:nvPr/>
+        </p:nvSpPr>
+        <p:spPr bwMode="gray">
+          <a:xfrm>
+            <a:off x="8604504" y="0"/>
+            <a:ext cx="539496" cy="6858000"/>
+          </a:xfrm>
+          <a:prstGeom prst="rect">
+            <a:avLst/>
+          </a:prstGeom>
+          <a:solidFill>
+            <a:schemeClr val="bg2">
+              <a:lumMod val="75000"/>
+            </a:schemeClr>
+          </a:solidFill>
+          <a:ln>
+            <a:noFill/>
+          </a:ln>
+        </p:spPr>
+        <p:style>
+          <a:lnRef idx="2">
+            <a:schemeClr val="accent1">
+              <a:shade val="50000"/>
+            </a:schemeClr>
+          </a:lnRef>
+          <a:fillRef idx="1">
+            <a:schemeClr val="accent1"/>
+          </a:fillRef>
+          <a:effectRef idx="0">
+            <a:schemeClr val="accent1"/>
+          </a:effectRef>
+          <a:fontRef idx="minor">
+            <a:schemeClr val="lt1"/>
+          </a:fontRef>
+        </p:style>
+        <p:txBody>
+          <a:bodyPr rtlCol="0" anchor="ctr"/>
+          <a:lstStyle/>
+          <a:p>
+            <a:pPr algn="ctr"/>
+            <a:endParaRPr lang="en-US"/>
+          </a:p>
+        </p:txBody>
+      </p:sp>
+      <p:sp>
+        <p:nvSpPr>
+          <p:cNvPr id="9" name="Rectangle 8"/>
+          <p:cNvSpPr/>
+          <p:nvPr/>
+        </p:nvSpPr>
+        <p:spPr bwMode="gray">
+          <a:xfrm>
+            <a:off x="8595360" y="0"/>
+            <a:ext cx="393192" cy="6858000"/>
+          </a:xfrm>
+          <a:prstGeom prst="rect">
+            <a:avLst/>
+          </a:prstGeom>
+          <a:solidFill>
+            <a:schemeClr val="bg2">
+              <a:lumMod val="90000"/>
+            </a:schemeClr>
+          </a:solidFill>
+          <a:ln>
+            <a:noFill/>
+          </a:ln>
+        </p:spPr>
+        <p:style>
+          <a:lnRef idx="2">
+            <a:schemeClr val="accent1">
+              <a:shade val="50000"/>
+            </a:schemeClr>
+          </a:lnRef>
+          <a:fillRef idx="1">
+            <a:schemeClr val="accent1"/>
+          </a:fillRef>
+          <a:effectRef idx="0">
+            <a:schemeClr val="accent1"/>
+          </a:effectRef>
+          <a:fontRef idx="minor">
+            <a:schemeClr val="lt1"/>
+          </a:fontRef>
+        </p:style>
+        <p:txBody>
+          <a:bodyPr rtlCol="0" anchor="ctr"/>
+          <a:lstStyle/>
+          <a:p>
+            <a:pPr algn="ctr"/>
+            <a:endParaRPr lang="en-US"/>
+          </a:p>
+        </p:txBody>
+      </p:sp>
+      <p:grpSp>
+        <p:nvGrpSpPr>
+          <p:cNvPr id="10" name="Group 9"/>
+          <p:cNvGrpSpPr/>
+          <p:nvPr/>
+        </p:nvGrpSpPr>
+        <p:grpSpPr bwMode="gray">
+          <a:xfrm>
+            <a:off x="8019288" y="246888"/>
+            <a:ext cx="1069848" cy="490035"/>
+            <a:chOff x="8019288" y="246888"/>
+            <a:chExt cx="1069848" cy="490035"/>
+          </a:xfrm>
+        </p:grpSpPr>
+        <p:sp>
+          <p:nvSpPr>
+            <p:cNvPr id="11" name="Freeform 10"/>
+            <p:cNvSpPr/>
+            <p:nvPr userDrawn="1"/>
+          </p:nvSpPr>
+          <p:spPr bwMode="gray">
+            <a:xfrm rot="4680000">
+              <a:off x="8513063" y="174567"/>
+              <a:ext cx="137160" cy="987552"/>
+            </a:xfrm>
+            <a:custGeom>
+              <a:avLst/>
+              <a:gdLst>
+                <a:gd name="connsiteX0" fmla="*/ 0 w 210312"/>
+                <a:gd name="connsiteY0" fmla="*/ 0 h 4233101"/>
+                <a:gd name="connsiteX1" fmla="*/ 210312 w 210312"/>
+                <a:gd name="connsiteY1" fmla="*/ 0 h 4233101"/>
+                <a:gd name="connsiteX2" fmla="*/ 210312 w 210312"/>
+                <a:gd name="connsiteY2" fmla="*/ 4233101 h 4233101"/>
+                <a:gd name="connsiteX3" fmla="*/ 0 w 210312"/>
+                <a:gd name="connsiteY3" fmla="*/ 4233101 h 4233101"/>
+                <a:gd name="connsiteX4" fmla="*/ 0 w 210312"/>
+                <a:gd name="connsiteY4" fmla="*/ 0 h 4233101"/>
+                <a:gd name="connsiteX0" fmla="*/ 0 w 210312"/>
+                <a:gd name="connsiteY0" fmla="*/ 0 h 4233101"/>
+                <a:gd name="connsiteX1" fmla="*/ 210312 w 210312"/>
+                <a:gd name="connsiteY1" fmla="*/ 0 h 4233101"/>
+                <a:gd name="connsiteX2" fmla="*/ 0 w 210312"/>
+                <a:gd name="connsiteY2" fmla="*/ 4233101 h 4233101"/>
+                <a:gd name="connsiteX3" fmla="*/ 0 w 210312"/>
+                <a:gd name="connsiteY3" fmla="*/ 0 h 4233101"/>
+                <a:gd name="connsiteX0" fmla="*/ 0 w 91050"/>
+                <a:gd name="connsiteY0" fmla="*/ 27578 h 4260679"/>
+                <a:gd name="connsiteX1" fmla="*/ 91050 w 91050"/>
+                <a:gd name="connsiteY1" fmla="*/ 0 h 4260679"/>
+                <a:gd name="connsiteX2" fmla="*/ 0 w 91050"/>
+                <a:gd name="connsiteY2" fmla="*/ 4260679 h 4260679"/>
+                <a:gd name="connsiteX3" fmla="*/ 0 w 91050"/>
+                <a:gd name="connsiteY3" fmla="*/ 27578 h 4260679"/>
+                <a:gd name="connsiteX0" fmla="*/ 0 w 91050"/>
+                <a:gd name="connsiteY0" fmla="*/ 27578 h 4260679"/>
+                <a:gd name="connsiteX1" fmla="*/ 91050 w 91050"/>
+                <a:gd name="connsiteY1" fmla="*/ 0 h 4260679"/>
+                <a:gd name="connsiteX2" fmla="*/ 0 w 91050"/>
+                <a:gd name="connsiteY2" fmla="*/ 4260679 h 4260679"/>
+                <a:gd name="connsiteX3" fmla="*/ 0 w 91050"/>
+                <a:gd name="connsiteY3" fmla="*/ 27578 h 4260679"/>
+                <a:gd name="connsiteX0" fmla="*/ 6703 w 97753"/>
+                <a:gd name="connsiteY0" fmla="*/ 27578 h 4260679"/>
+                <a:gd name="connsiteX1" fmla="*/ 97753 w 97753"/>
+                <a:gd name="connsiteY1" fmla="*/ 0 h 4260679"/>
+                <a:gd name="connsiteX2" fmla="*/ 6703 w 97753"/>
+                <a:gd name="connsiteY2" fmla="*/ 4260679 h 4260679"/>
+                <a:gd name="connsiteX3" fmla="*/ 6703 w 97753"/>
+                <a:gd name="connsiteY3" fmla="*/ 27578 h 4260679"/>
+                <a:gd name="connsiteX0" fmla="*/ 6703 w 97753"/>
+                <a:gd name="connsiteY0" fmla="*/ 27578 h 4260679"/>
+                <a:gd name="connsiteX1" fmla="*/ 97753 w 97753"/>
+                <a:gd name="connsiteY1" fmla="*/ 0 h 4260679"/>
+                <a:gd name="connsiteX2" fmla="*/ 6703 w 97753"/>
+                <a:gd name="connsiteY2" fmla="*/ 4260679 h 4260679"/>
+                <a:gd name="connsiteX3" fmla="*/ 6703 w 97753"/>
+                <a:gd name="connsiteY3" fmla="*/ 27578 h 4260679"/>
+                <a:gd name="connsiteX0" fmla="*/ 6703 w 97753"/>
+                <a:gd name="connsiteY0" fmla="*/ 27578 h 4260679"/>
+                <a:gd name="connsiteX1" fmla="*/ 97753 w 97753"/>
+                <a:gd name="connsiteY1" fmla="*/ 0 h 4260679"/>
+                <a:gd name="connsiteX2" fmla="*/ 6703 w 97753"/>
+                <a:gd name="connsiteY2" fmla="*/ 4260679 h 4260679"/>
+                <a:gd name="connsiteX3" fmla="*/ 6703 w 97753"/>
+                <a:gd name="connsiteY3" fmla="*/ 27578 h 4260679"/>
+                <a:gd name="connsiteX0" fmla="*/ 25745 w 97753"/>
+                <a:gd name="connsiteY0" fmla="*/ 1 h 4233102"/>
+                <a:gd name="connsiteX1" fmla="*/ 97753 w 97753"/>
+                <a:gd name="connsiteY1" fmla="*/ 61420 h 4233102"/>
+                <a:gd name="connsiteX2" fmla="*/ 25745 w 97753"/>
+                <a:gd name="connsiteY2" fmla="*/ 4233102 h 4233102"/>
+                <a:gd name="connsiteX3" fmla="*/ 25745 w 97753"/>
+                <a:gd name="connsiteY3" fmla="*/ 1 h 4233102"/>
+                <a:gd name="connsiteX0" fmla="*/ 24478 w 97753"/>
+                <a:gd name="connsiteY0" fmla="*/ 8201 h 4241302"/>
+                <a:gd name="connsiteX1" fmla="*/ 97753 w 97753"/>
+                <a:gd name="connsiteY1" fmla="*/ 0 h 4241302"/>
+                <a:gd name="connsiteX2" fmla="*/ 24478 w 97753"/>
+                <a:gd name="connsiteY2" fmla="*/ 4241302 h 4241302"/>
+                <a:gd name="connsiteX3" fmla="*/ 24478 w 97753"/>
+                <a:gd name="connsiteY3" fmla="*/ 8201 h 4241302"/>
+                <a:gd name="connsiteX0" fmla="*/ 24478 w 97753"/>
+                <a:gd name="connsiteY0" fmla="*/ 8201 h 4241302"/>
+                <a:gd name="connsiteX1" fmla="*/ 97753 w 97753"/>
+                <a:gd name="connsiteY1" fmla="*/ 0 h 4241302"/>
+                <a:gd name="connsiteX2" fmla="*/ 24478 w 97753"/>
+                <a:gd name="connsiteY2" fmla="*/ 4241302 h 4241302"/>
+                <a:gd name="connsiteX3" fmla="*/ 24478 w 97753"/>
+                <a:gd name="connsiteY3" fmla="*/ 8201 h 4241302"/>
+                <a:gd name="connsiteX0" fmla="*/ 14176 w 87451"/>
+                <a:gd name="connsiteY0" fmla="*/ 8201 h 4241302"/>
+                <a:gd name="connsiteX1" fmla="*/ 87451 w 87451"/>
+                <a:gd name="connsiteY1" fmla="*/ 0 h 4241302"/>
+                <a:gd name="connsiteX2" fmla="*/ 14176 w 87451"/>
+                <a:gd name="connsiteY2" fmla="*/ 4241302 h 4241302"/>
+                <a:gd name="connsiteX3" fmla="*/ 14176 w 87451"/>
+                <a:gd name="connsiteY3" fmla="*/ 8201 h 4241302"/>
+                <a:gd name="connsiteX0" fmla="*/ 14176 w 87451"/>
+                <a:gd name="connsiteY0" fmla="*/ 8201 h 4001504"/>
+                <a:gd name="connsiteX1" fmla="*/ 87451 w 87451"/>
+                <a:gd name="connsiteY1" fmla="*/ 0 h 4001504"/>
+                <a:gd name="connsiteX2" fmla="*/ 18941 w 87451"/>
+                <a:gd name="connsiteY2" fmla="*/ 4001504 h 4001504"/>
+                <a:gd name="connsiteX3" fmla="*/ 14176 w 87451"/>
+                <a:gd name="connsiteY3" fmla="*/ 8201 h 4001504"/>
+                <a:gd name="connsiteX0" fmla="*/ 14176 w 87451"/>
+                <a:gd name="connsiteY0" fmla="*/ 8201 h 3875955"/>
+                <a:gd name="connsiteX1" fmla="*/ 87451 w 87451"/>
+                <a:gd name="connsiteY1" fmla="*/ 0 h 3875955"/>
+                <a:gd name="connsiteX2" fmla="*/ 7278 w 87451"/>
+                <a:gd name="connsiteY2" fmla="*/ 3875955 h 3875955"/>
+                <a:gd name="connsiteX3" fmla="*/ 14176 w 87451"/>
+                <a:gd name="connsiteY3" fmla="*/ 8201 h 3875955"/>
+                <a:gd name="connsiteX0" fmla="*/ 14176 w 87451"/>
+                <a:gd name="connsiteY0" fmla="*/ 8201 h 3961135"/>
+                <a:gd name="connsiteX1" fmla="*/ 87451 w 87451"/>
+                <a:gd name="connsiteY1" fmla="*/ 0 h 3961135"/>
+                <a:gd name="connsiteX2" fmla="*/ 16239 w 87451"/>
+                <a:gd name="connsiteY2" fmla="*/ 3961135 h 3961135"/>
+                <a:gd name="connsiteX3" fmla="*/ 14176 w 87451"/>
+                <a:gd name="connsiteY3" fmla="*/ 8201 h 3961135"/>
+              </a:gdLst>
+              <a:ahLst/>
+              <a:cxnLst>
+                <a:cxn ang="0">
+                  <a:pos x="connsiteX0" y="connsiteY0"/>
+                </a:cxn>
+                <a:cxn ang="0">
+                  <a:pos x="connsiteX1" y="connsiteY1"/>
+                </a:cxn>
+                <a:cxn ang="0">
+                  <a:pos x="connsiteX2" y="connsiteY2"/>
+                </a:cxn>
+                <a:cxn ang="0">
+                  <a:pos x="connsiteX3" y="connsiteY3"/>
+                </a:cxn>
+              </a:cxnLst>
+              <a:rect l="l" t="t" r="r" b="b"/>
+              <a:pathLst>
+                <a:path w="87451" h="3961135">
+                  <a:moveTo>
+                    <a:pt x="14176" y="8201"/>
+                  </a:moveTo>
+                  <a:lnTo>
+                    <a:pt x="87451" y="0"/>
+                  </a:lnTo>
+                  <a:cubicBezTo>
+                    <a:pt x="0" y="2301293"/>
+                    <a:pt x="31791" y="2848354"/>
+                    <a:pt x="16239" y="3961135"/>
+                  </a:cubicBezTo>
+                  <a:cubicBezTo>
+                    <a:pt x="14651" y="2630034"/>
+                    <a:pt x="15764" y="1339302"/>
+                    <a:pt x="14176" y="8201"/>
+                  </a:cubicBezTo>
+                  <a:close/>
+                </a:path>
+              </a:pathLst>
+            </a:custGeom>
+            <a:gradFill flip="none" rotWithShape="1">
+              <a:gsLst>
+                <a:gs pos="0">
+                  <a:schemeClr val="bg1">
+                    <a:lumMod val="50000"/>
+                  </a:schemeClr>
+                </a:gs>
+                <a:gs pos="100000">
+                  <a:schemeClr val="bg1">
+                    <a:lumMod val="50000"/>
+                    <a:alpha val="56000"/>
+                  </a:schemeClr>
+                </a:gs>
+              </a:gsLst>
+              <a:path path="circle">
+                <a:fillToRect l="100000" t="100000"/>
+              </a:path>
+              <a:tileRect r="-100000" b="-100000"/>
+            </a:gradFill>
+            <a:ln>
+              <a:noFill/>
+            </a:ln>
+          </p:spPr>
+          <p:style>
+            <a:lnRef idx="2">
+              <a:schemeClr val="accent1">
+                <a:shade val="50000"/>
+              </a:schemeClr>
+            </a:lnRef>
+            <a:fillRef idx="1">
+              <a:schemeClr val="accent1"/>
+            </a:fillRef>
+            <a:effectRef idx="0">
+              <a:schemeClr val="accent1"/>
+            </a:effectRef>
+            <a:fontRef idx="minor">
+              <a:schemeClr val="lt1"/>
+            </a:fontRef>
+          </p:style>
+          <p:txBody>
+            <a:bodyPr rtlCol="0" anchor="ctr"/>
+            <a:lstStyle/>
+            <a:p>
+              <a:pPr algn="ctr"/>
+              <a:endParaRPr lang="en-US"/>
+            </a:p>
+          </p:txBody>
+        </p:sp>
+        <p:sp>
+          <p:nvSpPr>
+            <p:cNvPr id="12" name="Rectangle 11"/>
+            <p:cNvSpPr/>
+            <p:nvPr userDrawn="1"/>
+          </p:nvSpPr>
+          <p:spPr bwMode="gray">
+            <a:xfrm rot="4680000">
+              <a:off x="8750808" y="210312"/>
+              <a:ext cx="301752" cy="374904"/>
+            </a:xfrm>
+            <a:prstGeom prst="rect">
+              <a:avLst/>
+            </a:prstGeom>
+            <a:solidFill>
+              <a:schemeClr val="accent1">
+                <a:alpha val="90000"/>
+              </a:schemeClr>
+            </a:solidFill>
+            <a:ln>
+              <a:noFill/>
+            </a:ln>
+          </p:spPr>
+          <p:style>
+            <a:lnRef idx="2">
+              <a:schemeClr val="accent1">
+                <a:shade val="50000"/>
+              </a:schemeClr>
+            </a:lnRef>
+            <a:fillRef idx="1">
+              <a:schemeClr val="accent1"/>
+            </a:fillRef>
+            <a:effectRef idx="0">
+              <a:schemeClr val="accent1"/>
+            </a:effectRef>
+            <a:fontRef idx="minor">
+              <a:schemeClr val="lt1"/>
+            </a:fontRef>
+          </p:style>
+          <p:txBody>
+            <a:bodyPr rtlCol="0" anchor="ctr"/>
+            <a:lstStyle/>
+            <a:p>
+              <a:pPr algn="ctr"/>
+              <a:endParaRPr lang="en-US"/>
+            </a:p>
+          </p:txBody>
+        </p:sp>
+        <p:sp>
+          <p:nvSpPr>
+            <p:cNvPr id="13" name="Rectangle 12"/>
+            <p:cNvSpPr/>
+            <p:nvPr userDrawn="1"/>
+          </p:nvSpPr>
+          <p:spPr bwMode="gray">
+            <a:xfrm rot="4680000">
+              <a:off x="8220456" y="155448"/>
+              <a:ext cx="301752" cy="704088"/>
+            </a:xfrm>
+            <a:prstGeom prst="rect">
+              <a:avLst/>
+            </a:prstGeom>
+            <a:solidFill>
+              <a:srgbClr val="FFFFFF">
+                <a:alpha val="50196"/>
+              </a:srgbClr>
+            </a:solidFill>
+            <a:ln>
+              <a:noFill/>
+            </a:ln>
+          </p:spPr>
+          <p:style>
+            <a:lnRef idx="2">
+              <a:schemeClr val="accent1">
+                <a:shade val="50000"/>
+              </a:schemeClr>
+            </a:lnRef>
+            <a:fillRef idx="1">
+              <a:schemeClr val="accent1"/>
+            </a:fillRef>
+            <a:effectRef idx="0">
+              <a:schemeClr val="accent1"/>
+            </a:effectRef>
+            <a:fontRef idx="minor">
+              <a:schemeClr val="lt1"/>
+            </a:fontRef>
+          </p:style>
+          <p:txBody>
+            <a:bodyPr rtlCol="0" anchor="ctr"/>
+            <a:lstStyle/>
+            <a:p>
+              <a:pPr algn="ctr"/>
+              <a:endParaRPr lang="en-US"/>
+            </a:p>
+          </p:txBody>
+        </p:sp>
+      </p:grpSp>
     </p:spTree>
     <p:extLst>
       <p:ext uri="{BB962C8B-B14F-4D97-AF65-F5344CB8AC3E}">
-        <p14:creationId xmlns:p14="http://schemas.microsoft.com/office/powerpoint/2010/main" val="295103680"/>
+        <p14:creationId xmlns:p14="http://schemas.microsoft.com/office/powerpoint/2010/main" val="2788717578"/>
       </p:ext>
     </p:extLst>
   </p:cSld>
@@ -2963,7 +7622,103 @@
       </p:grpSpPr>
       <p:sp>
         <p:nvSpPr>
-          <p:cNvPr id="2" name="제목 1"/>
+          <p:cNvPr id="4" name="Text Placeholder 3"/>
+          <p:cNvSpPr>
+            <a:spLocks noGrp="1"/>
+          </p:cNvSpPr>
+          <p:nvPr>
+            <p:ph type="body" sz="half" idx="2" hasCustomPrompt="1"/>
+          </p:nvPr>
+        </p:nvSpPr>
+        <p:spPr>
+          <a:xfrm>
+            <a:off x="1307592" y="1143000"/>
+            <a:ext cx="6163056" cy="5029200"/>
+          </a:xfrm>
+          <a:solidFill>
+            <a:srgbClr val="FFFFFF"/>
+          </a:solidFill>
+          <a:ln w="92075" cap="sq">
+            <a:solidFill>
+              <a:srgbClr val="FFFFFF"/>
+            </a:solidFill>
+            <a:miter lim="800000"/>
+          </a:ln>
+          <a:effectLst>
+            <a:outerShdw blurRad="65000" dist="50800" dir="12900000" kx="195000" ky="145000" algn="tl" rotWithShape="0">
+              <a:srgbClr val="000000">
+                <a:alpha val="30000"/>
+              </a:srgbClr>
+            </a:outerShdw>
+          </a:effectLst>
+          <a:scene3d>
+            <a:camera prst="orthographicFront"/>
+            <a:lightRig rig="twoPt" dir="t">
+              <a:rot lat="0" lon="0" rev="7200000"/>
+            </a:lightRig>
+          </a:scene3d>
+          <a:sp3d contourW="12700">
+            <a:bevelT w="25400" h="19050"/>
+            <a:contourClr>
+              <a:srgbClr val="969696"/>
+            </a:contourClr>
+          </a:sp3d>
+        </p:spPr>
+        <p:txBody>
+          <a:bodyPr anchor="b">
+            <a:normAutofit/>
+          </a:bodyPr>
+          <a:lstStyle>
+            <a:lvl1pPr marL="0" indent="0">
+              <a:buFont typeface="Arial" pitchFamily="34" charset="0"/>
+              <a:buChar char="•"/>
+              <a:defRPr sz="1600"/>
+            </a:lvl1pPr>
+            <a:lvl2pPr marL="457200" indent="0">
+              <a:buNone/>
+              <a:defRPr sz="1200"/>
+            </a:lvl2pPr>
+            <a:lvl3pPr marL="914400" indent="0">
+              <a:buNone/>
+              <a:defRPr sz="1000"/>
+            </a:lvl3pPr>
+            <a:lvl4pPr marL="1371600" indent="0">
+              <a:buNone/>
+              <a:defRPr sz="900"/>
+            </a:lvl4pPr>
+            <a:lvl5pPr marL="1828800" indent="0">
+              <a:buNone/>
+              <a:defRPr sz="900"/>
+            </a:lvl5pPr>
+            <a:lvl6pPr marL="2286000" indent="0">
+              <a:buNone/>
+              <a:defRPr sz="900"/>
+            </a:lvl6pPr>
+            <a:lvl7pPr marL="2743200" indent="0">
+              <a:buNone/>
+              <a:defRPr sz="900"/>
+            </a:lvl7pPr>
+            <a:lvl8pPr marL="3200400" indent="0">
+              <a:buNone/>
+              <a:defRPr sz="900"/>
+            </a:lvl8pPr>
+            <a:lvl9pPr marL="3657600" indent="0">
+              <a:buNone/>
+              <a:defRPr sz="900"/>
+            </a:lvl9pPr>
+          </a:lstStyle>
+          <a:p>
+            <a:pPr lvl="0"/>
+            <a:r>
+              <a:rPr lang="en-US"/>
+              <a:t> Click to edit Master text styles</a:t>
+            </a:r>
+          </a:p>
+        </p:txBody>
+      </p:sp>
+      <p:sp>
+        <p:nvSpPr>
+          <p:cNvPr id="2" name="Title 1"/>
           <p:cNvSpPr>
             <a:spLocks noGrp="1"/>
           </p:cNvSpPr>
@@ -2971,17 +7726,25 @@
             <p:ph type="title"/>
           </p:nvPr>
         </p:nvSpPr>
-        <p:spPr>
+        <p:spPr bwMode="gray">
           <a:xfrm>
-            <a:off x="1792288" y="4800600"/>
-            <a:ext cx="5486400" cy="566738"/>
+            <a:off x="1216152" y="384048"/>
+            <a:ext cx="6300216" cy="566738"/>
           </a:xfrm>
         </p:spPr>
         <p:txBody>
           <a:bodyPr anchor="b"/>
           <a:lstStyle>
             <a:lvl1pPr algn="l">
-              <a:defRPr sz="2000" b="1"/>
+              <a:defRPr sz="2000" b="1">
+                <a:effectLst>
+                  <a:outerShdw blurRad="50800" dist="38100" dir="5400000" algn="t" rotWithShape="0">
+                    <a:prstClr val="black">
+                      <a:alpha val="40000"/>
+                    </a:prstClr>
+                  </a:outerShdw>
+                </a:effectLst>
+              </a:defRPr>
             </a:lvl1pPr>
           </a:lstStyle>
           <a:p>
@@ -2989,12 +7752,13 @@
               <a:rPr lang="ko-KR" altLang="en-US"/>
               <a:t>마스터 제목 스타일 편집</a:t>
             </a:r>
+            <a:endParaRPr lang="en-US"/>
           </a:p>
         </p:txBody>
       </p:sp>
       <p:sp>
         <p:nvSpPr>
-          <p:cNvPr id="3" name="그림 개체 틀 2"/>
+          <p:cNvPr id="3" name="Picture Placeholder 2"/>
           <p:cNvSpPr>
             <a:spLocks noGrp="1"/>
           </p:cNvSpPr>
@@ -3002,11 +7766,14 @@
             <p:ph type="pic" idx="1"/>
           </p:nvPr>
         </p:nvSpPr>
-        <p:spPr>
+        <p:spPr bwMode="gray">
           <a:xfrm>
-            <a:off x="1792288" y="612775"/>
-            <a:ext cx="5486400" cy="4114800"/>
+            <a:off x="1316736" y="1143000"/>
+            <a:ext cx="6108192" cy="3867912"/>
           </a:xfrm>
+          <a:solidFill>
+            <a:srgbClr val="F8F8F8"/>
+          </a:solidFill>
         </p:spPr>
         <p:txBody>
           <a:bodyPr/>
@@ -3053,77 +7820,13 @@
               <a:rPr lang="ko-KR" altLang="en-US"/>
               <a:t>그림을 추가하려면 아이콘을 클릭하십시오</a:t>
             </a:r>
+            <a:endParaRPr lang="en-US"/>
           </a:p>
         </p:txBody>
       </p:sp>
       <p:sp>
         <p:nvSpPr>
-          <p:cNvPr id="4" name="텍스트 개체 틀 3"/>
-          <p:cNvSpPr>
-            <a:spLocks noGrp="1"/>
-          </p:cNvSpPr>
-          <p:nvPr>
-            <p:ph type="body" sz="half" idx="2"/>
-          </p:nvPr>
-        </p:nvSpPr>
-        <p:spPr>
-          <a:xfrm>
-            <a:off x="1792288" y="5367338"/>
-            <a:ext cx="5486400" cy="804862"/>
-          </a:xfrm>
-        </p:spPr>
-        <p:txBody>
-          <a:bodyPr/>
-          <a:lstStyle>
-            <a:lvl1pPr marL="0" indent="0">
-              <a:buNone/>
-              <a:defRPr sz="1400"/>
-            </a:lvl1pPr>
-            <a:lvl2pPr marL="457200" indent="0">
-              <a:buNone/>
-              <a:defRPr sz="1200"/>
-            </a:lvl2pPr>
-            <a:lvl3pPr marL="914400" indent="0">
-              <a:buNone/>
-              <a:defRPr sz="1000"/>
-            </a:lvl3pPr>
-            <a:lvl4pPr marL="1371600" indent="0">
-              <a:buNone/>
-              <a:defRPr sz="900"/>
-            </a:lvl4pPr>
-            <a:lvl5pPr marL="1828800" indent="0">
-              <a:buNone/>
-              <a:defRPr sz="900"/>
-            </a:lvl5pPr>
-            <a:lvl6pPr marL="2286000" indent="0">
-              <a:buNone/>
-              <a:defRPr sz="900"/>
-            </a:lvl6pPr>
-            <a:lvl7pPr marL="2743200" indent="0">
-              <a:buNone/>
-              <a:defRPr sz="900"/>
-            </a:lvl7pPr>
-            <a:lvl8pPr marL="3200400" indent="0">
-              <a:buNone/>
-              <a:defRPr sz="900"/>
-            </a:lvl8pPr>
-            <a:lvl9pPr marL="3657600" indent="0">
-              <a:buNone/>
-              <a:defRPr sz="900"/>
-            </a:lvl9pPr>
-          </a:lstStyle>
-          <a:p>
-            <a:pPr lvl="0"/>
-            <a:r>
-              <a:rPr lang="ko-KR" altLang="en-US"/>
-              <a:t>마스터 텍스트 스타일을 편집합니다</a:t>
-            </a:r>
-          </a:p>
-        </p:txBody>
-      </p:sp>
-      <p:sp>
-        <p:nvSpPr>
-          <p:cNvPr id="5" name="날짜 개체 틀 4"/>
+          <p:cNvPr id="5" name="Date Placeholder 4"/>
           <p:cNvSpPr>
             <a:spLocks noGrp="1"/>
           </p:cNvSpPr>
@@ -3138,7 +7841,7 @@
           <a:p>
             <a:fld id="{E33BD62D-4A1F-44A5-8C92-C26892A52C99}" type="datetime1">
               <a:rPr lang="ko-KR" altLang="en-US" smtClean="0"/>
-              <a:t>2017-11-18</a:t>
+              <a:t>2017-11-19</a:t>
             </a:fld>
             <a:endParaRPr lang="ko-KR" altLang="en-US"/>
           </a:p>
@@ -3146,7 +7849,7 @@
       </p:sp>
       <p:sp>
         <p:nvSpPr>
-          <p:cNvPr id="6" name="바닥글 개체 틀 5"/>
+          <p:cNvPr id="6" name="Footer Placeholder 5"/>
           <p:cNvSpPr>
             <a:spLocks noGrp="1"/>
           </p:cNvSpPr>
@@ -3165,7 +7868,7 @@
       </p:sp>
       <p:sp>
         <p:nvSpPr>
-          <p:cNvPr id="7" name="슬라이드 번호 개체 틀 6"/>
+          <p:cNvPr id="7" name="Slide Number Placeholder 6"/>
           <p:cNvSpPr>
             <a:spLocks noGrp="1"/>
           </p:cNvSpPr>
@@ -3186,10 +7889,432 @@
           </a:p>
         </p:txBody>
       </p:sp>
+      <p:sp>
+        <p:nvSpPr>
+          <p:cNvPr id="9" name="Rectangle 8"/>
+          <p:cNvSpPr/>
+          <p:nvPr/>
+        </p:nvSpPr>
+        <p:spPr bwMode="gray">
+          <a:xfrm>
+            <a:off x="8604504" y="0"/>
+            <a:ext cx="539496" cy="6858000"/>
+          </a:xfrm>
+          <a:prstGeom prst="rect">
+            <a:avLst/>
+          </a:prstGeom>
+          <a:solidFill>
+            <a:schemeClr val="bg2">
+              <a:lumMod val="75000"/>
+            </a:schemeClr>
+          </a:solidFill>
+          <a:ln>
+            <a:noFill/>
+          </a:ln>
+        </p:spPr>
+        <p:style>
+          <a:lnRef idx="2">
+            <a:schemeClr val="accent1">
+              <a:shade val="50000"/>
+            </a:schemeClr>
+          </a:lnRef>
+          <a:fillRef idx="1">
+            <a:schemeClr val="accent1"/>
+          </a:fillRef>
+          <a:effectRef idx="0">
+            <a:schemeClr val="accent1"/>
+          </a:effectRef>
+          <a:fontRef idx="minor">
+            <a:schemeClr val="lt1"/>
+          </a:fontRef>
+        </p:style>
+        <p:txBody>
+          <a:bodyPr rtlCol="0" anchor="ctr"/>
+          <a:lstStyle/>
+          <a:p>
+            <a:pPr algn="ctr"/>
+            <a:endParaRPr lang="en-US"/>
+          </a:p>
+        </p:txBody>
+      </p:sp>
+      <p:sp>
+        <p:nvSpPr>
+          <p:cNvPr id="10" name="Rectangle 9"/>
+          <p:cNvSpPr/>
+          <p:nvPr/>
+        </p:nvSpPr>
+        <p:spPr bwMode="gray">
+          <a:xfrm>
+            <a:off x="8595360" y="0"/>
+            <a:ext cx="393192" cy="6858000"/>
+          </a:xfrm>
+          <a:prstGeom prst="rect">
+            <a:avLst/>
+          </a:prstGeom>
+          <a:solidFill>
+            <a:schemeClr val="bg2">
+              <a:lumMod val="90000"/>
+            </a:schemeClr>
+          </a:solidFill>
+          <a:ln>
+            <a:noFill/>
+          </a:ln>
+        </p:spPr>
+        <p:style>
+          <a:lnRef idx="2">
+            <a:schemeClr val="accent1">
+              <a:shade val="50000"/>
+            </a:schemeClr>
+          </a:lnRef>
+          <a:fillRef idx="1">
+            <a:schemeClr val="accent1"/>
+          </a:fillRef>
+          <a:effectRef idx="0">
+            <a:schemeClr val="accent1"/>
+          </a:effectRef>
+          <a:fontRef idx="minor">
+            <a:schemeClr val="lt1"/>
+          </a:fontRef>
+        </p:style>
+        <p:txBody>
+          <a:bodyPr rtlCol="0" anchor="ctr"/>
+          <a:lstStyle/>
+          <a:p>
+            <a:pPr algn="ctr"/>
+            <a:endParaRPr lang="en-US"/>
+          </a:p>
+        </p:txBody>
+      </p:sp>
+      <p:grpSp>
+        <p:nvGrpSpPr>
+          <p:cNvPr id="8" name="Group 10"/>
+          <p:cNvGrpSpPr/>
+          <p:nvPr/>
+        </p:nvGrpSpPr>
+        <p:grpSpPr bwMode="gray">
+          <a:xfrm>
+            <a:off x="8019288" y="246888"/>
+            <a:ext cx="1069848" cy="490035"/>
+            <a:chOff x="8019288" y="246888"/>
+            <a:chExt cx="1069848" cy="490035"/>
+          </a:xfrm>
+        </p:grpSpPr>
+        <p:sp>
+          <p:nvSpPr>
+            <p:cNvPr id="12" name="Freeform 11"/>
+            <p:cNvSpPr/>
+            <p:nvPr userDrawn="1"/>
+          </p:nvSpPr>
+          <p:spPr bwMode="gray">
+            <a:xfrm rot="4680000">
+              <a:off x="8513063" y="174567"/>
+              <a:ext cx="137160" cy="987552"/>
+            </a:xfrm>
+            <a:custGeom>
+              <a:avLst/>
+              <a:gdLst>
+                <a:gd name="connsiteX0" fmla="*/ 0 w 210312"/>
+                <a:gd name="connsiteY0" fmla="*/ 0 h 4233101"/>
+                <a:gd name="connsiteX1" fmla="*/ 210312 w 210312"/>
+                <a:gd name="connsiteY1" fmla="*/ 0 h 4233101"/>
+                <a:gd name="connsiteX2" fmla="*/ 210312 w 210312"/>
+                <a:gd name="connsiteY2" fmla="*/ 4233101 h 4233101"/>
+                <a:gd name="connsiteX3" fmla="*/ 0 w 210312"/>
+                <a:gd name="connsiteY3" fmla="*/ 4233101 h 4233101"/>
+                <a:gd name="connsiteX4" fmla="*/ 0 w 210312"/>
+                <a:gd name="connsiteY4" fmla="*/ 0 h 4233101"/>
+                <a:gd name="connsiteX0" fmla="*/ 0 w 210312"/>
+                <a:gd name="connsiteY0" fmla="*/ 0 h 4233101"/>
+                <a:gd name="connsiteX1" fmla="*/ 210312 w 210312"/>
+                <a:gd name="connsiteY1" fmla="*/ 0 h 4233101"/>
+                <a:gd name="connsiteX2" fmla="*/ 0 w 210312"/>
+                <a:gd name="connsiteY2" fmla="*/ 4233101 h 4233101"/>
+                <a:gd name="connsiteX3" fmla="*/ 0 w 210312"/>
+                <a:gd name="connsiteY3" fmla="*/ 0 h 4233101"/>
+                <a:gd name="connsiteX0" fmla="*/ 0 w 91050"/>
+                <a:gd name="connsiteY0" fmla="*/ 27578 h 4260679"/>
+                <a:gd name="connsiteX1" fmla="*/ 91050 w 91050"/>
+                <a:gd name="connsiteY1" fmla="*/ 0 h 4260679"/>
+                <a:gd name="connsiteX2" fmla="*/ 0 w 91050"/>
+                <a:gd name="connsiteY2" fmla="*/ 4260679 h 4260679"/>
+                <a:gd name="connsiteX3" fmla="*/ 0 w 91050"/>
+                <a:gd name="connsiteY3" fmla="*/ 27578 h 4260679"/>
+                <a:gd name="connsiteX0" fmla="*/ 0 w 91050"/>
+                <a:gd name="connsiteY0" fmla="*/ 27578 h 4260679"/>
+                <a:gd name="connsiteX1" fmla="*/ 91050 w 91050"/>
+                <a:gd name="connsiteY1" fmla="*/ 0 h 4260679"/>
+                <a:gd name="connsiteX2" fmla="*/ 0 w 91050"/>
+                <a:gd name="connsiteY2" fmla="*/ 4260679 h 4260679"/>
+                <a:gd name="connsiteX3" fmla="*/ 0 w 91050"/>
+                <a:gd name="connsiteY3" fmla="*/ 27578 h 4260679"/>
+                <a:gd name="connsiteX0" fmla="*/ 6703 w 97753"/>
+                <a:gd name="connsiteY0" fmla="*/ 27578 h 4260679"/>
+                <a:gd name="connsiteX1" fmla="*/ 97753 w 97753"/>
+                <a:gd name="connsiteY1" fmla="*/ 0 h 4260679"/>
+                <a:gd name="connsiteX2" fmla="*/ 6703 w 97753"/>
+                <a:gd name="connsiteY2" fmla="*/ 4260679 h 4260679"/>
+                <a:gd name="connsiteX3" fmla="*/ 6703 w 97753"/>
+                <a:gd name="connsiteY3" fmla="*/ 27578 h 4260679"/>
+                <a:gd name="connsiteX0" fmla="*/ 6703 w 97753"/>
+                <a:gd name="connsiteY0" fmla="*/ 27578 h 4260679"/>
+                <a:gd name="connsiteX1" fmla="*/ 97753 w 97753"/>
+                <a:gd name="connsiteY1" fmla="*/ 0 h 4260679"/>
+                <a:gd name="connsiteX2" fmla="*/ 6703 w 97753"/>
+                <a:gd name="connsiteY2" fmla="*/ 4260679 h 4260679"/>
+                <a:gd name="connsiteX3" fmla="*/ 6703 w 97753"/>
+                <a:gd name="connsiteY3" fmla="*/ 27578 h 4260679"/>
+                <a:gd name="connsiteX0" fmla="*/ 6703 w 97753"/>
+                <a:gd name="connsiteY0" fmla="*/ 27578 h 4260679"/>
+                <a:gd name="connsiteX1" fmla="*/ 97753 w 97753"/>
+                <a:gd name="connsiteY1" fmla="*/ 0 h 4260679"/>
+                <a:gd name="connsiteX2" fmla="*/ 6703 w 97753"/>
+                <a:gd name="connsiteY2" fmla="*/ 4260679 h 4260679"/>
+                <a:gd name="connsiteX3" fmla="*/ 6703 w 97753"/>
+                <a:gd name="connsiteY3" fmla="*/ 27578 h 4260679"/>
+                <a:gd name="connsiteX0" fmla="*/ 25745 w 97753"/>
+                <a:gd name="connsiteY0" fmla="*/ 1 h 4233102"/>
+                <a:gd name="connsiteX1" fmla="*/ 97753 w 97753"/>
+                <a:gd name="connsiteY1" fmla="*/ 61420 h 4233102"/>
+                <a:gd name="connsiteX2" fmla="*/ 25745 w 97753"/>
+                <a:gd name="connsiteY2" fmla="*/ 4233102 h 4233102"/>
+                <a:gd name="connsiteX3" fmla="*/ 25745 w 97753"/>
+                <a:gd name="connsiteY3" fmla="*/ 1 h 4233102"/>
+                <a:gd name="connsiteX0" fmla="*/ 24478 w 97753"/>
+                <a:gd name="connsiteY0" fmla="*/ 8201 h 4241302"/>
+                <a:gd name="connsiteX1" fmla="*/ 97753 w 97753"/>
+                <a:gd name="connsiteY1" fmla="*/ 0 h 4241302"/>
+                <a:gd name="connsiteX2" fmla="*/ 24478 w 97753"/>
+                <a:gd name="connsiteY2" fmla="*/ 4241302 h 4241302"/>
+                <a:gd name="connsiteX3" fmla="*/ 24478 w 97753"/>
+                <a:gd name="connsiteY3" fmla="*/ 8201 h 4241302"/>
+                <a:gd name="connsiteX0" fmla="*/ 24478 w 97753"/>
+                <a:gd name="connsiteY0" fmla="*/ 8201 h 4241302"/>
+                <a:gd name="connsiteX1" fmla="*/ 97753 w 97753"/>
+                <a:gd name="connsiteY1" fmla="*/ 0 h 4241302"/>
+                <a:gd name="connsiteX2" fmla="*/ 24478 w 97753"/>
+                <a:gd name="connsiteY2" fmla="*/ 4241302 h 4241302"/>
+                <a:gd name="connsiteX3" fmla="*/ 24478 w 97753"/>
+                <a:gd name="connsiteY3" fmla="*/ 8201 h 4241302"/>
+                <a:gd name="connsiteX0" fmla="*/ 14176 w 87451"/>
+                <a:gd name="connsiteY0" fmla="*/ 8201 h 4241302"/>
+                <a:gd name="connsiteX1" fmla="*/ 87451 w 87451"/>
+                <a:gd name="connsiteY1" fmla="*/ 0 h 4241302"/>
+                <a:gd name="connsiteX2" fmla="*/ 14176 w 87451"/>
+                <a:gd name="connsiteY2" fmla="*/ 4241302 h 4241302"/>
+                <a:gd name="connsiteX3" fmla="*/ 14176 w 87451"/>
+                <a:gd name="connsiteY3" fmla="*/ 8201 h 4241302"/>
+                <a:gd name="connsiteX0" fmla="*/ 14176 w 87451"/>
+                <a:gd name="connsiteY0" fmla="*/ 8201 h 4001504"/>
+                <a:gd name="connsiteX1" fmla="*/ 87451 w 87451"/>
+                <a:gd name="connsiteY1" fmla="*/ 0 h 4001504"/>
+                <a:gd name="connsiteX2" fmla="*/ 18941 w 87451"/>
+                <a:gd name="connsiteY2" fmla="*/ 4001504 h 4001504"/>
+                <a:gd name="connsiteX3" fmla="*/ 14176 w 87451"/>
+                <a:gd name="connsiteY3" fmla="*/ 8201 h 4001504"/>
+                <a:gd name="connsiteX0" fmla="*/ 14176 w 87451"/>
+                <a:gd name="connsiteY0" fmla="*/ 8201 h 3875955"/>
+                <a:gd name="connsiteX1" fmla="*/ 87451 w 87451"/>
+                <a:gd name="connsiteY1" fmla="*/ 0 h 3875955"/>
+                <a:gd name="connsiteX2" fmla="*/ 7278 w 87451"/>
+                <a:gd name="connsiteY2" fmla="*/ 3875955 h 3875955"/>
+                <a:gd name="connsiteX3" fmla="*/ 14176 w 87451"/>
+                <a:gd name="connsiteY3" fmla="*/ 8201 h 3875955"/>
+                <a:gd name="connsiteX0" fmla="*/ 14176 w 87451"/>
+                <a:gd name="connsiteY0" fmla="*/ 8201 h 3961135"/>
+                <a:gd name="connsiteX1" fmla="*/ 87451 w 87451"/>
+                <a:gd name="connsiteY1" fmla="*/ 0 h 3961135"/>
+                <a:gd name="connsiteX2" fmla="*/ 16239 w 87451"/>
+                <a:gd name="connsiteY2" fmla="*/ 3961135 h 3961135"/>
+                <a:gd name="connsiteX3" fmla="*/ 14176 w 87451"/>
+                <a:gd name="connsiteY3" fmla="*/ 8201 h 3961135"/>
+              </a:gdLst>
+              <a:ahLst/>
+              <a:cxnLst>
+                <a:cxn ang="0">
+                  <a:pos x="connsiteX0" y="connsiteY0"/>
+                </a:cxn>
+                <a:cxn ang="0">
+                  <a:pos x="connsiteX1" y="connsiteY1"/>
+                </a:cxn>
+                <a:cxn ang="0">
+                  <a:pos x="connsiteX2" y="connsiteY2"/>
+                </a:cxn>
+                <a:cxn ang="0">
+                  <a:pos x="connsiteX3" y="connsiteY3"/>
+                </a:cxn>
+              </a:cxnLst>
+              <a:rect l="l" t="t" r="r" b="b"/>
+              <a:pathLst>
+                <a:path w="87451" h="3961135">
+                  <a:moveTo>
+                    <a:pt x="14176" y="8201"/>
+                  </a:moveTo>
+                  <a:lnTo>
+                    <a:pt x="87451" y="0"/>
+                  </a:lnTo>
+                  <a:cubicBezTo>
+                    <a:pt x="0" y="2301293"/>
+                    <a:pt x="31791" y="2848354"/>
+                    <a:pt x="16239" y="3961135"/>
+                  </a:cubicBezTo>
+                  <a:cubicBezTo>
+                    <a:pt x="14651" y="2630034"/>
+                    <a:pt x="15764" y="1339302"/>
+                    <a:pt x="14176" y="8201"/>
+                  </a:cubicBezTo>
+                  <a:close/>
+                </a:path>
+              </a:pathLst>
+            </a:custGeom>
+            <a:gradFill flip="none" rotWithShape="1">
+              <a:gsLst>
+                <a:gs pos="0">
+                  <a:schemeClr val="bg1">
+                    <a:lumMod val="50000"/>
+                  </a:schemeClr>
+                </a:gs>
+                <a:gs pos="100000">
+                  <a:schemeClr val="bg1">
+                    <a:lumMod val="50000"/>
+                    <a:alpha val="56000"/>
+                  </a:schemeClr>
+                </a:gs>
+              </a:gsLst>
+              <a:path path="circle">
+                <a:fillToRect l="100000" t="100000"/>
+              </a:path>
+              <a:tileRect r="-100000" b="-100000"/>
+            </a:gradFill>
+            <a:ln>
+              <a:noFill/>
+            </a:ln>
+          </p:spPr>
+          <p:style>
+            <a:lnRef idx="2">
+              <a:schemeClr val="accent1">
+                <a:shade val="50000"/>
+              </a:schemeClr>
+            </a:lnRef>
+            <a:fillRef idx="1">
+              <a:schemeClr val="accent1"/>
+            </a:fillRef>
+            <a:effectRef idx="0">
+              <a:schemeClr val="accent1"/>
+            </a:effectRef>
+            <a:fontRef idx="minor">
+              <a:schemeClr val="lt1"/>
+            </a:fontRef>
+          </p:style>
+          <p:txBody>
+            <a:bodyPr rtlCol="0" anchor="ctr"/>
+            <a:lstStyle/>
+            <a:p>
+              <a:pPr algn="ctr"/>
+              <a:endParaRPr lang="en-US"/>
+            </a:p>
+          </p:txBody>
+        </p:sp>
+        <p:sp>
+          <p:nvSpPr>
+            <p:cNvPr id="13" name="Rectangle 12"/>
+            <p:cNvSpPr/>
+            <p:nvPr userDrawn="1"/>
+          </p:nvSpPr>
+          <p:spPr bwMode="gray">
+            <a:xfrm rot="4680000">
+              <a:off x="8750808" y="210312"/>
+              <a:ext cx="301752" cy="374904"/>
+            </a:xfrm>
+            <a:prstGeom prst="rect">
+              <a:avLst/>
+            </a:prstGeom>
+            <a:solidFill>
+              <a:schemeClr val="accent1">
+                <a:alpha val="90000"/>
+              </a:schemeClr>
+            </a:solidFill>
+            <a:ln>
+              <a:noFill/>
+            </a:ln>
+          </p:spPr>
+          <p:style>
+            <a:lnRef idx="2">
+              <a:schemeClr val="accent1">
+                <a:shade val="50000"/>
+              </a:schemeClr>
+            </a:lnRef>
+            <a:fillRef idx="1">
+              <a:schemeClr val="accent1"/>
+            </a:fillRef>
+            <a:effectRef idx="0">
+              <a:schemeClr val="accent1"/>
+            </a:effectRef>
+            <a:fontRef idx="minor">
+              <a:schemeClr val="lt1"/>
+            </a:fontRef>
+          </p:style>
+          <p:txBody>
+            <a:bodyPr rtlCol="0" anchor="ctr"/>
+            <a:lstStyle/>
+            <a:p>
+              <a:pPr algn="ctr"/>
+              <a:endParaRPr lang="en-US"/>
+            </a:p>
+          </p:txBody>
+        </p:sp>
+        <p:sp>
+          <p:nvSpPr>
+            <p:cNvPr id="14" name="Rectangle 13"/>
+            <p:cNvSpPr/>
+            <p:nvPr userDrawn="1"/>
+          </p:nvSpPr>
+          <p:spPr bwMode="gray">
+            <a:xfrm rot="4680000">
+              <a:off x="8220456" y="155448"/>
+              <a:ext cx="301752" cy="704088"/>
+            </a:xfrm>
+            <a:prstGeom prst="rect">
+              <a:avLst/>
+            </a:prstGeom>
+            <a:solidFill>
+              <a:srgbClr val="FFFFFF">
+                <a:alpha val="50196"/>
+              </a:srgbClr>
+            </a:solidFill>
+            <a:ln>
+              <a:noFill/>
+            </a:ln>
+          </p:spPr>
+          <p:style>
+            <a:lnRef idx="2">
+              <a:schemeClr val="accent1">
+                <a:shade val="50000"/>
+              </a:schemeClr>
+            </a:lnRef>
+            <a:fillRef idx="1">
+              <a:schemeClr val="accent1"/>
+            </a:fillRef>
+            <a:effectRef idx="0">
+              <a:schemeClr val="accent1"/>
+            </a:effectRef>
+            <a:fontRef idx="minor">
+              <a:schemeClr val="lt1"/>
+            </a:fontRef>
+          </p:style>
+          <p:txBody>
+            <a:bodyPr rtlCol="0" anchor="ctr"/>
+            <a:lstStyle/>
+            <a:p>
+              <a:pPr algn="ctr"/>
+              <a:endParaRPr lang="en-US"/>
+            </a:p>
+          </p:txBody>
+        </p:sp>
+      </p:grpSp>
     </p:spTree>
     <p:extLst>
       <p:ext uri="{BB962C8B-B14F-4D97-AF65-F5344CB8AC3E}">
-        <p14:creationId xmlns:p14="http://schemas.microsoft.com/office/powerpoint/2010/main" val="2513348496"/>
+        <p14:creationId xmlns:p14="http://schemas.microsoft.com/office/powerpoint/2010/main" val="1934968040"/>
       </p:ext>
     </p:extLst>
   </p:cSld>
@@ -3204,7 +8329,7 @@
   <p:cSld>
     <p:bg>
       <p:bgRef idx="1001">
-        <a:schemeClr val="bg1"/>
+        <a:schemeClr val="bg2"/>
       </p:bgRef>
     </p:bg>
     <p:spTree>
@@ -3223,7 +8348,7 @@
       </p:grpSpPr>
       <p:sp>
         <p:nvSpPr>
-          <p:cNvPr id="2" name="제목 개체 틀 1"/>
+          <p:cNvPr id="2" name="Title Placeholder 1"/>
           <p:cNvSpPr>
             <a:spLocks noGrp="1"/>
           </p:cNvSpPr>
@@ -3231,7 +8356,7 @@
             <p:ph type="title"/>
           </p:nvPr>
         </p:nvSpPr>
-        <p:spPr>
+        <p:spPr bwMode="black">
           <a:xfrm>
             <a:off x="457200" y="274638"/>
             <a:ext cx="8229600" cy="1143000"/>
@@ -3250,12 +8375,13 @@
               <a:rPr lang="ko-KR" altLang="en-US"/>
               <a:t>마스터 제목 스타일 편집</a:t>
             </a:r>
+            <a:endParaRPr lang="en-US"/>
           </a:p>
         </p:txBody>
       </p:sp>
       <p:sp>
         <p:nvSpPr>
-          <p:cNvPr id="3" name="텍스트 개체 틀 2"/>
+          <p:cNvPr id="3" name="Text Placeholder 2"/>
           <p:cNvSpPr>
             <a:spLocks noGrp="1"/>
           </p:cNvSpPr>
@@ -3263,7 +8389,7 @@
             <p:ph type="body" idx="1"/>
           </p:nvPr>
         </p:nvSpPr>
-        <p:spPr>
+        <p:spPr bwMode="gray">
           <a:xfrm>
             <a:off x="457200" y="1600200"/>
             <a:ext cx="8229600" cy="4525963"/>
@@ -3281,7 +8407,7 @@
             <a:pPr lvl="0"/>
             <a:r>
               <a:rPr lang="ko-KR" altLang="en-US"/>
-              <a:t>마스터 텍스트 스타일을 편집합니다</a:t>
+              <a:t>마스터 텍스트 스타일 편집</a:t>
             </a:r>
           </a:p>
           <a:p>
@@ -3311,12 +8437,13 @@
               <a:rPr lang="ko-KR" altLang="en-US"/>
               <a:t>다섯째 수준</a:t>
             </a:r>
+            <a:endParaRPr lang="en-US"/>
           </a:p>
         </p:txBody>
       </p:sp>
       <p:sp>
         <p:nvSpPr>
-          <p:cNvPr id="4" name="날짜 개체 틀 3"/>
+          <p:cNvPr id="4" name="Date Placeholder 3"/>
           <p:cNvSpPr>
             <a:spLocks noGrp="1"/>
           </p:cNvSpPr>
@@ -3326,8 +8453,8 @@
         </p:nvSpPr>
         <p:spPr>
           <a:xfrm>
-            <a:off x="457200" y="6356350"/>
-            <a:ext cx="2133600" cy="365125"/>
+            <a:off x="457200" y="6473952"/>
+            <a:ext cx="2133600" cy="301752"/>
           </a:xfrm>
           <a:prstGeom prst="rect">
             <a:avLst/>
@@ -3349,7 +8476,7 @@
           <a:p>
             <a:fld id="{4353257E-279B-4B08-9750-1EE7B8D414BA}" type="datetime1">
               <a:rPr lang="ko-KR" altLang="en-US" smtClean="0"/>
-              <a:t>2017-11-18</a:t>
+              <a:t>2017-11-19</a:t>
             </a:fld>
             <a:endParaRPr lang="ko-KR" altLang="en-US"/>
           </a:p>
@@ -3357,7 +8484,7 @@
       </p:sp>
       <p:sp>
         <p:nvSpPr>
-          <p:cNvPr id="5" name="바닥글 개체 틀 4"/>
+          <p:cNvPr id="5" name="Footer Placeholder 4"/>
           <p:cNvSpPr>
             <a:spLocks noGrp="1"/>
           </p:cNvSpPr>
@@ -3367,8 +8494,8 @@
         </p:nvSpPr>
         <p:spPr>
           <a:xfrm>
-            <a:off x="3124200" y="6356350"/>
-            <a:ext cx="2895600" cy="365125"/>
+            <a:off x="3124200" y="6473952"/>
+            <a:ext cx="2895600" cy="301752"/>
           </a:xfrm>
           <a:prstGeom prst="rect">
             <a:avLst/>
@@ -3394,7 +8521,7 @@
       </p:sp>
       <p:sp>
         <p:nvSpPr>
-          <p:cNvPr id="6" name="슬라이드 번호 개체 틀 5"/>
+          <p:cNvPr id="6" name="Slide Number Placeholder 5"/>
           <p:cNvSpPr>
             <a:spLocks noGrp="1"/>
           </p:cNvSpPr>
@@ -3404,8 +8531,8 @@
         </p:nvSpPr>
         <p:spPr>
           <a:xfrm>
-            <a:off x="6553200" y="6356350"/>
-            <a:ext cx="2133600" cy="365125"/>
+            <a:off x="6473952" y="6473952"/>
+            <a:ext cx="2133600" cy="301752"/>
           </a:xfrm>
           <a:prstGeom prst="rect">
             <a:avLst/>
@@ -3436,23 +8563,23 @@
     </p:spTree>
     <p:extLst>
       <p:ext uri="{BB962C8B-B14F-4D97-AF65-F5344CB8AC3E}">
-        <p14:creationId xmlns:p14="http://schemas.microsoft.com/office/powerpoint/2010/main" val="3564557198"/>
+        <p14:creationId xmlns:p14="http://schemas.microsoft.com/office/powerpoint/2010/main" val="3019333818"/>
       </p:ext>
     </p:extLst>
   </p:cSld>
   <p:clrMap bg1="lt1" tx1="dk1" bg2="lt2" tx2="dk2" accent1="accent1" accent2="accent2" accent3="accent3" accent4="accent4" accent5="accent5" accent6="accent6" hlink="hlink" folHlink="folHlink"/>
   <p:sldLayoutIdLst>
-    <p:sldLayoutId id="2147483661" r:id="rId1"/>
-    <p:sldLayoutId id="2147483662" r:id="rId2"/>
-    <p:sldLayoutId id="2147483663" r:id="rId3"/>
-    <p:sldLayoutId id="2147483664" r:id="rId4"/>
-    <p:sldLayoutId id="2147483665" r:id="rId5"/>
-    <p:sldLayoutId id="2147483666" r:id="rId6"/>
-    <p:sldLayoutId id="2147483667" r:id="rId7"/>
-    <p:sldLayoutId id="2147483668" r:id="rId8"/>
-    <p:sldLayoutId id="2147483669" r:id="rId9"/>
-    <p:sldLayoutId id="2147483670" r:id="rId10"/>
-    <p:sldLayoutId id="2147483671" r:id="rId11"/>
+    <p:sldLayoutId id="2147483799" r:id="rId1"/>
+    <p:sldLayoutId id="2147483800" r:id="rId2"/>
+    <p:sldLayoutId id="2147483801" r:id="rId3"/>
+    <p:sldLayoutId id="2147483802" r:id="rId4"/>
+    <p:sldLayoutId id="2147483803" r:id="rId5"/>
+    <p:sldLayoutId id="2147483804" r:id="rId6"/>
+    <p:sldLayoutId id="2147483805" r:id="rId7"/>
+    <p:sldLayoutId id="2147483806" r:id="rId8"/>
+    <p:sldLayoutId id="2147483807" r:id="rId9"/>
+    <p:sldLayoutId id="2147483808" r:id="rId10"/>
+    <p:sldLayoutId id="2147483809" r:id="rId11"/>
   </p:sldLayoutIdLst>
   <p:hf hdr="0" ftr="0" dt="0"/>
   <p:txStyles>
@@ -3462,7 +8589,7 @@
           <a:spcPct val="0"/>
         </a:spcBef>
         <a:buNone/>
-        <a:defRPr sz="4400" kern="1200">
+        <a:defRPr sz="4000" b="1" kern="1200">
           <a:solidFill>
             <a:schemeClr val="tx1"/>
           </a:solidFill>
@@ -3471,14 +8598,74 @@
           <a:cs typeface="+mj-cs"/>
         </a:defRPr>
       </a:lvl1pPr>
+      <a:lvl2pPr eaLnBrk="1" latinLnBrk="1" hangingPunct="1">
+        <a:defRPr>
+          <a:solidFill>
+            <a:schemeClr val="tx2"/>
+          </a:solidFill>
+        </a:defRPr>
+      </a:lvl2pPr>
+      <a:lvl3pPr eaLnBrk="1" latinLnBrk="1" hangingPunct="1">
+        <a:defRPr>
+          <a:solidFill>
+            <a:schemeClr val="tx2"/>
+          </a:solidFill>
+        </a:defRPr>
+      </a:lvl3pPr>
+      <a:lvl4pPr eaLnBrk="1" latinLnBrk="1" hangingPunct="1">
+        <a:defRPr>
+          <a:solidFill>
+            <a:schemeClr val="tx2"/>
+          </a:solidFill>
+        </a:defRPr>
+      </a:lvl4pPr>
+      <a:lvl5pPr eaLnBrk="1" latinLnBrk="1" hangingPunct="1">
+        <a:defRPr>
+          <a:solidFill>
+            <a:schemeClr val="tx2"/>
+          </a:solidFill>
+        </a:defRPr>
+      </a:lvl5pPr>
+      <a:lvl6pPr eaLnBrk="1" latinLnBrk="1" hangingPunct="1">
+        <a:defRPr>
+          <a:solidFill>
+            <a:schemeClr val="tx2"/>
+          </a:solidFill>
+        </a:defRPr>
+      </a:lvl6pPr>
+      <a:lvl7pPr eaLnBrk="1" latinLnBrk="1" hangingPunct="1">
+        <a:defRPr>
+          <a:solidFill>
+            <a:schemeClr val="tx2"/>
+          </a:solidFill>
+        </a:defRPr>
+      </a:lvl7pPr>
+      <a:lvl8pPr eaLnBrk="1" latinLnBrk="1" hangingPunct="1">
+        <a:defRPr>
+          <a:solidFill>
+            <a:schemeClr val="tx2"/>
+          </a:solidFill>
+        </a:defRPr>
+      </a:lvl8pPr>
+      <a:lvl9pPr eaLnBrk="1" latinLnBrk="1" hangingPunct="1">
+        <a:defRPr>
+          <a:solidFill>
+            <a:schemeClr val="tx2"/>
+          </a:solidFill>
+        </a:defRPr>
+      </a:lvl9pPr>
     </p:titleStyle>
     <p:bodyStyle>
       <a:lvl1pPr marL="342900" indent="-342900" algn="l" defTabSz="914400" rtl="0" eaLnBrk="1" latinLnBrk="1" hangingPunct="1">
         <a:spcBef>
           <a:spcPct val="20000"/>
         </a:spcBef>
-        <a:buFont typeface="Arial" panose="020B0604020202020204" pitchFamily="34" charset="0"/>
-        <a:buChar char="•"/>
+        <a:buClr>
+          <a:schemeClr val="accent2"/>
+        </a:buClr>
+        <a:buSzPct val="75000"/>
+        <a:buFont typeface="Wingdings" pitchFamily="2" charset="2"/>
+        <a:buChar char="q"/>
         <a:defRPr sz="3200" kern="1200">
           <a:solidFill>
             <a:schemeClr val="tx1"/>
@@ -3492,8 +8679,12 @@
         <a:spcBef>
           <a:spcPct val="20000"/>
         </a:spcBef>
-        <a:buFont typeface="Arial" panose="020B0604020202020204" pitchFamily="34" charset="0"/>
-        <a:buChar char="–"/>
+        <a:buClr>
+          <a:schemeClr val="accent3"/>
+        </a:buClr>
+        <a:buSzPct val="70000"/>
+        <a:buFont typeface="Wingdings 2" pitchFamily="18" charset="2"/>
+        <a:buChar char=""/>
         <a:defRPr sz="2800" kern="1200">
           <a:solidFill>
             <a:schemeClr val="tx1"/>
@@ -3507,8 +8698,12 @@
         <a:spcBef>
           <a:spcPct val="20000"/>
         </a:spcBef>
-        <a:buFont typeface="Arial" panose="020B0604020202020204" pitchFamily="34" charset="0"/>
-        <a:buChar char="•"/>
+        <a:buClr>
+          <a:schemeClr val="accent4"/>
+        </a:buClr>
+        <a:buSzPct val="70000"/>
+        <a:buFont typeface="Wingdings 2" pitchFamily="18" charset="2"/>
+        <a:buChar char=""/>
         <a:defRPr sz="2400" kern="1200">
           <a:solidFill>
             <a:schemeClr val="tx1"/>
@@ -3522,8 +8717,12 @@
         <a:spcBef>
           <a:spcPct val="20000"/>
         </a:spcBef>
-        <a:buFont typeface="Arial" panose="020B0604020202020204" pitchFamily="34" charset="0"/>
-        <a:buChar char="–"/>
+        <a:buClr>
+          <a:schemeClr val="accent5"/>
+        </a:buClr>
+        <a:buSzPct val="100000"/>
+        <a:buFont typeface="Wingdings 2" pitchFamily="18" charset="2"/>
+        <a:buChar char=""/>
         <a:defRPr sz="2000" kern="1200">
           <a:solidFill>
             <a:schemeClr val="tx1"/>
@@ -3537,8 +8736,12 @@
         <a:spcBef>
           <a:spcPct val="20000"/>
         </a:spcBef>
-        <a:buFont typeface="Arial" panose="020B0604020202020204" pitchFamily="34" charset="0"/>
-        <a:buChar char="»"/>
+        <a:buClr>
+          <a:schemeClr val="accent6"/>
+        </a:buClr>
+        <a:buSzPct val="100000"/>
+        <a:buFont typeface="Wingdings 2" pitchFamily="18" charset="2"/>
+        <a:buChar char="¡"/>
         <a:defRPr sz="2000" kern="1200">
           <a:solidFill>
             <a:schemeClr val="tx1"/>
@@ -3552,7 +8755,7 @@
         <a:spcBef>
           <a:spcPct val="20000"/>
         </a:spcBef>
-        <a:buFont typeface="Arial" panose="020B0604020202020204" pitchFamily="34" charset="0"/>
+        <a:buFont typeface="Arial" pitchFamily="34" charset="0"/>
         <a:buChar char="•"/>
         <a:defRPr sz="2000" kern="1200">
           <a:solidFill>
@@ -3567,7 +8770,7 @@
         <a:spcBef>
           <a:spcPct val="20000"/>
         </a:spcBef>
-        <a:buFont typeface="Arial" panose="020B0604020202020204" pitchFamily="34" charset="0"/>
+        <a:buFont typeface="Arial" pitchFamily="34" charset="0"/>
         <a:buChar char="•"/>
         <a:defRPr sz="2000" kern="1200">
           <a:solidFill>
@@ -3582,7 +8785,7 @@
         <a:spcBef>
           <a:spcPct val="20000"/>
         </a:spcBef>
-        <a:buFont typeface="Arial" panose="020B0604020202020204" pitchFamily="34" charset="0"/>
+        <a:buFont typeface="Arial" pitchFamily="34" charset="0"/>
         <a:buChar char="•"/>
         <a:defRPr sz="2000" kern="1200">
           <a:solidFill>
@@ -3597,7 +8800,7 @@
         <a:spcBef>
           <a:spcPct val="20000"/>
         </a:spcBef>
-        <a:buFont typeface="Arial" panose="020B0604020202020204" pitchFamily="34" charset="0"/>
+        <a:buFont typeface="Arial" pitchFamily="34" charset="0"/>
         <a:buChar char="•"/>
         <a:defRPr sz="2000" kern="1200">
           <a:solidFill>
@@ -3611,7 +8814,7 @@
     </p:bodyStyle>
     <p:otherStyle>
       <a:defPPr>
-        <a:defRPr lang="ko-KR"/>
+        <a:defRPr lang="en-US"/>
       </a:defPPr>
       <a:lvl1pPr marL="0" algn="l" defTabSz="914400" rtl="0" eaLnBrk="1" latinLnBrk="1" hangingPunct="1">
         <a:defRPr sz="1800" kern="1200">
@@ -3714,7 +8917,7 @@
     <p:bg>
       <p:bgPr>
         <a:solidFill>
-          <a:schemeClr val="tx1"/>
+          <a:schemeClr val="bg1"/>
         </a:solidFill>
         <a:effectLst/>
       </p:bgPr>
@@ -3733,64 +8936,210 @@
           <a:chExt cx="0" cy="0"/>
         </a:xfrm>
       </p:grpSpPr>
-      <p:pic>
-        <p:nvPicPr>
-          <p:cNvPr id="228" name="그림 227"/>
-          <p:cNvPicPr>
-            <a:picLocks noChangeAspect="1"/>
-          </p:cNvPicPr>
-          <p:nvPr/>
-        </p:nvPicPr>
-        <p:blipFill>
-          <a:blip r:embed="rId3">
-            <a:extLst>
-              <a:ext uri="{BEBA8EAE-BF5A-486C-A8C5-ECC9F3942E4B}">
-                <a14:imgProps xmlns:a14="http://schemas.microsoft.com/office/drawing/2010/main">
-                  <a14:imgLayer r:embed="rId4">
-                    <a14:imgEffect>
-                      <a14:backgroundRemoval t="10000" b="90000" l="10000" r="90000">
-                        <a14:backgroundMark x1="16458" y1="15370" x2="16458" y2="15370"/>
-                        <a14:backgroundMark x1="5313" y1="13889" x2="5313" y2="13889"/>
-                      </a14:backgroundRemoval>
-                    </a14:imgEffect>
-                    <a14:imgEffect>
-                      <a14:sharpenSoften amount="50000"/>
-                    </a14:imgEffect>
-                    <a14:imgEffect>
-                      <a14:colorTemperature colorTemp="9625"/>
-                    </a14:imgEffect>
-                    <a14:imgEffect>
-                      <a14:saturation sat="160000"/>
-                    </a14:imgEffect>
-                  </a14:imgLayer>
-                </a14:imgProps>
-              </a:ext>
-              <a:ext uri="{28A0092B-C50C-407E-A947-70E740481C1C}">
-                <a14:useLocalDpi xmlns:a14="http://schemas.microsoft.com/office/drawing/2010/main" val="0"/>
-              </a:ext>
-            </a:extLst>
-          </a:blip>
-          <a:stretch>
-            <a:fillRect/>
-          </a:stretch>
-        </p:blipFill>
+      <p:sp>
+        <p:nvSpPr>
+          <p:cNvPr id="3" name="부제목 2"/>
+          <p:cNvSpPr>
+            <a:spLocks noGrp="1"/>
+          </p:cNvSpPr>
+          <p:nvPr>
+            <p:ph type="subTitle" idx="1"/>
+          </p:nvPr>
+        </p:nvSpPr>
         <p:spPr>
           <a:xfrm>
-            <a:off x="332101" y="1121834"/>
-            <a:ext cx="6209618" cy="3492910"/>
+            <a:off x="1371599" y="3438238"/>
+            <a:ext cx="6400800" cy="1752600"/>
           </a:xfrm>
-          <a:prstGeom prst="rect">
-            <a:avLst/>
-          </a:prstGeom>
-          <a:effectLst>
-            <a:innerShdw blurRad="63500" dist="12700" dir="4200000">
-              <a:prstClr val="black">
-                <a:alpha val="58000"/>
-              </a:prstClr>
-            </a:innerShdw>
-          </a:effectLst>
         </p:spPr>
-      </p:pic>
+        <p:txBody>
+          <a:bodyPr anchor="ctr">
+            <a:normAutofit/>
+          </a:bodyPr>
+          <a:lstStyle/>
+          <a:p>
+            <a:r>
+              <a:rPr lang="en-US" altLang="ko-KR" sz="3600" spc="600" dirty="0">
+                <a:ln w="0" cmpd="sng">
+                  <a:solidFill>
+                    <a:schemeClr val="bg1"/>
+                  </a:solidFill>
+                  <a:prstDash val="solid"/>
+                </a:ln>
+                <a:solidFill>
+                  <a:srgbClr val="336699"/>
+                </a:solidFill>
+                <a:effectLst>
+                  <a:glow rad="25400">
+                    <a:schemeClr val="bg1">
+                      <a:alpha val="40000"/>
+                    </a:schemeClr>
+                  </a:glow>
+                  <a:outerShdw blurRad="38100" dist="38100" dir="2700000" algn="tl">
+                    <a:srgbClr val="000000">
+                      <a:alpha val="43137"/>
+                    </a:srgbClr>
+                  </a:outerShdw>
+                </a:effectLst>
+                <a:latin typeface="나눔고딕 ExtraBold" panose="020D0904000000000000" pitchFamily="50" charset="-127"/>
+                <a:ea typeface="나눔고딕 ExtraBold" panose="020D0904000000000000" pitchFamily="50" charset="-127"/>
+              </a:rPr>
+              <a:t>2</a:t>
+            </a:r>
+            <a:r>
+              <a:rPr lang="ko-KR" altLang="en-US" sz="3600" spc="600" dirty="0">
+                <a:ln w="0" cmpd="sng">
+                  <a:solidFill>
+                    <a:schemeClr val="bg1"/>
+                  </a:solidFill>
+                  <a:prstDash val="solid"/>
+                </a:ln>
+                <a:solidFill>
+                  <a:srgbClr val="336699"/>
+                </a:solidFill>
+                <a:effectLst>
+                  <a:glow rad="25400">
+                    <a:schemeClr val="bg1">
+                      <a:alpha val="40000"/>
+                    </a:schemeClr>
+                  </a:glow>
+                  <a:outerShdw blurRad="38100" dist="38100" dir="2700000" algn="tl">
+                    <a:srgbClr val="000000">
+                      <a:alpha val="43137"/>
+                    </a:srgbClr>
+                  </a:outerShdw>
+                </a:effectLst>
+                <a:latin typeface="나눔고딕 ExtraBold" panose="020D0904000000000000" pitchFamily="50" charset="-127"/>
+                <a:ea typeface="나눔고딕 ExtraBold" panose="020D0904000000000000" pitchFamily="50" charset="-127"/>
+              </a:rPr>
+              <a:t>차 발표 </a:t>
+            </a:r>
+            <a:r>
+              <a:rPr lang="en-US" altLang="ko-KR" sz="3600" spc="600" dirty="0">
+                <a:ln w="0" cmpd="sng">
+                  <a:solidFill>
+                    <a:schemeClr val="bg1"/>
+                  </a:solidFill>
+                  <a:prstDash val="solid"/>
+                </a:ln>
+                <a:solidFill>
+                  <a:srgbClr val="336699"/>
+                </a:solidFill>
+                <a:effectLst>
+                  <a:glow rad="25400">
+                    <a:schemeClr val="bg1">
+                      <a:alpha val="40000"/>
+                    </a:schemeClr>
+                  </a:glow>
+                  <a:outerShdw blurRad="38100" dist="38100" dir="2700000" algn="tl">
+                    <a:srgbClr val="000000">
+                      <a:alpha val="43137"/>
+                    </a:srgbClr>
+                  </a:outerShdw>
+                </a:effectLst>
+                <a:latin typeface="나눔고딕 ExtraBold" panose="020D0904000000000000" pitchFamily="50" charset="-127"/>
+                <a:ea typeface="나눔고딕 ExtraBold" panose="020D0904000000000000" pitchFamily="50" charset="-127"/>
+              </a:rPr>
+              <a:t>PT</a:t>
+            </a:r>
+          </a:p>
+          <a:p>
+            <a:r>
+              <a:rPr lang="en-US" altLang="ko-KR" sz="2800" dirty="0">
+                <a:ln w="0">
+                  <a:solidFill>
+                    <a:schemeClr val="bg1"/>
+                  </a:solidFill>
+                  <a:prstDash val="solid"/>
+                  <a:miter lim="800000"/>
+                </a:ln>
+                <a:solidFill>
+                  <a:srgbClr val="336699"/>
+                </a:solidFill>
+                <a:effectLst>
+                  <a:outerShdw blurRad="38100" dist="38100" dir="2700000" algn="tl">
+                    <a:srgbClr val="000000">
+                      <a:alpha val="43137"/>
+                    </a:srgbClr>
+                  </a:outerShdw>
+                </a:effectLst>
+                <a:latin typeface="나눔고딕 ExtraBold" panose="020D0904000000000000" pitchFamily="50" charset="-127"/>
+                <a:ea typeface="나눔고딕 ExtraBold" panose="020D0904000000000000" pitchFamily="50" charset="-127"/>
+              </a:rPr>
+              <a:t>2016180042</a:t>
+            </a:r>
+            <a:r>
+              <a:rPr lang="en-US" altLang="ko-KR" sz="2800" b="1" dirty="0">
+                <a:ln w="0">
+                  <a:solidFill>
+                    <a:schemeClr val="bg1"/>
+                  </a:solidFill>
+                  <a:prstDash val="solid"/>
+                  <a:miter lim="800000"/>
+                </a:ln>
+                <a:solidFill>
+                  <a:srgbClr val="336699"/>
+                </a:solidFill>
+                <a:effectLst>
+                  <a:outerShdw blurRad="38100" dist="38100" dir="2700000" algn="tl">
+                    <a:srgbClr val="000000">
+                      <a:alpha val="43137"/>
+                    </a:srgbClr>
+                  </a:outerShdw>
+                </a:effectLst>
+                <a:latin typeface="나눔고딕 ExtraBold" panose="020D0904000000000000" pitchFamily="50" charset="-127"/>
+                <a:ea typeface="나눔고딕 ExtraBold" panose="020D0904000000000000" pitchFamily="50" charset="-127"/>
+              </a:rPr>
+              <a:t> </a:t>
+            </a:r>
+            <a:r>
+              <a:rPr lang="ko-KR" altLang="en-US" sz="2800" b="1" dirty="0">
+                <a:ln w="0">
+                  <a:solidFill>
+                    <a:schemeClr val="bg1"/>
+                  </a:solidFill>
+                  <a:prstDash val="solid"/>
+                  <a:miter lim="800000"/>
+                </a:ln>
+                <a:solidFill>
+                  <a:srgbClr val="336699"/>
+                </a:solidFill>
+                <a:effectLst>
+                  <a:outerShdw blurRad="38100" dist="38100" dir="2700000" algn="tl">
+                    <a:srgbClr val="000000">
+                      <a:alpha val="43137"/>
+                    </a:srgbClr>
+                  </a:outerShdw>
+                </a:effectLst>
+                <a:latin typeface="나눔고딕 ExtraBold" panose="020D0904000000000000" pitchFamily="50" charset="-127"/>
+                <a:ea typeface="나눔고딕 ExtraBold" panose="020D0904000000000000" pitchFamily="50" charset="-127"/>
+              </a:rPr>
+              <a:t>진윤성</a:t>
+            </a:r>
+            <a:endParaRPr lang="en-US" altLang="ko-KR" sz="2800" b="1" dirty="0">
+              <a:ln w="0">
+                <a:solidFill>
+                  <a:schemeClr val="bg1"/>
+                </a:solidFill>
+                <a:prstDash val="solid"/>
+                <a:miter lim="800000"/>
+              </a:ln>
+              <a:solidFill>
+                <a:srgbClr val="336699"/>
+              </a:solidFill>
+              <a:effectLst>
+                <a:outerShdw blurRad="38100" dist="38100" dir="2700000" algn="tl">
+                  <a:srgbClr val="000000">
+                    <a:alpha val="43137"/>
+                  </a:srgbClr>
+                </a:outerShdw>
+              </a:effectLst>
+              <a:latin typeface="나눔고딕 ExtraBold" panose="020D0904000000000000" pitchFamily="50" charset="-127"/>
+              <a:ea typeface="나눔고딕 ExtraBold" panose="020D0904000000000000" pitchFamily="50" charset="-127"/>
+            </a:endParaRPr>
+          </a:p>
+        </p:txBody>
+      </p:sp>
       <p:sp>
         <p:nvSpPr>
           <p:cNvPr id="2" name="제목 1"/>
@@ -3803,7 +9152,7 @@
         </p:nvSpPr>
         <p:spPr>
           <a:xfrm rot="21401688">
-            <a:off x="685800" y="1268760"/>
+            <a:off x="685797" y="1913811"/>
             <a:ext cx="7772400" cy="1470025"/>
           </a:xfrm>
         </p:spPr>
@@ -3831,9 +9180,7 @@
               <a:rPr lang="en-US" altLang="ko-KR" sz="6600" b="1" spc="50" dirty="0">
                 <a:ln w="25400" cmpd="dbl">
                   <a:solidFill>
-                    <a:schemeClr val="accent2">
-                      <a:satMod val="140000"/>
-                    </a:schemeClr>
+                    <a:srgbClr val="C00000"/>
                   </a:solidFill>
                 </a:ln>
                 <a:gradFill>
@@ -3880,9 +9227,7 @@
               <a:rPr lang="en-US" altLang="ko-KR" sz="6600" b="1" spc="50" dirty="0">
                 <a:ln w="25400" cmpd="dbl">
                   <a:solidFill>
-                    <a:schemeClr val="accent2">
-                      <a:satMod val="140000"/>
-                    </a:schemeClr>
+                    <a:srgbClr val="C00000"/>
                   </a:solidFill>
                 </a:ln>
                 <a:gradFill>
@@ -3928,9 +9273,7 @@
             <a:endParaRPr lang="ko-KR" altLang="en-US" sz="6600" b="1" spc="50" dirty="0">
               <a:ln w="25400" cmpd="dbl">
                 <a:solidFill>
-                  <a:schemeClr val="accent2">
-                    <a:satMod val="140000"/>
-                  </a:schemeClr>
+                  <a:srgbClr val="C00000"/>
                 </a:solidFill>
               </a:ln>
               <a:gradFill>
@@ -3974,210 +9317,6 @@
           </a:p>
         </p:txBody>
       </p:sp>
-      <p:sp>
-        <p:nvSpPr>
-          <p:cNvPr id="3" name="부제목 2"/>
-          <p:cNvSpPr>
-            <a:spLocks noGrp="1"/>
-          </p:cNvSpPr>
-          <p:nvPr>
-            <p:ph type="subTitle" idx="1"/>
-          </p:nvPr>
-        </p:nvSpPr>
-        <p:spPr>
-          <a:xfrm>
-            <a:off x="1371600" y="3414743"/>
-            <a:ext cx="6400800" cy="1752600"/>
-          </a:xfrm>
-        </p:spPr>
-        <p:txBody>
-          <a:bodyPr anchor="ctr">
-            <a:normAutofit/>
-          </a:bodyPr>
-          <a:lstStyle/>
-          <a:p>
-            <a:r>
-              <a:rPr lang="en-US" altLang="ko-KR" sz="3600" spc="600" dirty="0">
-                <a:ln w="6350" cmpd="sng">
-                  <a:solidFill>
-                    <a:schemeClr val="bg1"/>
-                  </a:solidFill>
-                  <a:prstDash val="solid"/>
-                </a:ln>
-                <a:solidFill>
-                  <a:srgbClr val="930B0B"/>
-                </a:solidFill>
-                <a:effectLst>
-                  <a:glow rad="25400">
-                    <a:schemeClr val="bg1">
-                      <a:alpha val="40000"/>
-                    </a:schemeClr>
-                  </a:glow>
-                  <a:outerShdw blurRad="38100" dist="38100" dir="2700000" algn="tl">
-                    <a:srgbClr val="000000">
-                      <a:alpha val="43137"/>
-                    </a:srgbClr>
-                  </a:outerShdw>
-                </a:effectLst>
-                <a:latin typeface="HY목각파임B" panose="02030600000101010101" pitchFamily="18" charset="-127"/>
-                <a:ea typeface="HY목각파임B" panose="02030600000101010101" pitchFamily="18" charset="-127"/>
-              </a:rPr>
-              <a:t>2</a:t>
-            </a:r>
-            <a:r>
-              <a:rPr lang="ko-KR" altLang="en-US" sz="3600" spc="600" dirty="0">
-                <a:ln w="6350" cmpd="sng">
-                  <a:solidFill>
-                    <a:schemeClr val="bg1"/>
-                  </a:solidFill>
-                  <a:prstDash val="solid"/>
-                </a:ln>
-                <a:solidFill>
-                  <a:srgbClr val="930B0B"/>
-                </a:solidFill>
-                <a:effectLst>
-                  <a:glow rad="25400">
-                    <a:schemeClr val="bg1">
-                      <a:alpha val="40000"/>
-                    </a:schemeClr>
-                  </a:glow>
-                  <a:outerShdw blurRad="38100" dist="38100" dir="2700000" algn="tl">
-                    <a:srgbClr val="000000">
-                      <a:alpha val="43137"/>
-                    </a:srgbClr>
-                  </a:outerShdw>
-                </a:effectLst>
-                <a:latin typeface="HY목각파임B" panose="02030600000101010101" pitchFamily="18" charset="-127"/>
-                <a:ea typeface="HY목각파임B" panose="02030600000101010101" pitchFamily="18" charset="-127"/>
-              </a:rPr>
-              <a:t>차 발표 </a:t>
-            </a:r>
-            <a:r>
-              <a:rPr lang="en-US" altLang="ko-KR" sz="3600" spc="600" dirty="0">
-                <a:ln w="6350" cmpd="sng">
-                  <a:solidFill>
-                    <a:schemeClr val="bg1"/>
-                  </a:solidFill>
-                  <a:prstDash val="solid"/>
-                </a:ln>
-                <a:solidFill>
-                  <a:srgbClr val="930B0B"/>
-                </a:solidFill>
-                <a:effectLst>
-                  <a:glow rad="25400">
-                    <a:schemeClr val="bg1">
-                      <a:alpha val="40000"/>
-                    </a:schemeClr>
-                  </a:glow>
-                  <a:outerShdw blurRad="38100" dist="38100" dir="2700000" algn="tl">
-                    <a:srgbClr val="000000">
-                      <a:alpha val="43137"/>
-                    </a:srgbClr>
-                  </a:outerShdw>
-                </a:effectLst>
-                <a:latin typeface="HY목각파임B" panose="02030600000101010101" pitchFamily="18" charset="-127"/>
-                <a:ea typeface="HY목각파임B" panose="02030600000101010101" pitchFamily="18" charset="-127"/>
-              </a:rPr>
-              <a:t>PT</a:t>
-            </a:r>
-          </a:p>
-          <a:p>
-            <a:r>
-              <a:rPr lang="en-US" altLang="ko-KR" sz="2800" dirty="0">
-                <a:ln w="6350">
-                  <a:solidFill>
-                    <a:schemeClr val="bg1"/>
-                  </a:solidFill>
-                  <a:prstDash val="solid"/>
-                  <a:miter lim="800000"/>
-                </a:ln>
-                <a:solidFill>
-                  <a:srgbClr val="930B0B"/>
-                </a:solidFill>
-                <a:effectLst>
-                  <a:outerShdw blurRad="38100" dist="38100" dir="2700000" algn="tl">
-                    <a:srgbClr val="000000">
-                      <a:alpha val="43137"/>
-                    </a:srgbClr>
-                  </a:outerShdw>
-                </a:effectLst>
-                <a:latin typeface="Jacinto Sans" panose="00000400000000000000" pitchFamily="2" charset="0"/>
-                <a:ea typeface="-윤고딕310" panose="02030504000101010101" pitchFamily="18" charset="-127"/>
-              </a:rPr>
-              <a:t>2016180042</a:t>
-            </a:r>
-            <a:r>
-              <a:rPr lang="en-US" altLang="ko-KR" sz="2800" b="1" dirty="0">
-                <a:ln w="6350">
-                  <a:solidFill>
-                    <a:schemeClr val="bg1"/>
-                  </a:solidFill>
-                  <a:prstDash val="solid"/>
-                  <a:miter lim="800000"/>
-                </a:ln>
-                <a:solidFill>
-                  <a:srgbClr val="930B0B"/>
-                </a:solidFill>
-                <a:effectLst>
-                  <a:outerShdw blurRad="38100" dist="38100" dir="2700000" algn="tl">
-                    <a:srgbClr val="000000">
-                      <a:alpha val="43137"/>
-                    </a:srgbClr>
-                  </a:outerShdw>
-                </a:effectLst>
-                <a:latin typeface="Jacinto Sans" panose="00000400000000000000" pitchFamily="2" charset="0"/>
-                <a:ea typeface="-윤고딕310" panose="02030504000101010101" pitchFamily="18" charset="-127"/>
-              </a:rPr>
-              <a:t> </a:t>
-            </a:r>
-            <a:r>
-              <a:rPr lang="ko-KR" altLang="en-US" sz="2800" b="1" dirty="0">
-                <a:ln w="6350">
-                  <a:solidFill>
-                    <a:schemeClr val="bg1"/>
-                  </a:solidFill>
-                  <a:prstDash val="solid"/>
-                  <a:miter lim="800000"/>
-                </a:ln>
-                <a:solidFill>
-                  <a:srgbClr val="930B0B"/>
-                </a:solidFill>
-                <a:effectLst>
-                  <a:outerShdw blurRad="38100" dist="38100" dir="2700000" algn="tl">
-                    <a:srgbClr val="000000">
-                      <a:alpha val="43137"/>
-                    </a:srgbClr>
-                  </a:outerShdw>
-                </a:effectLst>
-                <a:latin typeface="HY목각파임B" panose="02030600000101010101" pitchFamily="18" charset="-127"/>
-                <a:ea typeface="HY목각파임B" panose="02030600000101010101" pitchFamily="18" charset="-127"/>
-              </a:rPr>
-              <a:t>진윤성</a:t>
-            </a:r>
-            <a:endParaRPr lang="en-US" altLang="ko-KR" sz="2800" b="1" dirty="0">
-              <a:ln w="6350">
-                <a:solidFill>
-                  <a:schemeClr val="bg1"/>
-                </a:solidFill>
-                <a:prstDash val="solid"/>
-                <a:miter lim="800000"/>
-              </a:ln>
-              <a:solidFill>
-                <a:srgbClr val="930B0B"/>
-              </a:solidFill>
-              <a:effectLst>
-                <a:outerShdw blurRad="38100" dist="38100" dir="2700000" algn="tl">
-                  <a:srgbClr val="000000">
-                    <a:alpha val="43137"/>
-                  </a:srgbClr>
-                </a:outerShdw>
-              </a:effectLst>
-              <a:latin typeface="HY목각파임B" panose="02030600000101010101" pitchFamily="18" charset="-127"/>
-              <a:ea typeface="HY목각파임B" panose="02030600000101010101" pitchFamily="18" charset="-127"/>
-            </a:endParaRPr>
-          </a:p>
-        </p:txBody>
-      </p:sp>
     </p:spTree>
     <p:extLst>
       <p:ext uri="{BB962C8B-B14F-4D97-AF65-F5344CB8AC3E}">
@@ -4191,10 +9330,1385 @@
 </p:sld>
 </file>
 
+<file path=ppt/slides/slide2.xml><?xml version="1.0" encoding="utf-8"?>
+<p:sld xmlns:a="http://schemas.openxmlformats.org/drawingml/2006/main" xmlns:r="http://schemas.openxmlformats.org/officeDocument/2006/relationships" xmlns:p="http://schemas.openxmlformats.org/presentationml/2006/main">
+  <p:cSld>
+    <p:spTree>
+      <p:nvGrpSpPr>
+        <p:cNvPr id="1" name=""/>
+        <p:cNvGrpSpPr/>
+        <p:nvPr/>
+      </p:nvGrpSpPr>
+      <p:grpSpPr>
+        <a:xfrm>
+          <a:off x="0" y="0"/>
+          <a:ext cx="0" cy="0"/>
+          <a:chOff x="0" y="0"/>
+          <a:chExt cx="0" cy="0"/>
+        </a:xfrm>
+      </p:grpSpPr>
+      <p:sp>
+        <p:nvSpPr>
+          <p:cNvPr id="4" name="슬라이드 번호 개체 틀 3">
+            <a:extLst>
+              <a:ext uri="{FF2B5EF4-FFF2-40B4-BE49-F238E27FC236}">
+                <a16:creationId xmlns:a16="http://schemas.microsoft.com/office/drawing/2014/main" id="{4A198925-6EC7-4EA1-BB13-6FC1C5EFF56A}"/>
+              </a:ext>
+            </a:extLst>
+          </p:cNvPr>
+          <p:cNvSpPr>
+            <a:spLocks noGrp="1"/>
+          </p:cNvSpPr>
+          <p:nvPr>
+            <p:ph type="sldNum" sz="quarter" idx="12"/>
+          </p:nvPr>
+        </p:nvSpPr>
+        <p:spPr/>
+        <p:txBody>
+          <a:bodyPr/>
+          <a:lstStyle/>
+          <a:p>
+            <a:fld id="{E7DA41EC-23F5-48AA-BEE5-29F21EDFCFE5}" type="slidenum">
+              <a:rPr lang="ko-KR" altLang="en-US" smtClean="0"/>
+              <a:t>2</a:t>
+            </a:fld>
+            <a:endParaRPr lang="ko-KR" altLang="en-US"/>
+          </a:p>
+        </p:txBody>
+      </p:sp>
+      <p:sp>
+        <p:nvSpPr>
+          <p:cNvPr id="3" name="내용 개체 틀 2">
+            <a:extLst>
+              <a:ext uri="{FF2B5EF4-FFF2-40B4-BE49-F238E27FC236}">
+                <a16:creationId xmlns:a16="http://schemas.microsoft.com/office/drawing/2014/main" id="{A4A5D45E-F8A9-405B-A3E1-F34447453D85}"/>
+              </a:ext>
+            </a:extLst>
+          </p:cNvPr>
+          <p:cNvSpPr>
+            <a:spLocks noGrp="1"/>
+          </p:cNvSpPr>
+          <p:nvPr>
+            <p:ph idx="1"/>
+          </p:nvPr>
+        </p:nvSpPr>
+        <p:spPr>
+          <a:noFill/>
+        </p:spPr>
+        <p:txBody>
+          <a:bodyPr>
+            <a:normAutofit/>
+          </a:bodyPr>
+          <a:lstStyle/>
+          <a:p>
+            <a:pPr marL="0" indent="0" algn="ctr">
+              <a:buNone/>
+            </a:pPr>
+            <a:r>
+              <a:rPr lang="ko-KR" altLang="en-US" sz="3500" dirty="0">
+                <a:latin typeface="-윤고딕320" panose="02030504000101010101" pitchFamily="18" charset="-127"/>
+                <a:ea typeface="-윤고딕320" panose="02030504000101010101" pitchFamily="18" charset="-127"/>
+              </a:rPr>
+              <a:t>도망치고</a:t>
+            </a:r>
+            <a:r>
+              <a:rPr lang="en-US" altLang="ko-KR" sz="3500" dirty="0">
+                <a:latin typeface="-윤고딕320" panose="02030504000101010101" pitchFamily="18" charset="-127"/>
+                <a:ea typeface="-윤고딕320" panose="02030504000101010101" pitchFamily="18" charset="-127"/>
+              </a:rPr>
+              <a:t>, </a:t>
+            </a:r>
+            <a:r>
+              <a:rPr lang="ko-KR" altLang="en-US" sz="3500" dirty="0">
+                <a:latin typeface="-윤고딕320" panose="02030504000101010101" pitchFamily="18" charset="-127"/>
+                <a:ea typeface="-윤고딕320" panose="02030504000101010101" pitchFamily="18" charset="-127"/>
+              </a:rPr>
+              <a:t>모험하며</a:t>
+            </a:r>
+            <a:r>
+              <a:rPr lang="en-US" altLang="ko-KR" sz="3500" dirty="0">
+                <a:latin typeface="-윤고딕320" panose="02030504000101010101" pitchFamily="18" charset="-127"/>
+                <a:ea typeface="-윤고딕320" panose="02030504000101010101" pitchFamily="18" charset="-127"/>
+              </a:rPr>
+              <a:t>, </a:t>
+            </a:r>
+            <a:r>
+              <a:rPr lang="ko-KR" altLang="en-US" sz="3500" dirty="0">
+                <a:latin typeface="-윤고딕320" panose="02030504000101010101" pitchFamily="18" charset="-127"/>
+                <a:ea typeface="-윤고딕320" panose="02030504000101010101" pitchFamily="18" charset="-127"/>
+              </a:rPr>
+              <a:t>살아남아라</a:t>
+            </a:r>
+            <a:r>
+              <a:rPr lang="en-US" altLang="ko-KR" sz="3500" dirty="0">
+                <a:latin typeface="-윤고딕320" panose="02030504000101010101" pitchFamily="18" charset="-127"/>
+                <a:ea typeface="-윤고딕320" panose="02030504000101010101" pitchFamily="18" charset="-127"/>
+              </a:rPr>
+              <a:t>!</a:t>
+            </a:r>
+          </a:p>
+          <a:p>
+            <a:endParaRPr lang="en-US" altLang="ko-KR" sz="3000" dirty="0">
+              <a:latin typeface="-윤고딕320" panose="02030504000101010101" pitchFamily="18" charset="-127"/>
+              <a:ea typeface="-윤고딕320" panose="02030504000101010101" pitchFamily="18" charset="-127"/>
+            </a:endParaRPr>
+          </a:p>
+          <a:p>
+            <a:r>
+              <a:rPr lang="ko-KR" altLang="en-US" sz="3000" b="1" dirty="0">
+                <a:latin typeface="-윤고딕310" panose="02030504000101010101" pitchFamily="18" charset="-127"/>
+                <a:ea typeface="-윤고딕310" panose="02030504000101010101" pitchFamily="18" charset="-127"/>
+              </a:rPr>
+              <a:t>장르</a:t>
+            </a:r>
+            <a:r>
+              <a:rPr lang="en-US" altLang="ko-KR" sz="3000" dirty="0">
+                <a:latin typeface="-윤고딕310" panose="02030504000101010101" pitchFamily="18" charset="-127"/>
+                <a:ea typeface="-윤고딕310" panose="02030504000101010101" pitchFamily="18" charset="-127"/>
+              </a:rPr>
+              <a:t>: </a:t>
+            </a:r>
+            <a:r>
+              <a:rPr lang="ko-KR" altLang="en-US" sz="3000" dirty="0">
+                <a:latin typeface="-윤고딕310" panose="02030504000101010101" pitchFamily="18" charset="-127"/>
+                <a:ea typeface="-윤고딕310" panose="02030504000101010101" pitchFamily="18" charset="-127"/>
+              </a:rPr>
+              <a:t>플랫폼 어드벤처</a:t>
+            </a:r>
+            <a:r>
+              <a:rPr lang="en-US" altLang="ko-KR" sz="3000" dirty="0">
+                <a:latin typeface="-윤고딕310" panose="02030504000101010101" pitchFamily="18" charset="-127"/>
+                <a:ea typeface="-윤고딕310" panose="02030504000101010101" pitchFamily="18" charset="-127"/>
+              </a:rPr>
+              <a:t> – </a:t>
+            </a:r>
+            <a:r>
+              <a:rPr lang="ko-KR" altLang="en-US" sz="3000" dirty="0">
+                <a:latin typeface="-윤고딕310" panose="02030504000101010101" pitchFamily="18" charset="-127"/>
+                <a:ea typeface="-윤고딕310" panose="02030504000101010101" pitchFamily="18" charset="-127"/>
+              </a:rPr>
+              <a:t>현실처럼 중력이 작용하는 세계이다</a:t>
+            </a:r>
+            <a:r>
+              <a:rPr lang="en-US" altLang="ko-KR" sz="3000" dirty="0">
+                <a:latin typeface="-윤고딕310" panose="02030504000101010101" pitchFamily="18" charset="-127"/>
+                <a:ea typeface="-윤고딕310" panose="02030504000101010101" pitchFamily="18" charset="-127"/>
+              </a:rPr>
+              <a:t>.</a:t>
+            </a:r>
+          </a:p>
+          <a:p>
+            <a:endParaRPr lang="en-US" altLang="ko-KR" sz="3000" dirty="0">
+              <a:latin typeface="-윤고딕310" panose="02030504000101010101" pitchFamily="18" charset="-127"/>
+              <a:ea typeface="-윤고딕310" panose="02030504000101010101" pitchFamily="18" charset="-127"/>
+            </a:endParaRPr>
+          </a:p>
+          <a:p>
+            <a:r>
+              <a:rPr lang="ko-KR" altLang="en-US" sz="3000" b="1" dirty="0">
+                <a:latin typeface="-윤고딕310" panose="02030504000101010101" pitchFamily="18" charset="-127"/>
+                <a:ea typeface="-윤고딕310" panose="02030504000101010101" pitchFamily="18" charset="-127"/>
+              </a:rPr>
+              <a:t>키보드</a:t>
+            </a:r>
+            <a:r>
+              <a:rPr lang="ko-KR" altLang="en-US" sz="3000" dirty="0">
+                <a:latin typeface="-윤고딕310" panose="02030504000101010101" pitchFamily="18" charset="-127"/>
+                <a:ea typeface="-윤고딕310" panose="02030504000101010101" pitchFamily="18" charset="-127"/>
+              </a:rPr>
+              <a:t>로 조작한다</a:t>
+            </a:r>
+            <a:r>
+              <a:rPr lang="en-US" altLang="ko-KR" sz="3000" dirty="0">
+                <a:latin typeface="-윤고딕310" panose="02030504000101010101" pitchFamily="18" charset="-127"/>
+                <a:ea typeface="-윤고딕310" panose="02030504000101010101" pitchFamily="18" charset="-127"/>
+              </a:rPr>
+              <a:t>. </a:t>
+            </a:r>
+            <a:r>
+              <a:rPr lang="ko-KR" altLang="en-US" sz="3000" dirty="0">
+                <a:latin typeface="-윤고딕310" panose="02030504000101010101" pitchFamily="18" charset="-127"/>
+                <a:ea typeface="-윤고딕310" panose="02030504000101010101" pitchFamily="18" charset="-127"/>
+              </a:rPr>
+              <a:t>메뉴 역시</a:t>
+            </a:r>
+            <a:r>
+              <a:rPr lang="en-US" altLang="ko-KR" sz="3000" dirty="0">
+                <a:latin typeface="-윤고딕310" panose="02030504000101010101" pitchFamily="18" charset="-127"/>
+                <a:ea typeface="-윤고딕310" panose="02030504000101010101" pitchFamily="18" charset="-127"/>
+              </a:rPr>
+              <a:t> </a:t>
+            </a:r>
+            <a:r>
+              <a:rPr lang="ko-KR" altLang="en-US" sz="3000" dirty="0">
+                <a:latin typeface="-윤고딕310" panose="02030504000101010101" pitchFamily="18" charset="-127"/>
+                <a:ea typeface="-윤고딕310" panose="02030504000101010101" pitchFamily="18" charset="-127"/>
+              </a:rPr>
+              <a:t>편리함을 위해 마우스를 쓰지 않는다</a:t>
+            </a:r>
+            <a:r>
+              <a:rPr lang="en-US" altLang="ko-KR" sz="3000" dirty="0">
+                <a:latin typeface="-윤고딕310" panose="02030504000101010101" pitchFamily="18" charset="-127"/>
+                <a:ea typeface="-윤고딕310" panose="02030504000101010101" pitchFamily="18" charset="-127"/>
+              </a:rPr>
+              <a:t>.</a:t>
+            </a:r>
+          </a:p>
+          <a:p>
+            <a:endParaRPr lang="en-US" altLang="ko-KR" sz="3000" dirty="0"/>
+          </a:p>
+          <a:p>
+            <a:endParaRPr lang="ko-KR" altLang="en-US" sz="3000" dirty="0"/>
+          </a:p>
+        </p:txBody>
+      </p:sp>
+      <p:sp>
+        <p:nvSpPr>
+          <p:cNvPr id="2" name="제목 1">
+            <a:extLst>
+              <a:ext uri="{FF2B5EF4-FFF2-40B4-BE49-F238E27FC236}">
+                <a16:creationId xmlns:a16="http://schemas.microsoft.com/office/drawing/2014/main" id="{0AB349F5-054F-47F7-BC73-1F8767008238}"/>
+              </a:ext>
+            </a:extLst>
+          </p:cNvPr>
+          <p:cNvSpPr>
+            <a:spLocks noGrp="1"/>
+          </p:cNvSpPr>
+          <p:nvPr>
+            <p:ph type="title"/>
+          </p:nvPr>
+        </p:nvSpPr>
+        <p:spPr>
+          <a:xfrm>
+            <a:off x="1172633" y="268239"/>
+            <a:ext cx="6798734" cy="785471"/>
+          </a:xfrm>
+        </p:spPr>
+        <p:txBody>
+          <a:bodyPr anchor="t"/>
+          <a:lstStyle/>
+          <a:p>
+            <a:pPr algn="l"/>
+            <a:r>
+              <a:rPr lang="en-US" altLang="ko-KR" dirty="0">
+                <a:solidFill>
+                  <a:srgbClr val="336699"/>
+                </a:solidFill>
+                <a:latin typeface="나눔고딕 ExtraBold" panose="020D0904000000000000" pitchFamily="50" charset="-127"/>
+                <a:ea typeface="나눔고딕 ExtraBold" panose="020D0904000000000000" pitchFamily="50" charset="-127"/>
+              </a:rPr>
+              <a:t>	</a:t>
+            </a:r>
+            <a:r>
+              <a:rPr lang="ko-KR" altLang="en-US" dirty="0">
+                <a:solidFill>
+                  <a:srgbClr val="336699"/>
+                </a:solidFill>
+                <a:latin typeface="나눔고딕 ExtraBold" panose="020D0904000000000000" pitchFamily="50" charset="-127"/>
+                <a:ea typeface="나눔고딕 ExtraBold" panose="020D0904000000000000" pitchFamily="50" charset="-127"/>
+              </a:rPr>
+              <a:t>게임 컨셉트</a:t>
+            </a:r>
+          </a:p>
+        </p:txBody>
+      </p:sp>
+    </p:spTree>
+    <p:extLst>
+      <p:ext uri="{BB962C8B-B14F-4D97-AF65-F5344CB8AC3E}">
+        <p14:creationId xmlns:p14="http://schemas.microsoft.com/office/powerpoint/2010/main" val="847401745"/>
+      </p:ext>
+    </p:extLst>
+  </p:cSld>
+  <p:clrMapOvr>
+    <a:masterClrMapping/>
+  </p:clrMapOvr>
+</p:sld>
+</file>
+
+<file path=ppt/slides/slide3.xml><?xml version="1.0" encoding="utf-8"?>
+<p:sld xmlns:a="http://schemas.openxmlformats.org/drawingml/2006/main" xmlns:r="http://schemas.openxmlformats.org/officeDocument/2006/relationships" xmlns:p="http://schemas.openxmlformats.org/presentationml/2006/main">
+  <p:cSld>
+    <p:spTree>
+      <p:nvGrpSpPr>
+        <p:cNvPr id="1" name=""/>
+        <p:cNvGrpSpPr/>
+        <p:nvPr/>
+      </p:nvGrpSpPr>
+      <p:grpSpPr>
+        <a:xfrm>
+          <a:off x="0" y="0"/>
+          <a:ext cx="0" cy="0"/>
+          <a:chOff x="0" y="0"/>
+          <a:chExt cx="0" cy="0"/>
+        </a:xfrm>
+      </p:grpSpPr>
+      <p:sp>
+        <p:nvSpPr>
+          <p:cNvPr id="4" name="슬라이드 번호 개체 틀 3">
+            <a:extLst>
+              <a:ext uri="{FF2B5EF4-FFF2-40B4-BE49-F238E27FC236}">
+                <a16:creationId xmlns:a16="http://schemas.microsoft.com/office/drawing/2014/main" id="{5AE9AE37-5589-4777-8329-0EA539358E93}"/>
+              </a:ext>
+            </a:extLst>
+          </p:cNvPr>
+          <p:cNvSpPr>
+            <a:spLocks noGrp="1"/>
+          </p:cNvSpPr>
+          <p:nvPr>
+            <p:ph type="sldNum" sz="quarter" idx="12"/>
+          </p:nvPr>
+        </p:nvSpPr>
+        <p:spPr/>
+        <p:txBody>
+          <a:bodyPr/>
+          <a:lstStyle/>
+          <a:p>
+            <a:fld id="{E7DA41EC-23F5-48AA-BEE5-29F21EDFCFE5}" type="slidenum">
+              <a:rPr lang="ko-KR" altLang="en-US" smtClean="0"/>
+              <a:t>3</a:t>
+            </a:fld>
+            <a:endParaRPr lang="ko-KR" altLang="en-US"/>
+          </a:p>
+        </p:txBody>
+      </p:sp>
+      <p:graphicFrame>
+        <p:nvGraphicFramePr>
+          <p:cNvPr id="6" name="내용 개체 틀 5">
+            <a:extLst>
+              <a:ext uri="{FF2B5EF4-FFF2-40B4-BE49-F238E27FC236}">
+                <a16:creationId xmlns:a16="http://schemas.microsoft.com/office/drawing/2014/main" id="{C87E07AF-32DC-4907-9609-4486C9673CF7}"/>
+              </a:ext>
+            </a:extLst>
+          </p:cNvPr>
+          <p:cNvGraphicFramePr>
+            <a:graphicFrameLocks noGrp="1"/>
+          </p:cNvGraphicFramePr>
+          <p:nvPr>
+            <p:ph idx="1"/>
+            <p:extLst>
+              <p:ext uri="{D42A27DB-BD31-4B8C-83A1-F6EECF244321}">
+                <p14:modId xmlns:p14="http://schemas.microsoft.com/office/powerpoint/2010/main" val="1948513410"/>
+              </p:ext>
+            </p:extLst>
+          </p:nvPr>
+        </p:nvGraphicFramePr>
+        <p:xfrm>
+          <a:off x="323528" y="1412776"/>
+          <a:ext cx="8244211" cy="5184576"/>
+        </p:xfrm>
+        <a:graphic>
+          <a:graphicData uri="http://schemas.openxmlformats.org/drawingml/2006/table">
+            <a:tbl>
+              <a:tblPr firstRow="1" bandRow="1">
+                <a:tableStyleId>{00A15C55-8517-42AA-B614-E9B94910E393}</a:tableStyleId>
+              </a:tblPr>
+              <a:tblGrid>
+                <a:gridCol w="1474410">
+                  <a:extLst>
+                    <a:ext uri="{9D8B030D-6E8A-4147-A177-3AD203B41FA5}">
+                      <a16:colId xmlns:a16="http://schemas.microsoft.com/office/drawing/2014/main" val="3026215981"/>
+                    </a:ext>
+                  </a:extLst>
+                </a:gridCol>
+                <a:gridCol w="6769801">
+                  <a:extLst>
+                    <a:ext uri="{9D8B030D-6E8A-4147-A177-3AD203B41FA5}">
+                      <a16:colId xmlns:a16="http://schemas.microsoft.com/office/drawing/2014/main" val="3107912970"/>
+                    </a:ext>
+                  </a:extLst>
+                </a:gridCol>
+              </a:tblGrid>
+              <a:tr h="648072">
+                <a:tc>
+                  <a:txBody>
+                    <a:bodyPr/>
+                    <a:lstStyle/>
+                    <a:p>
+                      <a:pPr algn="ctr" latinLnBrk="1"/>
+                      <a:r>
+                        <a:rPr lang="ko-KR" altLang="en-US" dirty="0"/>
+                        <a:t>내용</a:t>
+                      </a:r>
+                      <a:endParaRPr lang="ko-KR" altLang="en-US" dirty="0">
+                        <a:latin typeface="-윤고딕320" panose="02030504000101010101" pitchFamily="18" charset="-127"/>
+                        <a:ea typeface="-윤고딕320" panose="02030504000101010101" pitchFamily="18" charset="-127"/>
+                      </a:endParaRPr>
+                    </a:p>
+                  </a:txBody>
+                  <a:tcPr anchor="ctr"/>
+                </a:tc>
+                <a:tc>
+                  <a:txBody>
+                    <a:bodyPr/>
+                    <a:lstStyle/>
+                    <a:p>
+                      <a:pPr algn="ctr" latinLnBrk="1"/>
+                      <a:r>
+                        <a:rPr lang="ko-KR" altLang="en-US" dirty="0"/>
+                        <a:t>상세</a:t>
+                      </a:r>
+                      <a:endParaRPr lang="ko-KR" altLang="en-US" dirty="0">
+                        <a:latin typeface="-윤고딕320" panose="02030504000101010101" pitchFamily="18" charset="-127"/>
+                        <a:ea typeface="-윤고딕320" panose="02030504000101010101" pitchFamily="18" charset="-127"/>
+                      </a:endParaRPr>
+                    </a:p>
+                  </a:txBody>
+                  <a:tcPr anchor="ctr"/>
+                </a:tc>
+                <a:extLst>
+                  <a:ext uri="{0D108BD9-81ED-4DB2-BD59-A6C34878D82A}">
+                    <a16:rowId xmlns:a16="http://schemas.microsoft.com/office/drawing/2014/main" val="2777749688"/>
+                  </a:ext>
+                </a:extLst>
+              </a:tr>
+              <a:tr h="648072">
+                <a:tc>
+                  <a:txBody>
+                    <a:bodyPr/>
+                    <a:lstStyle/>
+                    <a:p>
+                      <a:pPr algn="ctr" latinLnBrk="1"/>
+                      <a:r>
+                        <a:rPr lang="ko-KR" altLang="en-US" sz="1600" dirty="0"/>
+                        <a:t>캐릭터 조작</a:t>
+                      </a:r>
+                      <a:endParaRPr lang="ko-KR" altLang="en-US" sz="1600" dirty="0">
+                        <a:latin typeface="-윤고딕310" panose="02030504000101010101" pitchFamily="18" charset="-127"/>
+                        <a:ea typeface="-윤고딕310" panose="02030504000101010101" pitchFamily="18" charset="-127"/>
+                      </a:endParaRPr>
+                    </a:p>
+                  </a:txBody>
+                  <a:tcPr anchor="ctr"/>
+                </a:tc>
+                <a:tc>
+                  <a:txBody>
+                    <a:bodyPr/>
+                    <a:lstStyle/>
+                    <a:p>
+                      <a:pPr latinLnBrk="1"/>
+                      <a:endParaRPr lang="ko-KR" altLang="en-US" dirty="0">
+                        <a:latin typeface="-윤고딕310" panose="02030504000101010101" pitchFamily="18" charset="-127"/>
+                        <a:ea typeface="-윤고딕310" panose="02030504000101010101" pitchFamily="18" charset="-127"/>
+                      </a:endParaRPr>
+                    </a:p>
+                  </a:txBody>
+                  <a:tcPr/>
+                </a:tc>
+                <a:extLst>
+                  <a:ext uri="{0D108BD9-81ED-4DB2-BD59-A6C34878D82A}">
+                    <a16:rowId xmlns:a16="http://schemas.microsoft.com/office/drawing/2014/main" val="2854291080"/>
+                  </a:ext>
+                </a:extLst>
+              </a:tr>
+              <a:tr h="648072">
+                <a:tc>
+                  <a:txBody>
+                    <a:bodyPr/>
+                    <a:lstStyle/>
+                    <a:p>
+                      <a:pPr algn="ctr" latinLnBrk="1"/>
+                      <a:r>
+                        <a:rPr lang="ko-KR" altLang="en-US" sz="1600" dirty="0"/>
+                        <a:t>캐릭터 능력</a:t>
+                      </a:r>
+                      <a:endParaRPr lang="ko-KR" altLang="en-US" sz="1600" dirty="0">
+                        <a:latin typeface="-윤고딕310" panose="02030504000101010101" pitchFamily="18" charset="-127"/>
+                        <a:ea typeface="-윤고딕310" panose="02030504000101010101" pitchFamily="18" charset="-127"/>
+                      </a:endParaRPr>
+                    </a:p>
+                  </a:txBody>
+                  <a:tcPr anchor="ctr"/>
+                </a:tc>
+                <a:tc>
+                  <a:txBody>
+                    <a:bodyPr/>
+                    <a:lstStyle/>
+                    <a:p>
+                      <a:pPr latinLnBrk="1"/>
+                      <a:endParaRPr lang="ko-KR" altLang="en-US" dirty="0">
+                        <a:latin typeface="-윤고딕310" panose="02030504000101010101" pitchFamily="18" charset="-127"/>
+                        <a:ea typeface="-윤고딕310" panose="02030504000101010101" pitchFamily="18" charset="-127"/>
+                      </a:endParaRPr>
+                    </a:p>
+                  </a:txBody>
+                  <a:tcPr/>
+                </a:tc>
+                <a:extLst>
+                  <a:ext uri="{0D108BD9-81ED-4DB2-BD59-A6C34878D82A}">
+                    <a16:rowId xmlns:a16="http://schemas.microsoft.com/office/drawing/2014/main" val="1194299463"/>
+                  </a:ext>
+                </a:extLst>
+              </a:tr>
+              <a:tr h="648072">
+                <a:tc>
+                  <a:txBody>
+                    <a:bodyPr/>
+                    <a:lstStyle/>
+                    <a:p>
+                      <a:pPr algn="ctr" latinLnBrk="1"/>
+                      <a:r>
+                        <a:rPr lang="ko-KR" altLang="en-US" sz="1600" dirty="0"/>
+                        <a:t>게임 연출</a:t>
+                      </a:r>
+                      <a:endParaRPr lang="ko-KR" altLang="en-US" sz="1600" dirty="0">
+                        <a:latin typeface="-윤고딕310" panose="02030504000101010101" pitchFamily="18" charset="-127"/>
+                        <a:ea typeface="-윤고딕310" panose="02030504000101010101" pitchFamily="18" charset="-127"/>
+                      </a:endParaRPr>
+                    </a:p>
+                  </a:txBody>
+                  <a:tcPr anchor="ctr"/>
+                </a:tc>
+                <a:tc>
+                  <a:txBody>
+                    <a:bodyPr/>
+                    <a:lstStyle/>
+                    <a:p>
+                      <a:pPr latinLnBrk="1"/>
+                      <a:endParaRPr lang="en-US" altLang="ko-KR" dirty="0">
+                        <a:latin typeface="-윤고딕310" panose="02030504000101010101" pitchFamily="18" charset="-127"/>
+                        <a:ea typeface="-윤고딕310" panose="02030504000101010101" pitchFamily="18" charset="-127"/>
+                      </a:endParaRPr>
+                    </a:p>
+                    <a:p>
+                      <a:pPr latinLnBrk="1"/>
+                      <a:endParaRPr lang="ko-KR" altLang="en-US" dirty="0">
+                        <a:latin typeface="-윤고딕310" panose="02030504000101010101" pitchFamily="18" charset="-127"/>
+                        <a:ea typeface="-윤고딕310" panose="02030504000101010101" pitchFamily="18" charset="-127"/>
+                      </a:endParaRPr>
+                    </a:p>
+                  </a:txBody>
+                  <a:tcPr/>
+                </a:tc>
+                <a:extLst>
+                  <a:ext uri="{0D108BD9-81ED-4DB2-BD59-A6C34878D82A}">
+                    <a16:rowId xmlns:a16="http://schemas.microsoft.com/office/drawing/2014/main" val="2345408676"/>
+                  </a:ext>
+                </a:extLst>
+              </a:tr>
+              <a:tr h="648072">
+                <a:tc>
+                  <a:txBody>
+                    <a:bodyPr/>
+                    <a:lstStyle/>
+                    <a:p>
+                      <a:pPr algn="ctr" latinLnBrk="1"/>
+                      <a:r>
+                        <a:rPr lang="ko-KR" altLang="en-US" sz="1600" dirty="0"/>
+                        <a:t>맵 테마와</a:t>
+                      </a:r>
+                      <a:endParaRPr lang="en-US" altLang="ko-KR" sz="1600" dirty="0"/>
+                    </a:p>
+                    <a:p>
+                      <a:pPr algn="ctr" latinLnBrk="1"/>
+                      <a:r>
+                        <a:rPr lang="ko-KR" altLang="en-US" sz="1600" dirty="0"/>
+                        <a:t>스테이지</a:t>
+                      </a:r>
+                      <a:endParaRPr lang="ko-KR" altLang="en-US" sz="1600" dirty="0">
+                        <a:latin typeface="-윤고딕310" panose="02030504000101010101" pitchFamily="18" charset="-127"/>
+                        <a:ea typeface="-윤고딕310" panose="02030504000101010101" pitchFamily="18" charset="-127"/>
+                      </a:endParaRPr>
+                    </a:p>
+                  </a:txBody>
+                  <a:tcPr anchor="ctr"/>
+                </a:tc>
+                <a:tc>
+                  <a:txBody>
+                    <a:bodyPr/>
+                    <a:lstStyle/>
+                    <a:p>
+                      <a:pPr latinLnBrk="1"/>
+                      <a:endParaRPr lang="ko-KR" altLang="en-US" dirty="0">
+                        <a:latin typeface="-윤고딕310" panose="02030504000101010101" pitchFamily="18" charset="-127"/>
+                        <a:ea typeface="-윤고딕310" panose="02030504000101010101" pitchFamily="18" charset="-127"/>
+                      </a:endParaRPr>
+                    </a:p>
+                  </a:txBody>
+                  <a:tcPr/>
+                </a:tc>
+                <a:extLst>
+                  <a:ext uri="{0D108BD9-81ED-4DB2-BD59-A6C34878D82A}">
+                    <a16:rowId xmlns:a16="http://schemas.microsoft.com/office/drawing/2014/main" val="132467065"/>
+                  </a:ext>
+                </a:extLst>
+              </a:tr>
+              <a:tr h="648072">
+                <a:tc>
+                  <a:txBody>
+                    <a:bodyPr/>
+                    <a:lstStyle/>
+                    <a:p>
+                      <a:pPr algn="ctr" latinLnBrk="1"/>
+                      <a:r>
+                        <a:rPr lang="ko-KR" altLang="en-US" sz="1600" dirty="0"/>
+                        <a:t>적과 </a:t>
+                      </a:r>
+                      <a:r>
+                        <a:rPr lang="en-US" altLang="ko-KR" sz="1600" dirty="0"/>
+                        <a:t>NPC</a:t>
+                      </a:r>
+                      <a:endParaRPr lang="ko-KR" altLang="en-US" sz="1600" dirty="0">
+                        <a:latin typeface="-윤고딕310" panose="02030504000101010101" pitchFamily="18" charset="-127"/>
+                        <a:ea typeface="-윤고딕310" panose="02030504000101010101" pitchFamily="18" charset="-127"/>
+                      </a:endParaRPr>
+                    </a:p>
+                  </a:txBody>
+                  <a:tcPr anchor="ctr"/>
+                </a:tc>
+                <a:tc>
+                  <a:txBody>
+                    <a:bodyPr/>
+                    <a:lstStyle/>
+                    <a:p>
+                      <a:pPr latinLnBrk="1"/>
+                      <a:endParaRPr lang="ko-KR" altLang="en-US" dirty="0">
+                        <a:latin typeface="-윤고딕310" panose="02030504000101010101" pitchFamily="18" charset="-127"/>
+                        <a:ea typeface="-윤고딕310" panose="02030504000101010101" pitchFamily="18" charset="-127"/>
+                      </a:endParaRPr>
+                    </a:p>
+                  </a:txBody>
+                  <a:tcPr/>
+                </a:tc>
+                <a:extLst>
+                  <a:ext uri="{0D108BD9-81ED-4DB2-BD59-A6C34878D82A}">
+                    <a16:rowId xmlns:a16="http://schemas.microsoft.com/office/drawing/2014/main" val="2060674530"/>
+                  </a:ext>
+                </a:extLst>
+              </a:tr>
+              <a:tr h="648072">
+                <a:tc>
+                  <a:txBody>
+                    <a:bodyPr/>
+                    <a:lstStyle/>
+                    <a:p>
+                      <a:pPr algn="ctr" latinLnBrk="1"/>
+                      <a:r>
+                        <a:rPr lang="ko-KR" altLang="en-US" sz="1600" dirty="0"/>
+                        <a:t>그래픽</a:t>
+                      </a:r>
+                      <a:endParaRPr lang="ko-KR" altLang="en-US" sz="1600" dirty="0">
+                        <a:latin typeface="-윤고딕310" panose="02030504000101010101" pitchFamily="18" charset="-127"/>
+                        <a:ea typeface="-윤고딕310" panose="02030504000101010101" pitchFamily="18" charset="-127"/>
+                      </a:endParaRPr>
+                    </a:p>
+                  </a:txBody>
+                  <a:tcPr anchor="ctr"/>
+                </a:tc>
+                <a:tc>
+                  <a:txBody>
+                    <a:bodyPr/>
+                    <a:lstStyle/>
+                    <a:p>
+                      <a:pPr latinLnBrk="1"/>
+                      <a:endParaRPr lang="ko-KR" altLang="en-US" dirty="0">
+                        <a:latin typeface="-윤고딕310" panose="02030504000101010101" pitchFamily="18" charset="-127"/>
+                        <a:ea typeface="-윤고딕310" panose="02030504000101010101" pitchFamily="18" charset="-127"/>
+                      </a:endParaRPr>
+                    </a:p>
+                  </a:txBody>
+                  <a:tcPr/>
+                </a:tc>
+                <a:extLst>
+                  <a:ext uri="{0D108BD9-81ED-4DB2-BD59-A6C34878D82A}">
+                    <a16:rowId xmlns:a16="http://schemas.microsoft.com/office/drawing/2014/main" val="1182672815"/>
+                  </a:ext>
+                </a:extLst>
+              </a:tr>
+              <a:tr h="648072">
+                <a:tc>
+                  <a:txBody>
+                    <a:bodyPr/>
+                    <a:lstStyle/>
+                    <a:p>
+                      <a:pPr algn="ctr" latinLnBrk="1"/>
+                      <a:r>
+                        <a:rPr lang="ko-KR" altLang="en-US" sz="1600" dirty="0"/>
+                        <a:t>사운드</a:t>
+                      </a:r>
+                      <a:endParaRPr lang="ko-KR" altLang="en-US" sz="1600" dirty="0">
+                        <a:latin typeface="-윤고딕310" panose="02030504000101010101" pitchFamily="18" charset="-127"/>
+                        <a:ea typeface="-윤고딕310" panose="02030504000101010101" pitchFamily="18" charset="-127"/>
+                      </a:endParaRPr>
+                    </a:p>
+                  </a:txBody>
+                  <a:tcPr anchor="ctr"/>
+                </a:tc>
+                <a:tc>
+                  <a:txBody>
+                    <a:bodyPr/>
+                    <a:lstStyle/>
+                    <a:p>
+                      <a:pPr latinLnBrk="1"/>
+                      <a:endParaRPr lang="ko-KR" altLang="en-US" dirty="0">
+                        <a:latin typeface="-윤고딕310" panose="02030504000101010101" pitchFamily="18" charset="-127"/>
+                        <a:ea typeface="-윤고딕310" panose="02030504000101010101" pitchFamily="18" charset="-127"/>
+                      </a:endParaRPr>
+                    </a:p>
+                  </a:txBody>
+                  <a:tcPr/>
+                </a:tc>
+                <a:extLst>
+                  <a:ext uri="{0D108BD9-81ED-4DB2-BD59-A6C34878D82A}">
+                    <a16:rowId xmlns:a16="http://schemas.microsoft.com/office/drawing/2014/main" val="1488941561"/>
+                  </a:ext>
+                </a:extLst>
+              </a:tr>
+            </a:tbl>
+          </a:graphicData>
+        </a:graphic>
+      </p:graphicFrame>
+      <p:sp>
+        <p:nvSpPr>
+          <p:cNvPr id="2" name="제목 1">
+            <a:extLst>
+              <a:ext uri="{FF2B5EF4-FFF2-40B4-BE49-F238E27FC236}">
+                <a16:creationId xmlns:a16="http://schemas.microsoft.com/office/drawing/2014/main" id="{21E6DDB8-4DB0-42D2-9593-6E35D24E009B}"/>
+              </a:ext>
+            </a:extLst>
+          </p:cNvPr>
+          <p:cNvSpPr>
+            <a:spLocks noGrp="1"/>
+          </p:cNvSpPr>
+          <p:nvPr>
+            <p:ph type="title"/>
+          </p:nvPr>
+        </p:nvSpPr>
+        <p:spPr>
+          <a:xfrm>
+            <a:off x="1176866" y="260648"/>
+            <a:ext cx="6798734" cy="713463"/>
+          </a:xfrm>
+        </p:spPr>
+        <p:txBody>
+          <a:bodyPr anchor="t"/>
+          <a:lstStyle/>
+          <a:p>
+            <a:pPr algn="l"/>
+            <a:r>
+              <a:rPr lang="en-US" altLang="ko-KR" dirty="0">
+                <a:solidFill>
+                  <a:srgbClr val="336699"/>
+                </a:solidFill>
+                <a:latin typeface="나눔고딕 ExtraBold" panose="020D0904000000000000" pitchFamily="50" charset="-127"/>
+                <a:ea typeface="나눔고딕 ExtraBold" panose="020D0904000000000000" pitchFamily="50" charset="-127"/>
+              </a:rPr>
+              <a:t>	</a:t>
+            </a:r>
+            <a:r>
+              <a:rPr lang="ko-KR" altLang="en-US" dirty="0">
+                <a:solidFill>
+                  <a:srgbClr val="336699"/>
+                </a:solidFill>
+                <a:latin typeface="나눔고딕 ExtraBold" panose="020D0904000000000000" pitchFamily="50" charset="-127"/>
+                <a:ea typeface="나눔고딕 ExtraBold" panose="020D0904000000000000" pitchFamily="50" charset="-127"/>
+              </a:rPr>
+              <a:t>개발 범위</a:t>
+            </a:r>
+          </a:p>
+        </p:txBody>
+      </p:sp>
+    </p:spTree>
+    <p:extLst>
+      <p:ext uri="{BB962C8B-B14F-4D97-AF65-F5344CB8AC3E}">
+        <p14:creationId xmlns:p14="http://schemas.microsoft.com/office/powerpoint/2010/main" val="826052931"/>
+      </p:ext>
+    </p:extLst>
+  </p:cSld>
+  <p:clrMapOvr>
+    <a:masterClrMapping/>
+  </p:clrMapOvr>
+</p:sld>
+</file>
+
+<file path=ppt/slides/slide4.xml><?xml version="1.0" encoding="utf-8"?>
+<p:sld xmlns:a="http://schemas.openxmlformats.org/drawingml/2006/main" xmlns:r="http://schemas.openxmlformats.org/officeDocument/2006/relationships" xmlns:p="http://schemas.openxmlformats.org/presentationml/2006/main">
+  <p:cSld>
+    <p:spTree>
+      <p:nvGrpSpPr>
+        <p:cNvPr id="1" name=""/>
+        <p:cNvGrpSpPr/>
+        <p:nvPr/>
+      </p:nvGrpSpPr>
+      <p:grpSpPr>
+        <a:xfrm>
+          <a:off x="0" y="0"/>
+          <a:ext cx="0" cy="0"/>
+          <a:chOff x="0" y="0"/>
+          <a:chExt cx="0" cy="0"/>
+        </a:xfrm>
+      </p:grpSpPr>
+      <p:sp>
+        <p:nvSpPr>
+          <p:cNvPr id="4" name="슬라이드 번호 개체 틀 3">
+            <a:extLst>
+              <a:ext uri="{FF2B5EF4-FFF2-40B4-BE49-F238E27FC236}">
+                <a16:creationId xmlns:a16="http://schemas.microsoft.com/office/drawing/2014/main" id="{5AE9AE37-5589-4777-8329-0EA539358E93}"/>
+              </a:ext>
+            </a:extLst>
+          </p:cNvPr>
+          <p:cNvSpPr>
+            <a:spLocks noGrp="1"/>
+          </p:cNvSpPr>
+          <p:nvPr>
+            <p:ph type="sldNum" sz="quarter" idx="12"/>
+          </p:nvPr>
+        </p:nvSpPr>
+        <p:spPr/>
+        <p:txBody>
+          <a:bodyPr/>
+          <a:lstStyle/>
+          <a:p>
+            <a:fld id="{E7DA41EC-23F5-48AA-BEE5-29F21EDFCFE5}" type="slidenum">
+              <a:rPr lang="ko-KR" altLang="en-US" smtClean="0"/>
+              <a:t>4</a:t>
+            </a:fld>
+            <a:endParaRPr lang="ko-KR" altLang="en-US"/>
+          </a:p>
+        </p:txBody>
+      </p:sp>
+      <p:sp>
+        <p:nvSpPr>
+          <p:cNvPr id="3" name="내용 개체 틀 2">
+            <a:extLst>
+              <a:ext uri="{FF2B5EF4-FFF2-40B4-BE49-F238E27FC236}">
+                <a16:creationId xmlns:a16="http://schemas.microsoft.com/office/drawing/2014/main" id="{F8D78605-D1E1-4D25-8459-5938889AC313}"/>
+              </a:ext>
+            </a:extLst>
+          </p:cNvPr>
+          <p:cNvSpPr>
+            <a:spLocks noGrp="1"/>
+          </p:cNvSpPr>
+          <p:nvPr>
+            <p:ph idx="1"/>
+          </p:nvPr>
+        </p:nvSpPr>
+        <p:spPr/>
+        <p:txBody>
+          <a:bodyPr/>
+          <a:lstStyle/>
+          <a:p>
+            <a:endParaRPr lang="ko-KR" altLang="en-US" dirty="0"/>
+          </a:p>
+        </p:txBody>
+      </p:sp>
+      <p:sp>
+        <p:nvSpPr>
+          <p:cNvPr id="2" name="제목 1">
+            <a:extLst>
+              <a:ext uri="{FF2B5EF4-FFF2-40B4-BE49-F238E27FC236}">
+                <a16:creationId xmlns:a16="http://schemas.microsoft.com/office/drawing/2014/main" id="{21E6DDB8-4DB0-42D2-9593-6E35D24E009B}"/>
+              </a:ext>
+            </a:extLst>
+          </p:cNvPr>
+          <p:cNvSpPr>
+            <a:spLocks noGrp="1"/>
+          </p:cNvSpPr>
+          <p:nvPr>
+            <p:ph type="title"/>
+          </p:nvPr>
+        </p:nvSpPr>
+        <p:spPr>
+          <a:xfrm>
+            <a:off x="1176866" y="260648"/>
+            <a:ext cx="6798734" cy="713463"/>
+          </a:xfrm>
+        </p:spPr>
+        <p:txBody>
+          <a:bodyPr anchor="t"/>
+          <a:lstStyle/>
+          <a:p>
+            <a:pPr algn="l"/>
+            <a:r>
+              <a:rPr lang="en-US" altLang="ko-KR" dirty="0">
+                <a:solidFill>
+                  <a:srgbClr val="336699"/>
+                </a:solidFill>
+                <a:latin typeface="나눔고딕 ExtraBold" panose="020D0904000000000000" pitchFamily="50" charset="-127"/>
+                <a:ea typeface="나눔고딕 ExtraBold" panose="020D0904000000000000" pitchFamily="50" charset="-127"/>
+              </a:rPr>
+              <a:t>	</a:t>
+            </a:r>
+            <a:r>
+              <a:rPr lang="ko-KR" altLang="en-US" dirty="0">
+                <a:solidFill>
+                  <a:srgbClr val="336699"/>
+                </a:solidFill>
+                <a:latin typeface="나눔고딕 ExtraBold" panose="020D0904000000000000" pitchFamily="50" charset="-127"/>
+                <a:ea typeface="나눔고딕 ExtraBold" panose="020D0904000000000000" pitchFamily="50" charset="-127"/>
+              </a:rPr>
+              <a:t>개발 상황</a:t>
+            </a:r>
+          </a:p>
+        </p:txBody>
+      </p:sp>
+      <p:graphicFrame>
+        <p:nvGraphicFramePr>
+          <p:cNvPr id="5" name="내용 개체 틀 5">
+            <a:extLst>
+              <a:ext uri="{FF2B5EF4-FFF2-40B4-BE49-F238E27FC236}">
+                <a16:creationId xmlns:a16="http://schemas.microsoft.com/office/drawing/2014/main" id="{FB2E4102-1495-44A0-852D-BC87ACBEA27E}"/>
+              </a:ext>
+            </a:extLst>
+          </p:cNvPr>
+          <p:cNvGraphicFramePr>
+            <a:graphicFrameLocks/>
+          </p:cNvGraphicFramePr>
+          <p:nvPr>
+            <p:extLst>
+              <p:ext uri="{D42A27DB-BD31-4B8C-83A1-F6EECF244321}">
+                <p14:modId xmlns:p14="http://schemas.microsoft.com/office/powerpoint/2010/main" val="336949370"/>
+              </p:ext>
+            </p:extLst>
+          </p:nvPr>
+        </p:nvGraphicFramePr>
+        <p:xfrm>
+          <a:off x="323528" y="1412776"/>
+          <a:ext cx="8244211" cy="5184576"/>
+        </p:xfrm>
+        <a:graphic>
+          <a:graphicData uri="http://schemas.openxmlformats.org/drawingml/2006/table">
+            <a:tbl>
+              <a:tblPr firstRow="1" bandRow="1">
+                <a:tableStyleId>{00A15C55-8517-42AA-B614-E9B94910E393}</a:tableStyleId>
+              </a:tblPr>
+              <a:tblGrid>
+                <a:gridCol w="792088">
+                  <a:extLst>
+                    <a:ext uri="{9D8B030D-6E8A-4147-A177-3AD203B41FA5}">
+                      <a16:colId xmlns:a16="http://schemas.microsoft.com/office/drawing/2014/main" val="3026215981"/>
+                    </a:ext>
+                  </a:extLst>
+                </a:gridCol>
+                <a:gridCol w="7452123">
+                  <a:extLst>
+                    <a:ext uri="{9D8B030D-6E8A-4147-A177-3AD203B41FA5}">
+                      <a16:colId xmlns:a16="http://schemas.microsoft.com/office/drawing/2014/main" val="3107912970"/>
+                    </a:ext>
+                  </a:extLst>
+                </a:gridCol>
+              </a:tblGrid>
+              <a:tr h="576064">
+                <a:tc>
+                  <a:txBody>
+                    <a:bodyPr/>
+                    <a:lstStyle/>
+                    <a:p>
+                      <a:pPr algn="ctr" latinLnBrk="1"/>
+                      <a:r>
+                        <a:rPr lang="ko-KR" altLang="en-US" sz="1600" dirty="0">
+                          <a:latin typeface="-윤고딕320" panose="02030504000101010101" pitchFamily="18" charset="-127"/>
+                          <a:ea typeface="-윤고딕320" panose="02030504000101010101" pitchFamily="18" charset="-127"/>
+                        </a:rPr>
+                        <a:t>주차</a:t>
+                      </a:r>
+                    </a:p>
+                  </a:txBody>
+                  <a:tcPr anchor="ctr"/>
+                </a:tc>
+                <a:tc>
+                  <a:txBody>
+                    <a:bodyPr/>
+                    <a:lstStyle/>
+                    <a:p>
+                      <a:pPr algn="ctr" latinLnBrk="1"/>
+                      <a:r>
+                        <a:rPr lang="ko-KR" altLang="en-US" sz="1400" dirty="0">
+                          <a:latin typeface="-윤고딕320" panose="02030504000101010101" pitchFamily="18" charset="-127"/>
+                          <a:ea typeface="-윤고딕320" panose="02030504000101010101" pitchFamily="18" charset="-127"/>
+                        </a:rPr>
+                        <a:t>상세</a:t>
+                      </a:r>
+                    </a:p>
+                  </a:txBody>
+                  <a:tcPr anchor="ctr"/>
+                </a:tc>
+                <a:extLst>
+                  <a:ext uri="{0D108BD9-81ED-4DB2-BD59-A6C34878D82A}">
+                    <a16:rowId xmlns:a16="http://schemas.microsoft.com/office/drawing/2014/main" val="2777749688"/>
+                  </a:ext>
+                </a:extLst>
+              </a:tr>
+              <a:tr h="576064">
+                <a:tc>
+                  <a:txBody>
+                    <a:bodyPr/>
+                    <a:lstStyle/>
+                    <a:p>
+                      <a:pPr algn="ctr" latinLnBrk="1"/>
+                      <a:r>
+                        <a:rPr lang="en-US" altLang="ko-KR" sz="1600" dirty="0">
+                          <a:latin typeface="-윤고딕320" panose="02030504000101010101" pitchFamily="18" charset="-127"/>
+                          <a:ea typeface="-윤고딕320" panose="02030504000101010101" pitchFamily="18" charset="-127"/>
+                        </a:rPr>
+                        <a:t>1</a:t>
+                      </a:r>
+                      <a:r>
+                        <a:rPr lang="ko-KR" altLang="en-US" sz="1600" dirty="0">
+                          <a:latin typeface="-윤고딕320" panose="02030504000101010101" pitchFamily="18" charset="-127"/>
+                          <a:ea typeface="-윤고딕320" panose="02030504000101010101" pitchFamily="18" charset="-127"/>
+                        </a:rPr>
+                        <a:t>주차</a:t>
+                      </a:r>
+                    </a:p>
+                  </a:txBody>
+                  <a:tcPr anchor="ctr"/>
+                </a:tc>
+                <a:tc>
+                  <a:txBody>
+                    <a:bodyPr/>
+                    <a:lstStyle/>
+                    <a:p>
+                      <a:pPr latinLnBrk="1"/>
+                      <a:endParaRPr lang="ko-KR" altLang="en-US" sz="1400" dirty="0">
+                        <a:latin typeface="-윤고딕320" panose="02030504000101010101" pitchFamily="18" charset="-127"/>
+                        <a:ea typeface="-윤고딕320" panose="02030504000101010101" pitchFamily="18" charset="-127"/>
+                      </a:endParaRPr>
+                    </a:p>
+                  </a:txBody>
+                  <a:tcPr/>
+                </a:tc>
+                <a:extLst>
+                  <a:ext uri="{0D108BD9-81ED-4DB2-BD59-A6C34878D82A}">
+                    <a16:rowId xmlns:a16="http://schemas.microsoft.com/office/drawing/2014/main" val="2854291080"/>
+                  </a:ext>
+                </a:extLst>
+              </a:tr>
+              <a:tr h="576064">
+                <a:tc>
+                  <a:txBody>
+                    <a:bodyPr/>
+                    <a:lstStyle/>
+                    <a:p>
+                      <a:pPr algn="ctr" latinLnBrk="1"/>
+                      <a:r>
+                        <a:rPr lang="en-US" altLang="ko-KR" sz="1600" dirty="0">
+                          <a:latin typeface="-윤고딕320" panose="02030504000101010101" pitchFamily="18" charset="-127"/>
+                          <a:ea typeface="-윤고딕320" panose="02030504000101010101" pitchFamily="18" charset="-127"/>
+                        </a:rPr>
+                        <a:t>2</a:t>
+                      </a:r>
+                      <a:r>
+                        <a:rPr lang="ko-KR" altLang="en-US" sz="1600" dirty="0">
+                          <a:latin typeface="-윤고딕320" panose="02030504000101010101" pitchFamily="18" charset="-127"/>
+                          <a:ea typeface="-윤고딕320" panose="02030504000101010101" pitchFamily="18" charset="-127"/>
+                        </a:rPr>
+                        <a:t>주차</a:t>
+                      </a:r>
+                    </a:p>
+                  </a:txBody>
+                  <a:tcPr anchor="ctr"/>
+                </a:tc>
+                <a:tc>
+                  <a:txBody>
+                    <a:bodyPr/>
+                    <a:lstStyle/>
+                    <a:p>
+                      <a:pPr latinLnBrk="1"/>
+                      <a:endParaRPr lang="ko-KR" altLang="en-US" sz="1400" dirty="0">
+                        <a:latin typeface="-윤고딕320" panose="02030504000101010101" pitchFamily="18" charset="-127"/>
+                        <a:ea typeface="-윤고딕320" panose="02030504000101010101" pitchFamily="18" charset="-127"/>
+                      </a:endParaRPr>
+                    </a:p>
+                  </a:txBody>
+                  <a:tcPr/>
+                </a:tc>
+                <a:extLst>
+                  <a:ext uri="{0D108BD9-81ED-4DB2-BD59-A6C34878D82A}">
+                    <a16:rowId xmlns:a16="http://schemas.microsoft.com/office/drawing/2014/main" val="1194299463"/>
+                  </a:ext>
+                </a:extLst>
+              </a:tr>
+              <a:tr h="576064">
+                <a:tc>
+                  <a:txBody>
+                    <a:bodyPr/>
+                    <a:lstStyle/>
+                    <a:p>
+                      <a:pPr algn="ctr" latinLnBrk="1"/>
+                      <a:r>
+                        <a:rPr lang="en-US" altLang="ko-KR" sz="1600" dirty="0">
+                          <a:latin typeface="-윤고딕320" panose="02030504000101010101" pitchFamily="18" charset="-127"/>
+                          <a:ea typeface="-윤고딕320" panose="02030504000101010101" pitchFamily="18" charset="-127"/>
+                        </a:rPr>
+                        <a:t>3</a:t>
+                      </a:r>
+                      <a:r>
+                        <a:rPr lang="ko-KR" altLang="en-US" sz="1600" dirty="0">
+                          <a:latin typeface="-윤고딕320" panose="02030504000101010101" pitchFamily="18" charset="-127"/>
+                          <a:ea typeface="-윤고딕320" panose="02030504000101010101" pitchFamily="18" charset="-127"/>
+                        </a:rPr>
+                        <a:t>주차</a:t>
+                      </a:r>
+                    </a:p>
+                  </a:txBody>
+                  <a:tcPr anchor="ctr"/>
+                </a:tc>
+                <a:tc>
+                  <a:txBody>
+                    <a:bodyPr/>
+                    <a:lstStyle/>
+                    <a:p>
+                      <a:pPr latinLnBrk="1"/>
+                      <a:endParaRPr lang="en-US" altLang="ko-KR" sz="1400" dirty="0">
+                        <a:latin typeface="-윤고딕320" panose="02030504000101010101" pitchFamily="18" charset="-127"/>
+                        <a:ea typeface="-윤고딕320" panose="02030504000101010101" pitchFamily="18" charset="-127"/>
+                      </a:endParaRPr>
+                    </a:p>
+                  </a:txBody>
+                  <a:tcPr/>
+                </a:tc>
+                <a:extLst>
+                  <a:ext uri="{0D108BD9-81ED-4DB2-BD59-A6C34878D82A}">
+                    <a16:rowId xmlns:a16="http://schemas.microsoft.com/office/drawing/2014/main" val="2345408676"/>
+                  </a:ext>
+                </a:extLst>
+              </a:tr>
+              <a:tr h="576064">
+                <a:tc>
+                  <a:txBody>
+                    <a:bodyPr/>
+                    <a:lstStyle/>
+                    <a:p>
+                      <a:pPr algn="ctr" latinLnBrk="1"/>
+                      <a:r>
+                        <a:rPr lang="en-US" altLang="ko-KR" sz="1600" dirty="0">
+                          <a:latin typeface="-윤고딕320" panose="02030504000101010101" pitchFamily="18" charset="-127"/>
+                          <a:ea typeface="-윤고딕320" panose="02030504000101010101" pitchFamily="18" charset="-127"/>
+                        </a:rPr>
+                        <a:t>4</a:t>
+                      </a:r>
+                      <a:r>
+                        <a:rPr lang="ko-KR" altLang="en-US" sz="1600" dirty="0">
+                          <a:latin typeface="-윤고딕320" panose="02030504000101010101" pitchFamily="18" charset="-127"/>
+                          <a:ea typeface="-윤고딕320" panose="02030504000101010101" pitchFamily="18" charset="-127"/>
+                        </a:rPr>
+                        <a:t>주차</a:t>
+                      </a:r>
+                    </a:p>
+                  </a:txBody>
+                  <a:tcPr anchor="ctr"/>
+                </a:tc>
+                <a:tc>
+                  <a:txBody>
+                    <a:bodyPr/>
+                    <a:lstStyle/>
+                    <a:p>
+                      <a:pPr latinLnBrk="1"/>
+                      <a:endParaRPr lang="ko-KR" altLang="en-US" sz="1400" dirty="0">
+                        <a:latin typeface="-윤고딕320" panose="02030504000101010101" pitchFamily="18" charset="-127"/>
+                        <a:ea typeface="-윤고딕320" panose="02030504000101010101" pitchFamily="18" charset="-127"/>
+                      </a:endParaRPr>
+                    </a:p>
+                  </a:txBody>
+                  <a:tcPr/>
+                </a:tc>
+                <a:extLst>
+                  <a:ext uri="{0D108BD9-81ED-4DB2-BD59-A6C34878D82A}">
+                    <a16:rowId xmlns:a16="http://schemas.microsoft.com/office/drawing/2014/main" val="132467065"/>
+                  </a:ext>
+                </a:extLst>
+              </a:tr>
+              <a:tr h="576064">
+                <a:tc>
+                  <a:txBody>
+                    <a:bodyPr/>
+                    <a:lstStyle/>
+                    <a:p>
+                      <a:pPr algn="ctr" latinLnBrk="1"/>
+                      <a:r>
+                        <a:rPr lang="en-US" altLang="ko-KR" sz="1600" dirty="0">
+                          <a:latin typeface="-윤고딕320" panose="02030504000101010101" pitchFamily="18" charset="-127"/>
+                          <a:ea typeface="-윤고딕320" panose="02030504000101010101" pitchFamily="18" charset="-127"/>
+                        </a:rPr>
+                        <a:t>5</a:t>
+                      </a:r>
+                      <a:r>
+                        <a:rPr lang="ko-KR" altLang="en-US" sz="1600" dirty="0">
+                          <a:latin typeface="-윤고딕320" panose="02030504000101010101" pitchFamily="18" charset="-127"/>
+                          <a:ea typeface="-윤고딕320" panose="02030504000101010101" pitchFamily="18" charset="-127"/>
+                        </a:rPr>
+                        <a:t>주차</a:t>
+                      </a:r>
+                    </a:p>
+                  </a:txBody>
+                  <a:tcPr anchor="ctr"/>
+                </a:tc>
+                <a:tc>
+                  <a:txBody>
+                    <a:bodyPr/>
+                    <a:lstStyle/>
+                    <a:p>
+                      <a:pPr latinLnBrk="1"/>
+                      <a:endParaRPr lang="ko-KR" altLang="en-US" sz="1400" dirty="0">
+                        <a:latin typeface="-윤고딕320" panose="02030504000101010101" pitchFamily="18" charset="-127"/>
+                        <a:ea typeface="-윤고딕320" panose="02030504000101010101" pitchFamily="18" charset="-127"/>
+                      </a:endParaRPr>
+                    </a:p>
+                  </a:txBody>
+                  <a:tcPr/>
+                </a:tc>
+                <a:extLst>
+                  <a:ext uri="{0D108BD9-81ED-4DB2-BD59-A6C34878D82A}">
+                    <a16:rowId xmlns:a16="http://schemas.microsoft.com/office/drawing/2014/main" val="2060674530"/>
+                  </a:ext>
+                </a:extLst>
+              </a:tr>
+              <a:tr h="576064">
+                <a:tc>
+                  <a:txBody>
+                    <a:bodyPr/>
+                    <a:lstStyle/>
+                    <a:p>
+                      <a:pPr algn="ctr" latinLnBrk="1"/>
+                      <a:r>
+                        <a:rPr lang="en-US" altLang="ko-KR" sz="1600" dirty="0">
+                          <a:latin typeface="-윤고딕320" panose="02030504000101010101" pitchFamily="18" charset="-127"/>
+                          <a:ea typeface="-윤고딕320" panose="02030504000101010101" pitchFamily="18" charset="-127"/>
+                        </a:rPr>
+                        <a:t>6</a:t>
+                      </a:r>
+                      <a:r>
+                        <a:rPr lang="ko-KR" altLang="en-US" sz="1600" dirty="0">
+                          <a:latin typeface="-윤고딕320" panose="02030504000101010101" pitchFamily="18" charset="-127"/>
+                          <a:ea typeface="-윤고딕320" panose="02030504000101010101" pitchFamily="18" charset="-127"/>
+                        </a:rPr>
+                        <a:t>주차</a:t>
+                      </a:r>
+                    </a:p>
+                  </a:txBody>
+                  <a:tcPr anchor="ctr"/>
+                </a:tc>
+                <a:tc>
+                  <a:txBody>
+                    <a:bodyPr/>
+                    <a:lstStyle/>
+                    <a:p>
+                      <a:pPr latinLnBrk="1"/>
+                      <a:endParaRPr lang="ko-KR" altLang="en-US" sz="1400" dirty="0">
+                        <a:latin typeface="-윤고딕320" panose="02030504000101010101" pitchFamily="18" charset="-127"/>
+                        <a:ea typeface="-윤고딕320" panose="02030504000101010101" pitchFamily="18" charset="-127"/>
+                      </a:endParaRPr>
+                    </a:p>
+                  </a:txBody>
+                  <a:tcPr/>
+                </a:tc>
+                <a:extLst>
+                  <a:ext uri="{0D108BD9-81ED-4DB2-BD59-A6C34878D82A}">
+                    <a16:rowId xmlns:a16="http://schemas.microsoft.com/office/drawing/2014/main" val="1182672815"/>
+                  </a:ext>
+                </a:extLst>
+              </a:tr>
+              <a:tr h="576064">
+                <a:tc>
+                  <a:txBody>
+                    <a:bodyPr/>
+                    <a:lstStyle/>
+                    <a:p>
+                      <a:pPr algn="ctr" latinLnBrk="1"/>
+                      <a:r>
+                        <a:rPr lang="en-US" altLang="ko-KR" sz="1600" dirty="0">
+                          <a:latin typeface="-윤고딕320" panose="02030504000101010101" pitchFamily="18" charset="-127"/>
+                          <a:ea typeface="-윤고딕320" panose="02030504000101010101" pitchFamily="18" charset="-127"/>
+                        </a:rPr>
+                        <a:t>7</a:t>
+                      </a:r>
+                      <a:r>
+                        <a:rPr lang="ko-KR" altLang="en-US" sz="1600" dirty="0">
+                          <a:latin typeface="-윤고딕320" panose="02030504000101010101" pitchFamily="18" charset="-127"/>
+                          <a:ea typeface="-윤고딕320" panose="02030504000101010101" pitchFamily="18" charset="-127"/>
+                        </a:rPr>
+                        <a:t>주차</a:t>
+                      </a:r>
+                    </a:p>
+                  </a:txBody>
+                  <a:tcPr anchor="ctr"/>
+                </a:tc>
+                <a:tc>
+                  <a:txBody>
+                    <a:bodyPr/>
+                    <a:lstStyle/>
+                    <a:p>
+                      <a:pPr latinLnBrk="1"/>
+                      <a:endParaRPr lang="en-US" altLang="ko-KR" sz="1400" dirty="0">
+                        <a:latin typeface="-윤고딕320" panose="02030504000101010101" pitchFamily="18" charset="-127"/>
+                        <a:ea typeface="-윤고딕320" panose="02030504000101010101" pitchFamily="18" charset="-127"/>
+                      </a:endParaRPr>
+                    </a:p>
+                  </a:txBody>
+                  <a:tcPr/>
+                </a:tc>
+                <a:extLst>
+                  <a:ext uri="{0D108BD9-81ED-4DB2-BD59-A6C34878D82A}">
+                    <a16:rowId xmlns:a16="http://schemas.microsoft.com/office/drawing/2014/main" val="1488941561"/>
+                  </a:ext>
+                </a:extLst>
+              </a:tr>
+              <a:tr h="576064">
+                <a:tc>
+                  <a:txBody>
+                    <a:bodyPr/>
+                    <a:lstStyle/>
+                    <a:p>
+                      <a:pPr algn="ctr" latinLnBrk="1"/>
+                      <a:r>
+                        <a:rPr lang="en-US" altLang="ko-KR" sz="1600" dirty="0">
+                          <a:latin typeface="-윤고딕320" panose="02030504000101010101" pitchFamily="18" charset="-127"/>
+                          <a:ea typeface="-윤고딕320" panose="02030504000101010101" pitchFamily="18" charset="-127"/>
+                        </a:rPr>
+                        <a:t>8</a:t>
+                      </a:r>
+                      <a:r>
+                        <a:rPr lang="ko-KR" altLang="en-US" sz="1600" dirty="0">
+                          <a:latin typeface="-윤고딕320" panose="02030504000101010101" pitchFamily="18" charset="-127"/>
+                          <a:ea typeface="-윤고딕320" panose="02030504000101010101" pitchFamily="18" charset="-127"/>
+                        </a:rPr>
+                        <a:t>주차</a:t>
+                      </a:r>
+                    </a:p>
+                  </a:txBody>
+                  <a:tcPr anchor="ctr"/>
+                </a:tc>
+                <a:tc>
+                  <a:txBody>
+                    <a:bodyPr/>
+                    <a:lstStyle/>
+                    <a:p>
+                      <a:pPr latinLnBrk="1"/>
+                      <a:endParaRPr lang="ko-KR" altLang="en-US" sz="1400" dirty="0">
+                        <a:latin typeface="-윤고딕320" panose="02030504000101010101" pitchFamily="18" charset="-127"/>
+                        <a:ea typeface="-윤고딕320" panose="02030504000101010101" pitchFamily="18" charset="-127"/>
+                      </a:endParaRPr>
+                    </a:p>
+                  </a:txBody>
+                  <a:tcPr/>
+                </a:tc>
+                <a:extLst>
+                  <a:ext uri="{0D108BD9-81ED-4DB2-BD59-A6C34878D82A}">
+                    <a16:rowId xmlns:a16="http://schemas.microsoft.com/office/drawing/2014/main" val="3711537143"/>
+                  </a:ext>
+                </a:extLst>
+              </a:tr>
+            </a:tbl>
+          </a:graphicData>
+        </a:graphic>
+      </p:graphicFrame>
+    </p:spTree>
+    <p:extLst>
+      <p:ext uri="{BB962C8B-B14F-4D97-AF65-F5344CB8AC3E}">
+        <p14:creationId xmlns:p14="http://schemas.microsoft.com/office/powerpoint/2010/main" val="1289626199"/>
+      </p:ext>
+    </p:extLst>
+  </p:cSld>
+  <p:clrMapOvr>
+    <a:masterClrMapping/>
+  </p:clrMapOvr>
+</p:sld>
+</file>
+
 <file path=ppt/theme/theme1.xml><?xml version="1.0" encoding="utf-8"?>
-<a:theme xmlns:a="http://schemas.openxmlformats.org/drawingml/2006/main" name="doc">
+<a:theme xmlns:a="http://schemas.openxmlformats.org/drawingml/2006/main" name="New_Education03">
   <a:themeElements>
-    <a:clrScheme name="Office">
+    <a:clrScheme name="Education03">
       <a:dk1>
         <a:sysClr val="windowText" lastClr="000000"/>
       </a:dk1>
@@ -4232,19 +10746,77 @@
         <a:srgbClr val="800080"/>
       </a:folHlink>
     </a:clrScheme>
-    <a:fontScheme name="윤고딕">
+    <a:fontScheme name="Education03">
       <a:majorFont>
-        <a:latin typeface="-윤고딕320"/>
-        <a:ea typeface="-윤고딕320"/>
+        <a:latin typeface="Corbel"/>
+        <a:ea typeface=""/>
         <a:cs typeface=""/>
+        <a:font script="Jpan" typeface="HG丸ｺﾞｼｯｸM-PRO"/>
+        <a:font script="Hang" typeface="맑은 고딕"/>
+        <a:font script="Hans" typeface="黑体"/>
+        <a:font script="Hant" typeface="微軟正黑體"/>
+        <a:font script="Arab" typeface="Tahoma"/>
+        <a:font script="Hebr" typeface="Gisha"/>
+        <a:font script="Thai" typeface="IrisUPC"/>
+        <a:font script="Ethi" typeface="Nyala"/>
+        <a:font script="Beng" typeface="Vrinda"/>
+        <a:font script="Gujr" typeface="Shruti"/>
+        <a:font script="Khmr" typeface="DaunPenh"/>
+        <a:font script="Knda" typeface="Tunga"/>
+        <a:font script="Guru" typeface="Raavi"/>
+        <a:font script="Cans" typeface="Euphemia"/>
+        <a:font script="Cher" typeface="Plantagenet Cherokee"/>
+        <a:font script="Yiii" typeface="Microsoft Yi Baiti"/>
+        <a:font script="Tibt" typeface="Microsoft Himalaya"/>
+        <a:font script="Thaa" typeface="MV Boli"/>
+        <a:font script="Deva" typeface="Mangal"/>
+        <a:font script="Telu" typeface="Gautami"/>
+        <a:font script="Taml" typeface="Latha"/>
+        <a:font script="Syrc" typeface="Estrangelo Edessa"/>
+        <a:font script="Orya" typeface="Kalinga"/>
+        <a:font script="Mlym" typeface="Kartika"/>
+        <a:font script="Laoo" typeface="DokChampa"/>
+        <a:font script="Sinh" typeface="Iskoola Pota"/>
+        <a:font script="Mong" typeface="Mongolian Baiti"/>
+        <a:font script="Viet" typeface="Tahoma"/>
+        <a:font script="Uigh" typeface="Microsoft Uighur"/>
       </a:majorFont>
       <a:minorFont>
-        <a:latin typeface="-윤고딕310"/>
-        <a:ea typeface="-윤고딕310"/>
+        <a:latin typeface="Corbel"/>
+        <a:ea typeface=""/>
         <a:cs typeface=""/>
+        <a:font script="Jpan" typeface="HG丸ｺﾞｼｯｸM-PRO"/>
+        <a:font script="Hang" typeface="맑은 고딕"/>
+        <a:font script="Hans" typeface="黑体"/>
+        <a:font script="Hant" typeface="微軟正黑體"/>
+        <a:font script="Arab" typeface="Tahoma"/>
+        <a:font script="Hebr" typeface="Gisha"/>
+        <a:font script="Thai" typeface="IrisUPC"/>
+        <a:font script="Ethi" typeface="Nyala"/>
+        <a:font script="Beng" typeface="Vrinda"/>
+        <a:font script="Gujr" typeface="Shruti"/>
+        <a:font script="Khmr" typeface="DaunPenh"/>
+        <a:font script="Knda" typeface="Tunga"/>
+        <a:font script="Guru" typeface="Raavi"/>
+        <a:font script="Cans" typeface="Euphemia"/>
+        <a:font script="Cher" typeface="Plantagenet Cherokee"/>
+        <a:font script="Yiii" typeface="Microsoft Yi Baiti"/>
+        <a:font script="Tibt" typeface="Microsoft Himalaya"/>
+        <a:font script="Thaa" typeface="MV Boli"/>
+        <a:font script="Deva" typeface="Mangal"/>
+        <a:font script="Telu" typeface="Gautami"/>
+        <a:font script="Taml" typeface="Latha"/>
+        <a:font script="Syrc" typeface="Estrangelo Edessa"/>
+        <a:font script="Orya" typeface="Kalinga"/>
+        <a:font script="Mlym" typeface="Kartika"/>
+        <a:font script="Laoo" typeface="DokChampa"/>
+        <a:font script="Sinh" typeface="Iskoola Pota"/>
+        <a:font script="Mong" typeface="Mongolian Baiti"/>
+        <a:font script="Viet" typeface="Tahoma"/>
+        <a:font script="Uigh" typeface="Microsoft Uighur"/>
       </a:minorFont>
     </a:fontScheme>
-    <a:fmtScheme name="투명도">
+    <a:fmtScheme name="Education03">
       <a:fillStyleLst>
         <a:solidFill>
           <a:schemeClr val="phClr"/>
@@ -4253,59 +10825,72 @@
           <a:gsLst>
             <a:gs pos="0">
               <a:schemeClr val="phClr">
-                <a:tint val="50000"/>
-                <a:shade val="86000"/>
-                <a:satMod val="140000"/>
+                <a:tint val="35000"/>
+                <a:satMod val="253000"/>
               </a:schemeClr>
             </a:gs>
-            <a:gs pos="45000">
+            <a:gs pos="50000">
               <a:schemeClr val="phClr">
-                <a:tint val="48000"/>
-                <a:satMod val="150000"/>
+                <a:tint val="42000"/>
+                <a:satMod val="255000"/>
+              </a:schemeClr>
+            </a:gs>
+            <a:gs pos="97000">
+              <a:schemeClr val="phClr">
+                <a:tint val="53000"/>
+                <a:satMod val="260000"/>
               </a:schemeClr>
             </a:gs>
             <a:gs pos="100000">
               <a:schemeClr val="phClr">
-                <a:tint val="28000"/>
-                <a:satMod val="160000"/>
+                <a:tint val="56000"/>
+                <a:satMod val="275000"/>
               </a:schemeClr>
             </a:gs>
           </a:gsLst>
           <a:path path="circle">
-            <a:fillToRect l="100000" t="100000" r="100000" b="100000"/>
+            <a:fillToRect l="50000" t="50000" r="50000" b="50000"/>
           </a:path>
         </a:gradFill>
         <a:gradFill rotWithShape="1">
           <a:gsLst>
             <a:gs pos="0">
               <a:schemeClr val="phClr">
-                <a:shade val="70000"/>
-                <a:satMod val="150000"/>
+                <a:tint val="92000"/>
+                <a:shade val="100000"/>
+                <a:satMod val="170000"/>
               </a:schemeClr>
             </a:gs>
-            <a:gs pos="34000">
+            <a:gs pos="15000">
               <a:schemeClr val="phClr">
-                <a:shade val="70000"/>
-                <a:satMod val="140000"/>
+                <a:tint val="92000"/>
+                <a:shade val="99000"/>
+                <a:satMod val="170000"/>
               </a:schemeClr>
             </a:gs>
-            <a:gs pos="70000">
+            <a:gs pos="62000">
               <a:schemeClr val="phClr">
-                <a:tint val="100000"/>
-                <a:shade val="90000"/>
-                <a:satMod val="140000"/>
+                <a:tint val="96000"/>
+                <a:shade val="80000"/>
+                <a:satMod val="170000"/>
+              </a:schemeClr>
+            </a:gs>
+            <a:gs pos="97000">
+              <a:schemeClr val="phClr">
+                <a:tint val="98000"/>
+                <a:shade val="63000"/>
+                <a:satMod val="170000"/>
               </a:schemeClr>
             </a:gs>
             <a:gs pos="100000">
               <a:schemeClr val="phClr">
-                <a:tint val="100000"/>
-                <a:shade val="100000"/>
-                <a:satMod val="100000"/>
+                <a:shade val="62000"/>
+                <a:satMod val="170000"/>
               </a:schemeClr>
             </a:gs>
           </a:gsLst>
           <a:path path="circle">
-            <a:fillToRect l="100000" t="100000" r="100000" b="100000"/>
+            <a:fillToRect l="50000" t="50000" r="50000" b="50000"/>
           </a:path>
         </a:gradFill>
       </a:fillStyleLst>
@@ -4316,13 +10901,13 @@
           </a:solidFill>
           <a:prstDash val="solid"/>
         </a:ln>
-        <a:ln w="26425" cap="flat" cmpd="sng" algn="ctr">
+        <a:ln w="15875" cap="flat" cmpd="sng" algn="ctr">
           <a:solidFill>
             <a:schemeClr val="phClr"/>
           </a:solidFill>
           <a:prstDash val="solid"/>
         </a:ln>
-        <a:ln w="44450" cap="flat" cmpd="sng" algn="ctr">
+        <a:ln w="22225" cap="flat" cmpd="sng" algn="ctr">
           <a:solidFill>
             <a:schemeClr val="phClr"/>
           </a:solidFill>
@@ -4331,22 +10916,19 @@
       </a:lnStyleLst>
       <a:effectStyleLst>
         <a:effectStyle>
-          <a:effectLst/>
-        </a:effectStyle>
-        <a:effectStyle>
           <a:effectLst>
-            <a:outerShdw blurRad="38100" dist="25400" dir="2700000" algn="br" rotWithShape="0">
+            <a:outerShdw blurRad="63500" dist="25400" dir="5400000" sx="102000" sy="102000" algn="ctr" rotWithShape="0">
               <a:srgbClr val="000000">
-                <a:alpha val="60000"/>
+                <a:alpha val="40000"/>
               </a:srgbClr>
             </a:outerShdw>
           </a:effectLst>
         </a:effectStyle>
         <a:effectStyle>
           <a:effectLst>
-            <a:outerShdw blurRad="38100" dist="25400" dir="2700000" algn="br" rotWithShape="0">
+            <a:outerShdw blurRad="63500" dist="25400" dir="5400000" sx="102000" sy="102000" rotWithShape="0">
               <a:srgbClr val="000000">
-                <a:alpha val="60000"/>
+                <a:alpha val="40000"/>
               </a:srgbClr>
             </a:outerShdw>
           </a:effectLst>
@@ -4354,17 +10936,37 @@
             <a:camera prst="orthographicFront">
               <a:rot lat="0" lon="0" rev="0"/>
             </a:camera>
-            <a:lightRig rig="balanced" dir="t">
-              <a:rot lat="0" lon="0" rev="5100000"/>
+            <a:lightRig rig="glow" dir="tl">
+              <a:rot lat="0" lon="0" rev="6600000"/>
             </a:lightRig>
           </a:scene3d>
-          <a:sp3d contourW="6350">
-            <a:bevelT w="29210" h="12700"/>
+          <a:sp3d contourW="12700" prstMaterial="dkEdge">
+            <a:bevelT w="31750" h="19050" prst="softRound"/>
             <a:contourClr>
-              <a:schemeClr val="phClr">
-                <a:shade val="30000"/>
-                <a:satMod val="130000"/>
-              </a:schemeClr>
+              <a:schemeClr val="phClr"/>
+            </a:contourClr>
+          </a:sp3d>
+        </a:effectStyle>
+        <a:effectStyle>
+          <a:effectLst>
+            <a:outerShdw blurRad="63500" dist="25400" dir="5400000" sx="102000" sy="102000" algn="ctr" rotWithShape="0">
+              <a:srgbClr val="000000">
+                <a:alpha val="40000"/>
+              </a:srgbClr>
+            </a:outerShdw>
+          </a:effectLst>
+          <a:scene3d>
+            <a:camera prst="orthographicFront">
+              <a:rot lat="0" lon="0" rev="0"/>
+            </a:camera>
+            <a:lightRig rig="glow" dir="tl">
+              <a:rot lat="0" lon="0" rev="6600000"/>
+            </a:lightRig>
+          </a:scene3d>
+          <a:sp3d contourW="12700" prstMaterial="dkEdge">
+            <a:bevelT w="69850" h="57150" prst="softRound"/>
+            <a:contourClr>
+              <a:schemeClr val="phClr"/>
             </a:contourClr>
           </a:sp3d>
         </a:effectStyle>
@@ -4377,45 +10979,43 @@
           <a:gsLst>
             <a:gs pos="0">
               <a:schemeClr val="phClr">
-                <a:tint val="40000"/>
-                <a:satMod val="350000"/>
+                <a:tint val="80000"/>
+                <a:satMod val="150000"/>
               </a:schemeClr>
             </a:gs>
-            <a:gs pos="40000">
+            <a:gs pos="64000">
               <a:schemeClr val="phClr">
-                <a:tint val="45000"/>
-                <a:shade val="99000"/>
-                <a:satMod val="350000"/>
+                <a:tint val="100000"/>
+                <a:shade val="85000"/>
+                <a:satMod val="130000"/>
               </a:schemeClr>
             </a:gs>
-            <a:gs pos="100000">
+            <a:gs pos="72000">
               <a:schemeClr val="phClr">
-                <a:shade val="20000"/>
-                <a:satMod val="255000"/>
+                <a:shade val="85000"/>
+                <a:satMod val="130000"/>
               </a:schemeClr>
             </a:gs>
           </a:gsLst>
-          <a:path path="circle">
-            <a:fillToRect l="50000" t="-80000" r="50000" b="180000"/>
-          </a:path>
+          <a:lin ang="13500000" scaled="0"/>
         </a:gradFill>
         <a:gradFill rotWithShape="1">
           <a:gsLst>
             <a:gs pos="0">
               <a:schemeClr val="phClr">
-                <a:tint val="80000"/>
-                <a:satMod val="300000"/>
+                <a:tint val="90000"/>
+                <a:satMod val="200000"/>
               </a:schemeClr>
             </a:gs>
             <a:gs pos="100000">
               <a:schemeClr val="phClr">
-                <a:shade val="30000"/>
-                <a:satMod val="200000"/>
+                <a:shade val="70000"/>
+                <a:satMod val="150000"/>
               </a:schemeClr>
             </a:gs>
           </a:gsLst>
           <a:path path="circle">
-            <a:fillToRect l="50000" t="50000" r="50000" b="50000"/>
+            <a:fillToRect l="50000" t="10000" r="50000" b="90000"/>
           </a:path>
         </a:gradFill>
       </a:bgFillStyleLst>

--- a/slides/Exodus_20171105.pptx
+++ b/slides/Exodus_20171105.pptx
@@ -5,51 +5,53 @@
     <p:sldMasterId id="2147483798" r:id="rId1"/>
   </p:sldMasterIdLst>
   <p:notesMasterIdLst>
-    <p:notesMasterId r:id="rId6"/>
+    <p:notesMasterId r:id="rId8"/>
   </p:notesMasterIdLst>
   <p:handoutMasterIdLst>
-    <p:handoutMasterId r:id="rId7"/>
+    <p:handoutMasterId r:id="rId9"/>
   </p:handoutMasterIdLst>
   <p:sldIdLst>
     <p:sldId id="256" r:id="rId2"/>
     <p:sldId id="257" r:id="rId3"/>
     <p:sldId id="258" r:id="rId4"/>
     <p:sldId id="259" r:id="rId5"/>
+    <p:sldId id="260" r:id="rId6"/>
+    <p:sldId id="261" r:id="rId7"/>
   </p:sldIdLst>
   <p:sldSz cx="9144000" cy="6858000" type="screen4x3"/>
   <p:notesSz cx="6858000" cy="9144000"/>
   <p:embeddedFontLst>
     <p:embeddedFont>
       <p:font typeface="-윤고딕310" panose="02030504000101010101" pitchFamily="18" charset="-127"/>
-      <p:regular r:id="rId8"/>
+      <p:regular r:id="rId10"/>
     </p:embeddedFont>
     <p:embeddedFont>
       <p:font typeface="Corbel" panose="020B0503020204020204" pitchFamily="34" charset="0"/>
-      <p:regular r:id="rId9"/>
-      <p:bold r:id="rId10"/>
-      <p:italic r:id="rId11"/>
-      <p:boldItalic r:id="rId12"/>
+      <p:regular r:id="rId11"/>
+      <p:bold r:id="rId12"/>
+      <p:italic r:id="rId13"/>
+      <p:boldItalic r:id="rId14"/>
     </p:embeddedFont>
     <p:embeddedFont>
       <p:font typeface="Wingdings 2" panose="05020102010507070707" pitchFamily="18" charset="2"/>
-      <p:regular r:id="rId13"/>
+      <p:regular r:id="rId15"/>
     </p:embeddedFont>
     <p:embeddedFont>
       <p:font typeface="나눔고딕 ExtraBold" panose="020D0904000000000000" pitchFamily="50" charset="-127"/>
-      <p:bold r:id="rId14"/>
+      <p:bold r:id="rId16"/>
     </p:embeddedFont>
     <p:embeddedFont>
       <p:font typeface="Jacinto Sans" panose="00000400000000000000" pitchFamily="2" charset="0"/>
-      <p:regular r:id="rId15"/>
+      <p:regular r:id="rId17"/>
     </p:embeddedFont>
     <p:embeddedFont>
       <p:font typeface="맑은 고딕" panose="020B0503020000020004" pitchFamily="50" charset="-127"/>
-      <p:regular r:id="rId16"/>
-      <p:bold r:id="rId17"/>
+      <p:regular r:id="rId18"/>
+      <p:bold r:id="rId19"/>
     </p:embeddedFont>
     <p:embeddedFont>
       <p:font typeface="-윤고딕320" panose="02030504000101010101" pitchFamily="18" charset="-127"/>
-      <p:regular r:id="rId18"/>
+      <p:regular r:id="rId20"/>
     </p:embeddedFont>
   </p:embeddedFontLst>
   <p:defaultTextStyle>
@@ -9454,43 +9456,49 @@
             </a:endParaRPr>
           </a:p>
           <a:p>
+            <a:endParaRPr lang="en-US" altLang="ko-KR" sz="3000" b="1" dirty="0">
+              <a:latin typeface="-윤고딕310" panose="02030504000101010101" pitchFamily="18" charset="-127"/>
+              <a:ea typeface="-윤고딕310" panose="02030504000101010101" pitchFamily="18" charset="-127"/>
+            </a:endParaRPr>
+          </a:p>
+          <a:p>
             <a:r>
-              <a:rPr lang="ko-KR" altLang="en-US" sz="3000" b="1" dirty="0">
+              <a:rPr lang="ko-KR" altLang="en-US" sz="2400" b="1" dirty="0">
                 <a:latin typeface="-윤고딕310" panose="02030504000101010101" pitchFamily="18" charset="-127"/>
                 <a:ea typeface="-윤고딕310" panose="02030504000101010101" pitchFamily="18" charset="-127"/>
               </a:rPr>
               <a:t>장르</a:t>
             </a:r>
             <a:r>
-              <a:rPr lang="en-US" altLang="ko-KR" sz="3000" dirty="0">
+              <a:rPr lang="en-US" altLang="ko-KR" sz="2400" dirty="0">
                 <a:latin typeface="-윤고딕310" panose="02030504000101010101" pitchFamily="18" charset="-127"/>
                 <a:ea typeface="-윤고딕310" panose="02030504000101010101" pitchFamily="18" charset="-127"/>
               </a:rPr>
               <a:t>: </a:t>
             </a:r>
             <a:r>
-              <a:rPr lang="ko-KR" altLang="en-US" sz="3000" dirty="0">
+              <a:rPr lang="ko-KR" altLang="en-US" sz="2400" dirty="0">
                 <a:latin typeface="-윤고딕310" panose="02030504000101010101" pitchFamily="18" charset="-127"/>
                 <a:ea typeface="-윤고딕310" panose="02030504000101010101" pitchFamily="18" charset="-127"/>
               </a:rPr>
               <a:t>플랫폼 어드벤처</a:t>
             </a:r>
             <a:r>
-              <a:rPr lang="en-US" altLang="ko-KR" sz="3000" dirty="0">
+              <a:rPr lang="en-US" altLang="ko-KR" sz="2400" dirty="0">
                 <a:latin typeface="-윤고딕310" panose="02030504000101010101" pitchFamily="18" charset="-127"/>
                 <a:ea typeface="-윤고딕310" panose="02030504000101010101" pitchFamily="18" charset="-127"/>
               </a:rPr>
               <a:t> – </a:t>
             </a:r>
             <a:r>
-              <a:rPr lang="ko-KR" altLang="en-US" sz="3000" dirty="0">
+              <a:rPr lang="ko-KR" altLang="en-US" sz="2400" dirty="0">
                 <a:latin typeface="-윤고딕310" panose="02030504000101010101" pitchFamily="18" charset="-127"/>
                 <a:ea typeface="-윤고딕310" panose="02030504000101010101" pitchFamily="18" charset="-127"/>
               </a:rPr>
               <a:t>현실처럼 중력이 작용하는 세계이다</a:t>
             </a:r>
             <a:r>
-              <a:rPr lang="en-US" altLang="ko-KR" sz="3000" dirty="0">
+              <a:rPr lang="en-US" altLang="ko-KR" sz="2400" dirty="0">
                 <a:latin typeface="-윤고딕310" panose="02030504000101010101" pitchFamily="18" charset="-127"/>
                 <a:ea typeface="-윤고딕310" panose="02030504000101010101" pitchFamily="18" charset="-127"/>
               </a:rPr>
@@ -9498,56 +9506,56 @@
             </a:r>
           </a:p>
           <a:p>
-            <a:endParaRPr lang="en-US" altLang="ko-KR" sz="3000" dirty="0">
+            <a:endParaRPr lang="en-US" altLang="ko-KR" sz="2400" dirty="0">
               <a:latin typeface="-윤고딕310" panose="02030504000101010101" pitchFamily="18" charset="-127"/>
               <a:ea typeface="-윤고딕310" panose="02030504000101010101" pitchFamily="18" charset="-127"/>
             </a:endParaRPr>
           </a:p>
           <a:p>
             <a:r>
-              <a:rPr lang="ko-KR" altLang="en-US" sz="3000" b="1" dirty="0">
+              <a:rPr lang="ko-KR" altLang="en-US" sz="2400" b="1" dirty="0">
                 <a:latin typeface="-윤고딕310" panose="02030504000101010101" pitchFamily="18" charset="-127"/>
                 <a:ea typeface="-윤고딕310" panose="02030504000101010101" pitchFamily="18" charset="-127"/>
               </a:rPr>
               <a:t>키보드</a:t>
             </a:r>
             <a:r>
-              <a:rPr lang="ko-KR" altLang="en-US" sz="3000" dirty="0">
+              <a:rPr lang="ko-KR" altLang="en-US" sz="2400" dirty="0">
                 <a:latin typeface="-윤고딕310" panose="02030504000101010101" pitchFamily="18" charset="-127"/>
                 <a:ea typeface="-윤고딕310" panose="02030504000101010101" pitchFamily="18" charset="-127"/>
               </a:rPr>
               <a:t>로 조작한다</a:t>
             </a:r>
             <a:r>
-              <a:rPr lang="en-US" altLang="ko-KR" sz="3000" dirty="0">
+              <a:rPr lang="en-US" altLang="ko-KR" sz="2400" dirty="0">
                 <a:latin typeface="-윤고딕310" panose="02030504000101010101" pitchFamily="18" charset="-127"/>
                 <a:ea typeface="-윤고딕310" panose="02030504000101010101" pitchFamily="18" charset="-127"/>
               </a:rPr>
               <a:t>. </a:t>
             </a:r>
             <a:r>
-              <a:rPr lang="ko-KR" altLang="en-US" sz="3000" dirty="0">
+              <a:rPr lang="ko-KR" altLang="en-US" sz="2400" dirty="0">
                 <a:latin typeface="-윤고딕310" panose="02030504000101010101" pitchFamily="18" charset="-127"/>
                 <a:ea typeface="-윤고딕310" panose="02030504000101010101" pitchFamily="18" charset="-127"/>
               </a:rPr>
               <a:t>메뉴 역시</a:t>
             </a:r>
             <a:r>
-              <a:rPr lang="en-US" altLang="ko-KR" sz="3000" dirty="0">
+              <a:rPr lang="en-US" altLang="ko-KR" sz="2400" dirty="0">
                 <a:latin typeface="-윤고딕310" panose="02030504000101010101" pitchFamily="18" charset="-127"/>
                 <a:ea typeface="-윤고딕310" panose="02030504000101010101" pitchFamily="18" charset="-127"/>
               </a:rPr>
               <a:t> </a:t>
             </a:r>
             <a:r>
-              <a:rPr lang="ko-KR" altLang="en-US" sz="3000" dirty="0">
+              <a:rPr lang="ko-KR" altLang="en-US" sz="2400" dirty="0">
                 <a:latin typeface="-윤고딕310" panose="02030504000101010101" pitchFamily="18" charset="-127"/>
                 <a:ea typeface="-윤고딕310" panose="02030504000101010101" pitchFamily="18" charset="-127"/>
               </a:rPr>
-              <a:t>편리함을 위해 마우스를 쓰지 않는다</a:t>
+              <a:t>일관성을 위해 마우스를 쓰지 않는다</a:t>
             </a:r>
             <a:r>
-              <a:rPr lang="en-US" altLang="ko-KR" sz="3000" dirty="0">
+              <a:rPr lang="en-US" altLang="ko-KR" sz="2400" dirty="0">
                 <a:latin typeface="-윤고딕310" panose="02030504000101010101" pitchFamily="18" charset="-127"/>
                 <a:ea typeface="-윤고딕310" panose="02030504000101010101" pitchFamily="18" charset="-127"/>
               </a:rPr>
@@ -9687,7 +9695,7 @@
             <p:ph idx="1"/>
             <p:extLst>
               <p:ext uri="{D42A27DB-BD31-4B8C-83A1-F6EECF244321}">
-                <p14:modId xmlns:p14="http://schemas.microsoft.com/office/powerpoint/2010/main" val="1948513410"/>
+                <p14:modId xmlns:p14="http://schemas.microsoft.com/office/powerpoint/2010/main" val="1012129744"/>
               </p:ext>
             </p:extLst>
           </p:nvPr>
@@ -9703,14 +9711,14 @@
                 <a:tableStyleId>{00A15C55-8517-42AA-B614-E9B94910E393}</a:tableStyleId>
               </a:tblPr>
               <a:tblGrid>
-                <a:gridCol w="1474410">
+                <a:gridCol w="1296144">
                   <a:extLst>
                     <a:ext uri="{9D8B030D-6E8A-4147-A177-3AD203B41FA5}">
                       <a16:colId xmlns:a16="http://schemas.microsoft.com/office/drawing/2014/main" val="3026215981"/>
                     </a:ext>
                   </a:extLst>
                 </a:gridCol>
-                <a:gridCol w="6769801">
+                <a:gridCol w="6948067">
                   <a:extLst>
                     <a:ext uri="{9D8B030D-6E8A-4147-A177-3AD203B41FA5}">
                       <a16:colId xmlns:a16="http://schemas.microsoft.com/office/drawing/2014/main" val="3107912970"/>
@@ -9726,13 +9734,12 @@
                     <a:p>
                       <a:pPr algn="ctr" latinLnBrk="1"/>
                       <a:r>
-                        <a:rPr lang="ko-KR" altLang="en-US" dirty="0"/>
+                        <a:rPr lang="ko-KR" altLang="en-US" sz="1600" dirty="0">
+                          <a:latin typeface="-윤고딕320" panose="02030504000101010101" pitchFamily="18" charset="-127"/>
+                          <a:ea typeface="-윤고딕320" panose="02030504000101010101" pitchFamily="18" charset="-127"/>
+                        </a:rPr>
                         <a:t>내용</a:t>
                       </a:r>
-                      <a:endParaRPr lang="ko-KR" altLang="en-US" dirty="0">
-                        <a:latin typeface="-윤고딕320" panose="02030504000101010101" pitchFamily="18" charset="-127"/>
-                        <a:ea typeface="-윤고딕320" panose="02030504000101010101" pitchFamily="18" charset="-127"/>
-                      </a:endParaRPr>
                     </a:p>
                   </a:txBody>
                   <a:tcPr anchor="ctr"/>
@@ -9744,13 +9751,12 @@
                     <a:p>
                       <a:pPr algn="ctr" latinLnBrk="1"/>
                       <a:r>
-                        <a:rPr lang="ko-KR" altLang="en-US" dirty="0"/>
+                        <a:rPr lang="ko-KR" altLang="en-US" sz="1600" dirty="0">
+                          <a:latin typeface="-윤고딕320" panose="02030504000101010101" pitchFamily="18" charset="-127"/>
+                          <a:ea typeface="-윤고딕320" panose="02030504000101010101" pitchFamily="18" charset="-127"/>
+                        </a:rPr>
                         <a:t>상세</a:t>
                       </a:r>
-                      <a:endParaRPr lang="ko-KR" altLang="en-US" dirty="0">
-                        <a:latin typeface="-윤고딕320" panose="02030504000101010101" pitchFamily="18" charset="-127"/>
-                        <a:ea typeface="-윤고딕320" panose="02030504000101010101" pitchFamily="18" charset="-127"/>
-                      </a:endParaRPr>
                     </a:p>
                   </a:txBody>
                   <a:tcPr anchor="ctr"/>
@@ -9769,13 +9775,12 @@
                     <a:p>
                       <a:pPr algn="ctr" latinLnBrk="1"/>
                       <a:r>
-                        <a:rPr lang="ko-KR" altLang="en-US" sz="1600" dirty="0"/>
-                        <a:t>캐릭터 조작</a:t>
-                      </a:r>
-                      <a:endParaRPr lang="ko-KR" altLang="en-US" sz="1600" dirty="0">
-                        <a:latin typeface="-윤고딕310" panose="02030504000101010101" pitchFamily="18" charset="-127"/>
-                        <a:ea typeface="-윤고딕310" panose="02030504000101010101" pitchFamily="18" charset="-127"/>
-                      </a:endParaRPr>
+                        <a:rPr lang="ko-KR" altLang="en-US" sz="1600" dirty="0">
+                          <a:latin typeface="-윤고딕320" panose="02030504000101010101" pitchFamily="18" charset="-127"/>
+                          <a:ea typeface="-윤고딕320" panose="02030504000101010101" pitchFamily="18" charset="-127"/>
+                        </a:rPr>
+                        <a:t>캐릭터</a:t>
+                      </a:r>
                     </a:p>
                   </a:txBody>
                   <a:tcPr anchor="ctr"/>
@@ -9786,7 +9791,28 @@
                     <a:lstStyle/>
                     <a:p>
                       <a:pPr latinLnBrk="1"/>
-                      <a:endParaRPr lang="ko-KR" altLang="en-US" dirty="0">
+                      <a:r>
+                        <a:rPr lang="ko-KR" altLang="en-US" sz="1600" dirty="0">
+                          <a:latin typeface="-윤고딕310" panose="02030504000101010101" pitchFamily="18" charset="-127"/>
+                          <a:ea typeface="-윤고딕310" panose="02030504000101010101" pitchFamily="18" charset="-127"/>
+                        </a:rPr>
+                        <a:t> 키보드로 조작</a:t>
+                      </a:r>
+                      <a:r>
+                        <a:rPr lang="en-US" altLang="ko-KR" sz="1600" dirty="0">
+                          <a:latin typeface="-윤고딕310" panose="02030504000101010101" pitchFamily="18" charset="-127"/>
+                          <a:ea typeface="-윤고딕310" panose="02030504000101010101" pitchFamily="18" charset="-127"/>
+                        </a:rPr>
+                        <a:t>, 2</a:t>
+                      </a:r>
+                      <a:r>
+                        <a:rPr lang="ko-KR" altLang="en-US" sz="1600" dirty="0">
+                          <a:latin typeface="-윤고딕310" panose="02030504000101010101" pitchFamily="18" charset="-127"/>
+                          <a:ea typeface="-윤고딕310" panose="02030504000101010101" pitchFamily="18" charset="-127"/>
+                        </a:rPr>
+                        <a:t>단 점프와 순간 이동 등의 특수 능력 해금</a:t>
+                      </a:r>
+                      <a:endParaRPr lang="en-US" altLang="ko-KR" sz="1600" dirty="0">
                         <a:latin typeface="-윤고딕310" panose="02030504000101010101" pitchFamily="18" charset="-127"/>
                         <a:ea typeface="-윤고딕310" panose="02030504000101010101" pitchFamily="18" charset="-127"/>
                       </a:endParaRPr>
@@ -9808,13 +9834,26 @@
                     <a:p>
                       <a:pPr algn="ctr" latinLnBrk="1"/>
                       <a:r>
-                        <a:rPr lang="ko-KR" altLang="en-US" sz="1600" dirty="0"/>
-                        <a:t>캐릭터 능력</a:t>
-                      </a:r>
-                      <a:endParaRPr lang="ko-KR" altLang="en-US" sz="1600" dirty="0">
-                        <a:latin typeface="-윤고딕310" panose="02030504000101010101" pitchFamily="18" charset="-127"/>
-                        <a:ea typeface="-윤고딕310" panose="02030504000101010101" pitchFamily="18" charset="-127"/>
+                        <a:rPr lang="ko-KR" altLang="en-US" sz="1600" dirty="0">
+                          <a:latin typeface="-윤고딕320" panose="02030504000101010101" pitchFamily="18" charset="-127"/>
+                          <a:ea typeface="-윤고딕320" panose="02030504000101010101" pitchFamily="18" charset="-127"/>
+                        </a:rPr>
+                        <a:t>게임</a:t>
+                      </a:r>
+                      <a:endParaRPr lang="en-US" altLang="ko-KR" sz="1600" dirty="0">
+                        <a:latin typeface="-윤고딕320" panose="02030504000101010101" pitchFamily="18" charset="-127"/>
+                        <a:ea typeface="-윤고딕320" panose="02030504000101010101" pitchFamily="18" charset="-127"/>
                       </a:endParaRPr>
+                    </a:p>
+                    <a:p>
+                      <a:pPr algn="ctr" latinLnBrk="1"/>
+                      <a:r>
+                        <a:rPr lang="ko-KR" altLang="en-US" sz="1600" dirty="0">
+                          <a:latin typeface="-윤고딕320" panose="02030504000101010101" pitchFamily="18" charset="-127"/>
+                          <a:ea typeface="-윤고딕320" panose="02030504000101010101" pitchFamily="18" charset="-127"/>
+                        </a:rPr>
+                        <a:t>핵심 기능</a:t>
+                      </a:r>
                     </a:p>
                   </a:txBody>
                   <a:tcPr anchor="ctr"/>
@@ -9825,7 +9864,52 @@
                     <a:lstStyle/>
                     <a:p>
                       <a:pPr latinLnBrk="1"/>
-                      <a:endParaRPr lang="ko-KR" altLang="en-US" dirty="0">
+                      <a:r>
+                        <a:rPr lang="ko-KR" altLang="en-US" sz="1600" dirty="0">
+                          <a:latin typeface="-윤고딕310" panose="02030504000101010101" pitchFamily="18" charset="-127"/>
+                          <a:ea typeface="-윤고딕310" panose="02030504000101010101" pitchFamily="18" charset="-127"/>
+                        </a:rPr>
+                        <a:t> 중력과 충돌 시스템</a:t>
+                      </a:r>
+                      <a:r>
+                        <a:rPr lang="en-US" altLang="ko-KR" sz="1600" dirty="0">
+                          <a:latin typeface="-윤고딕310" panose="02030504000101010101" pitchFamily="18" charset="-127"/>
+                          <a:ea typeface="-윤고딕310" panose="02030504000101010101" pitchFamily="18" charset="-127"/>
+                        </a:rPr>
+                        <a:t>, </a:t>
+                      </a:r>
+                      <a:r>
+                        <a:rPr lang="ko-KR" altLang="en-US" sz="1600" dirty="0">
+                          <a:latin typeface="-윤고딕310" panose="02030504000101010101" pitchFamily="18" charset="-127"/>
+                          <a:ea typeface="-윤고딕310" panose="02030504000101010101" pitchFamily="18" charset="-127"/>
+                        </a:rPr>
+                        <a:t>실제 단위에 기반한 움직임과 시간</a:t>
+                      </a:r>
+                      <a:r>
+                        <a:rPr lang="en-US" altLang="ko-KR" sz="1600" dirty="0">
+                          <a:latin typeface="-윤고딕310" panose="02030504000101010101" pitchFamily="18" charset="-127"/>
+                          <a:ea typeface="-윤고딕310" panose="02030504000101010101" pitchFamily="18" charset="-127"/>
+                        </a:rPr>
+                        <a:t>.</a:t>
+                      </a:r>
+                    </a:p>
+                    <a:p>
+                      <a:pPr latinLnBrk="1"/>
+                      <a:r>
+                        <a:rPr lang="ko-KR" altLang="en-US" sz="1600" dirty="0">
+                          <a:latin typeface="-윤고딕310" panose="02030504000101010101" pitchFamily="18" charset="-127"/>
+                          <a:ea typeface="-윤고딕310" panose="02030504000101010101" pitchFamily="18" charset="-127"/>
+                        </a:rPr>
+                        <a:t>스테이지마다 제한  시간이 있다</a:t>
+                      </a:r>
+                      <a:r>
+                        <a:rPr lang="en-US" altLang="ko-KR" sz="1600" dirty="0">
+                          <a:latin typeface="-윤고딕310" panose="02030504000101010101" pitchFamily="18" charset="-127"/>
+                          <a:ea typeface="-윤고딕310" panose="02030504000101010101" pitchFamily="18" charset="-127"/>
+                        </a:rPr>
+                        <a:t>.</a:t>
+                      </a:r>
+                      <a:endParaRPr lang="ko-KR" altLang="en-US" sz="1600" dirty="0">
                         <a:latin typeface="-윤고딕310" panose="02030504000101010101" pitchFamily="18" charset="-127"/>
                         <a:ea typeface="-윤고딕310" panose="02030504000101010101" pitchFamily="18" charset="-127"/>
                       </a:endParaRPr>
@@ -9847,13 +9931,12 @@
                     <a:p>
                       <a:pPr algn="ctr" latinLnBrk="1"/>
                       <a:r>
-                        <a:rPr lang="ko-KR" altLang="en-US" sz="1600" dirty="0"/>
+                        <a:rPr lang="ko-KR" altLang="en-US" sz="1600" dirty="0">
+                          <a:latin typeface="-윤고딕320" panose="02030504000101010101" pitchFamily="18" charset="-127"/>
+                          <a:ea typeface="-윤고딕320" panose="02030504000101010101" pitchFamily="18" charset="-127"/>
+                        </a:rPr>
                         <a:t>게임 연출</a:t>
                       </a:r>
-                      <a:endParaRPr lang="ko-KR" altLang="en-US" sz="1600" dirty="0">
-                        <a:latin typeface="-윤고딕310" panose="02030504000101010101" pitchFamily="18" charset="-127"/>
-                        <a:ea typeface="-윤고딕310" panose="02030504000101010101" pitchFamily="18" charset="-127"/>
-                      </a:endParaRPr>
                     </a:p>
                   </a:txBody>
                   <a:tcPr anchor="ctr"/>
@@ -9864,17 +9947,58 @@
                     <a:lstStyle/>
                     <a:p>
                       <a:pPr latinLnBrk="1"/>
-                      <a:endParaRPr lang="en-US" altLang="ko-KR" dirty="0">
-                        <a:latin typeface="-윤고딕310" panose="02030504000101010101" pitchFamily="18" charset="-127"/>
-                        <a:ea typeface="-윤고딕310" panose="02030504000101010101" pitchFamily="18" charset="-127"/>
-                      </a:endParaRPr>
+                      <a:r>
+                        <a:rPr lang="en-US" altLang="ko-KR" sz="1600" dirty="0">
+                          <a:latin typeface="-윤고딕310" panose="02030504000101010101" pitchFamily="18" charset="-127"/>
+                          <a:ea typeface="-윤고딕310" panose="02030504000101010101" pitchFamily="18" charset="-127"/>
+                        </a:rPr>
+                        <a:t> NPC </a:t>
+                      </a:r>
+                      <a:r>
+                        <a:rPr lang="ko-KR" altLang="en-US" sz="1600" dirty="0">
+                          <a:latin typeface="-윤고딕310" panose="02030504000101010101" pitchFamily="18" charset="-127"/>
+                          <a:ea typeface="-윤고딕310" panose="02030504000101010101" pitchFamily="18" charset="-127"/>
+                        </a:rPr>
+                        <a:t>의 대화 메시지 띄우기</a:t>
+                      </a:r>
+                      <a:r>
+                        <a:rPr lang="en-US" altLang="ko-KR" sz="1600" dirty="0">
+                          <a:latin typeface="-윤고딕310" panose="02030504000101010101" pitchFamily="18" charset="-127"/>
+                          <a:ea typeface="-윤고딕310" panose="02030504000101010101" pitchFamily="18" charset="-127"/>
+                        </a:rPr>
+                        <a:t>, </a:t>
+                      </a:r>
+                      <a:r>
+                        <a:rPr lang="ko-KR" altLang="en-US" sz="1600" dirty="0">
+                          <a:latin typeface="-윤고딕310" panose="02030504000101010101" pitchFamily="18" charset="-127"/>
+                          <a:ea typeface="-윤고딕310" panose="02030504000101010101" pitchFamily="18" charset="-127"/>
+                        </a:rPr>
+                        <a:t>게임 진행 중 이벤트 발생</a:t>
+                      </a:r>
+                      <a:r>
+                        <a:rPr lang="en-US" altLang="ko-KR" sz="1600" dirty="0">
+                          <a:latin typeface="-윤고딕310" panose="02030504000101010101" pitchFamily="18" charset="-127"/>
+                          <a:ea typeface="-윤고딕310" panose="02030504000101010101" pitchFamily="18" charset="-127"/>
+                        </a:rPr>
+                        <a:t>.</a:t>
+                      </a:r>
                     </a:p>
                     <a:p>
                       <a:pPr latinLnBrk="1"/>
-                      <a:endParaRPr lang="ko-KR" altLang="en-US" dirty="0">
-                        <a:latin typeface="-윤고딕310" panose="02030504000101010101" pitchFamily="18" charset="-127"/>
-                        <a:ea typeface="-윤고딕310" panose="02030504000101010101" pitchFamily="18" charset="-127"/>
-                      </a:endParaRPr>
+                      <a:r>
+                        <a:rPr lang="ko-KR" altLang="en-US" sz="1600" dirty="0">
+                          <a:latin typeface="-윤고딕310" panose="02030504000101010101" pitchFamily="18" charset="-127"/>
+                          <a:ea typeface="-윤고딕310" panose="02030504000101010101" pitchFamily="18" charset="-127"/>
+                        </a:rPr>
+                        <a:t>개체가 죽거나 데미지를 받을 시 출혈 효과 발생</a:t>
+                      </a:r>
+                      <a:r>
+                        <a:rPr lang="en-US" altLang="ko-KR" sz="1600" dirty="0">
+                          <a:latin typeface="-윤고딕310" panose="02030504000101010101" pitchFamily="18" charset="-127"/>
+                          <a:ea typeface="-윤고딕310" panose="02030504000101010101" pitchFamily="18" charset="-127"/>
+                        </a:rPr>
+                        <a:t>,</a:t>
+                      </a:r>
                     </a:p>
                   </a:txBody>
                   <a:tcPr/>
@@ -9893,21 +10017,26 @@
                     <a:p>
                       <a:pPr algn="ctr" latinLnBrk="1"/>
                       <a:r>
-                        <a:rPr lang="ko-KR" altLang="en-US" sz="1600" dirty="0"/>
+                        <a:rPr lang="ko-KR" altLang="en-US" sz="1600" dirty="0">
+                          <a:latin typeface="-윤고딕320" panose="02030504000101010101" pitchFamily="18" charset="-127"/>
+                          <a:ea typeface="-윤고딕320" panose="02030504000101010101" pitchFamily="18" charset="-127"/>
+                        </a:rPr>
                         <a:t>맵 테마와</a:t>
                       </a:r>
-                      <a:endParaRPr lang="en-US" altLang="ko-KR" sz="1600" dirty="0"/>
+                      <a:endParaRPr lang="en-US" altLang="ko-KR" sz="1600" dirty="0">
+                        <a:latin typeface="-윤고딕320" panose="02030504000101010101" pitchFamily="18" charset="-127"/>
+                        <a:ea typeface="-윤고딕320" panose="02030504000101010101" pitchFamily="18" charset="-127"/>
+                      </a:endParaRPr>
                     </a:p>
                     <a:p>
                       <a:pPr algn="ctr" latinLnBrk="1"/>
                       <a:r>
-                        <a:rPr lang="ko-KR" altLang="en-US" sz="1600" dirty="0"/>
+                        <a:rPr lang="ko-KR" altLang="en-US" sz="1600" dirty="0">
+                          <a:latin typeface="-윤고딕320" panose="02030504000101010101" pitchFamily="18" charset="-127"/>
+                          <a:ea typeface="-윤고딕320" panose="02030504000101010101" pitchFamily="18" charset="-127"/>
+                        </a:rPr>
                         <a:t>스테이지</a:t>
                       </a:r>
-                      <a:endParaRPr lang="ko-KR" altLang="en-US" sz="1600" dirty="0">
-                        <a:latin typeface="-윤고딕310" panose="02030504000101010101" pitchFamily="18" charset="-127"/>
-                        <a:ea typeface="-윤고딕310" panose="02030504000101010101" pitchFamily="18" charset="-127"/>
-                      </a:endParaRPr>
                     </a:p>
                   </a:txBody>
                   <a:tcPr anchor="ctr"/>
@@ -9918,10 +10047,97 @@
                     <a:lstStyle/>
                     <a:p>
                       <a:pPr latinLnBrk="1"/>
-                      <a:endParaRPr lang="ko-KR" altLang="en-US" dirty="0">
-                        <a:latin typeface="-윤고딕310" panose="02030504000101010101" pitchFamily="18" charset="-127"/>
-                        <a:ea typeface="-윤고딕310" panose="02030504000101010101" pitchFamily="18" charset="-127"/>
-                      </a:endParaRPr>
+                      <a:r>
+                        <a:rPr lang="en-US" altLang="ko-KR" sz="1600" dirty="0">
+                          <a:latin typeface="-윤고딕310" panose="02030504000101010101" pitchFamily="18" charset="-127"/>
+                          <a:ea typeface="-윤고딕310" panose="02030504000101010101" pitchFamily="18" charset="-127"/>
+                        </a:rPr>
+                        <a:t> </a:t>
+                      </a:r>
+                      <a:r>
+                        <a:rPr lang="ko-KR" altLang="en-US" sz="1600" dirty="0">
+                          <a:latin typeface="-윤고딕310" panose="02030504000101010101" pitchFamily="18" charset="-127"/>
+                          <a:ea typeface="-윤고딕310" panose="02030504000101010101" pitchFamily="18" charset="-127"/>
+                        </a:rPr>
+                        <a:t>스테이지 마다 등장 </a:t>
+                      </a:r>
+                      <a:r>
+                        <a:rPr lang="en-US" altLang="ko-KR" sz="1600" dirty="0">
+                          <a:latin typeface="-윤고딕310" panose="02030504000101010101" pitchFamily="18" charset="-127"/>
+                          <a:ea typeface="-윤고딕310" panose="02030504000101010101" pitchFamily="18" charset="-127"/>
+                        </a:rPr>
+                        <a:t>NPC </a:t>
+                      </a:r>
+                      <a:r>
+                        <a:rPr lang="ko-KR" altLang="en-US" sz="1600" dirty="0">
+                          <a:latin typeface="-윤고딕310" panose="02030504000101010101" pitchFamily="18" charset="-127"/>
+                          <a:ea typeface="-윤고딕310" panose="02030504000101010101" pitchFamily="18" charset="-127"/>
+                        </a:rPr>
+                        <a:t>와 아이템이 다르다</a:t>
+                      </a:r>
+                      <a:r>
+                        <a:rPr lang="en-US" altLang="ko-KR" sz="1600" dirty="0">
+                          <a:latin typeface="-윤고딕310" panose="02030504000101010101" pitchFamily="18" charset="-127"/>
+                          <a:ea typeface="-윤고딕310" panose="02030504000101010101" pitchFamily="18" charset="-127"/>
+                        </a:rPr>
+                        <a:t>.</a:t>
+                      </a:r>
+                      <a:r>
+                        <a:rPr lang="ko-KR" altLang="en-US" sz="1600" dirty="0">
+                          <a:latin typeface="-윤고딕310" panose="02030504000101010101" pitchFamily="18" charset="-127"/>
+                          <a:ea typeface="-윤고딕310" panose="02030504000101010101" pitchFamily="18" charset="-127"/>
+                        </a:rPr>
+                        <a:t> 마을</a:t>
+                      </a:r>
+                      <a:r>
+                        <a:rPr lang="en-US" altLang="ko-KR" sz="1600" dirty="0">
+                          <a:latin typeface="-윤고딕310" panose="02030504000101010101" pitchFamily="18" charset="-127"/>
+                          <a:ea typeface="-윤고딕310" panose="02030504000101010101" pitchFamily="18" charset="-127"/>
+                        </a:rPr>
+                        <a:t>, </a:t>
+                      </a:r>
+                      <a:r>
+                        <a:rPr lang="ko-KR" altLang="en-US" sz="1600" dirty="0">
+                          <a:latin typeface="-윤고딕310" panose="02030504000101010101" pitchFamily="18" charset="-127"/>
+                          <a:ea typeface="-윤고딕310" panose="02030504000101010101" pitchFamily="18" charset="-127"/>
+                        </a:rPr>
+                        <a:t>숲</a:t>
+                      </a:r>
+                      <a:r>
+                        <a:rPr lang="en-US" altLang="ko-KR" sz="1600" dirty="0">
+                          <a:latin typeface="-윤고딕310" panose="02030504000101010101" pitchFamily="18" charset="-127"/>
+                          <a:ea typeface="-윤고딕310" panose="02030504000101010101" pitchFamily="18" charset="-127"/>
+                        </a:rPr>
+                        <a:t>, </a:t>
+                      </a:r>
+                      <a:r>
+                        <a:rPr lang="ko-KR" altLang="en-US" sz="1600" dirty="0">
+                          <a:latin typeface="-윤고딕310" panose="02030504000101010101" pitchFamily="18" charset="-127"/>
+                          <a:ea typeface="-윤고딕310" panose="02030504000101010101" pitchFamily="18" charset="-127"/>
+                        </a:rPr>
+                        <a:t>도시</a:t>
+                      </a:r>
+                      <a:r>
+                        <a:rPr lang="en-US" altLang="ko-KR" sz="1600" dirty="0">
+                          <a:latin typeface="-윤고딕310" panose="02030504000101010101" pitchFamily="18" charset="-127"/>
+                          <a:ea typeface="-윤고딕310" panose="02030504000101010101" pitchFamily="18" charset="-127"/>
+                        </a:rPr>
+                        <a:t> </a:t>
+                      </a:r>
+                      <a:r>
+                        <a:rPr lang="ko-KR" altLang="en-US" sz="1600" dirty="0">
+                          <a:latin typeface="-윤고딕310" panose="02030504000101010101" pitchFamily="18" charset="-127"/>
+                          <a:ea typeface="-윤고딕310" panose="02030504000101010101" pitchFamily="18" charset="-127"/>
+                        </a:rPr>
+                        <a:t>등이 있다</a:t>
+                      </a:r>
+                      <a:r>
+                        <a:rPr lang="en-US" altLang="ko-KR" sz="1600" dirty="0">
+                          <a:latin typeface="-윤고딕310" panose="02030504000101010101" pitchFamily="18" charset="-127"/>
+                          <a:ea typeface="-윤고딕310" panose="02030504000101010101" pitchFamily="18" charset="-127"/>
+                        </a:rPr>
+                        <a:t>.</a:t>
+                      </a:r>
                     </a:p>
                   </a:txBody>
                   <a:tcPr/>
@@ -9940,16 +10156,22 @@
                     <a:p>
                       <a:pPr algn="ctr" latinLnBrk="1"/>
                       <a:r>
-                        <a:rPr lang="ko-KR" altLang="en-US" sz="1600" dirty="0"/>
+                        <a:rPr lang="ko-KR" altLang="en-US" sz="1600" dirty="0">
+                          <a:latin typeface="-윤고딕320" panose="02030504000101010101" pitchFamily="18" charset="-127"/>
+                          <a:ea typeface="-윤고딕320" panose="02030504000101010101" pitchFamily="18" charset="-127"/>
+                        </a:rPr>
                         <a:t>적과 </a:t>
                       </a:r>
                       <a:r>
-                        <a:rPr lang="en-US" altLang="ko-KR" sz="1600" dirty="0"/>
+                        <a:rPr lang="en-US" altLang="ko-KR" sz="1600" dirty="0">
+                          <a:latin typeface="-윤고딕320" panose="02030504000101010101" pitchFamily="18" charset="-127"/>
+                          <a:ea typeface="-윤고딕320" panose="02030504000101010101" pitchFamily="18" charset="-127"/>
+                        </a:rPr>
                         <a:t>NPC</a:t>
                       </a:r>
                       <a:endParaRPr lang="ko-KR" altLang="en-US" sz="1600" dirty="0">
-                        <a:latin typeface="-윤고딕310" panose="02030504000101010101" pitchFamily="18" charset="-127"/>
-                        <a:ea typeface="-윤고딕310" panose="02030504000101010101" pitchFamily="18" charset="-127"/>
+                        <a:latin typeface="-윤고딕320" panose="02030504000101010101" pitchFamily="18" charset="-127"/>
+                        <a:ea typeface="-윤고딕320" panose="02030504000101010101" pitchFamily="18" charset="-127"/>
                       </a:endParaRPr>
                     </a:p>
                   </a:txBody>
@@ -9961,7 +10183,56 @@
                     <a:lstStyle/>
                     <a:p>
                       <a:pPr latinLnBrk="1"/>
-                      <a:endParaRPr lang="ko-KR" altLang="en-US" dirty="0">
+                      <a:r>
+                        <a:rPr lang="en-US" altLang="ko-KR" sz="1600" dirty="0">
+                          <a:latin typeface="-윤고딕310" panose="02030504000101010101" pitchFamily="18" charset="-127"/>
+                          <a:ea typeface="-윤고딕310" panose="02030504000101010101" pitchFamily="18" charset="-127"/>
+                        </a:rPr>
+                        <a:t> NPC </a:t>
+                      </a:r>
+                      <a:r>
+                        <a:rPr lang="ko-KR" altLang="en-US" sz="1600" dirty="0">
+                          <a:latin typeface="-윤고딕310" panose="02030504000101010101" pitchFamily="18" charset="-127"/>
+                          <a:ea typeface="-윤고딕310" panose="02030504000101010101" pitchFamily="18" charset="-127"/>
+                        </a:rPr>
+                        <a:t>들은 가만히 있거나</a:t>
+                      </a:r>
+                      <a:r>
+                        <a:rPr lang="en-US" altLang="ko-KR" sz="1600" dirty="0">
+                          <a:latin typeface="-윤고딕310" panose="02030504000101010101" pitchFamily="18" charset="-127"/>
+                          <a:ea typeface="-윤고딕310" panose="02030504000101010101" pitchFamily="18" charset="-127"/>
+                        </a:rPr>
+                        <a:t>, </a:t>
+                      </a:r>
+                      <a:r>
+                        <a:rPr lang="ko-KR" altLang="en-US" sz="1600" dirty="0">
+                          <a:latin typeface="-윤고딕310" panose="02030504000101010101" pitchFamily="18" charset="-127"/>
+                          <a:ea typeface="-윤고딕310" panose="02030504000101010101" pitchFamily="18" charset="-127"/>
+                        </a:rPr>
+                        <a:t>좌우로 이동하거나</a:t>
+                      </a:r>
+                      <a:r>
+                        <a:rPr lang="en-US" altLang="ko-KR" sz="1600" dirty="0">
+                          <a:latin typeface="-윤고딕310" panose="02030504000101010101" pitchFamily="18" charset="-127"/>
+                          <a:ea typeface="-윤고딕310" panose="02030504000101010101" pitchFamily="18" charset="-127"/>
+                        </a:rPr>
+                        <a:t>, </a:t>
+                      </a:r>
+                      <a:r>
+                        <a:rPr lang="ko-KR" altLang="en-US" sz="1600" dirty="0">
+                          <a:latin typeface="-윤고딕310" panose="02030504000101010101" pitchFamily="18" charset="-127"/>
+                          <a:ea typeface="-윤고딕310" panose="02030504000101010101" pitchFamily="18" charset="-127"/>
+                        </a:rPr>
+                        <a:t>플레이어를 따라오는 단순한 인공지능을 갖고 있다</a:t>
+                      </a:r>
+                      <a:r>
+                        <a:rPr lang="en-US" altLang="ko-KR" sz="1600" dirty="0">
+                          <a:latin typeface="-윤고딕310" panose="02030504000101010101" pitchFamily="18" charset="-127"/>
+                          <a:ea typeface="-윤고딕310" panose="02030504000101010101" pitchFamily="18" charset="-127"/>
+                        </a:rPr>
+                        <a:t>.</a:t>
+                      </a:r>
+                      <a:endParaRPr lang="ko-KR" altLang="en-US" sz="1600" dirty="0">
                         <a:latin typeface="-윤고딕310" panose="02030504000101010101" pitchFamily="18" charset="-127"/>
                         <a:ea typeface="-윤고딕310" panose="02030504000101010101" pitchFamily="18" charset="-127"/>
                       </a:endParaRPr>
@@ -9983,13 +10254,12 @@
                     <a:p>
                       <a:pPr algn="ctr" latinLnBrk="1"/>
                       <a:r>
-                        <a:rPr lang="ko-KR" altLang="en-US" sz="1600" dirty="0"/>
+                        <a:rPr lang="ko-KR" altLang="en-US" sz="1600" dirty="0">
+                          <a:latin typeface="-윤고딕320" panose="02030504000101010101" pitchFamily="18" charset="-127"/>
+                          <a:ea typeface="-윤고딕320" panose="02030504000101010101" pitchFamily="18" charset="-127"/>
+                        </a:rPr>
                         <a:t>그래픽</a:t>
                       </a:r>
-                      <a:endParaRPr lang="ko-KR" altLang="en-US" sz="1600" dirty="0">
-                        <a:latin typeface="-윤고딕310" panose="02030504000101010101" pitchFamily="18" charset="-127"/>
-                        <a:ea typeface="-윤고딕310" panose="02030504000101010101" pitchFamily="18" charset="-127"/>
-                      </a:endParaRPr>
                     </a:p>
                   </a:txBody>
                   <a:tcPr anchor="ctr"/>
@@ -10000,7 +10270,42 @@
                     <a:lstStyle/>
                     <a:p>
                       <a:pPr latinLnBrk="1"/>
-                      <a:endParaRPr lang="ko-KR" altLang="en-US" dirty="0">
+                      <a:r>
+                        <a:rPr lang="en-US" altLang="ko-KR" sz="1600" dirty="0">
+                          <a:latin typeface="-윤고딕310" panose="02030504000101010101" pitchFamily="18" charset="-127"/>
+                          <a:ea typeface="-윤고딕310" panose="02030504000101010101" pitchFamily="18" charset="-127"/>
+                        </a:rPr>
+                        <a:t> </a:t>
+                      </a:r>
+                      <a:r>
+                        <a:rPr lang="ko-KR" altLang="en-US" sz="1600" dirty="0">
+                          <a:latin typeface="-윤고딕310" panose="02030504000101010101" pitchFamily="18" charset="-127"/>
+                          <a:ea typeface="-윤고딕310" panose="02030504000101010101" pitchFamily="18" charset="-127"/>
+                        </a:rPr>
+                        <a:t>테마 별로 </a:t>
+                      </a:r>
+                      <a:r>
+                        <a:rPr lang="en-US" altLang="ko-KR" sz="1600" dirty="0">
+                          <a:latin typeface="-윤고딕310" panose="02030504000101010101" pitchFamily="18" charset="-127"/>
+                          <a:ea typeface="-윤고딕310" panose="02030504000101010101" pitchFamily="18" charset="-127"/>
+                        </a:rPr>
+                        <a:t>3</a:t>
+                      </a:r>
+                      <a:r>
+                        <a:rPr lang="ko-KR" altLang="en-US" sz="1600" dirty="0">
+                          <a:latin typeface="-윤고딕310" panose="02030504000101010101" pitchFamily="18" charset="-127"/>
+                          <a:ea typeface="-윤고딕310" panose="02030504000101010101" pitchFamily="18" charset="-127"/>
+                        </a:rPr>
+                        <a:t>개 정도의 블록 그래픽과 하나의 배경 그래픽</a:t>
+                      </a:r>
+                      <a:r>
+                        <a:rPr lang="en-US" altLang="ko-KR" sz="1600" dirty="0">
+                          <a:latin typeface="-윤고딕310" panose="02030504000101010101" pitchFamily="18" charset="-127"/>
+                          <a:ea typeface="-윤고딕310" panose="02030504000101010101" pitchFamily="18" charset="-127"/>
+                        </a:rPr>
+                        <a:t>.</a:t>
+                      </a:r>
+                      <a:endParaRPr lang="ko-KR" altLang="en-US" sz="1600" dirty="0">
                         <a:latin typeface="-윤고딕310" panose="02030504000101010101" pitchFamily="18" charset="-127"/>
                         <a:ea typeface="-윤고딕310" panose="02030504000101010101" pitchFamily="18" charset="-127"/>
                       </a:endParaRPr>
@@ -10022,13 +10327,12 @@
                     <a:p>
                       <a:pPr algn="ctr" latinLnBrk="1"/>
                       <a:r>
-                        <a:rPr lang="ko-KR" altLang="en-US" sz="1600" dirty="0"/>
+                        <a:rPr lang="ko-KR" altLang="en-US" sz="1600" dirty="0">
+                          <a:latin typeface="-윤고딕320" panose="02030504000101010101" pitchFamily="18" charset="-127"/>
+                          <a:ea typeface="-윤고딕320" panose="02030504000101010101" pitchFamily="18" charset="-127"/>
+                        </a:rPr>
                         <a:t>사운드</a:t>
                       </a:r>
-                      <a:endParaRPr lang="ko-KR" altLang="en-US" sz="1600" dirty="0">
-                        <a:latin typeface="-윤고딕310" panose="02030504000101010101" pitchFamily="18" charset="-127"/>
-                        <a:ea typeface="-윤고딕310" panose="02030504000101010101" pitchFamily="18" charset="-127"/>
-                      </a:endParaRPr>
                     </a:p>
                   </a:txBody>
                   <a:tcPr anchor="ctr"/>
@@ -10039,7 +10343,56 @@
                     <a:lstStyle/>
                     <a:p>
                       <a:pPr latinLnBrk="1"/>
-                      <a:endParaRPr lang="ko-KR" altLang="en-US" dirty="0">
+                      <a:r>
+                        <a:rPr lang="en-US" altLang="ko-KR" sz="1600" dirty="0">
+                          <a:latin typeface="-윤고딕310" panose="02030504000101010101" pitchFamily="18" charset="-127"/>
+                          <a:ea typeface="-윤고딕310" panose="02030504000101010101" pitchFamily="18" charset="-127"/>
+                        </a:rPr>
+                        <a:t> NPC</a:t>
+                      </a:r>
+                      <a:r>
+                        <a:rPr lang="ko-KR" altLang="en-US" sz="1600" dirty="0">
+                          <a:latin typeface="-윤고딕310" panose="02030504000101010101" pitchFamily="18" charset="-127"/>
+                          <a:ea typeface="-윤고딕310" panose="02030504000101010101" pitchFamily="18" charset="-127"/>
+                        </a:rPr>
+                        <a:t> 별로 죽는 소리</a:t>
+                      </a:r>
+                      <a:r>
+                        <a:rPr lang="en-US" altLang="ko-KR" sz="1600" dirty="0">
+                          <a:latin typeface="-윤고딕310" panose="02030504000101010101" pitchFamily="18" charset="-127"/>
+                          <a:ea typeface="-윤고딕310" panose="02030504000101010101" pitchFamily="18" charset="-127"/>
+                        </a:rPr>
+                        <a:t>, UI </a:t>
+                      </a:r>
+                      <a:r>
+                        <a:rPr lang="ko-KR" altLang="en-US" sz="1600" dirty="0">
+                          <a:latin typeface="-윤고딕310" panose="02030504000101010101" pitchFamily="18" charset="-127"/>
+                          <a:ea typeface="-윤고딕310" panose="02030504000101010101" pitchFamily="18" charset="-127"/>
+                        </a:rPr>
+                        <a:t>와 효과음 등을 포함해서 </a:t>
+                      </a:r>
+                      <a:r>
+                        <a:rPr lang="en-US" altLang="ko-KR" sz="1600" dirty="0">
+                          <a:latin typeface="-윤고딕310" panose="02030504000101010101" pitchFamily="18" charset="-127"/>
+                          <a:ea typeface="-윤고딕310" panose="02030504000101010101" pitchFamily="18" charset="-127"/>
+                        </a:rPr>
+                        <a:t>20</a:t>
+                      </a:r>
+                      <a:r>
+                        <a:rPr lang="ko-KR" altLang="en-US" sz="1600" dirty="0">
+                          <a:latin typeface="-윤고딕310" panose="02030504000101010101" pitchFamily="18" charset="-127"/>
+                          <a:ea typeface="-윤고딕310" panose="02030504000101010101" pitchFamily="18" charset="-127"/>
+                        </a:rPr>
+                        <a:t>가지 정도</a:t>
+                      </a:r>
+                      <a:r>
+                        <a:rPr lang="en-US" altLang="ko-KR" sz="1600" dirty="0">
+                          <a:latin typeface="-윤고딕310" panose="02030504000101010101" pitchFamily="18" charset="-127"/>
+                          <a:ea typeface="-윤고딕310" panose="02030504000101010101" pitchFamily="18" charset="-127"/>
+                        </a:rPr>
+                        <a:t>.</a:t>
+                      </a:r>
+                      <a:endParaRPr lang="ko-KR" altLang="en-US" sz="1600" dirty="0">
                         <a:latin typeface="-윤고딕310" panose="02030504000101010101" pitchFamily="18" charset="-127"/>
                         <a:ea typeface="-윤고딕310" panose="02030504000101010101" pitchFamily="18" charset="-127"/>
                       </a:endParaRPr>
@@ -10256,14 +10609,14 @@
           <p:nvPr>
             <p:extLst>
               <p:ext uri="{D42A27DB-BD31-4B8C-83A1-F6EECF244321}">
-                <p14:modId xmlns:p14="http://schemas.microsoft.com/office/powerpoint/2010/main" val="336949370"/>
+                <p14:modId xmlns:p14="http://schemas.microsoft.com/office/powerpoint/2010/main" val="3478048616"/>
               </p:ext>
             </p:extLst>
           </p:nvPr>
         </p:nvGraphicFramePr>
         <p:xfrm>
           <a:off x="323528" y="1412776"/>
-          <a:ext cx="8244211" cy="5184576"/>
+          <a:ext cx="8244212" cy="5184576"/>
         </p:xfrm>
         <a:graphic>
           <a:graphicData uri="http://schemas.openxmlformats.org/drawingml/2006/table">
@@ -10279,10 +10632,17 @@
                     </a:ext>
                   </a:extLst>
                 </a:gridCol>
-                <a:gridCol w="7452123">
+                <a:gridCol w="1080120">
                   <a:extLst>
                     <a:ext uri="{9D8B030D-6E8A-4147-A177-3AD203B41FA5}">
                       <a16:colId xmlns:a16="http://schemas.microsoft.com/office/drawing/2014/main" val="3107912970"/>
+                    </a:ext>
+                  </a:extLst>
+                </a:gridCol>
+                <a:gridCol w="6372004">
+                  <a:extLst>
+                    <a:ext uri="{9D8B030D-6E8A-4147-A177-3AD203B41FA5}">
+                      <a16:colId xmlns:a16="http://schemas.microsoft.com/office/drawing/2014/main" val="1502471586"/>
                     </a:ext>
                   </a:extLst>
                 </a:gridCol>
@@ -10305,14 +10665,14 @@
                   </a:txBody>
                   <a:tcPr anchor="ctr"/>
                 </a:tc>
-                <a:tc>
+                <a:tc gridSpan="2">
                   <a:txBody>
                     <a:bodyPr/>
                     <a:lstStyle/>
                     <a:p>
                       <a:pPr algn="ctr" latinLnBrk="1"/>
                       <a:r>
-                        <a:rPr lang="ko-KR" altLang="en-US" sz="1400" dirty="0">
+                        <a:rPr lang="ko-KR" altLang="en-US" sz="1600" dirty="0">
                           <a:latin typeface="-윤고딕320" panose="02030504000101010101" pitchFamily="18" charset="-127"/>
                           <a:ea typeface="-윤고딕320" panose="02030504000101010101" pitchFamily="18" charset="-127"/>
                         </a:rPr>
@@ -10321,6 +10681,17 @@
                     </a:p>
                   </a:txBody>
                   <a:tcPr anchor="ctr"/>
+                </a:tc>
+                <a:tc hMerge="1">
+                  <a:txBody>
+                    <a:bodyPr/>
+                    <a:lstStyle/>
+                    <a:p>
+                      <a:pPr latinLnBrk="1"/>
+                      <a:endParaRPr lang="ko-KR" altLang="en-US"/>
+                    </a:p>
+                  </a:txBody>
+                  <a:tcPr/>
                 </a:tc>
                 <a:extLst>
                   <a:ext uri="{0D108BD9-81ED-4DB2-BD59-A6C34878D82A}">
@@ -10358,10 +10729,78 @@
                     <a:bodyPr/>
                     <a:lstStyle/>
                     <a:p>
-                      <a:pPr latinLnBrk="1"/>
+                      <a:pPr algn="ctr" latinLnBrk="1"/>
+                      <a:r>
+                        <a:rPr lang="ko-KR" altLang="en-US" sz="1400" dirty="0">
+                          <a:latin typeface="-윤고딕310" panose="02030504000101010101" pitchFamily="18" charset="-127"/>
+                          <a:ea typeface="-윤고딕310" panose="02030504000101010101" pitchFamily="18" charset="-127"/>
+                        </a:rPr>
+                        <a:t>리소스 수집</a:t>
+                      </a:r>
+                    </a:p>
+                  </a:txBody>
+                  <a:tcPr anchor="ctr"/>
+                </a:tc>
+                <a:tc>
+                  <a:txBody>
+                    <a:bodyPr/>
+                    <a:lstStyle/>
+                    <a:p>
+                      <a:pPr marL="0" marR="0" lvl="0" indent="0" algn="l" defTabSz="914400" rtl="0" eaLnBrk="1" fontAlgn="auto" latinLnBrk="1" hangingPunct="1">
+                        <a:lnSpc>
+                          <a:spcPct val="100000"/>
+                        </a:lnSpc>
+                        <a:spcBef>
+                          <a:spcPts val="0"/>
+                        </a:spcBef>
+                        <a:spcAft>
+                          <a:spcPts val="0"/>
+                        </a:spcAft>
+                        <a:buClrTx/>
+                        <a:buSzTx/>
+                        <a:buFontTx/>
+                        <a:buNone/>
+                        <a:tabLst/>
+                        <a:defRPr/>
+                      </a:pPr>
+                      <a:r>
+                        <a:rPr lang="en-US" altLang="ko-KR" sz="1400" dirty="0">
+                          <a:latin typeface="-윤고딕310" panose="02030504000101010101" pitchFamily="18" charset="-127"/>
+                          <a:ea typeface="-윤고딕310" panose="02030504000101010101" pitchFamily="18" charset="-127"/>
+                        </a:rPr>
+                        <a:t>(100%)</a:t>
+                      </a:r>
+                      <a:r>
+                        <a:rPr lang="ko-KR" altLang="en-US" sz="1400" dirty="0">
+                          <a:latin typeface="-윤고딕310" panose="02030504000101010101" pitchFamily="18" charset="-127"/>
+                          <a:ea typeface="-윤고딕310" panose="02030504000101010101" pitchFamily="18" charset="-127"/>
+                        </a:rPr>
+                        <a:t> 필요한 그래픽 리소스는 모두 구하였다</a:t>
+                      </a:r>
+                      <a:r>
+                        <a:rPr lang="en-US" altLang="ko-KR" sz="1400" dirty="0">
+                          <a:latin typeface="-윤고딕310" panose="02030504000101010101" pitchFamily="18" charset="-127"/>
+                          <a:ea typeface="-윤고딕310" panose="02030504000101010101" pitchFamily="18" charset="-127"/>
+                        </a:rPr>
+                        <a:t>. </a:t>
+                      </a:r>
+                      <a:r>
+                        <a:rPr lang="ko-KR" altLang="en-US" sz="1400" dirty="0">
+                          <a:latin typeface="-윤고딕310" panose="02030504000101010101" pitchFamily="18" charset="-127"/>
+                          <a:ea typeface="-윤고딕310" panose="02030504000101010101" pitchFamily="18" charset="-127"/>
+                        </a:rPr>
+                        <a:t>구한 리소스에 맞춰 객체도 만들어 놓았다</a:t>
+                      </a:r>
+                      <a:r>
+                        <a:rPr lang="en-US" altLang="ko-KR" sz="1400" dirty="0">
+                          <a:latin typeface="-윤고딕310" panose="02030504000101010101" pitchFamily="18" charset="-127"/>
+                          <a:ea typeface="-윤고딕310" panose="02030504000101010101" pitchFamily="18" charset="-127"/>
+                        </a:rPr>
+                        <a:t>.</a:t>
+                      </a:r>
                       <a:endParaRPr lang="ko-KR" altLang="en-US" sz="1400" dirty="0">
-                        <a:latin typeface="-윤고딕320" panose="02030504000101010101" pitchFamily="18" charset="-127"/>
-                        <a:ea typeface="-윤고딕320" panose="02030504000101010101" pitchFamily="18" charset="-127"/>
+                        <a:latin typeface="-윤고딕310" panose="02030504000101010101" pitchFamily="18" charset="-127"/>
+                        <a:ea typeface="-윤고딕310" panose="02030504000101010101" pitchFamily="18" charset="-127"/>
                       </a:endParaRPr>
                     </a:p>
                   </a:txBody>
@@ -10403,10 +10842,64 @@
                     <a:bodyPr/>
                     <a:lstStyle/>
                     <a:p>
-                      <a:pPr latinLnBrk="1"/>
+                      <a:pPr algn="ctr" latinLnBrk="1"/>
+                      <a:r>
+                        <a:rPr lang="ko-KR" altLang="en-US" sz="1400" dirty="0">
+                          <a:latin typeface="-윤고딕310" panose="02030504000101010101" pitchFamily="18" charset="-127"/>
+                          <a:ea typeface="-윤고딕310" panose="02030504000101010101" pitchFamily="18" charset="-127"/>
+                        </a:rPr>
+                        <a:t>중력과 충돌</a:t>
+                      </a:r>
+                    </a:p>
+                  </a:txBody>
+                  <a:tcPr anchor="ctr"/>
+                </a:tc>
+                <a:tc>
+                  <a:txBody>
+                    <a:bodyPr/>
+                    <a:lstStyle/>
+                    <a:p>
+                      <a:pPr marL="0" marR="0" lvl="0" indent="0" algn="l" defTabSz="914400" rtl="0" eaLnBrk="1" fontAlgn="auto" latinLnBrk="1" hangingPunct="1">
+                        <a:lnSpc>
+                          <a:spcPct val="100000"/>
+                        </a:lnSpc>
+                        <a:spcBef>
+                          <a:spcPts val="0"/>
+                        </a:spcBef>
+                        <a:spcAft>
+                          <a:spcPts val="0"/>
+                        </a:spcAft>
+                        <a:buClrTx/>
+                        <a:buSzTx/>
+                        <a:buFontTx/>
+                        <a:buNone/>
+                        <a:tabLst/>
+                        <a:defRPr/>
+                      </a:pPr>
+                      <a:r>
+                        <a:rPr lang="en-US" altLang="ko-KR" sz="1400" dirty="0">
+                          <a:latin typeface="-윤고딕310" panose="02030504000101010101" pitchFamily="18" charset="-127"/>
+                          <a:ea typeface="-윤고딕310" panose="02030504000101010101" pitchFamily="18" charset="-127"/>
+                        </a:rPr>
+                        <a:t>(100%) </a:t>
+                      </a:r>
+                      <a:r>
+                        <a:rPr lang="ko-KR" altLang="en-US" sz="1400" dirty="0">
+                          <a:latin typeface="-윤고딕310" panose="02030504000101010101" pitchFamily="18" charset="-127"/>
+                          <a:ea typeface="-윤고딕310" panose="02030504000101010101" pitchFamily="18" charset="-127"/>
+                        </a:rPr>
+                        <a:t>바닥이나 천장에 끼는 일 없이 캐릭터가 완만하게 움직인다</a:t>
+                      </a:r>
+                      <a:r>
+                        <a:rPr lang="en-US" altLang="ko-KR" sz="1400" dirty="0">
+                          <a:latin typeface="-윤고딕310" panose="02030504000101010101" pitchFamily="18" charset="-127"/>
+                          <a:ea typeface="-윤고딕310" panose="02030504000101010101" pitchFamily="18" charset="-127"/>
+                        </a:rPr>
+                        <a:t>.</a:t>
+                      </a:r>
                       <a:endParaRPr lang="ko-KR" altLang="en-US" sz="1400" dirty="0">
-                        <a:latin typeface="-윤고딕320" panose="02030504000101010101" pitchFamily="18" charset="-127"/>
-                        <a:ea typeface="-윤고딕320" panose="02030504000101010101" pitchFamily="18" charset="-127"/>
+                        <a:latin typeface="-윤고딕310" panose="02030504000101010101" pitchFamily="18" charset="-127"/>
+                        <a:ea typeface="-윤고딕310" panose="02030504000101010101" pitchFamily="18" charset="-127"/>
                       </a:endParaRPr>
                     </a:p>
                   </a:txBody>
@@ -10448,10 +10941,82 @@
                     <a:bodyPr/>
                     <a:lstStyle/>
                     <a:p>
-                      <a:pPr latinLnBrk="1"/>
-                      <a:endParaRPr lang="en-US" altLang="ko-KR" sz="1400" dirty="0">
-                        <a:latin typeface="-윤고딕320" panose="02030504000101010101" pitchFamily="18" charset="-127"/>
-                        <a:ea typeface="-윤고딕320" panose="02030504000101010101" pitchFamily="18" charset="-127"/>
+                      <a:pPr algn="ctr" latinLnBrk="1"/>
+                      <a:r>
+                        <a:rPr lang="ko-KR" altLang="en-US" sz="1500" dirty="0">
+                          <a:latin typeface="-윤고딕310" panose="02030504000101010101" pitchFamily="18" charset="-127"/>
+                          <a:ea typeface="-윤고딕310" panose="02030504000101010101" pitchFamily="18" charset="-127"/>
+                        </a:rPr>
+                        <a:t>플레이어 객체</a:t>
+                      </a:r>
+                      <a:endParaRPr lang="en-US" altLang="ko-KR" sz="1500" dirty="0">
+                        <a:latin typeface="-윤고딕310" panose="02030504000101010101" pitchFamily="18" charset="-127"/>
+                        <a:ea typeface="-윤고딕310" panose="02030504000101010101" pitchFamily="18" charset="-127"/>
+                      </a:endParaRPr>
+                    </a:p>
+                  </a:txBody>
+                  <a:tcPr anchor="ctr"/>
+                </a:tc>
+                <a:tc>
+                  <a:txBody>
+                    <a:bodyPr/>
+                    <a:lstStyle/>
+                    <a:p>
+                      <a:pPr marL="0" marR="0" lvl="0" indent="0" algn="l" defTabSz="914400" rtl="0" eaLnBrk="1" fontAlgn="auto" latinLnBrk="1" hangingPunct="1">
+                        <a:lnSpc>
+                          <a:spcPct val="100000"/>
+                        </a:lnSpc>
+                        <a:spcBef>
+                          <a:spcPts val="0"/>
+                        </a:spcBef>
+                        <a:spcAft>
+                          <a:spcPts val="0"/>
+                        </a:spcAft>
+                        <a:buClrTx/>
+                        <a:buSzTx/>
+                        <a:buFontTx/>
+                        <a:buNone/>
+                        <a:tabLst/>
+                        <a:defRPr/>
+                      </a:pPr>
+                      <a:r>
+                        <a:rPr lang="en-US" altLang="ko-KR" sz="1400" dirty="0">
+                          <a:latin typeface="-윤고딕310" panose="02030504000101010101" pitchFamily="18" charset="-127"/>
+                          <a:ea typeface="-윤고딕310" panose="02030504000101010101" pitchFamily="18" charset="-127"/>
+                        </a:rPr>
+                        <a:t>(80%) </a:t>
+                      </a:r>
+                      <a:r>
+                        <a:rPr lang="ko-KR" altLang="en-US" sz="1400" dirty="0">
+                          <a:latin typeface="-윤고딕310" panose="02030504000101010101" pitchFamily="18" charset="-127"/>
+                          <a:ea typeface="-윤고딕310" panose="02030504000101010101" pitchFamily="18" charset="-127"/>
+                        </a:rPr>
+                        <a:t>스테이지 작업이 아직 완성이 안되어 스테이지 진행에 따른 능력 해금이 없다</a:t>
+                      </a:r>
+                      <a:r>
+                        <a:rPr lang="en-US" altLang="ko-KR" sz="1400" dirty="0">
+                          <a:latin typeface="-윤고딕310" panose="02030504000101010101" pitchFamily="18" charset="-127"/>
+                          <a:ea typeface="-윤고딕310" panose="02030504000101010101" pitchFamily="18" charset="-127"/>
+                        </a:rPr>
+                        <a:t>. </a:t>
+                      </a:r>
+                      <a:r>
+                        <a:rPr lang="ko-KR" altLang="en-US" sz="1400" dirty="0">
+                          <a:latin typeface="-윤고딕310" panose="02030504000101010101" pitchFamily="18" charset="-127"/>
+                          <a:ea typeface="-윤고딕310" panose="02030504000101010101" pitchFamily="18" charset="-127"/>
+                        </a:rPr>
+                        <a:t>피격과 이동 등 그 외 부분은 완성되었다</a:t>
+                      </a:r>
+                      <a:r>
+                        <a:rPr lang="en-US" altLang="ko-KR" sz="1400" dirty="0">
+                          <a:latin typeface="-윤고딕310" panose="02030504000101010101" pitchFamily="18" charset="-127"/>
+                          <a:ea typeface="-윤고딕310" panose="02030504000101010101" pitchFamily="18" charset="-127"/>
+                        </a:rPr>
+                        <a:t>.</a:t>
+                      </a:r>
+                      <a:endParaRPr lang="ko-KR" altLang="en-US" sz="1400" dirty="0">
+                        <a:latin typeface="-윤고딕310" panose="02030504000101010101" pitchFamily="18" charset="-127"/>
+                        <a:ea typeface="-윤고딕310" panose="02030504000101010101" pitchFamily="18" charset="-127"/>
                       </a:endParaRPr>
                     </a:p>
                   </a:txBody>
@@ -10493,10 +11058,111 @@
                     <a:bodyPr/>
                     <a:lstStyle/>
                     <a:p>
+                      <a:pPr algn="ctr" latinLnBrk="1"/>
+                      <a:r>
+                        <a:rPr lang="en-US" altLang="ko-KR" sz="1400" dirty="0">
+                          <a:latin typeface="-윤고딕310" panose="02030504000101010101" pitchFamily="18" charset="-127"/>
+                          <a:ea typeface="-윤고딕310" panose="02030504000101010101" pitchFamily="18" charset="-127"/>
+                        </a:rPr>
+                        <a:t>NPC</a:t>
+                      </a:r>
+                      <a:r>
+                        <a:rPr lang="ko-KR" altLang="en-US" sz="1400" dirty="0">
+                          <a:latin typeface="-윤고딕310" panose="02030504000101010101" pitchFamily="18" charset="-127"/>
+                          <a:ea typeface="-윤고딕310" panose="02030504000101010101" pitchFamily="18" charset="-127"/>
+                        </a:rPr>
+                        <a:t>와</a:t>
+                      </a:r>
+                      <a:endParaRPr lang="en-US" altLang="ko-KR" sz="1400" dirty="0">
+                        <a:latin typeface="-윤고딕310" panose="02030504000101010101" pitchFamily="18" charset="-127"/>
+                        <a:ea typeface="-윤고딕310" panose="02030504000101010101" pitchFamily="18" charset="-127"/>
+                      </a:endParaRPr>
+                    </a:p>
+                    <a:p>
+                      <a:pPr algn="ctr" latinLnBrk="1"/>
+                      <a:r>
+                        <a:rPr lang="ko-KR" altLang="en-US" sz="1400" dirty="0">
+                          <a:latin typeface="-윤고딕310" panose="02030504000101010101" pitchFamily="18" charset="-127"/>
+                          <a:ea typeface="-윤고딕310" panose="02030504000101010101" pitchFamily="18" charset="-127"/>
+                        </a:rPr>
+                        <a:t>상호작용</a:t>
+                      </a:r>
+                    </a:p>
+                  </a:txBody>
+                  <a:tcPr anchor="ctr"/>
+                </a:tc>
+                <a:tc>
+                  <a:txBody>
+                    <a:bodyPr/>
+                    <a:lstStyle/>
+                    <a:p>
                       <a:pPr latinLnBrk="1"/>
+                      <a:r>
+                        <a:rPr lang="en-US" altLang="ko-KR" sz="1400" dirty="0">
+                          <a:latin typeface="-윤고딕310" panose="02030504000101010101" pitchFamily="18" charset="-127"/>
+                          <a:ea typeface="-윤고딕310" panose="02030504000101010101" pitchFamily="18" charset="-127"/>
+                        </a:rPr>
+                        <a:t>(90%) </a:t>
+                      </a:r>
+                      <a:r>
+                        <a:rPr lang="ko-KR" altLang="en-US" sz="1400" dirty="0">
+                          <a:latin typeface="-윤고딕310" panose="02030504000101010101" pitchFamily="18" charset="-127"/>
+                          <a:ea typeface="-윤고딕310" panose="02030504000101010101" pitchFamily="18" charset="-127"/>
+                        </a:rPr>
+                        <a:t>객체끼리 충돌 확인도 잘 된다</a:t>
+                      </a:r>
+                      <a:r>
+                        <a:rPr lang="en-US" altLang="ko-KR" sz="1400" dirty="0">
+                          <a:latin typeface="-윤고딕310" panose="02030504000101010101" pitchFamily="18" charset="-127"/>
+                          <a:ea typeface="-윤고딕310" panose="02030504000101010101" pitchFamily="18" charset="-127"/>
+                        </a:rPr>
+                        <a:t>. </a:t>
+                      </a:r>
+                      <a:r>
+                        <a:rPr lang="ko-KR" altLang="en-US" sz="1400" dirty="0">
+                          <a:latin typeface="-윤고딕310" panose="02030504000101010101" pitchFamily="18" charset="-127"/>
+                          <a:ea typeface="-윤고딕310" panose="02030504000101010101" pitchFamily="18" charset="-127"/>
+                        </a:rPr>
+                        <a:t>모든 적들을 클래스로 구현해 놓지는 않았지만 대기</a:t>
+                      </a:r>
+                      <a:r>
+                        <a:rPr lang="en-US" altLang="ko-KR" sz="1400" dirty="0">
+                          <a:latin typeface="-윤고딕310" panose="02030504000101010101" pitchFamily="18" charset="-127"/>
+                          <a:ea typeface="-윤고딕310" panose="02030504000101010101" pitchFamily="18" charset="-127"/>
+                        </a:rPr>
+                        <a:t>, </a:t>
+                      </a:r>
+                      <a:r>
+                        <a:rPr lang="ko-KR" altLang="en-US" sz="1400" dirty="0">
+                          <a:latin typeface="-윤고딕310" panose="02030504000101010101" pitchFamily="18" charset="-127"/>
+                          <a:ea typeface="-윤고딕310" panose="02030504000101010101" pitchFamily="18" charset="-127"/>
+                        </a:rPr>
+                        <a:t>이동</a:t>
+                      </a:r>
+                      <a:r>
+                        <a:rPr lang="en-US" altLang="ko-KR" sz="1400" dirty="0">
+                          <a:latin typeface="-윤고딕310" panose="02030504000101010101" pitchFamily="18" charset="-127"/>
+                          <a:ea typeface="-윤고딕310" panose="02030504000101010101" pitchFamily="18" charset="-127"/>
+                        </a:rPr>
+                        <a:t>, </a:t>
+                      </a:r>
+                      <a:r>
+                        <a:rPr lang="ko-KR" altLang="en-US" sz="1400" dirty="0">
+                          <a:latin typeface="-윤고딕310" panose="02030504000101010101" pitchFamily="18" charset="-127"/>
+                          <a:ea typeface="-윤고딕310" panose="02030504000101010101" pitchFamily="18" charset="-127"/>
+                        </a:rPr>
+                        <a:t>추격 인공지능의 틀은 완성되었다</a:t>
+                      </a:r>
+                      <a:r>
+                        <a:rPr lang="en-US" altLang="ko-KR" sz="1400" dirty="0">
+                          <a:latin typeface="-윤고딕310" panose="02030504000101010101" pitchFamily="18" charset="-127"/>
+                          <a:ea typeface="-윤고딕310" panose="02030504000101010101" pitchFamily="18" charset="-127"/>
+                        </a:rPr>
+                        <a:t>.</a:t>
+                      </a:r>
                       <a:endParaRPr lang="ko-KR" altLang="en-US" sz="1400" dirty="0">
-                        <a:latin typeface="-윤고딕320" panose="02030504000101010101" pitchFamily="18" charset="-127"/>
-                        <a:ea typeface="-윤고딕320" panose="02030504000101010101" pitchFamily="18" charset="-127"/>
+                        <a:latin typeface="-윤고딕310" panose="02030504000101010101" pitchFamily="18" charset="-127"/>
+                        <a:ea typeface="-윤고딕310" panose="02030504000101010101" pitchFamily="18" charset="-127"/>
                       </a:endParaRPr>
                     </a:p>
                   </a:txBody>
@@ -10533,15 +11199,112 @@
                   </a:txBody>
                   <a:tcPr anchor="ctr"/>
                 </a:tc>
-                <a:tc>
+                <a:tc rowSpan="2">
+                  <a:txBody>
+                    <a:bodyPr/>
+                    <a:lstStyle/>
+                    <a:p>
+                      <a:pPr algn="ctr" latinLnBrk="1"/>
+                      <a:r>
+                        <a:rPr lang="ko-KR" altLang="en-US" sz="1400" dirty="0">
+                          <a:latin typeface="-윤고딕310" panose="02030504000101010101" pitchFamily="18" charset="-127"/>
+                          <a:ea typeface="-윤고딕310" panose="02030504000101010101" pitchFamily="18" charset="-127"/>
+                        </a:rPr>
+                        <a:t>지형 생성</a:t>
+                      </a:r>
+                      <a:r>
+                        <a:rPr lang="en-US" altLang="ko-KR" sz="1400" dirty="0">
+                          <a:latin typeface="-윤고딕310" panose="02030504000101010101" pitchFamily="18" charset="-127"/>
+                          <a:ea typeface="-윤고딕310" panose="02030504000101010101" pitchFamily="18" charset="-127"/>
+                        </a:rPr>
+                        <a:t>, </a:t>
+                      </a:r>
+                      <a:r>
+                        <a:rPr lang="ko-KR" altLang="en-US" sz="1400" dirty="0">
+                          <a:latin typeface="-윤고딕310" panose="02030504000101010101" pitchFamily="18" charset="-127"/>
+                          <a:ea typeface="-윤고딕310" panose="02030504000101010101" pitchFamily="18" charset="-127"/>
+                        </a:rPr>
+                        <a:t>테마 작업</a:t>
+                      </a:r>
+                    </a:p>
+                  </a:txBody>
+                  <a:tcPr anchor="ctr"/>
+                </a:tc>
+                <a:tc rowSpan="2">
                   <a:txBody>
                     <a:bodyPr/>
                     <a:lstStyle/>
                     <a:p>
                       <a:pPr latinLnBrk="1"/>
+                      <a:r>
+                        <a:rPr lang="en-US" altLang="ko-KR" sz="1400" dirty="0">
+                          <a:latin typeface="-윤고딕310" panose="02030504000101010101" pitchFamily="18" charset="-127"/>
+                          <a:ea typeface="-윤고딕310" panose="02030504000101010101" pitchFamily="18" charset="-127"/>
+                        </a:rPr>
+                        <a:t>(50%) </a:t>
+                      </a:r>
+                      <a:r>
+                        <a:rPr lang="ko-KR" altLang="en-US" sz="1400" dirty="0">
+                          <a:latin typeface="-윤고딕310" panose="02030504000101010101" pitchFamily="18" charset="-127"/>
+                          <a:ea typeface="-윤고딕310" panose="02030504000101010101" pitchFamily="18" charset="-127"/>
+                        </a:rPr>
+                        <a:t>지금은 문자열에서 맵 정보를 읽어오는데 </a:t>
+                      </a:r>
+                      <a:r>
+                        <a:rPr lang="en-US" altLang="ko-KR" sz="1400" dirty="0">
+                          <a:latin typeface="-윤고딕310" panose="02030504000101010101" pitchFamily="18" charset="-127"/>
+                          <a:ea typeface="-윤고딕310" panose="02030504000101010101" pitchFamily="18" charset="-127"/>
+                        </a:rPr>
+                        <a:t>json </a:t>
+                      </a:r>
+                      <a:r>
+                        <a:rPr lang="ko-KR" altLang="en-US" sz="1400" dirty="0">
+                          <a:latin typeface="-윤고딕310" panose="02030504000101010101" pitchFamily="18" charset="-127"/>
+                          <a:ea typeface="-윤고딕310" panose="02030504000101010101" pitchFamily="18" charset="-127"/>
+                        </a:rPr>
+                        <a:t>으로 교체하면 더 유연하게 스테이지를 생성할 수 있을 것이다</a:t>
+                      </a:r>
+                      <a:r>
+                        <a:rPr lang="en-US" altLang="ko-KR" sz="1400" dirty="0">
+                          <a:latin typeface="-윤고딕310" panose="02030504000101010101" pitchFamily="18" charset="-127"/>
+                          <a:ea typeface="-윤고딕310" panose="02030504000101010101" pitchFamily="18" charset="-127"/>
+                        </a:rPr>
+                        <a:t>.</a:t>
+                      </a:r>
+                    </a:p>
+                    <a:p>
+                      <a:pPr latinLnBrk="1"/>
+                      <a:r>
+                        <a:rPr lang="ko-KR" altLang="en-US" sz="1400" dirty="0">
+                          <a:latin typeface="-윤고딕310" panose="02030504000101010101" pitchFamily="18" charset="-127"/>
+                          <a:ea typeface="-윤고딕310" panose="02030504000101010101" pitchFamily="18" charset="-127"/>
+                        </a:rPr>
+                        <a:t>읽어와서 생성하는 부분은 완료되었다</a:t>
+                      </a:r>
+                      <a:r>
+                        <a:rPr lang="en-US" altLang="ko-KR" sz="1400" dirty="0">
+                          <a:latin typeface="-윤고딕310" panose="02030504000101010101" pitchFamily="18" charset="-127"/>
+                          <a:ea typeface="-윤고딕310" panose="02030504000101010101" pitchFamily="18" charset="-127"/>
+                        </a:rPr>
+                        <a:t>. </a:t>
+                      </a:r>
+                      <a:r>
+                        <a:rPr lang="ko-KR" altLang="en-US" sz="1400" dirty="0">
+                          <a:latin typeface="-윤고딕310" panose="02030504000101010101" pitchFamily="18" charset="-127"/>
+                          <a:ea typeface="-윤고딕310" panose="02030504000101010101" pitchFamily="18" charset="-127"/>
+                        </a:rPr>
+                        <a:t>그러나 아직 모든 스테이지가 완성되지는 않았다</a:t>
+                      </a:r>
+                      <a:r>
+                        <a:rPr lang="en-US" altLang="ko-KR" sz="1400" dirty="0">
+                          <a:latin typeface="-윤고딕310" panose="02030504000101010101" pitchFamily="18" charset="-127"/>
+                          <a:ea typeface="-윤고딕310" panose="02030504000101010101" pitchFamily="18" charset="-127"/>
+                        </a:rPr>
+                        <a:t>.</a:t>
+                      </a:r>
                       <a:endParaRPr lang="ko-KR" altLang="en-US" sz="1400" dirty="0">
-                        <a:latin typeface="-윤고딕320" panose="02030504000101010101" pitchFamily="18" charset="-127"/>
-                        <a:ea typeface="-윤고딕320" panose="02030504000101010101" pitchFamily="18" charset="-127"/>
+                        <a:latin typeface="-윤고딕310" panose="02030504000101010101" pitchFamily="18" charset="-127"/>
+                        <a:ea typeface="-윤고딕310" panose="02030504000101010101" pitchFamily="18" charset="-127"/>
                       </a:endParaRPr>
                     </a:p>
                   </a:txBody>
@@ -10576,18 +11339,33 @@
                       </a:r>
                     </a:p>
                   </a:txBody>
-                  <a:tcPr anchor="ctr"/>
+                  <a:tcPr anchor="ctr">
+                    <a:solidFill>
+                      <a:srgbClr val="D8D3E0"/>
+                    </a:solidFill>
+                  </a:tcPr>
                 </a:tc>
-                <a:tc>
+                <a:tc vMerge="1">
                   <a:txBody>
                     <a:bodyPr/>
                     <a:lstStyle/>
                     <a:p>
                       <a:pPr latinLnBrk="1"/>
                       <a:endParaRPr lang="ko-KR" altLang="en-US" sz="1400" dirty="0">
-                        <a:latin typeface="-윤고딕320" panose="02030504000101010101" pitchFamily="18" charset="-127"/>
-                        <a:ea typeface="-윤고딕320" panose="02030504000101010101" pitchFamily="18" charset="-127"/>
+                        <a:latin typeface="-윤고딕310" panose="02030504000101010101" pitchFamily="18" charset="-127"/>
+                        <a:ea typeface="-윤고딕310" panose="02030504000101010101" pitchFamily="18" charset="-127"/>
                       </a:endParaRPr>
+                    </a:p>
+                  </a:txBody>
+                  <a:tcPr/>
+                </a:tc>
+                <a:tc vMerge="1">
+                  <a:txBody>
+                    <a:bodyPr/>
+                    <a:lstStyle/>
+                    <a:p>
+                      <a:pPr latinLnBrk="1"/>
+                      <a:endParaRPr lang="ko-KR" altLang="en-US"/>
                     </a:p>
                   </a:txBody>
                   <a:tcPr/>
@@ -10621,7 +11399,36 @@
                       </a:r>
                     </a:p>
                   </a:txBody>
-                  <a:tcPr anchor="ctr"/>
+                  <a:tcPr anchor="ctr">
+                    <a:solidFill>
+                      <a:srgbClr val="EDEAF0"/>
+                    </a:solidFill>
+                  </a:tcPr>
+                </a:tc>
+                <a:tc>
+                  <a:txBody>
+                    <a:bodyPr/>
+                    <a:lstStyle/>
+                    <a:p>
+                      <a:pPr algn="ctr" latinLnBrk="1"/>
+                      <a:r>
+                        <a:rPr lang="ko-KR" altLang="en-US" sz="1400" dirty="0">
+                          <a:latin typeface="-윤고딕310" panose="02030504000101010101" pitchFamily="18" charset="-127"/>
+                          <a:ea typeface="-윤고딕310" panose="02030504000101010101" pitchFamily="18" charset="-127"/>
+                        </a:rPr>
+                        <a:t>인터페이스</a:t>
+                      </a:r>
+                      <a:endParaRPr lang="en-US" altLang="ko-KR" sz="1400" dirty="0">
+                        <a:latin typeface="-윤고딕310" panose="02030504000101010101" pitchFamily="18" charset="-127"/>
+                        <a:ea typeface="-윤고딕310" panose="02030504000101010101" pitchFamily="18" charset="-127"/>
+                      </a:endParaRPr>
+                    </a:p>
+                  </a:txBody>
+                  <a:tcPr anchor="ctr">
+                    <a:solidFill>
+                      <a:srgbClr val="EDEAF0"/>
+                    </a:solidFill>
+                  </a:tcPr>
                 </a:tc>
                 <a:tc>
                   <a:txBody>
@@ -10629,13 +11436,114 @@
                     <a:lstStyle/>
                     <a:p>
                       <a:pPr latinLnBrk="1"/>
+                      <a:r>
+                        <a:rPr lang="en-US" altLang="ko-KR" sz="1400" dirty="0">
+                          <a:latin typeface="-윤고딕310" panose="02030504000101010101" pitchFamily="18" charset="-127"/>
+                          <a:ea typeface="-윤고딕310" panose="02030504000101010101" pitchFamily="18" charset="-127"/>
+                        </a:rPr>
+                        <a:t>(20</a:t>
+                      </a:r>
+                      <a:r>
+                        <a:rPr lang="en-US" altLang="ko-KR" sz="1400">
+                          <a:latin typeface="-윤고딕310" panose="02030504000101010101" pitchFamily="18" charset="-127"/>
+                          <a:ea typeface="-윤고딕310" panose="02030504000101010101" pitchFamily="18" charset="-127"/>
+                        </a:rPr>
+                        <a:t>%) </a:t>
+                      </a:r>
+                      <a:r>
+                        <a:rPr lang="ko-KR" altLang="en-US" sz="1400">
+                          <a:latin typeface="-윤고딕310" panose="02030504000101010101" pitchFamily="18" charset="-127"/>
+                          <a:ea typeface="-윤고딕310" panose="02030504000101010101" pitchFamily="18" charset="-127"/>
+                        </a:rPr>
+                        <a:t>시작 </a:t>
+                      </a:r>
+                      <a:r>
+                        <a:rPr lang="ko-KR" altLang="en-US" sz="1400" dirty="0">
+                          <a:latin typeface="-윤고딕310" panose="02030504000101010101" pitchFamily="18" charset="-127"/>
+                          <a:ea typeface="-윤고딕310" panose="02030504000101010101" pitchFamily="18" charset="-127"/>
+                        </a:rPr>
+                        <a:t>로고와 메인 메뉴는 완료되었다</a:t>
+                      </a:r>
+                      <a:r>
+                        <a:rPr lang="en-US" altLang="ko-KR" sz="1400" dirty="0">
+                          <a:latin typeface="-윤고딕310" panose="02030504000101010101" pitchFamily="18" charset="-127"/>
+                          <a:ea typeface="-윤고딕310" panose="02030504000101010101" pitchFamily="18" charset="-127"/>
+                        </a:rPr>
+                        <a:t>.</a:t>
+                      </a:r>
+                      <a:br>
+                        <a:rPr lang="en-US" altLang="ko-KR" sz="1400" dirty="0">
+                          <a:latin typeface="-윤고딕310" panose="02030504000101010101" pitchFamily="18" charset="-127"/>
+                          <a:ea typeface="-윤고딕310" panose="02030504000101010101" pitchFamily="18" charset="-127"/>
+                        </a:rPr>
+                      </a:br>
+                      <a:r>
+                        <a:rPr lang="en-US" altLang="ko-KR" sz="1400" dirty="0">
+                          <a:latin typeface="-윤고딕310" panose="02030504000101010101" pitchFamily="18" charset="-127"/>
+                          <a:ea typeface="-윤고딕310" panose="02030504000101010101" pitchFamily="18" charset="-127"/>
+                        </a:rPr>
+                        <a:t>   + </a:t>
+                      </a:r>
+                      <a:r>
+                        <a:rPr lang="ko-KR" altLang="en-US" sz="1400" dirty="0">
+                          <a:latin typeface="-윤고딕310" panose="02030504000101010101" pitchFamily="18" charset="-127"/>
+                          <a:ea typeface="-윤고딕310" panose="02030504000101010101" pitchFamily="18" charset="-127"/>
+                        </a:rPr>
+                        <a:t>메시지 창</a:t>
+                      </a:r>
+                      <a:r>
+                        <a:rPr lang="en-US" altLang="ko-KR" sz="1400" dirty="0">
+                          <a:latin typeface="-윤고딕310" panose="02030504000101010101" pitchFamily="18" charset="-127"/>
+                          <a:ea typeface="-윤고딕310" panose="02030504000101010101" pitchFamily="18" charset="-127"/>
+                        </a:rPr>
+                        <a:t>, </a:t>
+                      </a:r>
+                      <a:r>
+                        <a:rPr lang="ko-KR" altLang="en-US" sz="1400" dirty="0">
+                          <a:latin typeface="-윤고딕310" panose="02030504000101010101" pitchFamily="18" charset="-127"/>
+                          <a:ea typeface="-윤고딕310" panose="02030504000101010101" pitchFamily="18" charset="-127"/>
+                        </a:rPr>
+                        <a:t>일시 정지 메뉴</a:t>
+                      </a:r>
+                      <a:r>
+                        <a:rPr lang="en-US" altLang="ko-KR" sz="1400" dirty="0">
+                          <a:latin typeface="-윤고딕310" panose="02030504000101010101" pitchFamily="18" charset="-127"/>
+                          <a:ea typeface="-윤고딕310" panose="02030504000101010101" pitchFamily="18" charset="-127"/>
+                        </a:rPr>
+                        <a:t>, </a:t>
+                      </a:r>
+                      <a:r>
+                        <a:rPr lang="ko-KR" altLang="en-US" sz="1400" dirty="0">
+                          <a:latin typeface="-윤고딕310" panose="02030504000101010101" pitchFamily="18" charset="-127"/>
+                          <a:ea typeface="-윤고딕310" panose="02030504000101010101" pitchFamily="18" charset="-127"/>
+                        </a:rPr>
+                        <a:t>게임 오버 </a:t>
+                      </a:r>
+                      <a:r>
+                        <a:rPr lang="en-US" altLang="ko-KR" sz="1400" dirty="0">
+                          <a:latin typeface="-윤고딕310" panose="02030504000101010101" pitchFamily="18" charset="-127"/>
+                          <a:ea typeface="-윤고딕310" panose="02030504000101010101" pitchFamily="18" charset="-127"/>
+                        </a:rPr>
+                        <a:t>/ </a:t>
+                      </a:r>
+                      <a:r>
+                        <a:rPr lang="ko-KR" altLang="en-US" sz="1400" dirty="0">
+                          <a:latin typeface="-윤고딕310" panose="02030504000101010101" pitchFamily="18" charset="-127"/>
+                          <a:ea typeface="-윤고딕310" panose="02030504000101010101" pitchFamily="18" charset="-127"/>
+                        </a:rPr>
+                        <a:t>스테이지 완료 메뉴</a:t>
+                      </a:r>
                       <a:endParaRPr lang="en-US" altLang="ko-KR" sz="1400" dirty="0">
-                        <a:latin typeface="-윤고딕320" panose="02030504000101010101" pitchFamily="18" charset="-127"/>
-                        <a:ea typeface="-윤고딕320" panose="02030504000101010101" pitchFamily="18" charset="-127"/>
+                        <a:latin typeface="-윤고딕310" panose="02030504000101010101" pitchFamily="18" charset="-127"/>
+                        <a:ea typeface="-윤고딕310" panose="02030504000101010101" pitchFamily="18" charset="-127"/>
                       </a:endParaRPr>
                     </a:p>
                   </a:txBody>
-                  <a:tcPr/>
+                  <a:tcPr>
+                    <a:solidFill>
+                      <a:srgbClr val="EDEAF0"/>
+                    </a:solidFill>
+                  </a:tcPr>
                 </a:tc>
                 <a:extLst>
                   <a:ext uri="{0D108BD9-81ED-4DB2-BD59-A6C34878D82A}">
@@ -10666,7 +11574,46 @@
                       </a:r>
                     </a:p>
                   </a:txBody>
-                  <a:tcPr anchor="ctr"/>
+                  <a:tcPr anchor="ctr">
+                    <a:solidFill>
+                      <a:srgbClr val="D8D3E0"/>
+                    </a:solidFill>
+                  </a:tcPr>
+                </a:tc>
+                <a:tc>
+                  <a:txBody>
+                    <a:bodyPr/>
+                    <a:lstStyle/>
+                    <a:p>
+                      <a:pPr algn="ctr" latinLnBrk="1"/>
+                      <a:r>
+                        <a:rPr lang="ko-KR" altLang="en-US" sz="1400" dirty="0">
+                          <a:latin typeface="-윤고딕310" panose="02030504000101010101" pitchFamily="18" charset="-127"/>
+                          <a:ea typeface="-윤고딕310" panose="02030504000101010101" pitchFamily="18" charset="-127"/>
+                        </a:rPr>
+                        <a:t>점검 및</a:t>
+                      </a:r>
+                      <a:endParaRPr lang="en-US" altLang="ko-KR" sz="1400" dirty="0">
+                        <a:latin typeface="-윤고딕310" panose="02030504000101010101" pitchFamily="18" charset="-127"/>
+                        <a:ea typeface="-윤고딕310" panose="02030504000101010101" pitchFamily="18" charset="-127"/>
+                      </a:endParaRPr>
+                    </a:p>
+                    <a:p>
+                      <a:pPr algn="ctr" latinLnBrk="1"/>
+                      <a:r>
+                        <a:rPr lang="ko-KR" altLang="en-US" sz="1400" dirty="0">
+                          <a:latin typeface="-윤고딕310" panose="02030504000101010101" pitchFamily="18" charset="-127"/>
+                          <a:ea typeface="-윤고딕310" panose="02030504000101010101" pitchFamily="18" charset="-127"/>
+                        </a:rPr>
+                        <a:t>릴리즈</a:t>
+                      </a:r>
+                    </a:p>
+                  </a:txBody>
+                  <a:tcPr anchor="ctr">
+                    <a:solidFill>
+                      <a:srgbClr val="D8D3E0"/>
+                    </a:solidFill>
+                  </a:tcPr>
                 </a:tc>
                 <a:tc>
                   <a:txBody>
@@ -10674,13 +11621,20 @@
                     <a:lstStyle/>
                     <a:p>
                       <a:pPr latinLnBrk="1"/>
-                      <a:endParaRPr lang="ko-KR" altLang="en-US" sz="1400" dirty="0">
-                        <a:latin typeface="-윤고딕320" panose="02030504000101010101" pitchFamily="18" charset="-127"/>
-                        <a:ea typeface="-윤고딕320" panose="02030504000101010101" pitchFamily="18" charset="-127"/>
-                      </a:endParaRPr>
+                      <a:r>
+                        <a:rPr lang="ko-KR" altLang="en-US" sz="1400" dirty="0">
+                          <a:latin typeface="-윤고딕310" panose="02030504000101010101" pitchFamily="18" charset="-127"/>
+                          <a:ea typeface="-윤고딕310" panose="02030504000101010101" pitchFamily="18" charset="-127"/>
+                        </a:rPr>
+                        <a:t>마무리</a:t>
+                      </a:r>
                     </a:p>
                   </a:txBody>
-                  <a:tcPr/>
+                  <a:tcPr>
+                    <a:solidFill>
+                      <a:srgbClr val="D8D3E0"/>
+                    </a:solidFill>
+                  </a:tcPr>
                 </a:tc>
                 <a:extLst>
                   <a:ext uri="{0D108BD9-81ED-4DB2-BD59-A6C34878D82A}">
@@ -10696,6 +11650,263 @@
     <p:extLst>
       <p:ext uri="{BB962C8B-B14F-4D97-AF65-F5344CB8AC3E}">
         <p14:creationId xmlns:p14="http://schemas.microsoft.com/office/powerpoint/2010/main" val="1289626199"/>
+      </p:ext>
+    </p:extLst>
+  </p:cSld>
+  <p:clrMapOvr>
+    <a:masterClrMapping/>
+  </p:clrMapOvr>
+</p:sld>
+</file>
+
+<file path=ppt/slides/slide5.xml><?xml version="1.0" encoding="utf-8"?>
+<p:sld xmlns:a="http://schemas.openxmlformats.org/drawingml/2006/main" xmlns:r="http://schemas.openxmlformats.org/officeDocument/2006/relationships" xmlns:p="http://schemas.openxmlformats.org/presentationml/2006/main">
+  <p:cSld>
+    <p:spTree>
+      <p:nvGrpSpPr>
+        <p:cNvPr id="1" name=""/>
+        <p:cNvGrpSpPr/>
+        <p:nvPr/>
+      </p:nvGrpSpPr>
+      <p:grpSpPr>
+        <a:xfrm>
+          <a:off x="0" y="0"/>
+          <a:ext cx="0" cy="0"/>
+          <a:chOff x="0" y="0"/>
+          <a:chExt cx="0" cy="0"/>
+        </a:xfrm>
+      </p:grpSpPr>
+      <p:sp>
+        <p:nvSpPr>
+          <p:cNvPr id="2" name="슬라이드 번호 개체 틀 1">
+            <a:extLst>
+              <a:ext uri="{FF2B5EF4-FFF2-40B4-BE49-F238E27FC236}">
+                <a16:creationId xmlns:a16="http://schemas.microsoft.com/office/drawing/2014/main" id="{5EF50D4E-4E52-44C7-B2FA-0B834B9A0E03}"/>
+              </a:ext>
+            </a:extLst>
+          </p:cNvPr>
+          <p:cNvSpPr>
+            <a:spLocks noGrp="1"/>
+          </p:cNvSpPr>
+          <p:nvPr>
+            <p:ph type="sldNum" sz="quarter" idx="12"/>
+          </p:nvPr>
+        </p:nvSpPr>
+        <p:spPr/>
+        <p:txBody>
+          <a:bodyPr/>
+          <a:lstStyle/>
+          <a:p>
+            <a:fld id="{E7DA41EC-23F5-48AA-BEE5-29F21EDFCFE5}" type="slidenum">
+              <a:rPr lang="ko-KR" altLang="en-US" smtClean="0"/>
+              <a:t>5</a:t>
+            </a:fld>
+            <a:endParaRPr lang="ko-KR" altLang="en-US"/>
+          </a:p>
+        </p:txBody>
+      </p:sp>
+      <p:sp>
+        <p:nvSpPr>
+          <p:cNvPr id="3" name="내용 개체 틀 2">
+            <a:extLst>
+              <a:ext uri="{FF2B5EF4-FFF2-40B4-BE49-F238E27FC236}">
+                <a16:creationId xmlns:a16="http://schemas.microsoft.com/office/drawing/2014/main" id="{9543CEB0-A7F7-4E72-B4B8-8EAAAB73203A}"/>
+              </a:ext>
+            </a:extLst>
+          </p:cNvPr>
+          <p:cNvSpPr>
+            <a:spLocks noGrp="1"/>
+          </p:cNvSpPr>
+          <p:nvPr>
+            <p:ph idx="1"/>
+          </p:nvPr>
+        </p:nvSpPr>
+        <p:spPr/>
+        <p:txBody>
+          <a:bodyPr/>
+          <a:lstStyle/>
+          <a:p>
+            <a:endParaRPr lang="ko-KR" altLang="en-US"/>
+          </a:p>
+        </p:txBody>
+      </p:sp>
+      <p:sp>
+        <p:nvSpPr>
+          <p:cNvPr id="4" name="제목 3">
+            <a:extLst>
+              <a:ext uri="{FF2B5EF4-FFF2-40B4-BE49-F238E27FC236}">
+                <a16:creationId xmlns:a16="http://schemas.microsoft.com/office/drawing/2014/main" id="{D46230E2-9E02-4C14-8AEA-73D66AFE0FAB}"/>
+              </a:ext>
+            </a:extLst>
+          </p:cNvPr>
+          <p:cNvSpPr>
+            <a:spLocks noGrp="1"/>
+          </p:cNvSpPr>
+          <p:nvPr>
+            <p:ph type="title"/>
+          </p:nvPr>
+        </p:nvSpPr>
+        <p:spPr>
+          <a:xfrm>
+            <a:off x="539552" y="82296"/>
+            <a:ext cx="8229600" cy="1143000"/>
+          </a:xfrm>
+        </p:spPr>
+        <p:txBody>
+          <a:bodyPr/>
+          <a:lstStyle/>
+          <a:p>
+            <a:pPr algn="l"/>
+            <a:r>
+              <a:rPr lang="en-US" altLang="ko-KR" dirty="0"/>
+              <a:t>	</a:t>
+            </a:r>
+            <a:r>
+              <a:rPr lang="en-US" altLang="ko-KR" dirty="0">
+                <a:solidFill>
+                  <a:srgbClr val="336699"/>
+                </a:solidFill>
+              </a:rPr>
+              <a:t>Github</a:t>
+            </a:r>
+            <a:r>
+              <a:rPr lang="ko-KR" altLang="en-US" dirty="0">
+                <a:solidFill>
+                  <a:srgbClr val="336699"/>
+                </a:solidFill>
+              </a:rPr>
+              <a:t> 커밋 통계 </a:t>
+            </a:r>
+            <a:endParaRPr lang="ko-KR" altLang="en-US" dirty="0"/>
+          </a:p>
+        </p:txBody>
+      </p:sp>
+    </p:spTree>
+    <p:extLst>
+      <p:ext uri="{BB962C8B-B14F-4D97-AF65-F5344CB8AC3E}">
+        <p14:creationId xmlns:p14="http://schemas.microsoft.com/office/powerpoint/2010/main" val="3832791709"/>
+      </p:ext>
+    </p:extLst>
+  </p:cSld>
+  <p:clrMapOvr>
+    <a:masterClrMapping/>
+  </p:clrMapOvr>
+</p:sld>
+</file>
+
+<file path=ppt/slides/slide6.xml><?xml version="1.0" encoding="utf-8"?>
+<p:sld xmlns:a="http://schemas.openxmlformats.org/drawingml/2006/main" xmlns:r="http://schemas.openxmlformats.org/officeDocument/2006/relationships" xmlns:p="http://schemas.openxmlformats.org/presentationml/2006/main">
+  <p:cSld>
+    <p:spTree>
+      <p:nvGrpSpPr>
+        <p:cNvPr id="1" name=""/>
+        <p:cNvGrpSpPr/>
+        <p:nvPr/>
+      </p:nvGrpSpPr>
+      <p:grpSpPr>
+        <a:xfrm>
+          <a:off x="0" y="0"/>
+          <a:ext cx="0" cy="0"/>
+          <a:chOff x="0" y="0"/>
+          <a:chExt cx="0" cy="0"/>
+        </a:xfrm>
+      </p:grpSpPr>
+      <p:sp>
+        <p:nvSpPr>
+          <p:cNvPr id="2" name="슬라이드 번호 개체 틀 1">
+            <a:extLst>
+              <a:ext uri="{FF2B5EF4-FFF2-40B4-BE49-F238E27FC236}">
+                <a16:creationId xmlns:a16="http://schemas.microsoft.com/office/drawing/2014/main" id="{5EF50D4E-4E52-44C7-B2FA-0B834B9A0E03}"/>
+              </a:ext>
+            </a:extLst>
+          </p:cNvPr>
+          <p:cNvSpPr>
+            <a:spLocks noGrp="1"/>
+          </p:cNvSpPr>
+          <p:nvPr>
+            <p:ph type="sldNum" sz="quarter" idx="12"/>
+          </p:nvPr>
+        </p:nvSpPr>
+        <p:spPr/>
+        <p:txBody>
+          <a:bodyPr/>
+          <a:lstStyle/>
+          <a:p>
+            <a:fld id="{E7DA41EC-23F5-48AA-BEE5-29F21EDFCFE5}" type="slidenum">
+              <a:rPr lang="ko-KR" altLang="en-US" smtClean="0"/>
+              <a:t>6</a:t>
+            </a:fld>
+            <a:endParaRPr lang="ko-KR" altLang="en-US"/>
+          </a:p>
+        </p:txBody>
+      </p:sp>
+      <p:sp>
+        <p:nvSpPr>
+          <p:cNvPr id="3" name="내용 개체 틀 2">
+            <a:extLst>
+              <a:ext uri="{FF2B5EF4-FFF2-40B4-BE49-F238E27FC236}">
+                <a16:creationId xmlns:a16="http://schemas.microsoft.com/office/drawing/2014/main" id="{9543CEB0-A7F7-4E72-B4B8-8EAAAB73203A}"/>
+              </a:ext>
+            </a:extLst>
+          </p:cNvPr>
+          <p:cNvSpPr>
+            <a:spLocks noGrp="1"/>
+          </p:cNvSpPr>
+          <p:nvPr>
+            <p:ph idx="1"/>
+          </p:nvPr>
+        </p:nvSpPr>
+        <p:spPr/>
+        <p:txBody>
+          <a:bodyPr/>
+          <a:lstStyle/>
+          <a:p>
+            <a:endParaRPr lang="ko-KR" altLang="en-US" dirty="0"/>
+          </a:p>
+        </p:txBody>
+      </p:sp>
+      <p:sp>
+        <p:nvSpPr>
+          <p:cNvPr id="4" name="제목 3">
+            <a:extLst>
+              <a:ext uri="{FF2B5EF4-FFF2-40B4-BE49-F238E27FC236}">
+                <a16:creationId xmlns:a16="http://schemas.microsoft.com/office/drawing/2014/main" id="{D46230E2-9E02-4C14-8AEA-73D66AFE0FAB}"/>
+              </a:ext>
+            </a:extLst>
+          </p:cNvPr>
+          <p:cNvSpPr>
+            <a:spLocks noGrp="1"/>
+          </p:cNvSpPr>
+          <p:nvPr>
+            <p:ph type="title"/>
+          </p:nvPr>
+        </p:nvSpPr>
+        <p:spPr/>
+        <p:txBody>
+          <a:bodyPr/>
+          <a:lstStyle/>
+          <a:p>
+            <a:pPr algn="l"/>
+            <a:r>
+              <a:rPr lang="en-US" altLang="ko-KR" dirty="0"/>
+              <a:t>	</a:t>
+            </a:r>
+            <a:r>
+              <a:rPr lang="ko-KR" altLang="en-US" dirty="0">
+                <a:solidFill>
+                  <a:srgbClr val="336699"/>
+                </a:solidFill>
+              </a:rPr>
+              <a:t>게임 실행 영상</a:t>
+            </a:r>
+            <a:endParaRPr lang="ko-KR" altLang="en-US" dirty="0"/>
+          </a:p>
+        </p:txBody>
+      </p:sp>
+    </p:spTree>
+    <p:extLst>
+      <p:ext uri="{BB962C8B-B14F-4D97-AF65-F5344CB8AC3E}">
+        <p14:creationId xmlns:p14="http://schemas.microsoft.com/office/powerpoint/2010/main" val="2013352221"/>
       </p:ext>
     </p:extLst>
   </p:cSld>

--- a/slides/Exodus_20171105.pptx
+++ b/slides/Exodus_20171105.pptx
@@ -13,7 +13,7 @@
   <p:sldIdLst>
     <p:sldId id="256" r:id="rId2"/>
     <p:sldId id="257" r:id="rId3"/>
-    <p:sldId id="258" r:id="rId4"/>
+    <p:sldId id="262" r:id="rId4"/>
     <p:sldId id="259" r:id="rId5"/>
     <p:sldId id="260" r:id="rId6"/>
     <p:sldId id="261" r:id="rId7"/>
@@ -9513,6 +9513,13 @@
           </a:p>
           <a:p>
             <a:r>
+              <a:rPr lang="ko-KR" altLang="en-US" sz="2400" dirty="0">
+                <a:latin typeface="-윤고딕310" panose="02030504000101010101" pitchFamily="18" charset="-127"/>
+                <a:ea typeface="-윤고딕310" panose="02030504000101010101" pitchFamily="18" charset="-127"/>
+              </a:rPr>
+              <a:t>메뉴를 포함하여 모든 것을 </a:t>
+            </a:r>
+            <a:r>
               <a:rPr lang="ko-KR" altLang="en-US" sz="2400" b="1" dirty="0">
                 <a:latin typeface="-윤고딕310" panose="02030504000101010101" pitchFamily="18" charset="-127"/>
                 <a:ea typeface="-윤고딕310" panose="02030504000101010101" pitchFamily="18" charset="-127"/>
@@ -9531,38 +9538,8 @@
                 <a:latin typeface="-윤고딕310" panose="02030504000101010101" pitchFamily="18" charset="-127"/>
                 <a:ea typeface="-윤고딕310" panose="02030504000101010101" pitchFamily="18" charset="-127"/>
               </a:rPr>
-              <a:t>. </a:t>
-            </a:r>
-            <a:r>
-              <a:rPr lang="ko-KR" altLang="en-US" sz="2400" dirty="0">
-                <a:latin typeface="-윤고딕310" panose="02030504000101010101" pitchFamily="18" charset="-127"/>
-                <a:ea typeface="-윤고딕310" panose="02030504000101010101" pitchFamily="18" charset="-127"/>
-              </a:rPr>
-              <a:t>메뉴 역시</a:t>
-            </a:r>
-            <a:r>
-              <a:rPr lang="en-US" altLang="ko-KR" sz="2400" dirty="0">
-                <a:latin typeface="-윤고딕310" panose="02030504000101010101" pitchFamily="18" charset="-127"/>
-                <a:ea typeface="-윤고딕310" panose="02030504000101010101" pitchFamily="18" charset="-127"/>
-              </a:rPr>
-              <a:t> </a:t>
-            </a:r>
-            <a:r>
-              <a:rPr lang="ko-KR" altLang="en-US" sz="2400" dirty="0">
-                <a:latin typeface="-윤고딕310" panose="02030504000101010101" pitchFamily="18" charset="-127"/>
-                <a:ea typeface="-윤고딕310" panose="02030504000101010101" pitchFamily="18" charset="-127"/>
-              </a:rPr>
-              <a:t>일관성을 위해 마우스를 쓰지 않는다</a:t>
-            </a:r>
-            <a:r>
-              <a:rPr lang="en-US" altLang="ko-KR" sz="2400" dirty="0">
-                <a:latin typeface="-윤고딕310" panose="02030504000101010101" pitchFamily="18" charset="-127"/>
-                <a:ea typeface="-윤고딕310" panose="02030504000101010101" pitchFamily="18" charset="-127"/>
-              </a:rPr>
               <a:t>.</a:t>
             </a:r>
-          </a:p>
-          <a:p>
             <a:endParaRPr lang="en-US" altLang="ko-KR" sz="3000" dirty="0"/>
           </a:p>
           <a:p>
@@ -9655,7 +9632,7 @@
           <p:cNvPr id="4" name="슬라이드 번호 개체 틀 3">
             <a:extLst>
               <a:ext uri="{FF2B5EF4-FFF2-40B4-BE49-F238E27FC236}">
-                <a16:creationId xmlns:a16="http://schemas.microsoft.com/office/drawing/2014/main" id="{5AE9AE37-5589-4777-8329-0EA539358E93}"/>
+                <a16:creationId xmlns:a16="http://schemas.microsoft.com/office/drawing/2014/main" id="{4A198925-6EC7-4EA1-BB13-6FC1C5EFF56A}"/>
               </a:ext>
             </a:extLst>
           </p:cNvPr>
@@ -9679,743 +9656,51 @@
           </a:p>
         </p:txBody>
       </p:sp>
-      <p:graphicFrame>
-        <p:nvGraphicFramePr>
-          <p:cNvPr id="6" name="내용 개체 틀 5">
+      <p:sp>
+        <p:nvSpPr>
+          <p:cNvPr id="3" name="내용 개체 틀 2">
             <a:extLst>
               <a:ext uri="{FF2B5EF4-FFF2-40B4-BE49-F238E27FC236}">
-                <a16:creationId xmlns:a16="http://schemas.microsoft.com/office/drawing/2014/main" id="{C87E07AF-32DC-4907-9609-4486C9673CF7}"/>
+                <a16:creationId xmlns:a16="http://schemas.microsoft.com/office/drawing/2014/main" id="{A4A5D45E-F8A9-405B-A3E1-F34447453D85}"/>
               </a:ext>
             </a:extLst>
           </p:cNvPr>
-          <p:cNvGraphicFramePr>
-            <a:graphicFrameLocks noGrp="1"/>
-          </p:cNvGraphicFramePr>
+          <p:cNvSpPr>
+            <a:spLocks noGrp="1"/>
+          </p:cNvSpPr>
           <p:nvPr>
             <p:ph idx="1"/>
-            <p:extLst>
-              <p:ext uri="{D42A27DB-BD31-4B8C-83A1-F6EECF244321}">
-                <p14:modId xmlns:p14="http://schemas.microsoft.com/office/powerpoint/2010/main" val="1012129744"/>
-              </p:ext>
-            </p:extLst>
           </p:nvPr>
-        </p:nvGraphicFramePr>
-        <p:xfrm>
-          <a:off x="323528" y="1412776"/>
-          <a:ext cx="8244211" cy="5184576"/>
-        </p:xfrm>
-        <a:graphic>
-          <a:graphicData uri="http://schemas.openxmlformats.org/drawingml/2006/table">
-            <a:tbl>
-              <a:tblPr firstRow="1" bandRow="1">
-                <a:tableStyleId>{00A15C55-8517-42AA-B614-E9B94910E393}</a:tableStyleId>
-              </a:tblPr>
-              <a:tblGrid>
-                <a:gridCol w="1296144">
-                  <a:extLst>
-                    <a:ext uri="{9D8B030D-6E8A-4147-A177-3AD203B41FA5}">
-                      <a16:colId xmlns:a16="http://schemas.microsoft.com/office/drawing/2014/main" val="3026215981"/>
-                    </a:ext>
-                  </a:extLst>
-                </a:gridCol>
-                <a:gridCol w="6948067">
-                  <a:extLst>
-                    <a:ext uri="{9D8B030D-6E8A-4147-A177-3AD203B41FA5}">
-                      <a16:colId xmlns:a16="http://schemas.microsoft.com/office/drawing/2014/main" val="3107912970"/>
-                    </a:ext>
-                  </a:extLst>
-                </a:gridCol>
-              </a:tblGrid>
-              <a:tr h="648072">
-                <a:tc>
-                  <a:txBody>
-                    <a:bodyPr/>
-                    <a:lstStyle/>
-                    <a:p>
-                      <a:pPr algn="ctr" latinLnBrk="1"/>
-                      <a:r>
-                        <a:rPr lang="ko-KR" altLang="en-US" sz="1600" dirty="0">
-                          <a:latin typeface="-윤고딕320" panose="02030504000101010101" pitchFamily="18" charset="-127"/>
-                          <a:ea typeface="-윤고딕320" panose="02030504000101010101" pitchFamily="18" charset="-127"/>
-                        </a:rPr>
-                        <a:t>내용</a:t>
-                      </a:r>
-                    </a:p>
-                  </a:txBody>
-                  <a:tcPr anchor="ctr"/>
-                </a:tc>
-                <a:tc>
-                  <a:txBody>
-                    <a:bodyPr/>
-                    <a:lstStyle/>
-                    <a:p>
-                      <a:pPr algn="ctr" latinLnBrk="1"/>
-                      <a:r>
-                        <a:rPr lang="ko-KR" altLang="en-US" sz="1600" dirty="0">
-                          <a:latin typeface="-윤고딕320" panose="02030504000101010101" pitchFamily="18" charset="-127"/>
-                          <a:ea typeface="-윤고딕320" panose="02030504000101010101" pitchFamily="18" charset="-127"/>
-                        </a:rPr>
-                        <a:t>상세</a:t>
-                      </a:r>
-                    </a:p>
-                  </a:txBody>
-                  <a:tcPr anchor="ctr"/>
-                </a:tc>
-                <a:extLst>
-                  <a:ext uri="{0D108BD9-81ED-4DB2-BD59-A6C34878D82A}">
-                    <a16:rowId xmlns:a16="http://schemas.microsoft.com/office/drawing/2014/main" val="2777749688"/>
-                  </a:ext>
-                </a:extLst>
-              </a:tr>
-              <a:tr h="648072">
-                <a:tc>
-                  <a:txBody>
-                    <a:bodyPr/>
-                    <a:lstStyle/>
-                    <a:p>
-                      <a:pPr algn="ctr" latinLnBrk="1"/>
-                      <a:r>
-                        <a:rPr lang="ko-KR" altLang="en-US" sz="1600" dirty="0">
-                          <a:latin typeface="-윤고딕320" panose="02030504000101010101" pitchFamily="18" charset="-127"/>
-                          <a:ea typeface="-윤고딕320" panose="02030504000101010101" pitchFamily="18" charset="-127"/>
-                        </a:rPr>
-                        <a:t>캐릭터</a:t>
-                      </a:r>
-                    </a:p>
-                  </a:txBody>
-                  <a:tcPr anchor="ctr"/>
-                </a:tc>
-                <a:tc>
-                  <a:txBody>
-                    <a:bodyPr/>
-                    <a:lstStyle/>
-                    <a:p>
-                      <a:pPr latinLnBrk="1"/>
-                      <a:r>
-                        <a:rPr lang="ko-KR" altLang="en-US" sz="1600" dirty="0">
-                          <a:latin typeface="-윤고딕310" panose="02030504000101010101" pitchFamily="18" charset="-127"/>
-                          <a:ea typeface="-윤고딕310" panose="02030504000101010101" pitchFamily="18" charset="-127"/>
-                        </a:rPr>
-                        <a:t> 키보드로 조작</a:t>
-                      </a:r>
-                      <a:r>
-                        <a:rPr lang="en-US" altLang="ko-KR" sz="1600" dirty="0">
-                          <a:latin typeface="-윤고딕310" panose="02030504000101010101" pitchFamily="18" charset="-127"/>
-                          <a:ea typeface="-윤고딕310" panose="02030504000101010101" pitchFamily="18" charset="-127"/>
-                        </a:rPr>
-                        <a:t>, 2</a:t>
-                      </a:r>
-                      <a:r>
-                        <a:rPr lang="ko-KR" altLang="en-US" sz="1600" dirty="0">
-                          <a:latin typeface="-윤고딕310" panose="02030504000101010101" pitchFamily="18" charset="-127"/>
-                          <a:ea typeface="-윤고딕310" panose="02030504000101010101" pitchFamily="18" charset="-127"/>
-                        </a:rPr>
-                        <a:t>단 점프와 순간 이동 등의 특수 능력 해금</a:t>
-                      </a:r>
-                      <a:endParaRPr lang="en-US" altLang="ko-KR" sz="1600" dirty="0">
-                        <a:latin typeface="-윤고딕310" panose="02030504000101010101" pitchFamily="18" charset="-127"/>
-                        <a:ea typeface="-윤고딕310" panose="02030504000101010101" pitchFamily="18" charset="-127"/>
-                      </a:endParaRPr>
-                    </a:p>
-                  </a:txBody>
-                  <a:tcPr/>
-                </a:tc>
-                <a:extLst>
-                  <a:ext uri="{0D108BD9-81ED-4DB2-BD59-A6C34878D82A}">
-                    <a16:rowId xmlns:a16="http://schemas.microsoft.com/office/drawing/2014/main" val="2854291080"/>
-                  </a:ext>
-                </a:extLst>
-              </a:tr>
-              <a:tr h="648072">
-                <a:tc>
-                  <a:txBody>
-                    <a:bodyPr/>
-                    <a:lstStyle/>
-                    <a:p>
-                      <a:pPr algn="ctr" latinLnBrk="1"/>
-                      <a:r>
-                        <a:rPr lang="ko-KR" altLang="en-US" sz="1600" dirty="0">
-                          <a:latin typeface="-윤고딕320" panose="02030504000101010101" pitchFamily="18" charset="-127"/>
-                          <a:ea typeface="-윤고딕320" panose="02030504000101010101" pitchFamily="18" charset="-127"/>
-                        </a:rPr>
-                        <a:t>게임</a:t>
-                      </a:r>
-                      <a:endParaRPr lang="en-US" altLang="ko-KR" sz="1600" dirty="0">
-                        <a:latin typeface="-윤고딕320" panose="02030504000101010101" pitchFamily="18" charset="-127"/>
-                        <a:ea typeface="-윤고딕320" panose="02030504000101010101" pitchFamily="18" charset="-127"/>
-                      </a:endParaRPr>
-                    </a:p>
-                    <a:p>
-                      <a:pPr algn="ctr" latinLnBrk="1"/>
-                      <a:r>
-                        <a:rPr lang="ko-KR" altLang="en-US" sz="1600" dirty="0">
-                          <a:latin typeface="-윤고딕320" panose="02030504000101010101" pitchFamily="18" charset="-127"/>
-                          <a:ea typeface="-윤고딕320" panose="02030504000101010101" pitchFamily="18" charset="-127"/>
-                        </a:rPr>
-                        <a:t>핵심 기능</a:t>
-                      </a:r>
-                    </a:p>
-                  </a:txBody>
-                  <a:tcPr anchor="ctr"/>
-                </a:tc>
-                <a:tc>
-                  <a:txBody>
-                    <a:bodyPr/>
-                    <a:lstStyle/>
-                    <a:p>
-                      <a:pPr latinLnBrk="1"/>
-                      <a:r>
-                        <a:rPr lang="ko-KR" altLang="en-US" sz="1600" dirty="0">
-                          <a:latin typeface="-윤고딕310" panose="02030504000101010101" pitchFamily="18" charset="-127"/>
-                          <a:ea typeface="-윤고딕310" panose="02030504000101010101" pitchFamily="18" charset="-127"/>
-                        </a:rPr>
-                        <a:t> 중력과 충돌 시스템</a:t>
-                      </a:r>
-                      <a:r>
-                        <a:rPr lang="en-US" altLang="ko-KR" sz="1600" dirty="0">
-                          <a:latin typeface="-윤고딕310" panose="02030504000101010101" pitchFamily="18" charset="-127"/>
-                          <a:ea typeface="-윤고딕310" panose="02030504000101010101" pitchFamily="18" charset="-127"/>
-                        </a:rPr>
-                        <a:t>, </a:t>
-                      </a:r>
-                      <a:r>
-                        <a:rPr lang="ko-KR" altLang="en-US" sz="1600" dirty="0">
-                          <a:latin typeface="-윤고딕310" panose="02030504000101010101" pitchFamily="18" charset="-127"/>
-                          <a:ea typeface="-윤고딕310" panose="02030504000101010101" pitchFamily="18" charset="-127"/>
-                        </a:rPr>
-                        <a:t>실제 단위에 기반한 움직임과 시간</a:t>
-                      </a:r>
-                      <a:r>
-                        <a:rPr lang="en-US" altLang="ko-KR" sz="1600" dirty="0">
-                          <a:latin typeface="-윤고딕310" panose="02030504000101010101" pitchFamily="18" charset="-127"/>
-                          <a:ea typeface="-윤고딕310" panose="02030504000101010101" pitchFamily="18" charset="-127"/>
-                        </a:rPr>
-                        <a:t>.</a:t>
-                      </a:r>
-                    </a:p>
-                    <a:p>
-                      <a:pPr latinLnBrk="1"/>
-                      <a:r>
-                        <a:rPr lang="ko-KR" altLang="en-US" sz="1600" dirty="0">
-                          <a:latin typeface="-윤고딕310" panose="02030504000101010101" pitchFamily="18" charset="-127"/>
-                          <a:ea typeface="-윤고딕310" panose="02030504000101010101" pitchFamily="18" charset="-127"/>
-                        </a:rPr>
-                        <a:t>스테이지마다 제한  시간이 있다</a:t>
-                      </a:r>
-                      <a:r>
-                        <a:rPr lang="en-US" altLang="ko-KR" sz="1600" dirty="0">
-                          <a:latin typeface="-윤고딕310" panose="02030504000101010101" pitchFamily="18" charset="-127"/>
-                          <a:ea typeface="-윤고딕310" panose="02030504000101010101" pitchFamily="18" charset="-127"/>
-                        </a:rPr>
-                        <a:t>.</a:t>
-                      </a:r>
-                      <a:endParaRPr lang="ko-KR" altLang="en-US" sz="1600" dirty="0">
-                        <a:latin typeface="-윤고딕310" panose="02030504000101010101" pitchFamily="18" charset="-127"/>
-                        <a:ea typeface="-윤고딕310" panose="02030504000101010101" pitchFamily="18" charset="-127"/>
-                      </a:endParaRPr>
-                    </a:p>
-                  </a:txBody>
-                  <a:tcPr/>
-                </a:tc>
-                <a:extLst>
-                  <a:ext uri="{0D108BD9-81ED-4DB2-BD59-A6C34878D82A}">
-                    <a16:rowId xmlns:a16="http://schemas.microsoft.com/office/drawing/2014/main" val="1194299463"/>
-                  </a:ext>
-                </a:extLst>
-              </a:tr>
-              <a:tr h="648072">
-                <a:tc>
-                  <a:txBody>
-                    <a:bodyPr/>
-                    <a:lstStyle/>
-                    <a:p>
-                      <a:pPr algn="ctr" latinLnBrk="1"/>
-                      <a:r>
-                        <a:rPr lang="ko-KR" altLang="en-US" sz="1600" dirty="0">
-                          <a:latin typeface="-윤고딕320" panose="02030504000101010101" pitchFamily="18" charset="-127"/>
-                          <a:ea typeface="-윤고딕320" panose="02030504000101010101" pitchFamily="18" charset="-127"/>
-                        </a:rPr>
-                        <a:t>게임 연출</a:t>
-                      </a:r>
-                    </a:p>
-                  </a:txBody>
-                  <a:tcPr anchor="ctr"/>
-                </a:tc>
-                <a:tc>
-                  <a:txBody>
-                    <a:bodyPr/>
-                    <a:lstStyle/>
-                    <a:p>
-                      <a:pPr latinLnBrk="1"/>
-                      <a:r>
-                        <a:rPr lang="en-US" altLang="ko-KR" sz="1600" dirty="0">
-                          <a:latin typeface="-윤고딕310" panose="02030504000101010101" pitchFamily="18" charset="-127"/>
-                          <a:ea typeface="-윤고딕310" panose="02030504000101010101" pitchFamily="18" charset="-127"/>
-                        </a:rPr>
-                        <a:t> NPC </a:t>
-                      </a:r>
-                      <a:r>
-                        <a:rPr lang="ko-KR" altLang="en-US" sz="1600" dirty="0">
-                          <a:latin typeface="-윤고딕310" panose="02030504000101010101" pitchFamily="18" charset="-127"/>
-                          <a:ea typeface="-윤고딕310" panose="02030504000101010101" pitchFamily="18" charset="-127"/>
-                        </a:rPr>
-                        <a:t>의 대화 메시지 띄우기</a:t>
-                      </a:r>
-                      <a:r>
-                        <a:rPr lang="en-US" altLang="ko-KR" sz="1600" dirty="0">
-                          <a:latin typeface="-윤고딕310" panose="02030504000101010101" pitchFamily="18" charset="-127"/>
-                          <a:ea typeface="-윤고딕310" panose="02030504000101010101" pitchFamily="18" charset="-127"/>
-                        </a:rPr>
-                        <a:t>, </a:t>
-                      </a:r>
-                      <a:r>
-                        <a:rPr lang="ko-KR" altLang="en-US" sz="1600" dirty="0">
-                          <a:latin typeface="-윤고딕310" panose="02030504000101010101" pitchFamily="18" charset="-127"/>
-                          <a:ea typeface="-윤고딕310" panose="02030504000101010101" pitchFamily="18" charset="-127"/>
-                        </a:rPr>
-                        <a:t>게임 진행 중 이벤트 발생</a:t>
-                      </a:r>
-                      <a:r>
-                        <a:rPr lang="en-US" altLang="ko-KR" sz="1600" dirty="0">
-                          <a:latin typeface="-윤고딕310" panose="02030504000101010101" pitchFamily="18" charset="-127"/>
-                          <a:ea typeface="-윤고딕310" panose="02030504000101010101" pitchFamily="18" charset="-127"/>
-                        </a:rPr>
-                        <a:t>.</a:t>
-                      </a:r>
-                    </a:p>
-                    <a:p>
-                      <a:pPr latinLnBrk="1"/>
-                      <a:r>
-                        <a:rPr lang="ko-KR" altLang="en-US" sz="1600" dirty="0">
-                          <a:latin typeface="-윤고딕310" panose="02030504000101010101" pitchFamily="18" charset="-127"/>
-                          <a:ea typeface="-윤고딕310" panose="02030504000101010101" pitchFamily="18" charset="-127"/>
-                        </a:rPr>
-                        <a:t>개체가 죽거나 데미지를 받을 시 출혈 효과 발생</a:t>
-                      </a:r>
-                      <a:r>
-                        <a:rPr lang="en-US" altLang="ko-KR" sz="1600" dirty="0">
-                          <a:latin typeface="-윤고딕310" panose="02030504000101010101" pitchFamily="18" charset="-127"/>
-                          <a:ea typeface="-윤고딕310" panose="02030504000101010101" pitchFamily="18" charset="-127"/>
-                        </a:rPr>
-                        <a:t>,</a:t>
-                      </a:r>
-                    </a:p>
-                  </a:txBody>
-                  <a:tcPr/>
-                </a:tc>
-                <a:extLst>
-                  <a:ext uri="{0D108BD9-81ED-4DB2-BD59-A6C34878D82A}">
-                    <a16:rowId xmlns:a16="http://schemas.microsoft.com/office/drawing/2014/main" val="2345408676"/>
-                  </a:ext>
-                </a:extLst>
-              </a:tr>
-              <a:tr h="648072">
-                <a:tc>
-                  <a:txBody>
-                    <a:bodyPr/>
-                    <a:lstStyle/>
-                    <a:p>
-                      <a:pPr algn="ctr" latinLnBrk="1"/>
-                      <a:r>
-                        <a:rPr lang="ko-KR" altLang="en-US" sz="1600" dirty="0">
-                          <a:latin typeface="-윤고딕320" panose="02030504000101010101" pitchFamily="18" charset="-127"/>
-                          <a:ea typeface="-윤고딕320" panose="02030504000101010101" pitchFamily="18" charset="-127"/>
-                        </a:rPr>
-                        <a:t>맵 테마와</a:t>
-                      </a:r>
-                      <a:endParaRPr lang="en-US" altLang="ko-KR" sz="1600" dirty="0">
-                        <a:latin typeface="-윤고딕320" panose="02030504000101010101" pitchFamily="18" charset="-127"/>
-                        <a:ea typeface="-윤고딕320" panose="02030504000101010101" pitchFamily="18" charset="-127"/>
-                      </a:endParaRPr>
-                    </a:p>
-                    <a:p>
-                      <a:pPr algn="ctr" latinLnBrk="1"/>
-                      <a:r>
-                        <a:rPr lang="ko-KR" altLang="en-US" sz="1600" dirty="0">
-                          <a:latin typeface="-윤고딕320" panose="02030504000101010101" pitchFamily="18" charset="-127"/>
-                          <a:ea typeface="-윤고딕320" panose="02030504000101010101" pitchFamily="18" charset="-127"/>
-                        </a:rPr>
-                        <a:t>스테이지</a:t>
-                      </a:r>
-                    </a:p>
-                  </a:txBody>
-                  <a:tcPr anchor="ctr"/>
-                </a:tc>
-                <a:tc>
-                  <a:txBody>
-                    <a:bodyPr/>
-                    <a:lstStyle/>
-                    <a:p>
-                      <a:pPr latinLnBrk="1"/>
-                      <a:r>
-                        <a:rPr lang="en-US" altLang="ko-KR" sz="1600" dirty="0">
-                          <a:latin typeface="-윤고딕310" panose="02030504000101010101" pitchFamily="18" charset="-127"/>
-                          <a:ea typeface="-윤고딕310" panose="02030504000101010101" pitchFamily="18" charset="-127"/>
-                        </a:rPr>
-                        <a:t> </a:t>
-                      </a:r>
-                      <a:r>
-                        <a:rPr lang="ko-KR" altLang="en-US" sz="1600" dirty="0">
-                          <a:latin typeface="-윤고딕310" panose="02030504000101010101" pitchFamily="18" charset="-127"/>
-                          <a:ea typeface="-윤고딕310" panose="02030504000101010101" pitchFamily="18" charset="-127"/>
-                        </a:rPr>
-                        <a:t>스테이지 마다 등장 </a:t>
-                      </a:r>
-                      <a:r>
-                        <a:rPr lang="en-US" altLang="ko-KR" sz="1600" dirty="0">
-                          <a:latin typeface="-윤고딕310" panose="02030504000101010101" pitchFamily="18" charset="-127"/>
-                          <a:ea typeface="-윤고딕310" panose="02030504000101010101" pitchFamily="18" charset="-127"/>
-                        </a:rPr>
-                        <a:t>NPC </a:t>
-                      </a:r>
-                      <a:r>
-                        <a:rPr lang="ko-KR" altLang="en-US" sz="1600" dirty="0">
-                          <a:latin typeface="-윤고딕310" panose="02030504000101010101" pitchFamily="18" charset="-127"/>
-                          <a:ea typeface="-윤고딕310" panose="02030504000101010101" pitchFamily="18" charset="-127"/>
-                        </a:rPr>
-                        <a:t>와 아이템이 다르다</a:t>
-                      </a:r>
-                      <a:r>
-                        <a:rPr lang="en-US" altLang="ko-KR" sz="1600" dirty="0">
-                          <a:latin typeface="-윤고딕310" panose="02030504000101010101" pitchFamily="18" charset="-127"/>
-                          <a:ea typeface="-윤고딕310" panose="02030504000101010101" pitchFamily="18" charset="-127"/>
-                        </a:rPr>
-                        <a:t>.</a:t>
-                      </a:r>
-                      <a:r>
-                        <a:rPr lang="ko-KR" altLang="en-US" sz="1600" dirty="0">
-                          <a:latin typeface="-윤고딕310" panose="02030504000101010101" pitchFamily="18" charset="-127"/>
-                          <a:ea typeface="-윤고딕310" panose="02030504000101010101" pitchFamily="18" charset="-127"/>
-                        </a:rPr>
-                        <a:t> 마을</a:t>
-                      </a:r>
-                      <a:r>
-                        <a:rPr lang="en-US" altLang="ko-KR" sz="1600" dirty="0">
-                          <a:latin typeface="-윤고딕310" panose="02030504000101010101" pitchFamily="18" charset="-127"/>
-                          <a:ea typeface="-윤고딕310" panose="02030504000101010101" pitchFamily="18" charset="-127"/>
-                        </a:rPr>
-                        <a:t>, </a:t>
-                      </a:r>
-                      <a:r>
-                        <a:rPr lang="ko-KR" altLang="en-US" sz="1600" dirty="0">
-                          <a:latin typeface="-윤고딕310" panose="02030504000101010101" pitchFamily="18" charset="-127"/>
-                          <a:ea typeface="-윤고딕310" panose="02030504000101010101" pitchFamily="18" charset="-127"/>
-                        </a:rPr>
-                        <a:t>숲</a:t>
-                      </a:r>
-                      <a:r>
-                        <a:rPr lang="en-US" altLang="ko-KR" sz="1600" dirty="0">
-                          <a:latin typeface="-윤고딕310" panose="02030504000101010101" pitchFamily="18" charset="-127"/>
-                          <a:ea typeface="-윤고딕310" panose="02030504000101010101" pitchFamily="18" charset="-127"/>
-                        </a:rPr>
-                        <a:t>, </a:t>
-                      </a:r>
-                      <a:r>
-                        <a:rPr lang="ko-KR" altLang="en-US" sz="1600" dirty="0">
-                          <a:latin typeface="-윤고딕310" panose="02030504000101010101" pitchFamily="18" charset="-127"/>
-                          <a:ea typeface="-윤고딕310" panose="02030504000101010101" pitchFamily="18" charset="-127"/>
-                        </a:rPr>
-                        <a:t>도시</a:t>
-                      </a:r>
-                      <a:r>
-                        <a:rPr lang="en-US" altLang="ko-KR" sz="1600" dirty="0">
-                          <a:latin typeface="-윤고딕310" panose="02030504000101010101" pitchFamily="18" charset="-127"/>
-                          <a:ea typeface="-윤고딕310" panose="02030504000101010101" pitchFamily="18" charset="-127"/>
-                        </a:rPr>
-                        <a:t> </a:t>
-                      </a:r>
-                      <a:r>
-                        <a:rPr lang="ko-KR" altLang="en-US" sz="1600" dirty="0">
-                          <a:latin typeface="-윤고딕310" panose="02030504000101010101" pitchFamily="18" charset="-127"/>
-                          <a:ea typeface="-윤고딕310" panose="02030504000101010101" pitchFamily="18" charset="-127"/>
-                        </a:rPr>
-                        <a:t>등이 있다</a:t>
-                      </a:r>
-                      <a:r>
-                        <a:rPr lang="en-US" altLang="ko-KR" sz="1600" dirty="0">
-                          <a:latin typeface="-윤고딕310" panose="02030504000101010101" pitchFamily="18" charset="-127"/>
-                          <a:ea typeface="-윤고딕310" panose="02030504000101010101" pitchFamily="18" charset="-127"/>
-                        </a:rPr>
-                        <a:t>.</a:t>
-                      </a:r>
-                    </a:p>
-                  </a:txBody>
-                  <a:tcPr/>
-                </a:tc>
-                <a:extLst>
-                  <a:ext uri="{0D108BD9-81ED-4DB2-BD59-A6C34878D82A}">
-                    <a16:rowId xmlns:a16="http://schemas.microsoft.com/office/drawing/2014/main" val="132467065"/>
-                  </a:ext>
-                </a:extLst>
-              </a:tr>
-              <a:tr h="648072">
-                <a:tc>
-                  <a:txBody>
-                    <a:bodyPr/>
-                    <a:lstStyle/>
-                    <a:p>
-                      <a:pPr algn="ctr" latinLnBrk="1"/>
-                      <a:r>
-                        <a:rPr lang="ko-KR" altLang="en-US" sz="1600" dirty="0">
-                          <a:latin typeface="-윤고딕320" panose="02030504000101010101" pitchFamily="18" charset="-127"/>
-                          <a:ea typeface="-윤고딕320" panose="02030504000101010101" pitchFamily="18" charset="-127"/>
-                        </a:rPr>
-                        <a:t>적과 </a:t>
-                      </a:r>
-                      <a:r>
-                        <a:rPr lang="en-US" altLang="ko-KR" sz="1600" dirty="0">
-                          <a:latin typeface="-윤고딕320" panose="02030504000101010101" pitchFamily="18" charset="-127"/>
-                          <a:ea typeface="-윤고딕320" panose="02030504000101010101" pitchFamily="18" charset="-127"/>
-                        </a:rPr>
-                        <a:t>NPC</a:t>
-                      </a:r>
-                      <a:endParaRPr lang="ko-KR" altLang="en-US" sz="1600" dirty="0">
-                        <a:latin typeface="-윤고딕320" panose="02030504000101010101" pitchFamily="18" charset="-127"/>
-                        <a:ea typeface="-윤고딕320" panose="02030504000101010101" pitchFamily="18" charset="-127"/>
-                      </a:endParaRPr>
-                    </a:p>
-                  </a:txBody>
-                  <a:tcPr anchor="ctr"/>
-                </a:tc>
-                <a:tc>
-                  <a:txBody>
-                    <a:bodyPr/>
-                    <a:lstStyle/>
-                    <a:p>
-                      <a:pPr latinLnBrk="1"/>
-                      <a:r>
-                        <a:rPr lang="en-US" altLang="ko-KR" sz="1600" dirty="0">
-                          <a:latin typeface="-윤고딕310" panose="02030504000101010101" pitchFamily="18" charset="-127"/>
-                          <a:ea typeface="-윤고딕310" panose="02030504000101010101" pitchFamily="18" charset="-127"/>
-                        </a:rPr>
-                        <a:t> NPC </a:t>
-                      </a:r>
-                      <a:r>
-                        <a:rPr lang="ko-KR" altLang="en-US" sz="1600" dirty="0">
-                          <a:latin typeface="-윤고딕310" panose="02030504000101010101" pitchFamily="18" charset="-127"/>
-                          <a:ea typeface="-윤고딕310" panose="02030504000101010101" pitchFamily="18" charset="-127"/>
-                        </a:rPr>
-                        <a:t>들은 가만히 있거나</a:t>
-                      </a:r>
-                      <a:r>
-                        <a:rPr lang="en-US" altLang="ko-KR" sz="1600" dirty="0">
-                          <a:latin typeface="-윤고딕310" panose="02030504000101010101" pitchFamily="18" charset="-127"/>
-                          <a:ea typeface="-윤고딕310" panose="02030504000101010101" pitchFamily="18" charset="-127"/>
-                        </a:rPr>
-                        <a:t>, </a:t>
-                      </a:r>
-                      <a:r>
-                        <a:rPr lang="ko-KR" altLang="en-US" sz="1600" dirty="0">
-                          <a:latin typeface="-윤고딕310" panose="02030504000101010101" pitchFamily="18" charset="-127"/>
-                          <a:ea typeface="-윤고딕310" panose="02030504000101010101" pitchFamily="18" charset="-127"/>
-                        </a:rPr>
-                        <a:t>좌우로 이동하거나</a:t>
-                      </a:r>
-                      <a:r>
-                        <a:rPr lang="en-US" altLang="ko-KR" sz="1600" dirty="0">
-                          <a:latin typeface="-윤고딕310" panose="02030504000101010101" pitchFamily="18" charset="-127"/>
-                          <a:ea typeface="-윤고딕310" panose="02030504000101010101" pitchFamily="18" charset="-127"/>
-                        </a:rPr>
-                        <a:t>, </a:t>
-                      </a:r>
-                      <a:r>
-                        <a:rPr lang="ko-KR" altLang="en-US" sz="1600" dirty="0">
-                          <a:latin typeface="-윤고딕310" panose="02030504000101010101" pitchFamily="18" charset="-127"/>
-                          <a:ea typeface="-윤고딕310" panose="02030504000101010101" pitchFamily="18" charset="-127"/>
-                        </a:rPr>
-                        <a:t>플레이어를 따라오는 단순한 인공지능을 갖고 있다</a:t>
-                      </a:r>
-                      <a:r>
-                        <a:rPr lang="en-US" altLang="ko-KR" sz="1600" dirty="0">
-                          <a:latin typeface="-윤고딕310" panose="02030504000101010101" pitchFamily="18" charset="-127"/>
-                          <a:ea typeface="-윤고딕310" panose="02030504000101010101" pitchFamily="18" charset="-127"/>
-                        </a:rPr>
-                        <a:t>.</a:t>
-                      </a:r>
-                      <a:endParaRPr lang="ko-KR" altLang="en-US" sz="1600" dirty="0">
-                        <a:latin typeface="-윤고딕310" panose="02030504000101010101" pitchFamily="18" charset="-127"/>
-                        <a:ea typeface="-윤고딕310" panose="02030504000101010101" pitchFamily="18" charset="-127"/>
-                      </a:endParaRPr>
-                    </a:p>
-                  </a:txBody>
-                  <a:tcPr/>
-                </a:tc>
-                <a:extLst>
-                  <a:ext uri="{0D108BD9-81ED-4DB2-BD59-A6C34878D82A}">
-                    <a16:rowId xmlns:a16="http://schemas.microsoft.com/office/drawing/2014/main" val="2060674530"/>
-                  </a:ext>
-                </a:extLst>
-              </a:tr>
-              <a:tr h="648072">
-                <a:tc>
-                  <a:txBody>
-                    <a:bodyPr/>
-                    <a:lstStyle/>
-                    <a:p>
-                      <a:pPr algn="ctr" latinLnBrk="1"/>
-                      <a:r>
-                        <a:rPr lang="ko-KR" altLang="en-US" sz="1600" dirty="0">
-                          <a:latin typeface="-윤고딕320" panose="02030504000101010101" pitchFamily="18" charset="-127"/>
-                          <a:ea typeface="-윤고딕320" panose="02030504000101010101" pitchFamily="18" charset="-127"/>
-                        </a:rPr>
-                        <a:t>그래픽</a:t>
-                      </a:r>
-                    </a:p>
-                  </a:txBody>
-                  <a:tcPr anchor="ctr"/>
-                </a:tc>
-                <a:tc>
-                  <a:txBody>
-                    <a:bodyPr/>
-                    <a:lstStyle/>
-                    <a:p>
-                      <a:pPr latinLnBrk="1"/>
-                      <a:r>
-                        <a:rPr lang="en-US" altLang="ko-KR" sz="1600" dirty="0">
-                          <a:latin typeface="-윤고딕310" panose="02030504000101010101" pitchFamily="18" charset="-127"/>
-                          <a:ea typeface="-윤고딕310" panose="02030504000101010101" pitchFamily="18" charset="-127"/>
-                        </a:rPr>
-                        <a:t> </a:t>
-                      </a:r>
-                      <a:r>
-                        <a:rPr lang="ko-KR" altLang="en-US" sz="1600" dirty="0">
-                          <a:latin typeface="-윤고딕310" panose="02030504000101010101" pitchFamily="18" charset="-127"/>
-                          <a:ea typeface="-윤고딕310" panose="02030504000101010101" pitchFamily="18" charset="-127"/>
-                        </a:rPr>
-                        <a:t>테마 별로 </a:t>
-                      </a:r>
-                      <a:r>
-                        <a:rPr lang="en-US" altLang="ko-KR" sz="1600" dirty="0">
-                          <a:latin typeface="-윤고딕310" panose="02030504000101010101" pitchFamily="18" charset="-127"/>
-                          <a:ea typeface="-윤고딕310" panose="02030504000101010101" pitchFamily="18" charset="-127"/>
-                        </a:rPr>
-                        <a:t>3</a:t>
-                      </a:r>
-                      <a:r>
-                        <a:rPr lang="ko-KR" altLang="en-US" sz="1600" dirty="0">
-                          <a:latin typeface="-윤고딕310" panose="02030504000101010101" pitchFamily="18" charset="-127"/>
-                          <a:ea typeface="-윤고딕310" panose="02030504000101010101" pitchFamily="18" charset="-127"/>
-                        </a:rPr>
-                        <a:t>개 정도의 블록 그래픽과 하나의 배경 그래픽</a:t>
-                      </a:r>
-                      <a:r>
-                        <a:rPr lang="en-US" altLang="ko-KR" sz="1600" dirty="0">
-                          <a:latin typeface="-윤고딕310" panose="02030504000101010101" pitchFamily="18" charset="-127"/>
-                          <a:ea typeface="-윤고딕310" panose="02030504000101010101" pitchFamily="18" charset="-127"/>
-                        </a:rPr>
-                        <a:t>.</a:t>
-                      </a:r>
-                      <a:endParaRPr lang="ko-KR" altLang="en-US" sz="1600" dirty="0">
-                        <a:latin typeface="-윤고딕310" panose="02030504000101010101" pitchFamily="18" charset="-127"/>
-                        <a:ea typeface="-윤고딕310" panose="02030504000101010101" pitchFamily="18" charset="-127"/>
-                      </a:endParaRPr>
-                    </a:p>
-                  </a:txBody>
-                  <a:tcPr/>
-                </a:tc>
-                <a:extLst>
-                  <a:ext uri="{0D108BD9-81ED-4DB2-BD59-A6C34878D82A}">
-                    <a16:rowId xmlns:a16="http://schemas.microsoft.com/office/drawing/2014/main" val="1182672815"/>
-                  </a:ext>
-                </a:extLst>
-              </a:tr>
-              <a:tr h="648072">
-                <a:tc>
-                  <a:txBody>
-                    <a:bodyPr/>
-                    <a:lstStyle/>
-                    <a:p>
-                      <a:pPr algn="ctr" latinLnBrk="1"/>
-                      <a:r>
-                        <a:rPr lang="ko-KR" altLang="en-US" sz="1600" dirty="0">
-                          <a:latin typeface="-윤고딕320" panose="02030504000101010101" pitchFamily="18" charset="-127"/>
-                          <a:ea typeface="-윤고딕320" panose="02030504000101010101" pitchFamily="18" charset="-127"/>
-                        </a:rPr>
-                        <a:t>사운드</a:t>
-                      </a:r>
-                    </a:p>
-                  </a:txBody>
-                  <a:tcPr anchor="ctr"/>
-                </a:tc>
-                <a:tc>
-                  <a:txBody>
-                    <a:bodyPr/>
-                    <a:lstStyle/>
-                    <a:p>
-                      <a:pPr latinLnBrk="1"/>
-                      <a:r>
-                        <a:rPr lang="en-US" altLang="ko-KR" sz="1600" dirty="0">
-                          <a:latin typeface="-윤고딕310" panose="02030504000101010101" pitchFamily="18" charset="-127"/>
-                          <a:ea typeface="-윤고딕310" panose="02030504000101010101" pitchFamily="18" charset="-127"/>
-                        </a:rPr>
-                        <a:t> NPC</a:t>
-                      </a:r>
-                      <a:r>
-                        <a:rPr lang="ko-KR" altLang="en-US" sz="1600" dirty="0">
-                          <a:latin typeface="-윤고딕310" panose="02030504000101010101" pitchFamily="18" charset="-127"/>
-                          <a:ea typeface="-윤고딕310" panose="02030504000101010101" pitchFamily="18" charset="-127"/>
-                        </a:rPr>
-                        <a:t> 별로 죽는 소리</a:t>
-                      </a:r>
-                      <a:r>
-                        <a:rPr lang="en-US" altLang="ko-KR" sz="1600" dirty="0">
-                          <a:latin typeface="-윤고딕310" panose="02030504000101010101" pitchFamily="18" charset="-127"/>
-                          <a:ea typeface="-윤고딕310" panose="02030504000101010101" pitchFamily="18" charset="-127"/>
-                        </a:rPr>
-                        <a:t>, UI </a:t>
-                      </a:r>
-                      <a:r>
-                        <a:rPr lang="ko-KR" altLang="en-US" sz="1600" dirty="0">
-                          <a:latin typeface="-윤고딕310" panose="02030504000101010101" pitchFamily="18" charset="-127"/>
-                          <a:ea typeface="-윤고딕310" panose="02030504000101010101" pitchFamily="18" charset="-127"/>
-                        </a:rPr>
-                        <a:t>와 효과음 등을 포함해서 </a:t>
-                      </a:r>
-                      <a:r>
-                        <a:rPr lang="en-US" altLang="ko-KR" sz="1600" dirty="0">
-                          <a:latin typeface="-윤고딕310" panose="02030504000101010101" pitchFamily="18" charset="-127"/>
-                          <a:ea typeface="-윤고딕310" panose="02030504000101010101" pitchFamily="18" charset="-127"/>
-                        </a:rPr>
-                        <a:t>20</a:t>
-                      </a:r>
-                      <a:r>
-                        <a:rPr lang="ko-KR" altLang="en-US" sz="1600" dirty="0">
-                          <a:latin typeface="-윤고딕310" panose="02030504000101010101" pitchFamily="18" charset="-127"/>
-                          <a:ea typeface="-윤고딕310" panose="02030504000101010101" pitchFamily="18" charset="-127"/>
-                        </a:rPr>
-                        <a:t>가지 정도</a:t>
-                      </a:r>
-                      <a:r>
-                        <a:rPr lang="en-US" altLang="ko-KR" sz="1600" dirty="0">
-                          <a:latin typeface="-윤고딕310" panose="02030504000101010101" pitchFamily="18" charset="-127"/>
-                          <a:ea typeface="-윤고딕310" panose="02030504000101010101" pitchFamily="18" charset="-127"/>
-                        </a:rPr>
-                        <a:t>.</a:t>
-                      </a:r>
-                      <a:endParaRPr lang="ko-KR" altLang="en-US" sz="1600" dirty="0">
-                        <a:latin typeface="-윤고딕310" panose="02030504000101010101" pitchFamily="18" charset="-127"/>
-                        <a:ea typeface="-윤고딕310" panose="02030504000101010101" pitchFamily="18" charset="-127"/>
-                      </a:endParaRPr>
-                    </a:p>
-                  </a:txBody>
-                  <a:tcPr/>
-                </a:tc>
-                <a:extLst>
-                  <a:ext uri="{0D108BD9-81ED-4DB2-BD59-A6C34878D82A}">
-                    <a16:rowId xmlns:a16="http://schemas.microsoft.com/office/drawing/2014/main" val="1488941561"/>
-                  </a:ext>
-                </a:extLst>
-              </a:tr>
-            </a:tbl>
-          </a:graphicData>
-        </a:graphic>
-      </p:graphicFrame>
+        </p:nvSpPr>
+        <p:spPr>
+          <a:xfrm>
+            <a:off x="457200" y="1600200"/>
+            <a:ext cx="8109857" cy="4525963"/>
+          </a:xfrm>
+          <a:noFill/>
+        </p:spPr>
+        <p:txBody>
+          <a:bodyPr>
+            <a:normAutofit/>
+          </a:bodyPr>
+          <a:lstStyle/>
+          <a:p>
+            <a:pPr marL="0" indent="0" algn="ctr">
+              <a:buNone/>
+            </a:pPr>
+            <a:endParaRPr lang="en-US" altLang="ko-KR" sz="3000" dirty="0"/>
+          </a:p>
+          <a:p>
+            <a:endParaRPr lang="ko-KR" altLang="en-US" sz="3000" dirty="0"/>
+          </a:p>
+        </p:txBody>
+      </p:sp>
       <p:sp>
         <p:nvSpPr>
           <p:cNvPr id="2" name="제목 1">
             <a:extLst>
               <a:ext uri="{FF2B5EF4-FFF2-40B4-BE49-F238E27FC236}">
-                <a16:creationId xmlns:a16="http://schemas.microsoft.com/office/drawing/2014/main" id="{21E6DDB8-4DB0-42D2-9593-6E35D24E009B}"/>
+                <a16:creationId xmlns:a16="http://schemas.microsoft.com/office/drawing/2014/main" id="{0AB349F5-054F-47F7-BC73-1F8767008238}"/>
               </a:ext>
             </a:extLst>
           </p:cNvPr>
@@ -10428,8 +9713,8 @@
         </p:nvSpPr>
         <p:spPr>
           <a:xfrm>
-            <a:off x="1176866" y="260648"/>
-            <a:ext cx="6798734" cy="713463"/>
+            <a:off x="1172633" y="268239"/>
+            <a:ext cx="6798734" cy="785471"/>
           </a:xfrm>
         </p:spPr>
         <p:txBody>
@@ -10460,10 +9745,740 @@
           </a:p>
         </p:txBody>
       </p:sp>
+      <p:graphicFrame>
+        <p:nvGraphicFramePr>
+          <p:cNvPr id="5" name="내용 개체 틀 5">
+            <a:extLst>
+              <a:ext uri="{FF2B5EF4-FFF2-40B4-BE49-F238E27FC236}">
+                <a16:creationId xmlns:a16="http://schemas.microsoft.com/office/drawing/2014/main" id="{ABCCB288-92AD-40D9-96F3-7AF9F1F1FB1A}"/>
+              </a:ext>
+            </a:extLst>
+          </p:cNvPr>
+          <p:cNvGraphicFramePr>
+            <a:graphicFrameLocks/>
+          </p:cNvGraphicFramePr>
+          <p:nvPr>
+            <p:extLst>
+              <p:ext uri="{D42A27DB-BD31-4B8C-83A1-F6EECF244321}">
+                <p14:modId xmlns:p14="http://schemas.microsoft.com/office/powerpoint/2010/main" val="4047564404"/>
+              </p:ext>
+            </p:extLst>
+          </p:nvPr>
+        </p:nvGraphicFramePr>
+        <p:xfrm>
+          <a:off x="457200" y="1604127"/>
+          <a:ext cx="8150352" cy="4536504"/>
+        </p:xfrm>
+        <a:graphic>
+          <a:graphicData uri="http://schemas.openxmlformats.org/drawingml/2006/table">
+            <a:tbl>
+              <a:tblPr firstRow="1" bandRow="1">
+                <a:tableStyleId>{00A15C55-8517-42AA-B614-E9B94910E393}</a:tableStyleId>
+              </a:tblPr>
+              <a:tblGrid>
+                <a:gridCol w="946448">
+                  <a:extLst>
+                    <a:ext uri="{9D8B030D-6E8A-4147-A177-3AD203B41FA5}">
+                      <a16:colId xmlns:a16="http://schemas.microsoft.com/office/drawing/2014/main" val="3026215981"/>
+                    </a:ext>
+                  </a:extLst>
+                </a:gridCol>
+                <a:gridCol w="7203904">
+                  <a:extLst>
+                    <a:ext uri="{9D8B030D-6E8A-4147-A177-3AD203B41FA5}">
+                      <a16:colId xmlns:a16="http://schemas.microsoft.com/office/drawing/2014/main" val="3107912970"/>
+                    </a:ext>
+                  </a:extLst>
+                </a:gridCol>
+              </a:tblGrid>
+              <a:tr h="567063">
+                <a:tc>
+                  <a:txBody>
+                    <a:bodyPr/>
+                    <a:lstStyle/>
+                    <a:p>
+                      <a:pPr algn="ctr" latinLnBrk="1"/>
+                      <a:r>
+                        <a:rPr lang="ko-KR" altLang="en-US" sz="1600" dirty="0">
+                          <a:latin typeface="-윤고딕320" panose="02030504000101010101" pitchFamily="18" charset="-127"/>
+                          <a:ea typeface="-윤고딕320" panose="02030504000101010101" pitchFamily="18" charset="-127"/>
+                        </a:rPr>
+                        <a:t>내용</a:t>
+                      </a:r>
+                    </a:p>
+                  </a:txBody>
+                  <a:tcPr marL="80010" marR="80010" marT="40005" marB="40005" anchor="ctr"/>
+                </a:tc>
+                <a:tc>
+                  <a:txBody>
+                    <a:bodyPr/>
+                    <a:lstStyle/>
+                    <a:p>
+                      <a:pPr algn="ctr" latinLnBrk="1"/>
+                      <a:r>
+                        <a:rPr lang="ko-KR" altLang="en-US" sz="1600" dirty="0">
+                          <a:latin typeface="-윤고딕320" panose="02030504000101010101" pitchFamily="18" charset="-127"/>
+                          <a:ea typeface="-윤고딕320" panose="02030504000101010101" pitchFamily="18" charset="-127"/>
+                        </a:rPr>
+                        <a:t>상세</a:t>
+                      </a:r>
+                    </a:p>
+                  </a:txBody>
+                  <a:tcPr marL="80010" marR="80010" marT="40005" marB="40005" anchor="ctr"/>
+                </a:tc>
+                <a:extLst>
+                  <a:ext uri="{0D108BD9-81ED-4DB2-BD59-A6C34878D82A}">
+                    <a16:rowId xmlns:a16="http://schemas.microsoft.com/office/drawing/2014/main" val="2777749688"/>
+                  </a:ext>
+                </a:extLst>
+              </a:tr>
+              <a:tr h="567063">
+                <a:tc>
+                  <a:txBody>
+                    <a:bodyPr/>
+                    <a:lstStyle/>
+                    <a:p>
+                      <a:pPr algn="ctr" latinLnBrk="1"/>
+                      <a:r>
+                        <a:rPr lang="ko-KR" altLang="en-US" sz="1400" dirty="0">
+                          <a:latin typeface="-윤고딕320" panose="02030504000101010101" pitchFamily="18" charset="-127"/>
+                          <a:ea typeface="-윤고딕320" panose="02030504000101010101" pitchFamily="18" charset="-127"/>
+                        </a:rPr>
+                        <a:t>캐릭터</a:t>
+                      </a:r>
+                    </a:p>
+                  </a:txBody>
+                  <a:tcPr marL="80010" marR="80010" marT="40005" marB="40005" anchor="ctr"/>
+                </a:tc>
+                <a:tc>
+                  <a:txBody>
+                    <a:bodyPr/>
+                    <a:lstStyle/>
+                    <a:p>
+                      <a:pPr latinLnBrk="1"/>
+                      <a:r>
+                        <a:rPr lang="ko-KR" altLang="en-US" sz="1400" dirty="0">
+                          <a:latin typeface="-윤고딕310" panose="02030504000101010101" pitchFamily="18" charset="-127"/>
+                          <a:ea typeface="-윤고딕310" panose="02030504000101010101" pitchFamily="18" charset="-127"/>
+                        </a:rPr>
+                        <a:t> 키보드로 조작</a:t>
+                      </a:r>
+                      <a:r>
+                        <a:rPr lang="en-US" altLang="ko-KR" sz="1400" dirty="0">
+                          <a:latin typeface="-윤고딕310" panose="02030504000101010101" pitchFamily="18" charset="-127"/>
+                          <a:ea typeface="-윤고딕310" panose="02030504000101010101" pitchFamily="18" charset="-127"/>
+                        </a:rPr>
+                        <a:t>, 2</a:t>
+                      </a:r>
+                      <a:r>
+                        <a:rPr lang="ko-KR" altLang="en-US" sz="1400" dirty="0">
+                          <a:latin typeface="-윤고딕310" panose="02030504000101010101" pitchFamily="18" charset="-127"/>
+                          <a:ea typeface="-윤고딕310" panose="02030504000101010101" pitchFamily="18" charset="-127"/>
+                        </a:rPr>
+                        <a:t>단 점프와 순간 이동 등의 특수 능력 해금</a:t>
+                      </a:r>
+                      <a:endParaRPr lang="en-US" altLang="ko-KR" sz="1400" dirty="0">
+                        <a:latin typeface="-윤고딕310" panose="02030504000101010101" pitchFamily="18" charset="-127"/>
+                        <a:ea typeface="-윤고딕310" panose="02030504000101010101" pitchFamily="18" charset="-127"/>
+                      </a:endParaRPr>
+                    </a:p>
+                  </a:txBody>
+                  <a:tcPr marL="80010" marR="80010" marT="40005" marB="40005"/>
+                </a:tc>
+                <a:extLst>
+                  <a:ext uri="{0D108BD9-81ED-4DB2-BD59-A6C34878D82A}">
+                    <a16:rowId xmlns:a16="http://schemas.microsoft.com/office/drawing/2014/main" val="2854291080"/>
+                  </a:ext>
+                </a:extLst>
+              </a:tr>
+              <a:tr h="567063">
+                <a:tc>
+                  <a:txBody>
+                    <a:bodyPr/>
+                    <a:lstStyle/>
+                    <a:p>
+                      <a:pPr algn="ctr" latinLnBrk="1"/>
+                      <a:r>
+                        <a:rPr lang="ko-KR" altLang="en-US" sz="1400" dirty="0">
+                          <a:latin typeface="-윤고딕320" panose="02030504000101010101" pitchFamily="18" charset="-127"/>
+                          <a:ea typeface="-윤고딕320" panose="02030504000101010101" pitchFamily="18" charset="-127"/>
+                        </a:rPr>
+                        <a:t>게임</a:t>
+                      </a:r>
+                      <a:endParaRPr lang="en-US" altLang="ko-KR" sz="1400" dirty="0">
+                        <a:latin typeface="-윤고딕320" panose="02030504000101010101" pitchFamily="18" charset="-127"/>
+                        <a:ea typeface="-윤고딕320" panose="02030504000101010101" pitchFamily="18" charset="-127"/>
+                      </a:endParaRPr>
+                    </a:p>
+                    <a:p>
+                      <a:pPr algn="ctr" latinLnBrk="1"/>
+                      <a:r>
+                        <a:rPr lang="ko-KR" altLang="en-US" sz="1400" dirty="0">
+                          <a:latin typeface="-윤고딕320" panose="02030504000101010101" pitchFamily="18" charset="-127"/>
+                          <a:ea typeface="-윤고딕320" panose="02030504000101010101" pitchFamily="18" charset="-127"/>
+                        </a:rPr>
+                        <a:t>핵심 기능</a:t>
+                      </a:r>
+                    </a:p>
+                  </a:txBody>
+                  <a:tcPr marL="80010" marR="80010" marT="40005" marB="40005" anchor="ctr"/>
+                </a:tc>
+                <a:tc>
+                  <a:txBody>
+                    <a:bodyPr/>
+                    <a:lstStyle/>
+                    <a:p>
+                      <a:pPr latinLnBrk="1"/>
+                      <a:r>
+                        <a:rPr lang="ko-KR" altLang="en-US" sz="1400" dirty="0">
+                          <a:latin typeface="-윤고딕310" panose="02030504000101010101" pitchFamily="18" charset="-127"/>
+                          <a:ea typeface="-윤고딕310" panose="02030504000101010101" pitchFamily="18" charset="-127"/>
+                        </a:rPr>
+                        <a:t> 중력과 충돌 시스템</a:t>
+                      </a:r>
+                      <a:r>
+                        <a:rPr lang="en-US" altLang="ko-KR" sz="1400" dirty="0">
+                          <a:latin typeface="-윤고딕310" panose="02030504000101010101" pitchFamily="18" charset="-127"/>
+                          <a:ea typeface="-윤고딕310" panose="02030504000101010101" pitchFamily="18" charset="-127"/>
+                        </a:rPr>
+                        <a:t>, </a:t>
+                      </a:r>
+                      <a:r>
+                        <a:rPr lang="ko-KR" altLang="en-US" sz="1400" dirty="0">
+                          <a:latin typeface="-윤고딕310" panose="02030504000101010101" pitchFamily="18" charset="-127"/>
+                          <a:ea typeface="-윤고딕310" panose="02030504000101010101" pitchFamily="18" charset="-127"/>
+                        </a:rPr>
+                        <a:t>실제 단위에 기반한 움직임과 시간</a:t>
+                      </a:r>
+                      <a:r>
+                        <a:rPr lang="en-US" altLang="ko-KR" sz="1400" dirty="0">
+                          <a:latin typeface="-윤고딕310" panose="02030504000101010101" pitchFamily="18" charset="-127"/>
+                          <a:ea typeface="-윤고딕310" panose="02030504000101010101" pitchFamily="18" charset="-127"/>
+                        </a:rPr>
+                        <a:t>.</a:t>
+                      </a:r>
+                    </a:p>
+                    <a:p>
+                      <a:pPr latinLnBrk="1"/>
+                      <a:r>
+                        <a:rPr lang="ko-KR" altLang="en-US" sz="1400" dirty="0">
+                          <a:latin typeface="-윤고딕310" panose="02030504000101010101" pitchFamily="18" charset="-127"/>
+                          <a:ea typeface="-윤고딕310" panose="02030504000101010101" pitchFamily="18" charset="-127"/>
+                        </a:rPr>
+                        <a:t>스테이지마다 제한  시간이 있다</a:t>
+                      </a:r>
+                      <a:r>
+                        <a:rPr lang="en-US" altLang="ko-KR" sz="1400" dirty="0">
+                          <a:latin typeface="-윤고딕310" panose="02030504000101010101" pitchFamily="18" charset="-127"/>
+                          <a:ea typeface="-윤고딕310" panose="02030504000101010101" pitchFamily="18" charset="-127"/>
+                        </a:rPr>
+                        <a:t>.</a:t>
+                      </a:r>
+                      <a:endParaRPr lang="ko-KR" altLang="en-US" sz="1400" dirty="0">
+                        <a:latin typeface="-윤고딕310" panose="02030504000101010101" pitchFamily="18" charset="-127"/>
+                        <a:ea typeface="-윤고딕310" panose="02030504000101010101" pitchFamily="18" charset="-127"/>
+                      </a:endParaRPr>
+                    </a:p>
+                  </a:txBody>
+                  <a:tcPr marL="80010" marR="80010" marT="40005" marB="40005"/>
+                </a:tc>
+                <a:extLst>
+                  <a:ext uri="{0D108BD9-81ED-4DB2-BD59-A6C34878D82A}">
+                    <a16:rowId xmlns:a16="http://schemas.microsoft.com/office/drawing/2014/main" val="1194299463"/>
+                  </a:ext>
+                </a:extLst>
+              </a:tr>
+              <a:tr h="567063">
+                <a:tc>
+                  <a:txBody>
+                    <a:bodyPr/>
+                    <a:lstStyle/>
+                    <a:p>
+                      <a:pPr algn="ctr" latinLnBrk="1"/>
+                      <a:r>
+                        <a:rPr lang="ko-KR" altLang="en-US" sz="1400" dirty="0">
+                          <a:latin typeface="-윤고딕320" panose="02030504000101010101" pitchFamily="18" charset="-127"/>
+                          <a:ea typeface="-윤고딕320" panose="02030504000101010101" pitchFamily="18" charset="-127"/>
+                        </a:rPr>
+                        <a:t>게임 연출</a:t>
+                      </a:r>
+                    </a:p>
+                  </a:txBody>
+                  <a:tcPr marL="80010" marR="80010" marT="40005" marB="40005" anchor="ctr"/>
+                </a:tc>
+                <a:tc>
+                  <a:txBody>
+                    <a:bodyPr/>
+                    <a:lstStyle/>
+                    <a:p>
+                      <a:pPr latinLnBrk="1"/>
+                      <a:r>
+                        <a:rPr lang="en-US" altLang="ko-KR" sz="1400" dirty="0">
+                          <a:latin typeface="-윤고딕310" panose="02030504000101010101" pitchFamily="18" charset="-127"/>
+                          <a:ea typeface="-윤고딕310" panose="02030504000101010101" pitchFamily="18" charset="-127"/>
+                        </a:rPr>
+                        <a:t> NPC </a:t>
+                      </a:r>
+                      <a:r>
+                        <a:rPr lang="ko-KR" altLang="en-US" sz="1400" dirty="0">
+                          <a:latin typeface="-윤고딕310" panose="02030504000101010101" pitchFamily="18" charset="-127"/>
+                          <a:ea typeface="-윤고딕310" panose="02030504000101010101" pitchFamily="18" charset="-127"/>
+                        </a:rPr>
+                        <a:t>의 대화 메시지 띄우기</a:t>
+                      </a:r>
+                      <a:r>
+                        <a:rPr lang="en-US" altLang="ko-KR" sz="1400" dirty="0">
+                          <a:latin typeface="-윤고딕310" panose="02030504000101010101" pitchFamily="18" charset="-127"/>
+                          <a:ea typeface="-윤고딕310" panose="02030504000101010101" pitchFamily="18" charset="-127"/>
+                        </a:rPr>
+                        <a:t>, </a:t>
+                      </a:r>
+                      <a:r>
+                        <a:rPr lang="ko-KR" altLang="en-US" sz="1400" dirty="0">
+                          <a:latin typeface="-윤고딕310" panose="02030504000101010101" pitchFamily="18" charset="-127"/>
+                          <a:ea typeface="-윤고딕310" panose="02030504000101010101" pitchFamily="18" charset="-127"/>
+                        </a:rPr>
+                        <a:t>게임 진행 중 이벤트 발생</a:t>
+                      </a:r>
+                      <a:r>
+                        <a:rPr lang="en-US" altLang="ko-KR" sz="1400" dirty="0">
+                          <a:latin typeface="-윤고딕310" panose="02030504000101010101" pitchFamily="18" charset="-127"/>
+                          <a:ea typeface="-윤고딕310" panose="02030504000101010101" pitchFamily="18" charset="-127"/>
+                        </a:rPr>
+                        <a:t>.</a:t>
+                      </a:r>
+                    </a:p>
+                    <a:p>
+                      <a:pPr latinLnBrk="1"/>
+                      <a:r>
+                        <a:rPr lang="ko-KR" altLang="en-US" sz="1400" dirty="0">
+                          <a:latin typeface="-윤고딕310" panose="02030504000101010101" pitchFamily="18" charset="-127"/>
+                          <a:ea typeface="-윤고딕310" panose="02030504000101010101" pitchFamily="18" charset="-127"/>
+                        </a:rPr>
+                        <a:t>개체가 죽거나 데미지를 받을 시 출혈 효과 발생</a:t>
+                      </a:r>
+                      <a:r>
+                        <a:rPr lang="en-US" altLang="ko-KR" sz="1400" dirty="0">
+                          <a:latin typeface="-윤고딕310" panose="02030504000101010101" pitchFamily="18" charset="-127"/>
+                          <a:ea typeface="-윤고딕310" panose="02030504000101010101" pitchFamily="18" charset="-127"/>
+                        </a:rPr>
+                        <a:t>,</a:t>
+                      </a:r>
+                    </a:p>
+                  </a:txBody>
+                  <a:tcPr marL="80010" marR="80010" marT="40005" marB="40005"/>
+                </a:tc>
+                <a:extLst>
+                  <a:ext uri="{0D108BD9-81ED-4DB2-BD59-A6C34878D82A}">
+                    <a16:rowId xmlns:a16="http://schemas.microsoft.com/office/drawing/2014/main" val="2345408676"/>
+                  </a:ext>
+                </a:extLst>
+              </a:tr>
+              <a:tr h="567063">
+                <a:tc>
+                  <a:txBody>
+                    <a:bodyPr/>
+                    <a:lstStyle/>
+                    <a:p>
+                      <a:pPr algn="ctr" latinLnBrk="1"/>
+                      <a:r>
+                        <a:rPr lang="ko-KR" altLang="en-US" sz="1400" dirty="0">
+                          <a:latin typeface="-윤고딕320" panose="02030504000101010101" pitchFamily="18" charset="-127"/>
+                          <a:ea typeface="-윤고딕320" panose="02030504000101010101" pitchFamily="18" charset="-127"/>
+                        </a:rPr>
+                        <a:t>맵 테마와</a:t>
+                      </a:r>
+                      <a:endParaRPr lang="en-US" altLang="ko-KR" sz="1400" dirty="0">
+                        <a:latin typeface="-윤고딕320" panose="02030504000101010101" pitchFamily="18" charset="-127"/>
+                        <a:ea typeface="-윤고딕320" panose="02030504000101010101" pitchFamily="18" charset="-127"/>
+                      </a:endParaRPr>
+                    </a:p>
+                    <a:p>
+                      <a:pPr algn="ctr" latinLnBrk="1"/>
+                      <a:r>
+                        <a:rPr lang="ko-KR" altLang="en-US" sz="1400" dirty="0">
+                          <a:latin typeface="-윤고딕320" panose="02030504000101010101" pitchFamily="18" charset="-127"/>
+                          <a:ea typeface="-윤고딕320" panose="02030504000101010101" pitchFamily="18" charset="-127"/>
+                        </a:rPr>
+                        <a:t>스테이지</a:t>
+                      </a:r>
+                    </a:p>
+                  </a:txBody>
+                  <a:tcPr marL="80010" marR="80010" marT="40005" marB="40005" anchor="ctr"/>
+                </a:tc>
+                <a:tc>
+                  <a:txBody>
+                    <a:bodyPr/>
+                    <a:lstStyle/>
+                    <a:p>
+                      <a:pPr latinLnBrk="1"/>
+                      <a:r>
+                        <a:rPr lang="en-US" altLang="ko-KR" sz="1400" dirty="0">
+                          <a:latin typeface="-윤고딕310" panose="02030504000101010101" pitchFamily="18" charset="-127"/>
+                          <a:ea typeface="-윤고딕310" panose="02030504000101010101" pitchFamily="18" charset="-127"/>
+                        </a:rPr>
+                        <a:t> </a:t>
+                      </a:r>
+                      <a:r>
+                        <a:rPr lang="ko-KR" altLang="en-US" sz="1400" dirty="0">
+                          <a:latin typeface="-윤고딕310" panose="02030504000101010101" pitchFamily="18" charset="-127"/>
+                          <a:ea typeface="-윤고딕310" panose="02030504000101010101" pitchFamily="18" charset="-127"/>
+                        </a:rPr>
+                        <a:t>스테이지 마다 등장 </a:t>
+                      </a:r>
+                      <a:r>
+                        <a:rPr lang="en-US" altLang="ko-KR" sz="1400" dirty="0">
+                          <a:latin typeface="-윤고딕310" panose="02030504000101010101" pitchFamily="18" charset="-127"/>
+                          <a:ea typeface="-윤고딕310" panose="02030504000101010101" pitchFamily="18" charset="-127"/>
+                        </a:rPr>
+                        <a:t>NPC </a:t>
+                      </a:r>
+                      <a:r>
+                        <a:rPr lang="ko-KR" altLang="en-US" sz="1400" dirty="0">
+                          <a:latin typeface="-윤고딕310" panose="02030504000101010101" pitchFamily="18" charset="-127"/>
+                          <a:ea typeface="-윤고딕310" panose="02030504000101010101" pitchFamily="18" charset="-127"/>
+                        </a:rPr>
+                        <a:t>와 아이템이 다르다</a:t>
+                      </a:r>
+                      <a:r>
+                        <a:rPr lang="en-US" altLang="ko-KR" sz="1400" dirty="0">
+                          <a:latin typeface="-윤고딕310" panose="02030504000101010101" pitchFamily="18" charset="-127"/>
+                          <a:ea typeface="-윤고딕310" panose="02030504000101010101" pitchFamily="18" charset="-127"/>
+                        </a:rPr>
+                        <a:t>.</a:t>
+                      </a:r>
+                      <a:r>
+                        <a:rPr lang="ko-KR" altLang="en-US" sz="1400" dirty="0">
+                          <a:latin typeface="-윤고딕310" panose="02030504000101010101" pitchFamily="18" charset="-127"/>
+                          <a:ea typeface="-윤고딕310" panose="02030504000101010101" pitchFamily="18" charset="-127"/>
+                        </a:rPr>
+                        <a:t> 마을</a:t>
+                      </a:r>
+                      <a:r>
+                        <a:rPr lang="en-US" altLang="ko-KR" sz="1400" dirty="0">
+                          <a:latin typeface="-윤고딕310" panose="02030504000101010101" pitchFamily="18" charset="-127"/>
+                          <a:ea typeface="-윤고딕310" panose="02030504000101010101" pitchFamily="18" charset="-127"/>
+                        </a:rPr>
+                        <a:t>, </a:t>
+                      </a:r>
+                      <a:r>
+                        <a:rPr lang="ko-KR" altLang="en-US" sz="1400" dirty="0">
+                          <a:latin typeface="-윤고딕310" panose="02030504000101010101" pitchFamily="18" charset="-127"/>
+                          <a:ea typeface="-윤고딕310" panose="02030504000101010101" pitchFamily="18" charset="-127"/>
+                        </a:rPr>
+                        <a:t>숲</a:t>
+                      </a:r>
+                      <a:r>
+                        <a:rPr lang="en-US" altLang="ko-KR" sz="1400" dirty="0">
+                          <a:latin typeface="-윤고딕310" panose="02030504000101010101" pitchFamily="18" charset="-127"/>
+                          <a:ea typeface="-윤고딕310" panose="02030504000101010101" pitchFamily="18" charset="-127"/>
+                        </a:rPr>
+                        <a:t>, </a:t>
+                      </a:r>
+                      <a:r>
+                        <a:rPr lang="ko-KR" altLang="en-US" sz="1400" dirty="0">
+                          <a:latin typeface="-윤고딕310" panose="02030504000101010101" pitchFamily="18" charset="-127"/>
+                          <a:ea typeface="-윤고딕310" panose="02030504000101010101" pitchFamily="18" charset="-127"/>
+                        </a:rPr>
+                        <a:t>도시</a:t>
+                      </a:r>
+                      <a:r>
+                        <a:rPr lang="en-US" altLang="ko-KR" sz="1400" dirty="0">
+                          <a:latin typeface="-윤고딕310" panose="02030504000101010101" pitchFamily="18" charset="-127"/>
+                          <a:ea typeface="-윤고딕310" panose="02030504000101010101" pitchFamily="18" charset="-127"/>
+                        </a:rPr>
+                        <a:t> </a:t>
+                      </a:r>
+                      <a:r>
+                        <a:rPr lang="ko-KR" altLang="en-US" sz="1400" dirty="0">
+                          <a:latin typeface="-윤고딕310" panose="02030504000101010101" pitchFamily="18" charset="-127"/>
+                          <a:ea typeface="-윤고딕310" panose="02030504000101010101" pitchFamily="18" charset="-127"/>
+                        </a:rPr>
+                        <a:t>등이 있다</a:t>
+                      </a:r>
+                      <a:r>
+                        <a:rPr lang="en-US" altLang="ko-KR" sz="1400" dirty="0">
+                          <a:latin typeface="-윤고딕310" panose="02030504000101010101" pitchFamily="18" charset="-127"/>
+                          <a:ea typeface="-윤고딕310" panose="02030504000101010101" pitchFamily="18" charset="-127"/>
+                        </a:rPr>
+                        <a:t>.</a:t>
+                      </a:r>
+                    </a:p>
+                  </a:txBody>
+                  <a:tcPr marL="80010" marR="80010" marT="40005" marB="40005"/>
+                </a:tc>
+                <a:extLst>
+                  <a:ext uri="{0D108BD9-81ED-4DB2-BD59-A6C34878D82A}">
+                    <a16:rowId xmlns:a16="http://schemas.microsoft.com/office/drawing/2014/main" val="132467065"/>
+                  </a:ext>
+                </a:extLst>
+              </a:tr>
+              <a:tr h="567063">
+                <a:tc>
+                  <a:txBody>
+                    <a:bodyPr/>
+                    <a:lstStyle/>
+                    <a:p>
+                      <a:pPr algn="ctr" latinLnBrk="1"/>
+                      <a:r>
+                        <a:rPr lang="ko-KR" altLang="en-US" sz="1400" dirty="0">
+                          <a:latin typeface="-윤고딕320" panose="02030504000101010101" pitchFamily="18" charset="-127"/>
+                          <a:ea typeface="-윤고딕320" panose="02030504000101010101" pitchFamily="18" charset="-127"/>
+                        </a:rPr>
+                        <a:t>적과 </a:t>
+                      </a:r>
+                      <a:r>
+                        <a:rPr lang="en-US" altLang="ko-KR" sz="1400" dirty="0">
+                          <a:latin typeface="-윤고딕320" panose="02030504000101010101" pitchFamily="18" charset="-127"/>
+                          <a:ea typeface="-윤고딕320" panose="02030504000101010101" pitchFamily="18" charset="-127"/>
+                        </a:rPr>
+                        <a:t>NPC</a:t>
+                      </a:r>
+                      <a:endParaRPr lang="ko-KR" altLang="en-US" sz="1400" dirty="0">
+                        <a:latin typeface="-윤고딕320" panose="02030504000101010101" pitchFamily="18" charset="-127"/>
+                        <a:ea typeface="-윤고딕320" panose="02030504000101010101" pitchFamily="18" charset="-127"/>
+                      </a:endParaRPr>
+                    </a:p>
+                  </a:txBody>
+                  <a:tcPr marL="80010" marR="80010" marT="40005" marB="40005" anchor="ctr"/>
+                </a:tc>
+                <a:tc>
+                  <a:txBody>
+                    <a:bodyPr/>
+                    <a:lstStyle/>
+                    <a:p>
+                      <a:pPr latinLnBrk="1"/>
+                      <a:r>
+                        <a:rPr lang="en-US" altLang="ko-KR" sz="1400" dirty="0">
+                          <a:latin typeface="-윤고딕310" panose="02030504000101010101" pitchFamily="18" charset="-127"/>
+                          <a:ea typeface="-윤고딕310" panose="02030504000101010101" pitchFamily="18" charset="-127"/>
+                        </a:rPr>
+                        <a:t> NPC </a:t>
+                      </a:r>
+                      <a:r>
+                        <a:rPr lang="ko-KR" altLang="en-US" sz="1400" dirty="0">
+                          <a:latin typeface="-윤고딕310" panose="02030504000101010101" pitchFamily="18" charset="-127"/>
+                          <a:ea typeface="-윤고딕310" panose="02030504000101010101" pitchFamily="18" charset="-127"/>
+                        </a:rPr>
+                        <a:t>들은 가만히 있거나</a:t>
+                      </a:r>
+                      <a:r>
+                        <a:rPr lang="en-US" altLang="ko-KR" sz="1400" dirty="0">
+                          <a:latin typeface="-윤고딕310" panose="02030504000101010101" pitchFamily="18" charset="-127"/>
+                          <a:ea typeface="-윤고딕310" panose="02030504000101010101" pitchFamily="18" charset="-127"/>
+                        </a:rPr>
+                        <a:t>, </a:t>
+                      </a:r>
+                      <a:r>
+                        <a:rPr lang="ko-KR" altLang="en-US" sz="1400" dirty="0">
+                          <a:latin typeface="-윤고딕310" panose="02030504000101010101" pitchFamily="18" charset="-127"/>
+                          <a:ea typeface="-윤고딕310" panose="02030504000101010101" pitchFamily="18" charset="-127"/>
+                        </a:rPr>
+                        <a:t>좌우로 이동하거나</a:t>
+                      </a:r>
+                      <a:r>
+                        <a:rPr lang="en-US" altLang="ko-KR" sz="1400" dirty="0">
+                          <a:latin typeface="-윤고딕310" panose="02030504000101010101" pitchFamily="18" charset="-127"/>
+                          <a:ea typeface="-윤고딕310" panose="02030504000101010101" pitchFamily="18" charset="-127"/>
+                        </a:rPr>
+                        <a:t>, </a:t>
+                      </a:r>
+                      <a:r>
+                        <a:rPr lang="ko-KR" altLang="en-US" sz="1400" dirty="0">
+                          <a:latin typeface="-윤고딕310" panose="02030504000101010101" pitchFamily="18" charset="-127"/>
+                          <a:ea typeface="-윤고딕310" panose="02030504000101010101" pitchFamily="18" charset="-127"/>
+                        </a:rPr>
+                        <a:t>플레이어를 따라오는 단순한 인공지능을 갖고 있다</a:t>
+                      </a:r>
+                      <a:r>
+                        <a:rPr lang="en-US" altLang="ko-KR" sz="1400" dirty="0">
+                          <a:latin typeface="-윤고딕310" panose="02030504000101010101" pitchFamily="18" charset="-127"/>
+                          <a:ea typeface="-윤고딕310" panose="02030504000101010101" pitchFamily="18" charset="-127"/>
+                        </a:rPr>
+                        <a:t>.</a:t>
+                      </a:r>
+                      <a:endParaRPr lang="ko-KR" altLang="en-US" sz="1400" dirty="0">
+                        <a:latin typeface="-윤고딕310" panose="02030504000101010101" pitchFamily="18" charset="-127"/>
+                        <a:ea typeface="-윤고딕310" panose="02030504000101010101" pitchFamily="18" charset="-127"/>
+                      </a:endParaRPr>
+                    </a:p>
+                  </a:txBody>
+                  <a:tcPr marL="80010" marR="80010" marT="40005" marB="40005"/>
+                </a:tc>
+                <a:extLst>
+                  <a:ext uri="{0D108BD9-81ED-4DB2-BD59-A6C34878D82A}">
+                    <a16:rowId xmlns:a16="http://schemas.microsoft.com/office/drawing/2014/main" val="2060674530"/>
+                  </a:ext>
+                </a:extLst>
+              </a:tr>
+              <a:tr h="567063">
+                <a:tc>
+                  <a:txBody>
+                    <a:bodyPr/>
+                    <a:lstStyle/>
+                    <a:p>
+                      <a:pPr algn="ctr" latinLnBrk="1"/>
+                      <a:r>
+                        <a:rPr lang="ko-KR" altLang="en-US" sz="1400" dirty="0">
+                          <a:latin typeface="-윤고딕320" panose="02030504000101010101" pitchFamily="18" charset="-127"/>
+                          <a:ea typeface="-윤고딕320" panose="02030504000101010101" pitchFamily="18" charset="-127"/>
+                        </a:rPr>
+                        <a:t>그래픽</a:t>
+                      </a:r>
+                    </a:p>
+                  </a:txBody>
+                  <a:tcPr marL="80010" marR="80010" marT="40005" marB="40005" anchor="ctr"/>
+                </a:tc>
+                <a:tc>
+                  <a:txBody>
+                    <a:bodyPr/>
+                    <a:lstStyle/>
+                    <a:p>
+                      <a:pPr latinLnBrk="1"/>
+                      <a:r>
+                        <a:rPr lang="en-US" altLang="ko-KR" sz="1400" dirty="0">
+                          <a:latin typeface="-윤고딕310" panose="02030504000101010101" pitchFamily="18" charset="-127"/>
+                          <a:ea typeface="-윤고딕310" panose="02030504000101010101" pitchFamily="18" charset="-127"/>
+                        </a:rPr>
+                        <a:t> </a:t>
+                      </a:r>
+                      <a:r>
+                        <a:rPr lang="ko-KR" altLang="en-US" sz="1400" dirty="0">
+                          <a:latin typeface="-윤고딕310" panose="02030504000101010101" pitchFamily="18" charset="-127"/>
+                          <a:ea typeface="-윤고딕310" panose="02030504000101010101" pitchFamily="18" charset="-127"/>
+                        </a:rPr>
+                        <a:t>테마 별로 </a:t>
+                      </a:r>
+                      <a:r>
+                        <a:rPr lang="en-US" altLang="ko-KR" sz="1400" dirty="0">
+                          <a:latin typeface="-윤고딕310" panose="02030504000101010101" pitchFamily="18" charset="-127"/>
+                          <a:ea typeface="-윤고딕310" panose="02030504000101010101" pitchFamily="18" charset="-127"/>
+                        </a:rPr>
+                        <a:t>3</a:t>
+                      </a:r>
+                      <a:r>
+                        <a:rPr lang="ko-KR" altLang="en-US" sz="1400" dirty="0">
+                          <a:latin typeface="-윤고딕310" panose="02030504000101010101" pitchFamily="18" charset="-127"/>
+                          <a:ea typeface="-윤고딕310" panose="02030504000101010101" pitchFamily="18" charset="-127"/>
+                        </a:rPr>
+                        <a:t>개 정도의 블록 그래픽과 하나의 배경 그래픽</a:t>
+                      </a:r>
+                      <a:r>
+                        <a:rPr lang="en-US" altLang="ko-KR" sz="1400" dirty="0">
+                          <a:latin typeface="-윤고딕310" panose="02030504000101010101" pitchFamily="18" charset="-127"/>
+                          <a:ea typeface="-윤고딕310" panose="02030504000101010101" pitchFamily="18" charset="-127"/>
+                        </a:rPr>
+                        <a:t>.</a:t>
+                      </a:r>
+                      <a:endParaRPr lang="ko-KR" altLang="en-US" sz="1400" dirty="0">
+                        <a:latin typeface="-윤고딕310" panose="02030504000101010101" pitchFamily="18" charset="-127"/>
+                        <a:ea typeface="-윤고딕310" panose="02030504000101010101" pitchFamily="18" charset="-127"/>
+                      </a:endParaRPr>
+                    </a:p>
+                  </a:txBody>
+                  <a:tcPr marL="80010" marR="80010" marT="40005" marB="40005"/>
+                </a:tc>
+                <a:extLst>
+                  <a:ext uri="{0D108BD9-81ED-4DB2-BD59-A6C34878D82A}">
+                    <a16:rowId xmlns:a16="http://schemas.microsoft.com/office/drawing/2014/main" val="1182672815"/>
+                  </a:ext>
+                </a:extLst>
+              </a:tr>
+              <a:tr h="567063">
+                <a:tc>
+                  <a:txBody>
+                    <a:bodyPr/>
+                    <a:lstStyle/>
+                    <a:p>
+                      <a:pPr algn="ctr" latinLnBrk="1"/>
+                      <a:r>
+                        <a:rPr lang="ko-KR" altLang="en-US" sz="1400" dirty="0">
+                          <a:latin typeface="-윤고딕320" panose="02030504000101010101" pitchFamily="18" charset="-127"/>
+                          <a:ea typeface="-윤고딕320" panose="02030504000101010101" pitchFamily="18" charset="-127"/>
+                        </a:rPr>
+                        <a:t>사운드</a:t>
+                      </a:r>
+                    </a:p>
+                  </a:txBody>
+                  <a:tcPr marL="80010" marR="80010" marT="40005" marB="40005" anchor="ctr"/>
+                </a:tc>
+                <a:tc>
+                  <a:txBody>
+                    <a:bodyPr/>
+                    <a:lstStyle/>
+                    <a:p>
+                      <a:pPr latinLnBrk="1"/>
+                      <a:r>
+                        <a:rPr lang="en-US" altLang="ko-KR" sz="1400" dirty="0">
+                          <a:latin typeface="-윤고딕310" panose="02030504000101010101" pitchFamily="18" charset="-127"/>
+                          <a:ea typeface="-윤고딕310" panose="02030504000101010101" pitchFamily="18" charset="-127"/>
+                        </a:rPr>
+                        <a:t> NPC</a:t>
+                      </a:r>
+                      <a:r>
+                        <a:rPr lang="ko-KR" altLang="en-US" sz="1400" dirty="0">
+                          <a:latin typeface="-윤고딕310" panose="02030504000101010101" pitchFamily="18" charset="-127"/>
+                          <a:ea typeface="-윤고딕310" panose="02030504000101010101" pitchFamily="18" charset="-127"/>
+                        </a:rPr>
+                        <a:t> 별로 죽는 소리</a:t>
+                      </a:r>
+                      <a:r>
+                        <a:rPr lang="en-US" altLang="ko-KR" sz="1400" dirty="0">
+                          <a:latin typeface="-윤고딕310" panose="02030504000101010101" pitchFamily="18" charset="-127"/>
+                          <a:ea typeface="-윤고딕310" panose="02030504000101010101" pitchFamily="18" charset="-127"/>
+                        </a:rPr>
+                        <a:t>, UI </a:t>
+                      </a:r>
+                      <a:r>
+                        <a:rPr lang="ko-KR" altLang="en-US" sz="1400" dirty="0">
+                          <a:latin typeface="-윤고딕310" panose="02030504000101010101" pitchFamily="18" charset="-127"/>
+                          <a:ea typeface="-윤고딕310" panose="02030504000101010101" pitchFamily="18" charset="-127"/>
+                        </a:rPr>
+                        <a:t>와 효과음 등을 포함해서 </a:t>
+                      </a:r>
+                      <a:r>
+                        <a:rPr lang="en-US" altLang="ko-KR" sz="1400" dirty="0">
+                          <a:latin typeface="-윤고딕310" panose="02030504000101010101" pitchFamily="18" charset="-127"/>
+                          <a:ea typeface="-윤고딕310" panose="02030504000101010101" pitchFamily="18" charset="-127"/>
+                        </a:rPr>
+                        <a:t>20</a:t>
+                      </a:r>
+                      <a:r>
+                        <a:rPr lang="ko-KR" altLang="en-US" sz="1400" dirty="0">
+                          <a:latin typeface="-윤고딕310" panose="02030504000101010101" pitchFamily="18" charset="-127"/>
+                          <a:ea typeface="-윤고딕310" panose="02030504000101010101" pitchFamily="18" charset="-127"/>
+                        </a:rPr>
+                        <a:t>가지 정도</a:t>
+                      </a:r>
+                      <a:r>
+                        <a:rPr lang="en-US" altLang="ko-KR" sz="1400" dirty="0">
+                          <a:latin typeface="-윤고딕310" panose="02030504000101010101" pitchFamily="18" charset="-127"/>
+                          <a:ea typeface="-윤고딕310" panose="02030504000101010101" pitchFamily="18" charset="-127"/>
+                        </a:rPr>
+                        <a:t>.</a:t>
+                      </a:r>
+                      <a:endParaRPr lang="ko-KR" altLang="en-US" sz="1400" dirty="0">
+                        <a:latin typeface="-윤고딕310" panose="02030504000101010101" pitchFamily="18" charset="-127"/>
+                        <a:ea typeface="-윤고딕310" panose="02030504000101010101" pitchFamily="18" charset="-127"/>
+                      </a:endParaRPr>
+                    </a:p>
+                  </a:txBody>
+                  <a:tcPr marL="80010" marR="80010" marT="40005" marB="40005"/>
+                </a:tc>
+                <a:extLst>
+                  <a:ext uri="{0D108BD9-81ED-4DB2-BD59-A6C34878D82A}">
+                    <a16:rowId xmlns:a16="http://schemas.microsoft.com/office/drawing/2014/main" val="1488941561"/>
+                  </a:ext>
+                </a:extLst>
+              </a:tr>
+            </a:tbl>
+          </a:graphicData>
+        </a:graphic>
+      </p:graphicFrame>
     </p:spTree>
     <p:extLst>
       <p:ext uri="{BB962C8B-B14F-4D97-AF65-F5344CB8AC3E}">
-        <p14:creationId xmlns:p14="http://schemas.microsoft.com/office/powerpoint/2010/main" val="826052931"/>
+        <p14:creationId xmlns:p14="http://schemas.microsoft.com/office/powerpoint/2010/main" val="1539064444"/>
       </p:ext>
     </p:extLst>
   </p:cSld>
@@ -10544,56 +10559,6 @@
           </a:p>
         </p:txBody>
       </p:sp>
-      <p:sp>
-        <p:nvSpPr>
-          <p:cNvPr id="2" name="제목 1">
-            <a:extLst>
-              <a:ext uri="{FF2B5EF4-FFF2-40B4-BE49-F238E27FC236}">
-                <a16:creationId xmlns:a16="http://schemas.microsoft.com/office/drawing/2014/main" id="{21E6DDB8-4DB0-42D2-9593-6E35D24E009B}"/>
-              </a:ext>
-            </a:extLst>
-          </p:cNvPr>
-          <p:cNvSpPr>
-            <a:spLocks noGrp="1"/>
-          </p:cNvSpPr>
-          <p:nvPr>
-            <p:ph type="title"/>
-          </p:nvPr>
-        </p:nvSpPr>
-        <p:spPr>
-          <a:xfrm>
-            <a:off x="1176866" y="260648"/>
-            <a:ext cx="6798734" cy="713463"/>
-          </a:xfrm>
-        </p:spPr>
-        <p:txBody>
-          <a:bodyPr anchor="t"/>
-          <a:lstStyle/>
-          <a:p>
-            <a:pPr algn="l"/>
-            <a:r>
-              <a:rPr lang="en-US" altLang="ko-KR" dirty="0">
-                <a:solidFill>
-                  <a:srgbClr val="336699"/>
-                </a:solidFill>
-                <a:latin typeface="나눔고딕 ExtraBold" panose="020D0904000000000000" pitchFamily="50" charset="-127"/>
-                <a:ea typeface="나눔고딕 ExtraBold" panose="020D0904000000000000" pitchFamily="50" charset="-127"/>
-              </a:rPr>
-              <a:t>	</a:t>
-            </a:r>
-            <a:r>
-              <a:rPr lang="ko-KR" altLang="en-US" dirty="0">
-                <a:solidFill>
-                  <a:srgbClr val="336699"/>
-                </a:solidFill>
-                <a:latin typeface="나눔고딕 ExtraBold" panose="020D0904000000000000" pitchFamily="50" charset="-127"/>
-                <a:ea typeface="나눔고딕 ExtraBold" panose="020D0904000000000000" pitchFamily="50" charset="-127"/>
-              </a:rPr>
-              <a:t>개발 상황</a:t>
-            </a:r>
-          </a:p>
-        </p:txBody>
-      </p:sp>
       <p:graphicFrame>
         <p:nvGraphicFramePr>
           <p:cNvPr id="5" name="내용 개체 틀 5">
@@ -10609,14 +10574,14 @@
           <p:nvPr>
             <p:extLst>
               <p:ext uri="{D42A27DB-BD31-4B8C-83A1-F6EECF244321}">
-                <p14:modId xmlns:p14="http://schemas.microsoft.com/office/powerpoint/2010/main" val="3478048616"/>
+                <p14:modId xmlns:p14="http://schemas.microsoft.com/office/powerpoint/2010/main" val="2675710969"/>
               </p:ext>
             </p:extLst>
           </p:nvPr>
         </p:nvGraphicFramePr>
         <p:xfrm>
-          <a:off x="323528" y="1412776"/>
-          <a:ext cx="8244212" cy="5184576"/>
+          <a:off x="457200" y="1600200"/>
+          <a:ext cx="8150353" cy="5061177"/>
         </p:xfrm>
         <a:graphic>
           <a:graphicData uri="http://schemas.openxmlformats.org/drawingml/2006/table">
@@ -10625,21 +10590,21 @@
                 <a:tableStyleId>{00A15C55-8517-42AA-B614-E9B94910E393}</a:tableStyleId>
               </a:tblPr>
               <a:tblGrid>
-                <a:gridCol w="792088">
+                <a:gridCol w="946448">
                   <a:extLst>
                     <a:ext uri="{9D8B030D-6E8A-4147-A177-3AD203B41FA5}">
                       <a16:colId xmlns:a16="http://schemas.microsoft.com/office/drawing/2014/main" val="3026215981"/>
                     </a:ext>
                   </a:extLst>
                 </a:gridCol>
-                <a:gridCol w="1080120">
+                <a:gridCol w="1152128">
                   <a:extLst>
                     <a:ext uri="{9D8B030D-6E8A-4147-A177-3AD203B41FA5}">
                       <a16:colId xmlns:a16="http://schemas.microsoft.com/office/drawing/2014/main" val="3107912970"/>
                     </a:ext>
                   </a:extLst>
                 </a:gridCol>
-                <a:gridCol w="6372004">
+                <a:gridCol w="6051777">
                   <a:extLst>
                     <a:ext uri="{9D8B030D-6E8A-4147-A177-3AD203B41FA5}">
                       <a16:colId xmlns:a16="http://schemas.microsoft.com/office/drawing/2014/main" val="1502471586"/>
@@ -10647,7 +10612,7 @@
                   </a:extLst>
                 </a:gridCol>
               </a:tblGrid>
-              <a:tr h="576064">
+              <a:tr h="562353">
                 <a:tc>
                   <a:txBody>
                     <a:bodyPr/>
@@ -10699,7 +10664,7 @@
                   </a:ext>
                 </a:extLst>
               </a:tr>
-              <a:tr h="576064">
+              <a:tr h="562353">
                 <a:tc>
                   <a:txBody>
                     <a:bodyPr/>
@@ -10812,7 +10777,7 @@
                   </a:ext>
                 </a:extLst>
               </a:tr>
-              <a:tr h="576064">
+              <a:tr h="562353">
                 <a:tc>
                   <a:txBody>
                     <a:bodyPr/>
@@ -10911,7 +10876,7 @@
                   </a:ext>
                 </a:extLst>
               </a:tr>
-              <a:tr h="576064">
+              <a:tr h="562353">
                 <a:tc>
                   <a:txBody>
                     <a:bodyPr/>
@@ -10947,7 +10912,20 @@
                           <a:latin typeface="-윤고딕310" panose="02030504000101010101" pitchFamily="18" charset="-127"/>
                           <a:ea typeface="-윤고딕310" panose="02030504000101010101" pitchFamily="18" charset="-127"/>
                         </a:rPr>
-                        <a:t>플레이어 객체</a:t>
+                        <a:t>플레이어</a:t>
+                      </a:r>
+                      <a:br>
+                        <a:rPr lang="en-US" altLang="ko-KR" sz="1500" dirty="0">
+                          <a:latin typeface="-윤고딕310" panose="02030504000101010101" pitchFamily="18" charset="-127"/>
+                          <a:ea typeface="-윤고딕310" panose="02030504000101010101" pitchFamily="18" charset="-127"/>
+                        </a:rPr>
+                      </a:br>
+                      <a:r>
+                        <a:rPr lang="ko-KR" altLang="en-US" sz="1500" dirty="0">
+                          <a:latin typeface="-윤고딕310" panose="02030504000101010101" pitchFamily="18" charset="-127"/>
+                          <a:ea typeface="-윤고딕310" panose="02030504000101010101" pitchFamily="18" charset="-127"/>
+                        </a:rPr>
+                        <a:t>객체</a:t>
                       </a:r>
                       <a:endParaRPr lang="en-US" altLang="ko-KR" sz="1500" dirty="0">
                         <a:latin typeface="-윤고딕310" panose="02030504000101010101" pitchFamily="18" charset="-127"/>
@@ -11028,7 +11006,7 @@
                   </a:ext>
                 </a:extLst>
               </a:tr>
-              <a:tr h="576064">
+              <a:tr h="562353">
                 <a:tc>
                   <a:txBody>
                     <a:bodyPr/>
@@ -11102,14 +11080,42 @@
                           <a:latin typeface="-윤고딕310" panose="02030504000101010101" pitchFamily="18" charset="-127"/>
                           <a:ea typeface="-윤고딕310" panose="02030504000101010101" pitchFamily="18" charset="-127"/>
                         </a:rPr>
-                        <a:t>(90%) </a:t>
+                        <a:t>(70%) </a:t>
                       </a:r>
                       <a:r>
                         <a:rPr lang="ko-KR" altLang="en-US" sz="1400" dirty="0">
                           <a:latin typeface="-윤고딕310" panose="02030504000101010101" pitchFamily="18" charset="-127"/>
                           <a:ea typeface="-윤고딕310" panose="02030504000101010101" pitchFamily="18" charset="-127"/>
                         </a:rPr>
-                        <a:t>객체끼리 충돌 확인도 잘 된다</a:t>
+                        <a:t>객체끼리 충돌</a:t>
+                      </a:r>
+                      <a:r>
+                        <a:rPr lang="en-US" altLang="ko-KR" sz="1400" dirty="0">
+                          <a:latin typeface="-윤고딕310" panose="02030504000101010101" pitchFamily="18" charset="-127"/>
+                          <a:ea typeface="-윤고딕310" panose="02030504000101010101" pitchFamily="18" charset="-127"/>
+                        </a:rPr>
+                        <a:t>, </a:t>
+                      </a:r>
+                      <a:r>
+                        <a:rPr lang="ko-KR" altLang="en-US" sz="1400" dirty="0">
+                          <a:latin typeface="-윤고딕310" panose="02030504000101010101" pitchFamily="18" charset="-127"/>
+                          <a:ea typeface="-윤고딕310" panose="02030504000101010101" pitchFamily="18" charset="-127"/>
+                        </a:rPr>
+                        <a:t>공격</a:t>
+                      </a:r>
+                      <a:r>
+                        <a:rPr lang="en-US" altLang="ko-KR" sz="1400" dirty="0">
+                          <a:latin typeface="-윤고딕310" panose="02030504000101010101" pitchFamily="18" charset="-127"/>
+                          <a:ea typeface="-윤고딕310" panose="02030504000101010101" pitchFamily="18" charset="-127"/>
+                        </a:rPr>
+                        <a:t>, </a:t>
+                      </a:r>
+                      <a:r>
+                        <a:rPr lang="ko-KR" altLang="en-US" sz="1400" dirty="0">
+                          <a:latin typeface="-윤고딕310" panose="02030504000101010101" pitchFamily="18" charset="-127"/>
+                          <a:ea typeface="-윤고딕310" panose="02030504000101010101" pitchFamily="18" charset="-127"/>
+                        </a:rPr>
+                        <a:t>객체 검색</a:t>
                       </a:r>
                       <a:r>
                         <a:rPr lang="en-US" altLang="ko-KR" sz="1400" dirty="0">
@@ -11174,7 +11180,7 @@
                   </a:ext>
                 </a:extLst>
               </a:tr>
-              <a:tr h="576064">
+              <a:tr h="562353">
                 <a:tc>
                   <a:txBody>
                     <a:bodyPr/>
@@ -11316,7 +11322,7 @@
                   </a:ext>
                 </a:extLst>
               </a:tr>
-              <a:tr h="576064">
+              <a:tr h="562353">
                 <a:tc>
                   <a:txBody>
                     <a:bodyPr/>
@@ -11376,7 +11382,7 @@
                   </a:ext>
                 </a:extLst>
               </a:tr>
-              <a:tr h="576064">
+              <a:tr h="562353">
                 <a:tc>
                   <a:txBody>
                     <a:bodyPr/>
@@ -11441,28 +11447,14 @@
                           <a:latin typeface="-윤고딕310" panose="02030504000101010101" pitchFamily="18" charset="-127"/>
                           <a:ea typeface="-윤고딕310" panose="02030504000101010101" pitchFamily="18" charset="-127"/>
                         </a:rPr>
-                        <a:t>(20</a:t>
-                      </a:r>
-                      <a:r>
-                        <a:rPr lang="en-US" altLang="ko-KR" sz="1400">
-                          <a:latin typeface="-윤고딕310" panose="02030504000101010101" pitchFamily="18" charset="-127"/>
-                          <a:ea typeface="-윤고딕310" panose="02030504000101010101" pitchFamily="18" charset="-127"/>
-                        </a:rPr>
-                        <a:t>%) </a:t>
-                      </a:r>
-                      <a:r>
-                        <a:rPr lang="ko-KR" altLang="en-US" sz="1400">
-                          <a:latin typeface="-윤고딕310" panose="02030504000101010101" pitchFamily="18" charset="-127"/>
-                          <a:ea typeface="-윤고딕310" panose="02030504000101010101" pitchFamily="18" charset="-127"/>
-                        </a:rPr>
-                        <a:t>시작 </a:t>
+                        <a:t>(20%) </a:t>
                       </a:r>
                       <a:r>
                         <a:rPr lang="ko-KR" altLang="en-US" sz="1400" dirty="0">
                           <a:latin typeface="-윤고딕310" panose="02030504000101010101" pitchFamily="18" charset="-127"/>
                           <a:ea typeface="-윤고딕310" panose="02030504000101010101" pitchFamily="18" charset="-127"/>
                         </a:rPr>
-                        <a:t>로고와 메인 메뉴는 완료되었다</a:t>
+                        <a:t>시작 로고와 메인 메뉴는 완료되었다</a:t>
                       </a:r>
                       <a:r>
                         <a:rPr lang="en-US" altLang="ko-KR" sz="1400" dirty="0">
@@ -11551,7 +11543,7 @@
                   </a:ext>
                 </a:extLst>
               </a:tr>
-              <a:tr h="576064">
+              <a:tr h="562353">
                 <a:tc>
                   <a:txBody>
                     <a:bodyPr/>
@@ -11646,6 +11638,130 @@
           </a:graphicData>
         </a:graphic>
       </p:graphicFrame>
+      <p:sp>
+        <p:nvSpPr>
+          <p:cNvPr id="8" name="제목 1">
+            <a:extLst>
+              <a:ext uri="{FF2B5EF4-FFF2-40B4-BE49-F238E27FC236}">
+                <a16:creationId xmlns:a16="http://schemas.microsoft.com/office/drawing/2014/main" id="{CAF6C5C1-666E-4AB8-8E69-74FCE42E6892}"/>
+              </a:ext>
+            </a:extLst>
+          </p:cNvPr>
+          <p:cNvSpPr txBox="1">
+            <a:spLocks/>
+          </p:cNvSpPr>
+          <p:nvPr/>
+        </p:nvSpPr>
+        <p:spPr bwMode="black">
+          <a:xfrm>
+            <a:off x="1172633" y="268239"/>
+            <a:ext cx="6798734" cy="785471"/>
+          </a:xfrm>
+          <a:prstGeom prst="rect">
+            <a:avLst/>
+          </a:prstGeom>
+        </p:spPr>
+        <p:txBody>
+          <a:bodyPr vert="horz" lIns="91440" tIns="45720" rIns="91440" bIns="45720" rtlCol="0" anchor="t">
+            <a:normAutofit/>
+          </a:bodyPr>
+          <a:lstStyle>
+            <a:lvl1pPr algn="ctr" defTabSz="914400" rtl="0" eaLnBrk="1" latinLnBrk="1" hangingPunct="1">
+              <a:spcBef>
+                <a:spcPct val="0"/>
+              </a:spcBef>
+              <a:buNone/>
+              <a:defRPr sz="4000" b="1" kern="1200">
+                <a:solidFill>
+                  <a:schemeClr val="tx1"/>
+                </a:solidFill>
+                <a:latin typeface="+mj-lt"/>
+                <a:ea typeface="+mj-ea"/>
+                <a:cs typeface="+mj-cs"/>
+              </a:defRPr>
+            </a:lvl1pPr>
+            <a:lvl2pPr eaLnBrk="1" latinLnBrk="1" hangingPunct="1">
+              <a:defRPr>
+                <a:solidFill>
+                  <a:schemeClr val="tx2"/>
+                </a:solidFill>
+              </a:defRPr>
+            </a:lvl2pPr>
+            <a:lvl3pPr eaLnBrk="1" latinLnBrk="1" hangingPunct="1">
+              <a:defRPr>
+                <a:solidFill>
+                  <a:schemeClr val="tx2"/>
+                </a:solidFill>
+              </a:defRPr>
+            </a:lvl3pPr>
+            <a:lvl4pPr eaLnBrk="1" latinLnBrk="1" hangingPunct="1">
+              <a:defRPr>
+                <a:solidFill>
+                  <a:schemeClr val="tx2"/>
+                </a:solidFill>
+              </a:defRPr>
+            </a:lvl4pPr>
+            <a:lvl5pPr eaLnBrk="1" latinLnBrk="1" hangingPunct="1">
+              <a:defRPr>
+                <a:solidFill>
+                  <a:schemeClr val="tx2"/>
+                </a:solidFill>
+              </a:defRPr>
+            </a:lvl5pPr>
+            <a:lvl6pPr eaLnBrk="1" latinLnBrk="1" hangingPunct="1">
+              <a:defRPr>
+                <a:solidFill>
+                  <a:schemeClr val="tx2"/>
+                </a:solidFill>
+              </a:defRPr>
+            </a:lvl6pPr>
+            <a:lvl7pPr eaLnBrk="1" latinLnBrk="1" hangingPunct="1">
+              <a:defRPr>
+                <a:solidFill>
+                  <a:schemeClr val="tx2"/>
+                </a:solidFill>
+              </a:defRPr>
+            </a:lvl7pPr>
+            <a:lvl8pPr eaLnBrk="1" latinLnBrk="1" hangingPunct="1">
+              <a:defRPr>
+                <a:solidFill>
+                  <a:schemeClr val="tx2"/>
+                </a:solidFill>
+              </a:defRPr>
+            </a:lvl8pPr>
+            <a:lvl9pPr eaLnBrk="1" latinLnBrk="1" hangingPunct="1">
+              <a:defRPr>
+                <a:solidFill>
+                  <a:schemeClr val="tx2"/>
+                </a:solidFill>
+              </a:defRPr>
+            </a:lvl9pPr>
+          </a:lstStyle>
+          <a:p>
+            <a:pPr algn="l"/>
+            <a:r>
+              <a:rPr lang="en-US" altLang="ko-KR" dirty="0">
+                <a:solidFill>
+                  <a:srgbClr val="336699"/>
+                </a:solidFill>
+                <a:latin typeface="나눔고딕 ExtraBold" panose="020D0904000000000000" pitchFamily="50" charset="-127"/>
+                <a:ea typeface="나눔고딕 ExtraBold" panose="020D0904000000000000" pitchFamily="50" charset="-127"/>
+              </a:rPr>
+              <a:t>	</a:t>
+            </a:r>
+            <a:r>
+              <a:rPr lang="ko-KR" altLang="en-US" dirty="0">
+                <a:solidFill>
+                  <a:srgbClr val="336699"/>
+                </a:solidFill>
+                <a:latin typeface="나눔고딕 ExtraBold" panose="020D0904000000000000" pitchFamily="50" charset="-127"/>
+                <a:ea typeface="나눔고딕 ExtraBold" panose="020D0904000000000000" pitchFamily="50" charset="-127"/>
+              </a:rPr>
+              <a:t>개발 상황</a:t>
+            </a:r>
+          </a:p>
+        </p:txBody>
+      </p:sp>
     </p:spTree>
     <p:extLst>
       <p:ext uri="{BB962C8B-B14F-4D97-AF65-F5344CB8AC3E}">
@@ -11705,31 +11821,41 @@
           </a:p>
         </p:txBody>
       </p:sp>
-      <p:sp>
-        <p:nvSpPr>
-          <p:cNvPr id="3" name="내용 개체 틀 2">
+      <p:pic>
+        <p:nvPicPr>
+          <p:cNvPr id="6" name="내용 개체 틀 5">
             <a:extLst>
               <a:ext uri="{FF2B5EF4-FFF2-40B4-BE49-F238E27FC236}">
-                <a16:creationId xmlns:a16="http://schemas.microsoft.com/office/drawing/2014/main" id="{9543CEB0-A7F7-4E72-B4B8-8EAAAB73203A}"/>
+                <a16:creationId xmlns:a16="http://schemas.microsoft.com/office/drawing/2014/main" id="{55BC1DFF-7D36-4BFA-B967-700FAE6CC989}"/>
               </a:ext>
             </a:extLst>
           </p:cNvPr>
-          <p:cNvSpPr>
-            <a:spLocks noGrp="1"/>
-          </p:cNvSpPr>
+          <p:cNvPicPr>
+            <a:picLocks noGrp="1" noChangeAspect="1"/>
+          </p:cNvPicPr>
           <p:nvPr>
             <p:ph idx="1"/>
           </p:nvPr>
-        </p:nvSpPr>
-        <p:spPr/>
-        <p:txBody>
-          <a:bodyPr/>
-          <a:lstStyle/>
-          <a:p>
-            <a:endParaRPr lang="ko-KR" altLang="en-US"/>
-          </a:p>
-        </p:txBody>
-      </p:sp>
+        </p:nvPicPr>
+        <p:blipFill>
+          <a:blip r:embed="rId2">
+            <a:extLst>
+              <a:ext uri="{28A0092B-C50C-407E-A947-70E740481C1C}">
+                <a14:useLocalDpi xmlns:a14="http://schemas.microsoft.com/office/drawing/2010/main" val="0"/>
+              </a:ext>
+            </a:extLst>
+          </a:blip>
+          <a:stretch>
+            <a:fillRect/>
+          </a:stretch>
+        </p:blipFill>
+        <p:spPr>
+          <a:xfrm>
+            <a:off x="964997" y="1600200"/>
+            <a:ext cx="7094944" cy="4525963"/>
+          </a:xfrm>
+        </p:spPr>
+      </p:pic>
       <p:sp>
         <p:nvSpPr>
           <p:cNvPr id="4" name="제목 3">

--- a/slides/Exodus_20171105.pptx
+++ b/slides/Exodus_20171105.pptx
@@ -22,35 +22,35 @@
   <p:notesSz cx="6858000" cy="9144000"/>
   <p:embeddedFontLst>
     <p:embeddedFont>
-      <p:font typeface="-윤고딕310" panose="02030504000101010101" pitchFamily="18" charset="-127"/>
+      <p:font typeface="맑은 고딕" panose="020B0503020000020004" pitchFamily="50" charset="-127"/>
       <p:regular r:id="rId10"/>
+      <p:bold r:id="rId11"/>
+    </p:embeddedFont>
+    <p:embeddedFont>
+      <p:font typeface="-윤고딕320" panose="02030504000101010101" pitchFamily="18" charset="-127"/>
+      <p:regular r:id="rId12"/>
     </p:embeddedFont>
     <p:embeddedFont>
       <p:font typeface="Corbel" panose="020B0503020204020204" pitchFamily="34" charset="0"/>
-      <p:regular r:id="rId11"/>
-      <p:bold r:id="rId12"/>
-      <p:italic r:id="rId13"/>
-      <p:boldItalic r:id="rId14"/>
-    </p:embeddedFont>
-    <p:embeddedFont>
-      <p:font typeface="Wingdings 2" panose="05020102010507070707" pitchFamily="18" charset="2"/>
-      <p:regular r:id="rId15"/>
-    </p:embeddedFont>
-    <p:embeddedFont>
-      <p:font typeface="나눔고딕 ExtraBold" panose="020D0904000000000000" pitchFamily="50" charset="-127"/>
-      <p:bold r:id="rId16"/>
+      <p:regular r:id="rId13"/>
+      <p:bold r:id="rId14"/>
+      <p:italic r:id="rId15"/>
+      <p:boldItalic r:id="rId16"/>
     </p:embeddedFont>
     <p:embeddedFont>
       <p:font typeface="Jacinto Sans" panose="00000400000000000000" pitchFamily="2" charset="0"/>
       <p:regular r:id="rId17"/>
     </p:embeddedFont>
     <p:embeddedFont>
-      <p:font typeface="맑은 고딕" panose="020B0503020000020004" pitchFamily="50" charset="-127"/>
+      <p:font typeface="Wingdings 2" panose="05020102010507070707" pitchFamily="18" charset="2"/>
       <p:regular r:id="rId18"/>
+    </p:embeddedFont>
+    <p:embeddedFont>
+      <p:font typeface="나눔고딕 ExtraBold" panose="020D0904000000000000" pitchFamily="50" charset="-127"/>
       <p:bold r:id="rId19"/>
     </p:embeddedFont>
     <p:embeddedFont>
-      <p:font typeface="-윤고딕320" panose="02030504000101010101" pitchFamily="18" charset="-127"/>
+      <p:font typeface="-윤고딕310" panose="02030504000101010101" pitchFamily="18" charset="-127"/>
       <p:regular r:id="rId20"/>
     </p:embeddedFont>
   </p:embeddedFontLst>
@@ -254,7 +254,7 @@
           <a:p>
             <a:fld id="{1132C5E1-A435-4934-A809-98B064A56FAB}" type="datetimeFigureOut">
               <a:rPr lang="ko-KR" altLang="en-US" smtClean="0"/>
-              <a:t>2017-11-19</a:t>
+              <a:t>2017-11-21</a:t>
             </a:fld>
             <a:endParaRPr lang="ko-KR" altLang="en-US"/>
           </a:p>
@@ -419,7 +419,7 @@
           <a:p>
             <a:fld id="{88516352-DFDA-4994-AF78-AD4E10DDDF59}" type="datetimeFigureOut">
               <a:rPr lang="ko-KR" altLang="en-US" smtClean="0"/>
-              <a:t>2017-11-19</a:t>
+              <a:t>2017-11-21</a:t>
             </a:fld>
             <a:endParaRPr lang="ko-KR" altLang="en-US"/>
           </a:p>
@@ -1008,7 +1008,7 @@
           <a:p>
             <a:fld id="{21FE6AF9-BCE9-4DFB-A515-A45A90F94332}" type="datetime1">
               <a:rPr lang="ko-KR" altLang="en-US" smtClean="0"/>
-              <a:t>2017-11-19</a:t>
+              <a:t>2017-11-21</a:t>
             </a:fld>
             <a:endParaRPr lang="ko-KR" altLang="en-US"/>
           </a:p>
@@ -2148,7 +2148,7 @@
           <a:p>
             <a:fld id="{3D82E0CA-4FAC-41B1-B7F0-0E34D3C7741F}" type="datetime1">
               <a:rPr lang="ko-KR" altLang="en-US" smtClean="0"/>
-              <a:t>2017-11-19</a:t>
+              <a:t>2017-11-21</a:t>
             </a:fld>
             <a:endParaRPr lang="ko-KR" altLang="en-US"/>
           </a:p>
@@ -2783,7 +2783,7 @@
           <a:p>
             <a:fld id="{6EC6C849-637F-4B6D-A21B-C699CE14E402}" type="datetime1">
               <a:rPr lang="ko-KR" altLang="en-US" smtClean="0"/>
-              <a:t>2017-11-19</a:t>
+              <a:t>2017-11-21</a:t>
             </a:fld>
             <a:endParaRPr lang="ko-KR" altLang="en-US"/>
           </a:p>
@@ -2935,7 +2935,7 @@
           <a:p>
             <a:fld id="{F72C1AF0-4C21-4958-A87D-912BF4804D9E}" type="datetime1">
               <a:rPr lang="ko-KR" altLang="en-US" smtClean="0"/>
-              <a:t>2017-11-19</a:t>
+              <a:t>2017-11-21</a:t>
             </a:fld>
             <a:endParaRPr lang="ko-KR" altLang="en-US"/>
           </a:p>
@@ -4064,7 +4064,7 @@
           <a:p>
             <a:fld id="{78A2EFD0-E54C-41DE-8AB6-09D30F283784}" type="datetime1">
               <a:rPr lang="ko-KR" altLang="en-US" smtClean="0"/>
-              <a:t>2017-11-19</a:t>
+              <a:t>2017-11-21</a:t>
             </a:fld>
             <a:endParaRPr lang="ko-KR" altLang="en-US"/>
           </a:p>
@@ -5177,7 +5177,7 @@
           <a:p>
             <a:fld id="{665C8944-2BF1-4F3A-8837-55AAB2268332}" type="datetime1">
               <a:rPr lang="ko-KR" altLang="en-US" smtClean="0"/>
-              <a:t>2017-11-19</a:t>
+              <a:t>2017-11-21</a:t>
             </a:fld>
             <a:endParaRPr lang="ko-KR" altLang="en-US"/>
           </a:p>
@@ -6140,7 +6140,7 @@
           <a:p>
             <a:fld id="{BCB4B30C-40CB-45DA-9E22-5D82D88354BA}" type="datetime1">
               <a:rPr lang="ko-KR" altLang="en-US" smtClean="0"/>
-              <a:t>2017-11-19</a:t>
+              <a:t>2017-11-21</a:t>
             </a:fld>
             <a:endParaRPr lang="ko-KR" altLang="en-US"/>
           </a:p>
@@ -6750,7 +6750,7 @@
           <a:p>
             <a:fld id="{BFC526FF-E8A1-4438-BA3C-A0CD2B0032CF}" type="datetime1">
               <a:rPr lang="ko-KR" altLang="en-US" smtClean="0"/>
-              <a:t>2017-11-19</a:t>
+              <a:t>2017-11-21</a:t>
             </a:fld>
             <a:endParaRPr lang="ko-KR" altLang="en-US"/>
           </a:p>
@@ -6845,7 +6845,7 @@
           <a:p>
             <a:fld id="{06AD4A8C-FC3A-4348-A534-CABC37D89D68}" type="datetime1">
               <a:rPr lang="ko-KR" altLang="en-US" smtClean="0"/>
-              <a:t>2017-11-19</a:t>
+              <a:t>2017-11-21</a:t>
             </a:fld>
             <a:endParaRPr lang="ko-KR" altLang="en-US"/>
           </a:p>
@@ -7122,7 +7122,7 @@
           <a:p>
             <a:fld id="{C6FE3D4F-439A-4CD0-BF8B-7567093C85E2}" type="datetime1">
               <a:rPr lang="ko-KR" altLang="en-US" smtClean="0"/>
-              <a:t>2017-11-19</a:t>
+              <a:t>2017-11-21</a:t>
             </a:fld>
             <a:endParaRPr lang="ko-KR" altLang="en-US"/>
           </a:p>
@@ -7843,7 +7843,7 @@
           <a:p>
             <a:fld id="{E33BD62D-4A1F-44A5-8C92-C26892A52C99}" type="datetime1">
               <a:rPr lang="ko-KR" altLang="en-US" smtClean="0"/>
-              <a:t>2017-11-19</a:t>
+              <a:t>2017-11-21</a:t>
             </a:fld>
             <a:endParaRPr lang="ko-KR" altLang="en-US"/>
           </a:p>
@@ -8478,7 +8478,7 @@
           <a:p>
             <a:fld id="{4353257E-279B-4B08-9750-1EE7B8D414BA}" type="datetime1">
               <a:rPr lang="ko-KR" altLang="en-US" smtClean="0"/>
-              <a:t>2017-11-19</a:t>
+              <a:t>2017-11-21</a:t>
             </a:fld>
             <a:endParaRPr lang="ko-KR" altLang="en-US"/>
           </a:p>
@@ -9760,7 +9760,7 @@
           <p:nvPr>
             <p:extLst>
               <p:ext uri="{D42A27DB-BD31-4B8C-83A1-F6EECF244321}">
-                <p14:modId xmlns:p14="http://schemas.microsoft.com/office/powerpoint/2010/main" val="4047564404"/>
+                <p14:modId xmlns:p14="http://schemas.microsoft.com/office/powerpoint/2010/main" val="1840049272"/>
               </p:ext>
             </p:extLst>
           </p:nvPr>
@@ -10574,7 +10574,7 @@
           <p:nvPr>
             <p:extLst>
               <p:ext uri="{D42A27DB-BD31-4B8C-83A1-F6EECF244321}">
-                <p14:modId xmlns:p14="http://schemas.microsoft.com/office/powerpoint/2010/main" val="2675710969"/>
+                <p14:modId xmlns:p14="http://schemas.microsoft.com/office/powerpoint/2010/main" val="2044415634"/>
               </p:ext>
             </p:extLst>
           </p:nvPr>
@@ -10983,7 +10983,7 @@
                           <a:latin typeface="-윤고딕310" panose="02030504000101010101" pitchFamily="18" charset="-127"/>
                           <a:ea typeface="-윤고딕310" panose="02030504000101010101" pitchFamily="18" charset="-127"/>
                         </a:rPr>
-                        <a:t>피격과 이동 등 그 외 부분은 완성되었다</a:t>
+                        <a:t>이동 부분은 완성되었다</a:t>
                       </a:r>
                       <a:r>
                         <a:rPr lang="en-US" altLang="ko-KR" sz="1400" dirty="0">
@@ -11966,31 +11966,41 @@
           </a:p>
         </p:txBody>
       </p:sp>
-      <p:sp>
-        <p:nvSpPr>
-          <p:cNvPr id="3" name="내용 개체 틀 2">
+      <p:pic>
+        <p:nvPicPr>
+          <p:cNvPr id="6" name="내용 개체 틀 5">
             <a:extLst>
               <a:ext uri="{FF2B5EF4-FFF2-40B4-BE49-F238E27FC236}">
-                <a16:creationId xmlns:a16="http://schemas.microsoft.com/office/drawing/2014/main" id="{9543CEB0-A7F7-4E72-B4B8-8EAAAB73203A}"/>
+                <a16:creationId xmlns:a16="http://schemas.microsoft.com/office/drawing/2014/main" id="{1D46C847-E9EA-47C9-90D5-1764B9B1A6B9}"/>
               </a:ext>
             </a:extLst>
           </p:cNvPr>
-          <p:cNvSpPr>
-            <a:spLocks noGrp="1"/>
-          </p:cNvSpPr>
+          <p:cNvPicPr>
+            <a:picLocks noGrp="1" noChangeAspect="1"/>
+          </p:cNvPicPr>
           <p:nvPr>
             <p:ph idx="1"/>
           </p:nvPr>
-        </p:nvSpPr>
-        <p:spPr/>
-        <p:txBody>
-          <a:bodyPr/>
-          <a:lstStyle/>
-          <a:p>
-            <a:endParaRPr lang="ko-KR" altLang="en-US" dirty="0"/>
-          </a:p>
-        </p:txBody>
-      </p:sp>
+        </p:nvPicPr>
+        <p:blipFill>
+          <a:blip r:embed="rId2">
+            <a:extLst>
+              <a:ext uri="{28A0092B-C50C-407E-A947-70E740481C1C}">
+                <a14:useLocalDpi xmlns:a14="http://schemas.microsoft.com/office/drawing/2010/main" val="0"/>
+              </a:ext>
+            </a:extLst>
+          </a:blip>
+          <a:stretch>
+            <a:fillRect/>
+          </a:stretch>
+        </p:blipFill>
+        <p:spPr>
+          <a:xfrm>
+            <a:off x="1464850" y="2148896"/>
+            <a:ext cx="6095238" cy="3428571"/>
+          </a:xfrm>
+        </p:spPr>
+      </p:pic>
       <p:sp>
         <p:nvSpPr>
           <p:cNvPr id="4" name="제목 3">
